--- a/figures/access.pptx
+++ b/figures/access.pptx
@@ -7,7 +7,6 @@
   <p:sldIdLst>
     <p:sldId id="257" r:id="rId2"/>
     <p:sldId id="259" r:id="rId3"/>
-    <p:sldId id="258" r:id="rId4"/>
   </p:sldIdLst>
   <p:sldSz cx="12192000" cy="6858000"/>
   <p:notesSz cx="6858000" cy="9144000"/>
@@ -245,7 +244,7 @@
           <a:p>
             <a:fld id="{5D97E163-DB95-D24D-8C95-263DECB1FC34}" type="datetimeFigureOut">
               <a:rPr lang="en-US" smtClean="0"/>
-              <a:t>11/9/18</a:t>
+              <a:t>12/31/18</a:t>
             </a:fld>
             <a:endParaRPr lang="en-US"/>
           </a:p>
@@ -415,7 +414,7 @@
           <a:p>
             <a:fld id="{5D97E163-DB95-D24D-8C95-263DECB1FC34}" type="datetimeFigureOut">
               <a:rPr lang="en-US" smtClean="0"/>
-              <a:t>11/9/18</a:t>
+              <a:t>12/31/18</a:t>
             </a:fld>
             <a:endParaRPr lang="en-US"/>
           </a:p>
@@ -595,7 +594,7 @@
           <a:p>
             <a:fld id="{5D97E163-DB95-D24D-8C95-263DECB1FC34}" type="datetimeFigureOut">
               <a:rPr lang="en-US" smtClean="0"/>
-              <a:t>11/9/18</a:t>
+              <a:t>12/31/18</a:t>
             </a:fld>
             <a:endParaRPr lang="en-US"/>
           </a:p>
@@ -765,7 +764,7 @@
           <a:p>
             <a:fld id="{5D97E163-DB95-D24D-8C95-263DECB1FC34}" type="datetimeFigureOut">
               <a:rPr lang="en-US" smtClean="0"/>
-              <a:t>11/9/18</a:t>
+              <a:t>12/31/18</a:t>
             </a:fld>
             <a:endParaRPr lang="en-US"/>
           </a:p>
@@ -1011,7 +1010,7 @@
           <a:p>
             <a:fld id="{5D97E163-DB95-D24D-8C95-263DECB1FC34}" type="datetimeFigureOut">
               <a:rPr lang="en-US" smtClean="0"/>
-              <a:t>11/9/18</a:t>
+              <a:t>12/31/18</a:t>
             </a:fld>
             <a:endParaRPr lang="en-US"/>
           </a:p>
@@ -1243,7 +1242,7 @@
           <a:p>
             <a:fld id="{5D97E163-DB95-D24D-8C95-263DECB1FC34}" type="datetimeFigureOut">
               <a:rPr lang="en-US" smtClean="0"/>
-              <a:t>11/9/18</a:t>
+              <a:t>12/31/18</a:t>
             </a:fld>
             <a:endParaRPr lang="en-US"/>
           </a:p>
@@ -1610,7 +1609,7 @@
           <a:p>
             <a:fld id="{5D97E163-DB95-D24D-8C95-263DECB1FC34}" type="datetimeFigureOut">
               <a:rPr lang="en-US" smtClean="0"/>
-              <a:t>11/9/18</a:t>
+              <a:t>12/31/18</a:t>
             </a:fld>
             <a:endParaRPr lang="en-US"/>
           </a:p>
@@ -1728,7 +1727,7 @@
           <a:p>
             <a:fld id="{5D97E163-DB95-D24D-8C95-263DECB1FC34}" type="datetimeFigureOut">
               <a:rPr lang="en-US" smtClean="0"/>
-              <a:t>11/9/18</a:t>
+              <a:t>12/31/18</a:t>
             </a:fld>
             <a:endParaRPr lang="en-US"/>
           </a:p>
@@ -1823,7 +1822,7 @@
           <a:p>
             <a:fld id="{5D97E163-DB95-D24D-8C95-263DECB1FC34}" type="datetimeFigureOut">
               <a:rPr lang="en-US" smtClean="0"/>
-              <a:t>11/9/18</a:t>
+              <a:t>12/31/18</a:t>
             </a:fld>
             <a:endParaRPr lang="en-US"/>
           </a:p>
@@ -2100,7 +2099,7 @@
           <a:p>
             <a:fld id="{5D97E163-DB95-D24D-8C95-263DECB1FC34}" type="datetimeFigureOut">
               <a:rPr lang="en-US" smtClean="0"/>
-              <a:t>11/9/18</a:t>
+              <a:t>12/31/18</a:t>
             </a:fld>
             <a:endParaRPr lang="en-US"/>
           </a:p>
@@ -2353,7 +2352,7 @@
           <a:p>
             <a:fld id="{5D97E163-DB95-D24D-8C95-263DECB1FC34}" type="datetimeFigureOut">
               <a:rPr lang="en-US" smtClean="0"/>
-              <a:t>11/9/18</a:t>
+              <a:t>12/31/18</a:t>
             </a:fld>
             <a:endParaRPr lang="en-US"/>
           </a:p>
@@ -2566,7 +2565,7 @@
           <a:p>
             <a:fld id="{5D97E163-DB95-D24D-8C95-263DECB1FC34}" type="datetimeFigureOut">
               <a:rPr lang="en-US" smtClean="0"/>
-              <a:t>11/9/18</a:t>
+              <a:t>12/31/18</a:t>
             </a:fld>
             <a:endParaRPr lang="en-US"/>
           </a:p>
@@ -4651,7 +4650,7 @@
         <p:spPr>
           <a:xfrm flipH="1" flipV="1">
             <a:off x="4779797" y="2504028"/>
-            <a:ext cx="1146104" cy="887051"/>
+            <a:ext cx="1146104" cy="839563"/>
           </a:xfrm>
           <a:prstGeom prst="line">
             <a:avLst/>
@@ -4683,8 +4682,8 @@
         </p:nvCxnSpPr>
         <p:spPr>
           <a:xfrm flipH="1">
-            <a:off x="4779797" y="3391079"/>
-            <a:ext cx="1146104" cy="1079401"/>
+            <a:off x="4779797" y="3343591"/>
+            <a:ext cx="1146104" cy="1126889"/>
           </a:xfrm>
           <a:prstGeom prst="line">
             <a:avLst/>
@@ -4866,15 +4865,7 @@
                   <a:schemeClr val="tx1"/>
                 </a:solidFill>
               </a:rPr>
-              <a:t>BB</a:t>
-            </a:r>
-            <a:r>
-              <a:rPr lang="en-US" sz="2000" dirty="0" smtClean="0">
-                <a:solidFill>
-                  <a:schemeClr val="tx1"/>
-                </a:solidFill>
-              </a:rPr>
-              <a:t>U</a:t>
+              <a:t>BBU</a:t>
             </a:r>
             <a:endParaRPr lang="en-US" sz="2000" dirty="0">
               <a:solidFill>
@@ -5228,637 +5219,16 @@
           </a:prstGeom>
         </p:spPr>
       </p:pic>
-      <p:grpSp>
-        <p:nvGrpSpPr>
-          <p:cNvPr id="3" name="Group 2"/>
-          <p:cNvGrpSpPr/>
-          <p:nvPr/>
-        </p:nvGrpSpPr>
-        <p:grpSpPr>
-          <a:xfrm>
-            <a:off x="5925901" y="2292163"/>
-            <a:ext cx="2025939" cy="2197832"/>
-            <a:chOff x="7574106" y="2256179"/>
-            <a:chExt cx="2025939" cy="2197832"/>
-          </a:xfrm>
-        </p:grpSpPr>
-        <p:sp>
-          <p:nvSpPr>
-            <p:cNvPr id="255" name="Rectangle 254"/>
-            <p:cNvSpPr/>
-            <p:nvPr/>
-          </p:nvSpPr>
-          <p:spPr>
-            <a:xfrm>
-              <a:off x="7574106" y="2256179"/>
-              <a:ext cx="2025939" cy="2197832"/>
-            </a:xfrm>
-            <a:prstGeom prst="rect">
-              <a:avLst/>
-            </a:prstGeom>
-            <a:solidFill>
-              <a:schemeClr val="bg1"/>
-            </a:solidFill>
-            <a:ln w="28575">
-              <a:solidFill>
-                <a:srgbClr val="00B0F0"/>
-              </a:solidFill>
-            </a:ln>
-          </p:spPr>
-          <p:style>
-            <a:lnRef idx="2">
-              <a:schemeClr val="accent1">
-                <a:shade val="50000"/>
-              </a:schemeClr>
-            </a:lnRef>
-            <a:fillRef idx="1">
-              <a:schemeClr val="accent1"/>
-            </a:fillRef>
-            <a:effectRef idx="0">
-              <a:schemeClr val="accent1"/>
-            </a:effectRef>
-            <a:fontRef idx="minor">
-              <a:schemeClr val="lt1"/>
-            </a:fontRef>
-          </p:style>
-          <p:txBody>
-            <a:bodyPr rtlCol="0" anchor="t"/>
-            <a:lstStyle/>
-            <a:p>
-              <a:pPr algn="ctr">
-                <a:lnSpc>
-                  <a:spcPct val="90000"/>
-                </a:lnSpc>
-              </a:pPr>
-              <a:r>
-                <a:rPr lang="en-US" sz="2000" dirty="0" smtClean="0">
-                  <a:solidFill>
-                    <a:schemeClr val="tx1"/>
-                  </a:solidFill>
-                </a:rPr>
-                <a:t>EPC</a:t>
-              </a:r>
-              <a:endParaRPr lang="en-US" sz="2000" dirty="0">
-                <a:solidFill>
-                  <a:schemeClr val="tx1"/>
-                </a:solidFill>
-              </a:endParaRPr>
-            </a:p>
-          </p:txBody>
-        </p:sp>
-        <p:sp>
-          <p:nvSpPr>
-            <p:cNvPr id="95" name="Rectangle 94"/>
-            <p:cNvSpPr/>
-            <p:nvPr/>
-          </p:nvSpPr>
-          <p:spPr>
-            <a:xfrm>
-              <a:off x="7746822" y="3649898"/>
-              <a:ext cx="1704795" cy="672672"/>
-            </a:xfrm>
-            <a:prstGeom prst="rect">
-              <a:avLst/>
-            </a:prstGeom>
-            <a:solidFill>
-              <a:schemeClr val="bg1"/>
-            </a:solidFill>
-            <a:ln w="28575">
-              <a:solidFill>
-                <a:schemeClr val="tx1"/>
-              </a:solidFill>
-            </a:ln>
-          </p:spPr>
-          <p:style>
-            <a:lnRef idx="2">
-              <a:schemeClr val="accent1">
-                <a:shade val="50000"/>
-              </a:schemeClr>
-            </a:lnRef>
-            <a:fillRef idx="1">
-              <a:schemeClr val="accent1"/>
-            </a:fillRef>
-            <a:effectRef idx="0">
-              <a:schemeClr val="accent1"/>
-            </a:effectRef>
-            <a:fontRef idx="minor">
-              <a:schemeClr val="lt1"/>
-            </a:fontRef>
-          </p:style>
-          <p:txBody>
-            <a:bodyPr rtlCol="0" anchor="ctr"/>
-            <a:lstStyle/>
-            <a:p>
-              <a:pPr algn="ctr">
-                <a:lnSpc>
-                  <a:spcPct val="90000"/>
-                </a:lnSpc>
-              </a:pPr>
-              <a:r>
-                <a:rPr lang="en-US" sz="2000" dirty="0" smtClean="0">
-                  <a:solidFill>
-                    <a:schemeClr val="tx1"/>
-                  </a:solidFill>
-                </a:rPr>
-                <a:t>S/PGW</a:t>
-              </a:r>
-              <a:endParaRPr lang="en-US" sz="2000" dirty="0">
-                <a:solidFill>
-                  <a:schemeClr val="tx1"/>
-                </a:solidFill>
-              </a:endParaRPr>
-            </a:p>
-          </p:txBody>
-        </p:sp>
-        <p:cxnSp>
-          <p:nvCxnSpPr>
-            <p:cNvPr id="38" name="Straight Connector 37"/>
-            <p:cNvCxnSpPr>
-              <a:stCxn id="95" idx="0"/>
-              <a:endCxn id="101" idx="2"/>
-            </p:cNvCxnSpPr>
-            <p:nvPr/>
-          </p:nvCxnSpPr>
-          <p:spPr>
-            <a:xfrm flipH="1" flipV="1">
-              <a:off x="8596374" y="3294619"/>
-              <a:ext cx="2846" cy="355279"/>
-            </a:xfrm>
-            <a:prstGeom prst="line">
-              <a:avLst/>
-            </a:prstGeom>
-            <a:ln w="28575">
-              <a:solidFill>
-                <a:schemeClr val="tx1"/>
-              </a:solidFill>
-            </a:ln>
-          </p:spPr>
-          <p:style>
-            <a:lnRef idx="1">
-              <a:schemeClr val="accent1"/>
-            </a:lnRef>
-            <a:fillRef idx="0">
-              <a:schemeClr val="accent1"/>
-            </a:fillRef>
-            <a:effectRef idx="0">
-              <a:schemeClr val="accent1"/>
-            </a:effectRef>
-            <a:fontRef idx="minor">
-              <a:schemeClr val="tx1"/>
-            </a:fontRef>
-          </p:style>
-        </p:cxnSp>
-        <p:sp>
-          <p:nvSpPr>
-            <p:cNvPr id="101" name="Rectangle 100"/>
-            <p:cNvSpPr/>
-            <p:nvPr/>
-          </p:nvSpPr>
-          <p:spPr>
-            <a:xfrm>
-              <a:off x="7741131" y="2621947"/>
-              <a:ext cx="1710486" cy="672672"/>
-            </a:xfrm>
-            <a:prstGeom prst="rect">
-              <a:avLst/>
-            </a:prstGeom>
-            <a:solidFill>
-              <a:schemeClr val="bg1"/>
-            </a:solidFill>
-            <a:ln w="28575">
-              <a:solidFill>
-                <a:schemeClr val="tx1"/>
-              </a:solidFill>
-            </a:ln>
-          </p:spPr>
-          <p:style>
-            <a:lnRef idx="2">
-              <a:schemeClr val="accent1">
-                <a:shade val="50000"/>
-              </a:schemeClr>
-            </a:lnRef>
-            <a:fillRef idx="1">
-              <a:schemeClr val="accent1"/>
-            </a:fillRef>
-            <a:effectRef idx="0">
-              <a:schemeClr val="accent1"/>
-            </a:effectRef>
-            <a:fontRef idx="minor">
-              <a:schemeClr val="lt1"/>
-            </a:fontRef>
-          </p:style>
-          <p:txBody>
-            <a:bodyPr rtlCol="0" anchor="ctr"/>
-            <a:lstStyle/>
-            <a:p>
-              <a:pPr algn="ctr">
-                <a:lnSpc>
-                  <a:spcPct val="90000"/>
-                </a:lnSpc>
-              </a:pPr>
-              <a:r>
-                <a:rPr lang="en-US" sz="2000" smtClean="0">
-                  <a:solidFill>
-                    <a:schemeClr val="tx1"/>
-                  </a:solidFill>
-                </a:rPr>
-                <a:t>MME</a:t>
-              </a:r>
-              <a:endParaRPr lang="en-US" sz="2000" dirty="0">
-                <a:solidFill>
-                  <a:schemeClr val="tx1"/>
-                </a:solidFill>
-              </a:endParaRPr>
-            </a:p>
-          </p:txBody>
-        </p:sp>
-      </p:grpSp>
-      <p:cxnSp>
-        <p:nvCxnSpPr>
-          <p:cNvPr id="248" name="Straight Arrow Connector 247"/>
-          <p:cNvCxnSpPr>
-            <a:stCxn id="95" idx="3"/>
-            <a:endCxn id="246" idx="1"/>
-          </p:cNvCxnSpPr>
-          <p:nvPr/>
-        </p:nvCxnSpPr>
-        <p:spPr>
-          <a:xfrm flipV="1">
-            <a:off x="7803412" y="4004697"/>
-            <a:ext cx="2389953" cy="17521"/>
-          </a:xfrm>
-          <a:prstGeom prst="straightConnector1">
-            <a:avLst/>
-          </a:prstGeom>
-          <a:ln w="28575">
-            <a:solidFill>
-              <a:schemeClr val="tx1"/>
-            </a:solidFill>
-            <a:headEnd type="triangle" w="med" len="med"/>
-            <a:tailEnd type="triangle" w="med" len="med"/>
-          </a:ln>
-        </p:spPr>
-        <p:style>
-          <a:lnRef idx="1">
-            <a:schemeClr val="accent1"/>
-          </a:lnRef>
-          <a:fillRef idx="0">
-            <a:schemeClr val="accent1"/>
-          </a:fillRef>
-          <a:effectRef idx="0">
-            <a:schemeClr val="accent1"/>
-          </a:effectRef>
-          <a:fontRef idx="minor">
-            <a:schemeClr val="tx1"/>
-          </a:fontRef>
-        </p:style>
-      </p:cxnSp>
-      <p:sp>
-        <p:nvSpPr>
-          <p:cNvPr id="111" name="TextBox 110"/>
-          <p:cNvSpPr txBox="1"/>
-          <p:nvPr/>
-        </p:nvSpPr>
-        <p:spPr>
-          <a:xfrm>
-            <a:off x="10185406" y="2624665"/>
-            <a:ext cx="2050838" cy="707886"/>
-          </a:xfrm>
-          <a:prstGeom prst="rect">
-            <a:avLst/>
-          </a:prstGeom>
-          <a:noFill/>
-        </p:spPr>
-        <p:txBody>
-          <a:bodyPr wrap="square" rtlCol="0">
-            <a:spAutoFit/>
-          </a:bodyPr>
-          <a:lstStyle/>
-          <a:p>
-            <a:r>
-              <a:rPr lang="en-US" sz="2000" dirty="0" smtClean="0"/>
-              <a:t>To/From the ISP’s Subscriber DB</a:t>
-            </a:r>
-            <a:endParaRPr lang="en-US" sz="2000" dirty="0"/>
-          </a:p>
-        </p:txBody>
-      </p:sp>
-      <p:cxnSp>
-        <p:nvCxnSpPr>
-          <p:cNvPr id="114" name="Straight Arrow Connector 113"/>
-          <p:cNvCxnSpPr>
-            <a:stCxn id="101" idx="3"/>
-            <a:endCxn id="111" idx="1"/>
-          </p:cNvCxnSpPr>
-          <p:nvPr/>
-        </p:nvCxnSpPr>
-        <p:spPr>
-          <a:xfrm flipV="1">
-            <a:off x="7803412" y="2978608"/>
-            <a:ext cx="2381994" cy="15659"/>
-          </a:xfrm>
-          <a:prstGeom prst="straightConnector1">
-            <a:avLst/>
-          </a:prstGeom>
-          <a:ln w="28575">
-            <a:solidFill>
-              <a:schemeClr val="tx1"/>
-            </a:solidFill>
-            <a:headEnd type="triangle" w="med" len="med"/>
-            <a:tailEnd type="triangle" w="med" len="med"/>
-          </a:ln>
-        </p:spPr>
-        <p:style>
-          <a:lnRef idx="1">
-            <a:schemeClr val="accent1"/>
-          </a:lnRef>
-          <a:fillRef idx="0">
-            <a:schemeClr val="accent1"/>
-          </a:fillRef>
-          <a:effectRef idx="0">
-            <a:schemeClr val="accent1"/>
-          </a:effectRef>
-          <a:fontRef idx="minor">
-            <a:schemeClr val="tx1"/>
-          </a:fontRef>
-        </p:style>
-      </p:cxnSp>
-      <p:sp>
-        <p:nvSpPr>
-          <p:cNvPr id="57" name="Oval 56"/>
+      <p:sp>
+        <p:nvSpPr>
+          <p:cNvPr id="255" name="Rectangle 254"/>
           <p:cNvSpPr/>
           <p:nvPr/>
         </p:nvSpPr>
         <p:spPr>
           <a:xfrm>
-            <a:off x="1313602" y="1188351"/>
-            <a:ext cx="2737179" cy="2779504"/>
-          </a:xfrm>
-          <a:prstGeom prst="ellipse">
-            <a:avLst/>
-          </a:prstGeom>
-          <a:noFill/>
-        </p:spPr>
-        <p:style>
-          <a:lnRef idx="2">
-            <a:schemeClr val="accent1"/>
-          </a:lnRef>
-          <a:fillRef idx="1">
-            <a:schemeClr val="lt1"/>
-          </a:fillRef>
-          <a:effectRef idx="0">
-            <a:schemeClr val="accent1"/>
-          </a:effectRef>
-          <a:fontRef idx="minor">
-            <a:schemeClr val="dk1"/>
-          </a:fontRef>
-        </p:style>
-        <p:txBody>
-          <a:bodyPr rtlCol="0" anchor="ctr"/>
-          <a:lstStyle/>
-          <a:p>
-            <a:pPr algn="ctr"/>
-            <a:endParaRPr lang="en-US"/>
-          </a:p>
-        </p:txBody>
-      </p:sp>
-      <p:sp>
-        <p:nvSpPr>
-          <p:cNvPr id="119" name="Oval 118"/>
-          <p:cNvSpPr/>
-          <p:nvPr/>
-        </p:nvSpPr>
-        <p:spPr>
-          <a:xfrm>
-            <a:off x="1312852" y="3152276"/>
-            <a:ext cx="2737179" cy="2779504"/>
-          </a:xfrm>
-          <a:prstGeom prst="ellipse">
-            <a:avLst/>
-          </a:prstGeom>
-          <a:noFill/>
-        </p:spPr>
-        <p:style>
-          <a:lnRef idx="2">
-            <a:schemeClr val="accent1"/>
-          </a:lnRef>
-          <a:fillRef idx="1">
-            <a:schemeClr val="lt1"/>
-          </a:fillRef>
-          <a:effectRef idx="0">
-            <a:schemeClr val="accent1"/>
-          </a:effectRef>
-          <a:fontRef idx="minor">
-            <a:schemeClr val="dk1"/>
-          </a:fontRef>
-        </p:style>
-        <p:txBody>
-          <a:bodyPr rtlCol="0" anchor="ctr"/>
-          <a:lstStyle/>
-          <a:p>
-            <a:pPr algn="ctr"/>
-            <a:endParaRPr lang="en-US"/>
-          </a:p>
-        </p:txBody>
-      </p:sp>
-      <p:sp>
-        <p:nvSpPr>
-          <p:cNvPr id="58" name="TextBox 57"/>
-          <p:cNvSpPr txBox="1"/>
-          <p:nvPr/>
-        </p:nvSpPr>
-        <p:spPr>
-          <a:xfrm>
-            <a:off x="2422669" y="1247974"/>
-            <a:ext cx="529312" cy="369332"/>
-          </a:xfrm>
-          <a:prstGeom prst="rect">
-            <a:avLst/>
-          </a:prstGeom>
-          <a:noFill/>
-        </p:spPr>
-        <p:txBody>
-          <a:bodyPr wrap="none" rtlCol="0">
-            <a:spAutoFit/>
-          </a:bodyPr>
-          <a:lstStyle/>
-          <a:p>
-            <a:r>
-              <a:rPr lang="en-US" smtClean="0"/>
-              <a:t>Cell</a:t>
-            </a:r>
-            <a:endParaRPr lang="en-US"/>
-          </a:p>
-        </p:txBody>
-      </p:sp>
-      <p:sp>
-        <p:nvSpPr>
-          <p:cNvPr id="121" name="TextBox 120"/>
-          <p:cNvSpPr txBox="1"/>
-          <p:nvPr/>
-        </p:nvSpPr>
-        <p:spPr>
-          <a:xfrm>
-            <a:off x="2402787" y="5487852"/>
-            <a:ext cx="529312" cy="369332"/>
-          </a:xfrm>
-          <a:prstGeom prst="rect">
-            <a:avLst/>
-          </a:prstGeom>
-          <a:noFill/>
-        </p:spPr>
-        <p:txBody>
-          <a:bodyPr wrap="none" rtlCol="0">
-            <a:spAutoFit/>
-          </a:bodyPr>
-          <a:lstStyle/>
-          <a:p>
-            <a:r>
-              <a:rPr lang="en-US" smtClean="0"/>
-              <a:t>Cell</a:t>
-            </a:r>
-            <a:endParaRPr lang="en-US"/>
-          </a:p>
-        </p:txBody>
-      </p:sp>
-      <p:sp>
-        <p:nvSpPr>
-          <p:cNvPr id="49" name="TextBox 48"/>
-          <p:cNvSpPr txBox="1"/>
-          <p:nvPr/>
-        </p:nvSpPr>
-        <p:spPr>
-          <a:xfrm rot="16200000">
-            <a:off x="-323090" y="3189303"/>
-            <a:ext cx="2798523" cy="461665"/>
-          </a:xfrm>
-          <a:prstGeom prst="rect">
-            <a:avLst/>
-          </a:prstGeom>
-          <a:noFill/>
-        </p:spPr>
-        <p:txBody>
-          <a:bodyPr wrap="none" rtlCol="0">
-            <a:spAutoFit/>
-          </a:bodyPr>
-          <a:lstStyle/>
-          <a:p>
-            <a:pPr algn="ctr"/>
-            <a:r>
-              <a:rPr lang="en-US" sz="2400" smtClean="0"/>
-              <a:t>User Equipment (UE)</a:t>
-            </a:r>
-            <a:endParaRPr lang="en-US" sz="2400" dirty="0"/>
-          </a:p>
-        </p:txBody>
-      </p:sp>
-    </p:spTree>
-    <p:extLst>
-      <p:ext uri="{BB962C8B-B14F-4D97-AF65-F5344CB8AC3E}">
-        <p14:creationId xmlns:p14="http://schemas.microsoft.com/office/powerpoint/2010/main" val="1281576442"/>
-      </p:ext>
-    </p:extLst>
-  </p:cSld>
-  <p:clrMapOvr>
-    <a:masterClrMapping/>
-  </p:clrMapOvr>
-  <p:timing>
-    <p:tnLst>
-      <p:par>
-        <p:cTn id="1" dur="indefinite" restart="never" nodeType="tmRoot"/>
-      </p:par>
-    </p:tnLst>
-  </p:timing>
-</p:sld>
-</file>
-
-<file path=ppt/slides/slide3.xml><?xml version="1.0" encoding="utf-8"?>
-<p:sld xmlns:a="http://schemas.openxmlformats.org/drawingml/2006/main" xmlns:r="http://schemas.openxmlformats.org/officeDocument/2006/relationships" xmlns:p="http://schemas.openxmlformats.org/presentationml/2006/main">
-  <p:cSld>
-    <p:spTree>
-      <p:nvGrpSpPr>
-        <p:cNvPr id="1" name=""/>
-        <p:cNvGrpSpPr/>
-        <p:nvPr/>
-      </p:nvGrpSpPr>
-      <p:grpSpPr>
-        <a:xfrm>
-          <a:off x="0" y="0"/>
-          <a:ext cx="0" cy="0"/>
-          <a:chOff x="0" y="0"/>
-          <a:chExt cx="0" cy="0"/>
-        </a:xfrm>
-      </p:grpSpPr>
-      <p:sp>
-        <p:nvSpPr>
-          <p:cNvPr id="4" name="Rectangle 3"/>
-          <p:cNvSpPr/>
-          <p:nvPr/>
-        </p:nvSpPr>
-        <p:spPr>
-          <a:xfrm>
-            <a:off x="5369601" y="1472486"/>
-            <a:ext cx="4425563" cy="4083190"/>
-          </a:xfrm>
-          <a:prstGeom prst="rect">
-            <a:avLst/>
-          </a:prstGeom>
-          <a:solidFill>
-            <a:srgbClr val="CFE7F1"/>
-          </a:solidFill>
-          <a:ln w="57150">
-            <a:solidFill>
-              <a:srgbClr val="00B0F0"/>
-            </a:solidFill>
-          </a:ln>
-        </p:spPr>
-        <p:style>
-          <a:lnRef idx="2">
-            <a:schemeClr val="accent1">
-              <a:shade val="50000"/>
-            </a:schemeClr>
-          </a:lnRef>
-          <a:fillRef idx="1">
-            <a:schemeClr val="accent1"/>
-          </a:fillRef>
-          <a:effectRef idx="0">
-            <a:schemeClr val="accent1"/>
-          </a:effectRef>
-          <a:fontRef idx="minor">
-            <a:schemeClr val="lt1"/>
-          </a:fontRef>
-        </p:style>
-        <p:txBody>
-          <a:bodyPr rtlCol="0" anchor="b"/>
-          <a:lstStyle/>
-          <a:p>
-            <a:pPr algn="ctr"/>
-            <a:r>
-              <a:rPr lang="en-US" sz="2400" dirty="0" smtClean="0">
-                <a:solidFill>
-                  <a:schemeClr val="tx1"/>
-                </a:solidFill>
-              </a:rPr>
-              <a:t>Central Office</a:t>
-            </a:r>
-            <a:endParaRPr lang="en-US" sz="2400" dirty="0">
-              <a:solidFill>
-                <a:schemeClr val="tx1"/>
-              </a:solidFill>
-            </a:endParaRPr>
-          </a:p>
-        </p:txBody>
-      </p:sp>
-      <p:sp>
-        <p:nvSpPr>
-          <p:cNvPr id="21" name="Rectangle 20"/>
-          <p:cNvSpPr/>
-          <p:nvPr/>
-        </p:nvSpPr>
-        <p:spPr>
-          <a:xfrm>
-            <a:off x="5897714" y="2915122"/>
-            <a:ext cx="1046012" cy="1042043"/>
+            <a:off x="5925901" y="2182439"/>
+            <a:ext cx="3616305" cy="2322304"/>
           </a:xfrm>
           <a:prstGeom prst="rect">
             <a:avLst/>
@@ -5889,324 +5259,6 @@
           </a:fontRef>
         </p:style>
         <p:txBody>
-          <a:bodyPr rtlCol="0" anchor="ctr"/>
-          <a:lstStyle/>
-          <a:p>
-            <a:pPr algn="ctr">
-              <a:lnSpc>
-                <a:spcPct val="90000"/>
-              </a:lnSpc>
-            </a:pPr>
-            <a:r>
-              <a:rPr lang="en-US" sz="2000" dirty="0" smtClean="0">
-                <a:solidFill>
-                  <a:schemeClr val="tx1"/>
-                </a:solidFill>
-              </a:rPr>
-              <a:t>CU</a:t>
-            </a:r>
-            <a:endParaRPr lang="en-US" sz="2000" dirty="0">
-              <a:solidFill>
-                <a:schemeClr val="tx1"/>
-              </a:solidFill>
-            </a:endParaRPr>
-          </a:p>
-        </p:txBody>
-      </p:sp>
-      <p:sp>
-        <p:nvSpPr>
-          <p:cNvPr id="2" name="TextBox 1"/>
-          <p:cNvSpPr txBox="1"/>
-          <p:nvPr/>
-        </p:nvSpPr>
-        <p:spPr>
-          <a:xfrm>
-            <a:off x="6266373" y="3956388"/>
-            <a:ext cx="308693" cy="923330"/>
-          </a:xfrm>
-          <a:prstGeom prst="rect">
-            <a:avLst/>
-          </a:prstGeom>
-          <a:noFill/>
-        </p:spPr>
-        <p:txBody>
-          <a:bodyPr wrap="square" rtlCol="0">
-            <a:spAutoFit/>
-          </a:bodyPr>
-          <a:lstStyle/>
-          <a:p>
-            <a:r>
-              <a:rPr lang="en-US" b="1" dirty="0" smtClean="0"/>
-              <a:t>.</a:t>
-            </a:r>
-          </a:p>
-          <a:p>
-            <a:r>
-              <a:rPr lang="en-US" b="1" dirty="0" smtClean="0"/>
-              <a:t>.</a:t>
-            </a:r>
-          </a:p>
-          <a:p>
-            <a:r>
-              <a:rPr lang="en-US" b="1" dirty="0"/>
-              <a:t>.</a:t>
-            </a:r>
-          </a:p>
-        </p:txBody>
-      </p:sp>
-      <p:cxnSp>
-        <p:nvCxnSpPr>
-          <p:cNvPr id="11" name="Straight Connector 10"/>
-          <p:cNvCxnSpPr>
-            <a:stCxn id="21" idx="1"/>
-            <a:endCxn id="43" idx="3"/>
-          </p:cNvCxnSpPr>
-          <p:nvPr/>
-        </p:nvCxnSpPr>
-        <p:spPr>
-          <a:xfrm flipH="1" flipV="1">
-            <a:off x="4438715" y="2504028"/>
-            <a:ext cx="1458999" cy="932116"/>
-          </a:xfrm>
-          <a:prstGeom prst="line">
-            <a:avLst/>
-          </a:prstGeom>
-        </p:spPr>
-        <p:style>
-          <a:lnRef idx="1">
-            <a:schemeClr val="accent1"/>
-          </a:lnRef>
-          <a:fillRef idx="0">
-            <a:schemeClr val="accent1"/>
-          </a:fillRef>
-          <a:effectRef idx="0">
-            <a:schemeClr val="accent1"/>
-          </a:effectRef>
-          <a:fontRef idx="minor">
-            <a:schemeClr val="tx1"/>
-          </a:fontRef>
-        </p:style>
-      </p:cxnSp>
-      <p:cxnSp>
-        <p:nvCxnSpPr>
-          <p:cNvPr id="13" name="Straight Connector 12"/>
-          <p:cNvCxnSpPr>
-            <a:stCxn id="21" idx="1"/>
-          </p:cNvCxnSpPr>
-          <p:nvPr/>
-        </p:nvCxnSpPr>
-        <p:spPr>
-          <a:xfrm flipH="1">
-            <a:off x="4410528" y="3436144"/>
-            <a:ext cx="1487186" cy="1041266"/>
-          </a:xfrm>
-          <a:prstGeom prst="line">
-            <a:avLst/>
-          </a:prstGeom>
-        </p:spPr>
-        <p:style>
-          <a:lnRef idx="1">
-            <a:schemeClr val="accent1"/>
-          </a:lnRef>
-          <a:fillRef idx="0">
-            <a:schemeClr val="accent1"/>
-          </a:fillRef>
-          <a:effectRef idx="0">
-            <a:schemeClr val="accent1"/>
-          </a:effectRef>
-          <a:fontRef idx="minor">
-            <a:schemeClr val="tx1"/>
-          </a:fontRef>
-        </p:style>
-      </p:cxnSp>
-      <p:sp>
-        <p:nvSpPr>
-          <p:cNvPr id="81" name="TextBox 80"/>
-          <p:cNvSpPr txBox="1"/>
-          <p:nvPr/>
-        </p:nvSpPr>
-        <p:spPr>
-          <a:xfrm>
-            <a:off x="6266372" y="1902439"/>
-            <a:ext cx="308693" cy="923330"/>
-          </a:xfrm>
-          <a:prstGeom prst="rect">
-            <a:avLst/>
-          </a:prstGeom>
-          <a:noFill/>
-        </p:spPr>
-        <p:txBody>
-          <a:bodyPr wrap="square" rtlCol="0">
-            <a:spAutoFit/>
-          </a:bodyPr>
-          <a:lstStyle/>
-          <a:p>
-            <a:r>
-              <a:rPr lang="en-US" b="1" dirty="0" smtClean="0"/>
-              <a:t>.</a:t>
-            </a:r>
-          </a:p>
-          <a:p>
-            <a:r>
-              <a:rPr lang="en-US" b="1" dirty="0" smtClean="0"/>
-              <a:t>.</a:t>
-            </a:r>
-          </a:p>
-          <a:p>
-            <a:r>
-              <a:rPr lang="en-US" b="1" dirty="0"/>
-              <a:t>.</a:t>
-            </a:r>
-          </a:p>
-        </p:txBody>
-      </p:sp>
-      <p:sp>
-        <p:nvSpPr>
-          <p:cNvPr id="244" name="Right Brace 243"/>
-          <p:cNvSpPr/>
-          <p:nvPr/>
-        </p:nvSpPr>
-        <p:spPr>
-          <a:xfrm rot="16200000">
-            <a:off x="3474473" y="-2088062"/>
-            <a:ext cx="390873" cy="6366426"/>
-          </a:xfrm>
-          <a:prstGeom prst="rightBrace">
-            <a:avLst>
-              <a:gd name="adj1" fmla="val 43474"/>
-              <a:gd name="adj2" fmla="val 50463"/>
-            </a:avLst>
-          </a:prstGeom>
-          <a:ln>
-            <a:solidFill>
-              <a:schemeClr val="tx1"/>
-            </a:solidFill>
-          </a:ln>
-        </p:spPr>
-        <p:style>
-          <a:lnRef idx="1">
-            <a:schemeClr val="accent1"/>
-          </a:lnRef>
-          <a:fillRef idx="0">
-            <a:schemeClr val="accent1"/>
-          </a:fillRef>
-          <a:effectRef idx="0">
-            <a:schemeClr val="accent1"/>
-          </a:effectRef>
-          <a:fontRef idx="minor">
-            <a:schemeClr val="tx1"/>
-          </a:fontRef>
-        </p:style>
-        <p:txBody>
-          <a:bodyPr rtlCol="0" anchor="ctr"/>
-          <a:lstStyle/>
-          <a:p>
-            <a:pPr algn="ctr"/>
-            <a:endParaRPr lang="en-US"/>
-          </a:p>
-        </p:txBody>
-      </p:sp>
-      <p:sp>
-        <p:nvSpPr>
-          <p:cNvPr id="245" name="TextBox 244"/>
-          <p:cNvSpPr txBox="1"/>
-          <p:nvPr/>
-        </p:nvSpPr>
-        <p:spPr>
-          <a:xfrm>
-            <a:off x="1829085" y="473897"/>
-            <a:ext cx="3740640" cy="461665"/>
-          </a:xfrm>
-          <a:prstGeom prst="rect">
-            <a:avLst/>
-          </a:prstGeom>
-          <a:noFill/>
-        </p:spPr>
-        <p:txBody>
-          <a:bodyPr wrap="none" rtlCol="0">
-            <a:spAutoFit/>
-          </a:bodyPr>
-          <a:lstStyle/>
-          <a:p>
-            <a:pPr algn="ctr"/>
-            <a:r>
-              <a:rPr lang="en-US" sz="2400" dirty="0" smtClean="0"/>
-              <a:t>Radio Access Network (RAN)</a:t>
-            </a:r>
-            <a:endParaRPr lang="en-US" sz="2400" dirty="0"/>
-          </a:p>
-        </p:txBody>
-      </p:sp>
-      <p:sp>
-        <p:nvSpPr>
-          <p:cNvPr id="246" name="TextBox 245"/>
-          <p:cNvSpPr txBox="1"/>
-          <p:nvPr/>
-        </p:nvSpPr>
-        <p:spPr>
-          <a:xfrm>
-            <a:off x="10193365" y="3621258"/>
-            <a:ext cx="1723331" cy="707886"/>
-          </a:xfrm>
-          <a:prstGeom prst="rect">
-            <a:avLst/>
-          </a:prstGeom>
-          <a:noFill/>
-        </p:spPr>
-        <p:txBody>
-          <a:bodyPr wrap="square" rtlCol="0">
-            <a:spAutoFit/>
-          </a:bodyPr>
-          <a:lstStyle/>
-          <a:p>
-            <a:r>
-              <a:rPr lang="en-US" sz="2000" dirty="0" smtClean="0"/>
-              <a:t>To/From the ISP’s Backbone</a:t>
-            </a:r>
-            <a:endParaRPr lang="en-US" sz="2000" dirty="0"/>
-          </a:p>
-        </p:txBody>
-      </p:sp>
-      <p:sp>
-        <p:nvSpPr>
-          <p:cNvPr id="255" name="Rectangle 254"/>
-          <p:cNvSpPr/>
-          <p:nvPr/>
-        </p:nvSpPr>
-        <p:spPr>
-          <a:xfrm>
-            <a:off x="7574106" y="2256179"/>
-            <a:ext cx="2025939" cy="2197832"/>
-          </a:xfrm>
-          <a:prstGeom prst="rect">
-            <a:avLst/>
-          </a:prstGeom>
-          <a:solidFill>
-            <a:schemeClr val="bg1"/>
-          </a:solidFill>
-          <a:ln w="28575">
-            <a:solidFill>
-              <a:srgbClr val="00B0F0"/>
-            </a:solidFill>
-          </a:ln>
-        </p:spPr>
-        <p:style>
-          <a:lnRef idx="2">
-            <a:schemeClr val="accent1">
-              <a:shade val="50000"/>
-            </a:schemeClr>
-          </a:lnRef>
-          <a:fillRef idx="1">
-            <a:schemeClr val="accent1"/>
-          </a:fillRef>
-          <a:effectRef idx="0">
-            <a:schemeClr val="accent1"/>
-          </a:effectRef>
-          <a:fontRef idx="minor">
-            <a:schemeClr val="lt1"/>
-          </a:fontRef>
-        </p:style>
-        <p:txBody>
           <a:bodyPr rtlCol="0" anchor="t"/>
           <a:lstStyle/>
           <a:p>
@@ -6231,694 +5283,16 @@
           </a:p>
         </p:txBody>
       </p:sp>
-      <p:cxnSp>
-        <p:nvCxnSpPr>
-          <p:cNvPr id="259" name="Straight Connector 258"/>
-          <p:cNvCxnSpPr>
-            <a:stCxn id="21" idx="3"/>
-            <a:endCxn id="93" idx="1"/>
-          </p:cNvCxnSpPr>
-          <p:nvPr/>
-        </p:nvCxnSpPr>
-        <p:spPr>
-          <a:xfrm>
-            <a:off x="6943726" y="3436144"/>
-            <a:ext cx="783407" cy="548697"/>
-          </a:xfrm>
-          <a:prstGeom prst="line">
-            <a:avLst/>
-          </a:prstGeom>
-          <a:ln w="28575">
-            <a:solidFill>
-              <a:schemeClr val="tx1"/>
-            </a:solidFill>
-          </a:ln>
-        </p:spPr>
-        <p:style>
-          <a:lnRef idx="1">
-            <a:schemeClr val="accent1"/>
-          </a:lnRef>
-          <a:fillRef idx="0">
-            <a:schemeClr val="accent1"/>
-          </a:fillRef>
-          <a:effectRef idx="0">
-            <a:schemeClr val="accent1"/>
-          </a:effectRef>
-          <a:fontRef idx="minor">
-            <a:schemeClr val="tx1"/>
-          </a:fontRef>
-        </p:style>
-      </p:cxnSp>
-      <p:sp>
-        <p:nvSpPr>
-          <p:cNvPr id="43" name="Rectangle 42"/>
+      <p:sp>
+        <p:nvSpPr>
+          <p:cNvPr id="95" name="Rectangle 94"/>
           <p:cNvSpPr/>
           <p:nvPr/>
         </p:nvSpPr>
         <p:spPr>
           <a:xfrm>
-            <a:off x="3750466" y="2167692"/>
-            <a:ext cx="688249" cy="672672"/>
-          </a:xfrm>
-          <a:prstGeom prst="rect">
-            <a:avLst/>
-          </a:prstGeom>
-          <a:solidFill>
-            <a:schemeClr val="bg1"/>
-          </a:solidFill>
-          <a:ln w="28575">
-            <a:solidFill>
-              <a:srgbClr val="00B0F0"/>
-            </a:solidFill>
-          </a:ln>
-        </p:spPr>
-        <p:style>
-          <a:lnRef idx="2">
-            <a:schemeClr val="accent1">
-              <a:shade val="50000"/>
-            </a:schemeClr>
-          </a:lnRef>
-          <a:fillRef idx="1">
-            <a:schemeClr val="accent1"/>
-          </a:fillRef>
-          <a:effectRef idx="0">
-            <a:schemeClr val="accent1"/>
-          </a:effectRef>
-          <a:fontRef idx="minor">
-            <a:schemeClr val="lt1"/>
-          </a:fontRef>
-        </p:style>
-        <p:txBody>
-          <a:bodyPr rtlCol="0" anchor="ctr"/>
-          <a:lstStyle/>
-          <a:p>
-            <a:pPr algn="ctr">
-              <a:lnSpc>
-                <a:spcPct val="90000"/>
-              </a:lnSpc>
-            </a:pPr>
-            <a:r>
-              <a:rPr lang="en-US" sz="2000" dirty="0">
-                <a:solidFill>
-                  <a:schemeClr val="tx1"/>
-                </a:solidFill>
-              </a:rPr>
-              <a:t>D</a:t>
-            </a:r>
-            <a:r>
-              <a:rPr lang="en-US" sz="2000" dirty="0" smtClean="0">
-                <a:solidFill>
-                  <a:schemeClr val="tx1"/>
-                </a:solidFill>
-              </a:rPr>
-              <a:t>U</a:t>
-            </a:r>
-            <a:endParaRPr lang="en-US" sz="2000" dirty="0">
-              <a:solidFill>
-                <a:schemeClr val="tx1"/>
-              </a:solidFill>
-            </a:endParaRPr>
-          </a:p>
-        </p:txBody>
-      </p:sp>
-      <p:sp>
-        <p:nvSpPr>
-          <p:cNvPr id="66" name="Rectangle 65"/>
-          <p:cNvSpPr/>
-          <p:nvPr/>
-        </p:nvSpPr>
-        <p:spPr>
-          <a:xfrm>
-            <a:off x="2837935" y="2167692"/>
-            <a:ext cx="688249" cy="672672"/>
-          </a:xfrm>
-          <a:prstGeom prst="rect">
-            <a:avLst/>
-          </a:prstGeom>
-          <a:solidFill>
-            <a:schemeClr val="bg1"/>
-          </a:solidFill>
-          <a:ln w="28575">
-            <a:solidFill>
-              <a:srgbClr val="00B0F0"/>
-            </a:solidFill>
-          </a:ln>
-        </p:spPr>
-        <p:style>
-          <a:lnRef idx="2">
-            <a:schemeClr val="accent1">
-              <a:shade val="50000"/>
-            </a:schemeClr>
-          </a:lnRef>
-          <a:fillRef idx="1">
-            <a:schemeClr val="accent1"/>
-          </a:fillRef>
-          <a:effectRef idx="0">
-            <a:schemeClr val="accent1"/>
-          </a:effectRef>
-          <a:fontRef idx="minor">
-            <a:schemeClr val="lt1"/>
-          </a:fontRef>
-        </p:style>
-        <p:txBody>
-          <a:bodyPr rtlCol="0" anchor="ctr"/>
-          <a:lstStyle/>
-          <a:p>
-            <a:pPr algn="ctr">
-              <a:lnSpc>
-                <a:spcPct val="90000"/>
-              </a:lnSpc>
-            </a:pPr>
-            <a:r>
-              <a:rPr lang="en-US" sz="2000" dirty="0" smtClean="0">
-                <a:solidFill>
-                  <a:schemeClr val="tx1"/>
-                </a:solidFill>
-              </a:rPr>
-              <a:t>RU</a:t>
-            </a:r>
-            <a:endParaRPr lang="en-US" sz="2000" dirty="0">
-              <a:solidFill>
-                <a:schemeClr val="tx1"/>
-              </a:solidFill>
-            </a:endParaRPr>
-          </a:p>
-        </p:txBody>
-      </p:sp>
-      <p:cxnSp>
-        <p:nvCxnSpPr>
-          <p:cNvPr id="224" name="Straight Connector 223"/>
-          <p:cNvCxnSpPr>
-            <a:stCxn id="43" idx="1"/>
-            <a:endCxn id="66" idx="3"/>
-          </p:cNvCxnSpPr>
-          <p:nvPr/>
-        </p:nvCxnSpPr>
-        <p:spPr>
-          <a:xfrm flipH="1">
-            <a:off x="3526184" y="2504028"/>
-            <a:ext cx="224282" cy="0"/>
-          </a:xfrm>
-          <a:prstGeom prst="line">
-            <a:avLst/>
-          </a:prstGeom>
-          <a:ln w="28575">
-            <a:solidFill>
-              <a:schemeClr val="tx1"/>
-            </a:solidFill>
-          </a:ln>
-        </p:spPr>
-        <p:style>
-          <a:lnRef idx="1">
-            <a:schemeClr val="accent1"/>
-          </a:lnRef>
-          <a:fillRef idx="0">
-            <a:schemeClr val="accent1"/>
-          </a:fillRef>
-          <a:effectRef idx="0">
-            <a:schemeClr val="accent1"/>
-          </a:effectRef>
-          <a:fontRef idx="minor">
-            <a:schemeClr val="tx1"/>
-          </a:fontRef>
-        </p:style>
-      </p:cxnSp>
-      <p:grpSp>
-        <p:nvGrpSpPr>
-          <p:cNvPr id="226" name="Group 225"/>
-          <p:cNvGrpSpPr/>
-          <p:nvPr/>
-        </p:nvGrpSpPr>
-        <p:grpSpPr>
-          <a:xfrm>
-            <a:off x="2837935" y="4134144"/>
-            <a:ext cx="1600780" cy="672672"/>
-            <a:chOff x="2837935" y="4134144"/>
-            <a:chExt cx="1600780" cy="672672"/>
-          </a:xfrm>
-        </p:grpSpPr>
-        <p:sp>
-          <p:nvSpPr>
-            <p:cNvPr id="68" name="Rectangle 67"/>
-            <p:cNvSpPr/>
-            <p:nvPr/>
-          </p:nvSpPr>
-          <p:spPr>
-            <a:xfrm>
-              <a:off x="3750466" y="4134144"/>
-              <a:ext cx="688249" cy="672672"/>
-            </a:xfrm>
-            <a:prstGeom prst="rect">
-              <a:avLst/>
-            </a:prstGeom>
-            <a:solidFill>
-              <a:schemeClr val="bg1"/>
-            </a:solidFill>
-            <a:ln w="28575">
-              <a:solidFill>
-                <a:srgbClr val="00B0F0"/>
-              </a:solidFill>
-            </a:ln>
-          </p:spPr>
-          <p:style>
-            <a:lnRef idx="2">
-              <a:schemeClr val="accent1">
-                <a:shade val="50000"/>
-              </a:schemeClr>
-            </a:lnRef>
-            <a:fillRef idx="1">
-              <a:schemeClr val="accent1"/>
-            </a:fillRef>
-            <a:effectRef idx="0">
-              <a:schemeClr val="accent1"/>
-            </a:effectRef>
-            <a:fontRef idx="minor">
-              <a:schemeClr val="lt1"/>
-            </a:fontRef>
-          </p:style>
-          <p:txBody>
-            <a:bodyPr rtlCol="0" anchor="ctr"/>
-            <a:lstStyle/>
-            <a:p>
-              <a:pPr algn="ctr">
-                <a:lnSpc>
-                  <a:spcPct val="90000"/>
-                </a:lnSpc>
-              </a:pPr>
-              <a:r>
-                <a:rPr lang="en-US" sz="2000" dirty="0">
-                  <a:solidFill>
-                    <a:schemeClr val="tx1"/>
-                  </a:solidFill>
-                </a:rPr>
-                <a:t>D</a:t>
-              </a:r>
-              <a:r>
-                <a:rPr lang="en-US" sz="2000" dirty="0" smtClean="0">
-                  <a:solidFill>
-                    <a:schemeClr val="tx1"/>
-                  </a:solidFill>
-                </a:rPr>
-                <a:t>U</a:t>
-              </a:r>
-              <a:endParaRPr lang="en-US" sz="2000" dirty="0">
-                <a:solidFill>
-                  <a:schemeClr val="tx1"/>
-                </a:solidFill>
-              </a:endParaRPr>
-            </a:p>
-          </p:txBody>
-        </p:sp>
-        <p:sp>
-          <p:nvSpPr>
-            <p:cNvPr id="70" name="Rectangle 69"/>
-            <p:cNvSpPr/>
-            <p:nvPr/>
-          </p:nvSpPr>
-          <p:spPr>
-            <a:xfrm>
-              <a:off x="2837935" y="4134144"/>
-              <a:ext cx="688249" cy="672672"/>
-            </a:xfrm>
-            <a:prstGeom prst="rect">
-              <a:avLst/>
-            </a:prstGeom>
-            <a:solidFill>
-              <a:schemeClr val="bg1"/>
-            </a:solidFill>
-            <a:ln w="28575">
-              <a:solidFill>
-                <a:srgbClr val="00B0F0"/>
-              </a:solidFill>
-            </a:ln>
-          </p:spPr>
-          <p:style>
-            <a:lnRef idx="2">
-              <a:schemeClr val="accent1">
-                <a:shade val="50000"/>
-              </a:schemeClr>
-            </a:lnRef>
-            <a:fillRef idx="1">
-              <a:schemeClr val="accent1"/>
-            </a:fillRef>
-            <a:effectRef idx="0">
-              <a:schemeClr val="accent1"/>
-            </a:effectRef>
-            <a:fontRef idx="minor">
-              <a:schemeClr val="lt1"/>
-            </a:fontRef>
-          </p:style>
-          <p:txBody>
-            <a:bodyPr rtlCol="0" anchor="ctr"/>
-            <a:lstStyle/>
-            <a:p>
-              <a:pPr algn="ctr">
-                <a:lnSpc>
-                  <a:spcPct val="90000"/>
-                </a:lnSpc>
-              </a:pPr>
-              <a:r>
-                <a:rPr lang="en-US" sz="2000" dirty="0" smtClean="0">
-                  <a:solidFill>
-                    <a:schemeClr val="tx1"/>
-                  </a:solidFill>
-                </a:rPr>
-                <a:t>RU</a:t>
-              </a:r>
-              <a:endParaRPr lang="en-US" sz="2000" dirty="0">
-                <a:solidFill>
-                  <a:schemeClr val="tx1"/>
-                </a:solidFill>
-              </a:endParaRPr>
-            </a:p>
-          </p:txBody>
-        </p:sp>
-        <p:cxnSp>
-          <p:nvCxnSpPr>
-            <p:cNvPr id="71" name="Straight Connector 70"/>
-            <p:cNvCxnSpPr/>
-            <p:nvPr/>
-          </p:nvCxnSpPr>
-          <p:spPr>
-            <a:xfrm flipH="1">
-              <a:off x="3526184" y="4470480"/>
-              <a:ext cx="224282" cy="0"/>
-            </a:xfrm>
-            <a:prstGeom prst="line">
-              <a:avLst/>
-            </a:prstGeom>
-            <a:ln w="28575">
-              <a:solidFill>
-                <a:schemeClr val="tx1"/>
-              </a:solidFill>
-            </a:ln>
-          </p:spPr>
-          <p:style>
-            <a:lnRef idx="1">
-              <a:schemeClr val="accent1"/>
-            </a:lnRef>
-            <a:fillRef idx="0">
-              <a:schemeClr val="accent1"/>
-            </a:fillRef>
-            <a:effectRef idx="0">
-              <a:schemeClr val="accent1"/>
-            </a:effectRef>
-            <a:fontRef idx="minor">
-              <a:schemeClr val="tx1"/>
-            </a:fontRef>
-          </p:style>
-        </p:cxnSp>
-      </p:grpSp>
-      <p:grpSp>
-        <p:nvGrpSpPr>
-          <p:cNvPr id="233" name="Group 232"/>
-          <p:cNvGrpSpPr/>
-          <p:nvPr/>
-        </p:nvGrpSpPr>
-        <p:grpSpPr>
-          <a:xfrm>
-            <a:off x="2093697" y="2167691"/>
-            <a:ext cx="732542" cy="658077"/>
-            <a:chOff x="2093697" y="2167691"/>
-            <a:chExt cx="732542" cy="658077"/>
-          </a:xfrm>
-        </p:grpSpPr>
-        <p:pic>
-          <p:nvPicPr>
-            <p:cNvPr id="75" name="Picture 74" descr="wireless.jpg"/>
-            <p:cNvPicPr>
-              <a:picLocks noChangeAspect="1"/>
-            </p:cNvPicPr>
-            <p:nvPr/>
-          </p:nvPicPr>
-          <p:blipFill>
-            <a:blip r:embed="rId2" cstate="screen">
-              <a:extLst>
-                <a:ext uri="{28A0092B-C50C-407E-A947-70E740481C1C}">
-                  <a14:useLocalDpi xmlns:a14="http://schemas.microsoft.com/office/drawing/2010/main"/>
-                </a:ext>
-              </a:extLst>
-            </a:blip>
-            <a:stretch>
-              <a:fillRect/>
-            </a:stretch>
-          </p:blipFill>
-          <p:spPr>
-            <a:xfrm flipH="1">
-              <a:off x="2093697" y="2167691"/>
-              <a:ext cx="658077" cy="658077"/>
-            </a:xfrm>
-            <a:prstGeom prst="rect">
-              <a:avLst/>
-            </a:prstGeom>
-          </p:spPr>
-        </p:pic>
-        <p:cxnSp>
-          <p:nvCxnSpPr>
-            <p:cNvPr id="76" name="Straight Connector 75"/>
-            <p:cNvCxnSpPr/>
-            <p:nvPr/>
-          </p:nvCxnSpPr>
-          <p:spPr>
-            <a:xfrm flipH="1">
-              <a:off x="2601957" y="2508947"/>
-              <a:ext cx="224282" cy="0"/>
-            </a:xfrm>
-            <a:prstGeom prst="line">
-              <a:avLst/>
-            </a:prstGeom>
-            <a:ln w="28575">
-              <a:solidFill>
-                <a:schemeClr val="tx1"/>
-              </a:solidFill>
-            </a:ln>
-          </p:spPr>
-          <p:style>
-            <a:lnRef idx="1">
-              <a:schemeClr val="accent1"/>
-            </a:lnRef>
-            <a:fillRef idx="0">
-              <a:schemeClr val="accent1"/>
-            </a:fillRef>
-            <a:effectRef idx="0">
-              <a:schemeClr val="accent1"/>
-            </a:effectRef>
-            <a:fontRef idx="minor">
-              <a:schemeClr val="tx1"/>
-            </a:fontRef>
-          </p:style>
-        </p:cxnSp>
-      </p:grpSp>
-      <p:grpSp>
-        <p:nvGrpSpPr>
-          <p:cNvPr id="78" name="Group 77"/>
-          <p:cNvGrpSpPr/>
-          <p:nvPr/>
-        </p:nvGrpSpPr>
-        <p:grpSpPr>
-          <a:xfrm>
-            <a:off x="2099942" y="4134144"/>
-            <a:ext cx="732542" cy="658077"/>
-            <a:chOff x="2093697" y="2167691"/>
-            <a:chExt cx="732542" cy="658077"/>
-          </a:xfrm>
-        </p:grpSpPr>
-        <p:pic>
-          <p:nvPicPr>
-            <p:cNvPr id="82" name="Picture 81" descr="wireless.jpg"/>
-            <p:cNvPicPr>
-              <a:picLocks noChangeAspect="1"/>
-            </p:cNvPicPr>
-            <p:nvPr/>
-          </p:nvPicPr>
-          <p:blipFill>
-            <a:blip r:embed="rId2" cstate="screen">
-              <a:extLst>
-                <a:ext uri="{28A0092B-C50C-407E-A947-70E740481C1C}">
-                  <a14:useLocalDpi xmlns:a14="http://schemas.microsoft.com/office/drawing/2010/main"/>
-                </a:ext>
-              </a:extLst>
-            </a:blip>
-            <a:stretch>
-              <a:fillRect/>
-            </a:stretch>
-          </p:blipFill>
-          <p:spPr>
-            <a:xfrm flipH="1">
-              <a:off x="2093697" y="2167691"/>
-              <a:ext cx="658077" cy="658077"/>
-            </a:xfrm>
-            <a:prstGeom prst="rect">
-              <a:avLst/>
-            </a:prstGeom>
-          </p:spPr>
-        </p:pic>
-        <p:cxnSp>
-          <p:nvCxnSpPr>
-            <p:cNvPr id="84" name="Straight Connector 83"/>
-            <p:cNvCxnSpPr/>
-            <p:nvPr/>
-          </p:nvCxnSpPr>
-          <p:spPr>
-            <a:xfrm flipH="1">
-              <a:off x="2601957" y="2508947"/>
-              <a:ext cx="224282" cy="0"/>
-            </a:xfrm>
-            <a:prstGeom prst="line">
-              <a:avLst/>
-            </a:prstGeom>
-            <a:ln w="28575">
-              <a:solidFill>
-                <a:schemeClr val="tx1"/>
-              </a:solidFill>
-            </a:ln>
-          </p:spPr>
-          <p:style>
-            <a:lnRef idx="1">
-              <a:schemeClr val="accent1"/>
-            </a:lnRef>
-            <a:fillRef idx="0">
-              <a:schemeClr val="accent1"/>
-            </a:fillRef>
-            <a:effectRef idx="0">
-              <a:schemeClr val="accent1"/>
-            </a:effectRef>
-            <a:fontRef idx="minor">
-              <a:schemeClr val="tx1"/>
-            </a:fontRef>
-          </p:style>
-        </p:cxnSp>
-      </p:grpSp>
-      <p:pic>
-        <p:nvPicPr>
-          <p:cNvPr id="234" name="Picture 233"/>
-          <p:cNvPicPr>
-            <a:picLocks noChangeAspect="1"/>
-          </p:cNvPicPr>
-          <p:nvPr/>
-        </p:nvPicPr>
-        <p:blipFill>
-          <a:blip r:embed="rId3">
-            <a:extLst>
-              <a:ext uri="{28A0092B-C50C-407E-A947-70E740481C1C}">
-                <a14:useLocalDpi xmlns:a14="http://schemas.microsoft.com/office/drawing/2010/main" val="0"/>
-              </a:ext>
-            </a:extLst>
-          </a:blip>
-          <a:stretch>
-            <a:fillRect/>
-          </a:stretch>
-        </p:blipFill>
-        <p:spPr>
-          <a:xfrm>
-            <a:off x="1205673" y="2467685"/>
-            <a:ext cx="812800" cy="914400"/>
-          </a:xfrm>
-          <a:prstGeom prst="rect">
-            <a:avLst/>
-          </a:prstGeom>
-        </p:spPr>
-      </p:pic>
-      <p:pic>
-        <p:nvPicPr>
-          <p:cNvPr id="235" name="Picture 234"/>
-          <p:cNvPicPr>
-            <a:picLocks noChangeAspect="1"/>
-          </p:cNvPicPr>
-          <p:nvPr/>
-        </p:nvPicPr>
-        <p:blipFill>
-          <a:blip r:embed="rId4">
-            <a:extLst>
-              <a:ext uri="{28A0092B-C50C-407E-A947-70E740481C1C}">
-                <a14:useLocalDpi xmlns:a14="http://schemas.microsoft.com/office/drawing/2010/main" val="0"/>
-              </a:ext>
-            </a:extLst>
-          </a:blip>
-          <a:stretch>
-            <a:fillRect/>
-          </a:stretch>
-        </p:blipFill>
-        <p:spPr>
-          <a:xfrm>
-            <a:off x="760201" y="1831178"/>
-            <a:ext cx="495300" cy="647700"/>
-          </a:xfrm>
-          <a:prstGeom prst="rect">
-            <a:avLst/>
-          </a:prstGeom>
-        </p:spPr>
-      </p:pic>
-      <p:pic>
-        <p:nvPicPr>
-          <p:cNvPr id="236" name="Picture 235"/>
-          <p:cNvPicPr>
-            <a:picLocks noChangeAspect="1"/>
-          </p:cNvPicPr>
-          <p:nvPr/>
-        </p:nvPicPr>
-        <p:blipFill>
-          <a:blip r:embed="rId5">
-            <a:extLst>
-              <a:ext uri="{28A0092B-C50C-407E-A947-70E740481C1C}">
-                <a14:useLocalDpi xmlns:a14="http://schemas.microsoft.com/office/drawing/2010/main" val="0"/>
-              </a:ext>
-            </a:extLst>
-          </a:blip>
-          <a:stretch>
-            <a:fillRect/>
-          </a:stretch>
-        </p:blipFill>
-        <p:spPr>
-          <a:xfrm>
-            <a:off x="535329" y="3594768"/>
-            <a:ext cx="1030075" cy="983253"/>
-          </a:xfrm>
-          <a:prstGeom prst="rect">
-            <a:avLst/>
-          </a:prstGeom>
-        </p:spPr>
-      </p:pic>
-      <p:pic>
-        <p:nvPicPr>
-          <p:cNvPr id="86" name="Picture 85"/>
-          <p:cNvPicPr>
-            <a:picLocks noChangeAspect="1"/>
-          </p:cNvPicPr>
-          <p:nvPr/>
-        </p:nvPicPr>
-        <p:blipFill>
-          <a:blip r:embed="rId4">
-            <a:extLst>
-              <a:ext uri="{28A0092B-C50C-407E-A947-70E740481C1C}">
-                <a14:useLocalDpi xmlns:a14="http://schemas.microsoft.com/office/drawing/2010/main" val="0"/>
-              </a:ext>
-            </a:extLst>
-          </a:blip>
-          <a:stretch>
-            <a:fillRect/>
-          </a:stretch>
-        </p:blipFill>
-        <p:spPr>
-          <a:xfrm>
-            <a:off x="1450718" y="4713058"/>
-            <a:ext cx="495300" cy="647700"/>
-          </a:xfrm>
-          <a:prstGeom prst="rect">
-            <a:avLst/>
-          </a:prstGeom>
-        </p:spPr>
-      </p:pic>
-      <p:sp>
-        <p:nvSpPr>
-          <p:cNvPr id="93" name="Rectangle 92"/>
-          <p:cNvSpPr/>
-          <p:nvPr/>
-        </p:nvSpPr>
-        <p:spPr>
-          <a:xfrm>
-            <a:off x="7727133" y="3648505"/>
-            <a:ext cx="727058" cy="672672"/>
+            <a:off x="6234199" y="3671134"/>
+            <a:ext cx="1432137" cy="672672"/>
           </a:xfrm>
           <a:prstGeom prst="rect">
             <a:avLst/>
@@ -6973,16 +5347,54 @@
           </a:p>
         </p:txBody>
       </p:sp>
-      <p:sp>
-        <p:nvSpPr>
-          <p:cNvPr id="95" name="Rectangle 94"/>
+      <p:cxnSp>
+        <p:nvCxnSpPr>
+          <p:cNvPr id="38" name="Straight Connector 37"/>
+          <p:cNvCxnSpPr>
+            <a:stCxn id="95" idx="0"/>
+            <a:endCxn id="101" idx="2"/>
+          </p:cNvCxnSpPr>
+          <p:nvPr/>
+        </p:nvCxnSpPr>
+        <p:spPr>
+          <a:xfrm flipV="1">
+            <a:off x="6950268" y="3330603"/>
+            <a:ext cx="0" cy="340531"/>
+          </a:xfrm>
+          <a:prstGeom prst="line">
+            <a:avLst/>
+          </a:prstGeom>
+          <a:ln w="28575">
+            <a:solidFill>
+              <a:schemeClr val="tx1"/>
+            </a:solidFill>
+          </a:ln>
+        </p:spPr>
+        <p:style>
+          <a:lnRef idx="1">
+            <a:schemeClr val="accent1"/>
+          </a:lnRef>
+          <a:fillRef idx="0">
+            <a:schemeClr val="accent1"/>
+          </a:fillRef>
+          <a:effectRef idx="0">
+            <a:schemeClr val="accent1"/>
+          </a:effectRef>
+          <a:fontRef idx="minor">
+            <a:schemeClr val="tx1"/>
+          </a:fontRef>
+        </p:style>
+      </p:cxnSp>
+      <p:sp>
+        <p:nvSpPr>
+          <p:cNvPr id="101" name="Rectangle 100"/>
           <p:cNvSpPr/>
           <p:nvPr/>
         </p:nvSpPr>
         <p:spPr>
           <a:xfrm>
-            <a:off x="8673056" y="3649898"/>
-            <a:ext cx="778561" cy="672672"/>
+            <a:off x="6234199" y="2657931"/>
+            <a:ext cx="1432137" cy="672672"/>
           </a:xfrm>
           <a:prstGeom prst="rect">
             <a:avLst/>
@@ -7027,7 +5439,7 @@
                   <a:schemeClr val="tx1"/>
                 </a:solidFill>
               </a:rPr>
-              <a:t>PGW</a:t>
+              <a:t>MME</a:t>
             </a:r>
             <a:endParaRPr lang="en-US" sz="2000" dirty="0">
               <a:solidFill>
@@ -7039,25 +5451,27 @@
       </p:sp>
       <p:cxnSp>
         <p:nvCxnSpPr>
-          <p:cNvPr id="32" name="Straight Connector 31"/>
+          <p:cNvPr id="248" name="Straight Arrow Connector 247"/>
           <p:cNvCxnSpPr>
-            <a:stCxn id="93" idx="3"/>
-            <a:endCxn id="95" idx="1"/>
+            <a:stCxn id="37" idx="3"/>
+            <a:endCxn id="246" idx="1"/>
           </p:cNvCxnSpPr>
           <p:nvPr/>
         </p:nvCxnSpPr>
         <p:spPr>
-          <a:xfrm>
-            <a:off x="8454191" y="3984841"/>
-            <a:ext cx="218865" cy="1393"/>
-          </a:xfrm>
-          <a:prstGeom prst="line">
+          <a:xfrm flipV="1">
+            <a:off x="9343105" y="4004697"/>
+            <a:ext cx="850260" cy="2773"/>
+          </a:xfrm>
+          <a:prstGeom prst="straightConnector1">
             <a:avLst/>
           </a:prstGeom>
           <a:ln w="28575">
             <a:solidFill>
               <a:schemeClr val="tx1"/>
             </a:solidFill>
+            <a:headEnd type="triangle" w="med" len="med"/>
+            <a:tailEnd type="triangle" w="med" len="med"/>
           </a:ln>
         </p:spPr>
         <p:style>
@@ -7075,126 +5489,185 @@
           </a:fontRef>
         </p:style>
       </p:cxnSp>
-      <p:cxnSp>
-        <p:nvCxnSpPr>
-          <p:cNvPr id="36" name="Straight Connector 35"/>
-          <p:cNvCxnSpPr>
-            <a:stCxn id="21" idx="3"/>
-            <a:endCxn id="101" idx="1"/>
-          </p:cNvCxnSpPr>
+      <p:sp>
+        <p:nvSpPr>
+          <p:cNvPr id="57" name="Oval 56"/>
+          <p:cNvSpPr/>
           <p:nvPr/>
-        </p:nvCxnSpPr>
-        <p:spPr>
-          <a:xfrm flipV="1">
-            <a:off x="6943726" y="2958283"/>
-            <a:ext cx="797405" cy="477861"/>
-          </a:xfrm>
-          <a:prstGeom prst="line">
+        </p:nvSpPr>
+        <p:spPr>
+          <a:xfrm>
+            <a:off x="1313602" y="1188351"/>
+            <a:ext cx="2737179" cy="2779504"/>
+          </a:xfrm>
+          <a:prstGeom prst="ellipse">
             <a:avLst/>
           </a:prstGeom>
-          <a:ln w="28575">
-            <a:solidFill>
-              <a:schemeClr val="tx1"/>
-            </a:solidFill>
-          </a:ln>
+          <a:noFill/>
         </p:spPr>
         <p:style>
-          <a:lnRef idx="1">
+          <a:lnRef idx="2">
             <a:schemeClr val="accent1"/>
           </a:lnRef>
-          <a:fillRef idx="0">
-            <a:schemeClr val="accent1"/>
+          <a:fillRef idx="1">
+            <a:schemeClr val="lt1"/>
           </a:fillRef>
           <a:effectRef idx="0">
             <a:schemeClr val="accent1"/>
           </a:effectRef>
           <a:fontRef idx="minor">
-            <a:schemeClr val="tx1"/>
+            <a:schemeClr val="dk1"/>
           </a:fontRef>
         </p:style>
-      </p:cxnSp>
-      <p:cxnSp>
-        <p:nvCxnSpPr>
-          <p:cNvPr id="38" name="Straight Connector 37"/>
-          <p:cNvCxnSpPr>
-            <a:stCxn id="93" idx="0"/>
-          </p:cNvCxnSpPr>
+        <p:txBody>
+          <a:bodyPr rtlCol="0" anchor="ctr"/>
+          <a:lstStyle/>
+          <a:p>
+            <a:pPr algn="ctr"/>
+            <a:endParaRPr lang="en-US"/>
+          </a:p>
+        </p:txBody>
+      </p:sp>
+      <p:sp>
+        <p:nvSpPr>
+          <p:cNvPr id="119" name="Oval 118"/>
+          <p:cNvSpPr/>
           <p:nvPr/>
-        </p:nvCxnSpPr>
-        <p:spPr>
-          <a:xfrm flipH="1" flipV="1">
-            <a:off x="8089580" y="3274137"/>
-            <a:ext cx="1082" cy="374368"/>
-          </a:xfrm>
-          <a:prstGeom prst="line">
+        </p:nvSpPr>
+        <p:spPr>
+          <a:xfrm>
+            <a:off x="1312852" y="3152276"/>
+            <a:ext cx="2737179" cy="2779504"/>
+          </a:xfrm>
+          <a:prstGeom prst="ellipse">
             <a:avLst/>
           </a:prstGeom>
-          <a:ln w="28575">
-            <a:solidFill>
-              <a:schemeClr val="tx1"/>
-            </a:solidFill>
-          </a:ln>
+          <a:noFill/>
         </p:spPr>
         <p:style>
-          <a:lnRef idx="1">
+          <a:lnRef idx="2">
             <a:schemeClr val="accent1"/>
           </a:lnRef>
-          <a:fillRef idx="0">
-            <a:schemeClr val="accent1"/>
+          <a:fillRef idx="1">
+            <a:schemeClr val="lt1"/>
           </a:fillRef>
           <a:effectRef idx="0">
             <a:schemeClr val="accent1"/>
           </a:effectRef>
           <a:fontRef idx="minor">
-            <a:schemeClr val="tx1"/>
+            <a:schemeClr val="dk1"/>
           </a:fontRef>
         </p:style>
-      </p:cxnSp>
-      <p:cxnSp>
-        <p:nvCxnSpPr>
-          <p:cNvPr id="108" name="Straight Connector 107"/>
-          <p:cNvCxnSpPr/>
+        <p:txBody>
+          <a:bodyPr rtlCol="0" anchor="ctr"/>
+          <a:lstStyle/>
+          <a:p>
+            <a:pPr algn="ctr"/>
+            <a:endParaRPr lang="en-US"/>
+          </a:p>
+        </p:txBody>
+      </p:sp>
+      <p:sp>
+        <p:nvSpPr>
+          <p:cNvPr id="58" name="TextBox 57"/>
+          <p:cNvSpPr txBox="1"/>
           <p:nvPr/>
-        </p:nvCxnSpPr>
-        <p:spPr>
-          <a:xfrm flipH="1" flipV="1">
-            <a:off x="9067890" y="3279057"/>
-            <a:ext cx="1082" cy="374368"/>
-          </a:xfrm>
-          <a:prstGeom prst="line">
+        </p:nvSpPr>
+        <p:spPr>
+          <a:xfrm>
+            <a:off x="2422669" y="1247974"/>
+            <a:ext cx="529312" cy="369332"/>
+          </a:xfrm>
+          <a:prstGeom prst="rect">
             <a:avLst/>
           </a:prstGeom>
-          <a:ln w="28575">
-            <a:solidFill>
-              <a:schemeClr val="tx1"/>
-            </a:solidFill>
-          </a:ln>
-        </p:spPr>
-        <p:style>
-          <a:lnRef idx="1">
-            <a:schemeClr val="accent1"/>
-          </a:lnRef>
-          <a:fillRef idx="0">
-            <a:schemeClr val="accent1"/>
-          </a:fillRef>
-          <a:effectRef idx="0">
-            <a:schemeClr val="accent1"/>
-          </a:effectRef>
-          <a:fontRef idx="minor">
-            <a:schemeClr val="tx1"/>
-          </a:fontRef>
-        </p:style>
-      </p:cxnSp>
-      <p:sp>
-        <p:nvSpPr>
-          <p:cNvPr id="101" name="Rectangle 100"/>
+          <a:noFill/>
+        </p:spPr>
+        <p:txBody>
+          <a:bodyPr wrap="none" rtlCol="0">
+            <a:spAutoFit/>
+          </a:bodyPr>
+          <a:lstStyle/>
+          <a:p>
+            <a:r>
+              <a:rPr lang="en-US" smtClean="0"/>
+              <a:t>Cell</a:t>
+            </a:r>
+            <a:endParaRPr lang="en-US"/>
+          </a:p>
+        </p:txBody>
+      </p:sp>
+      <p:sp>
+        <p:nvSpPr>
+          <p:cNvPr id="121" name="TextBox 120"/>
+          <p:cNvSpPr txBox="1"/>
+          <p:nvPr/>
+        </p:nvSpPr>
+        <p:spPr>
+          <a:xfrm>
+            <a:off x="2402787" y="5487852"/>
+            <a:ext cx="529312" cy="369332"/>
+          </a:xfrm>
+          <a:prstGeom prst="rect">
+            <a:avLst/>
+          </a:prstGeom>
+          <a:noFill/>
+        </p:spPr>
+        <p:txBody>
+          <a:bodyPr wrap="none" rtlCol="0">
+            <a:spAutoFit/>
+          </a:bodyPr>
+          <a:lstStyle/>
+          <a:p>
+            <a:r>
+              <a:rPr lang="en-US" smtClean="0"/>
+              <a:t>Cell</a:t>
+            </a:r>
+            <a:endParaRPr lang="en-US"/>
+          </a:p>
+        </p:txBody>
+      </p:sp>
+      <p:sp>
+        <p:nvSpPr>
+          <p:cNvPr id="49" name="TextBox 48"/>
+          <p:cNvSpPr txBox="1"/>
+          <p:nvPr/>
+        </p:nvSpPr>
+        <p:spPr>
+          <a:xfrm rot="16200000">
+            <a:off x="-323090" y="3189303"/>
+            <a:ext cx="2798523" cy="461665"/>
+          </a:xfrm>
+          <a:prstGeom prst="rect">
+            <a:avLst/>
+          </a:prstGeom>
+          <a:noFill/>
+        </p:spPr>
+        <p:txBody>
+          <a:bodyPr wrap="none" rtlCol="0">
+            <a:spAutoFit/>
+          </a:bodyPr>
+          <a:lstStyle/>
+          <a:p>
+            <a:pPr algn="ctr"/>
+            <a:r>
+              <a:rPr lang="en-US" sz="2400" smtClean="0"/>
+              <a:t>User Equipment (UE)</a:t>
+            </a:r>
+            <a:endParaRPr lang="en-US" sz="2400" dirty="0"/>
+          </a:p>
+        </p:txBody>
+      </p:sp>
+      <p:sp>
+        <p:nvSpPr>
+          <p:cNvPr id="37" name="Rectangle 36"/>
           <p:cNvSpPr/>
           <p:nvPr/>
         </p:nvSpPr>
         <p:spPr>
           <a:xfrm>
-            <a:off x="7741131" y="2621947"/>
-            <a:ext cx="1710486" cy="672672"/>
+            <a:off x="7910968" y="3671134"/>
+            <a:ext cx="1432137" cy="672672"/>
           </a:xfrm>
           <a:prstGeom prst="rect">
             <a:avLst/>
@@ -7234,12 +5707,20 @@
               </a:lnSpc>
             </a:pPr>
             <a:r>
+              <a:rPr lang="en-US" sz="2000" dirty="0">
+                <a:solidFill>
+                  <a:schemeClr val="tx1"/>
+                </a:solidFill>
+              </a:rPr>
+              <a:t>P</a:t>
+            </a:r>
+            <a:r>
               <a:rPr lang="en-US" sz="2000" smtClean="0">
                 <a:solidFill>
                   <a:schemeClr val="tx1"/>
                 </a:solidFill>
               </a:rPr>
-              <a:t>MME</a:t>
+              <a:t>GW</a:t>
             </a:r>
             <a:endParaRPr lang="en-US" sz="2000" dirty="0">
               <a:solidFill>
@@ -7251,27 +5732,25 @@
       </p:sp>
       <p:cxnSp>
         <p:nvCxnSpPr>
-          <p:cNvPr id="248" name="Straight Arrow Connector 247"/>
+          <p:cNvPr id="42" name="Straight Connector 41"/>
           <p:cNvCxnSpPr>
             <a:stCxn id="95" idx="3"/>
-            <a:endCxn id="246" idx="1"/>
+            <a:endCxn id="37" idx="1"/>
           </p:cNvCxnSpPr>
           <p:nvPr/>
         </p:nvCxnSpPr>
         <p:spPr>
-          <a:xfrm flipV="1">
-            <a:off x="9451617" y="3975201"/>
-            <a:ext cx="741748" cy="11033"/>
-          </a:xfrm>
-          <a:prstGeom prst="straightConnector1">
+          <a:xfrm>
+            <a:off x="7666336" y="4007470"/>
+            <a:ext cx="244632" cy="0"/>
+          </a:xfrm>
+          <a:prstGeom prst="line">
             <a:avLst/>
           </a:prstGeom>
           <a:ln w="28575">
             <a:solidFill>
               <a:schemeClr val="tx1"/>
             </a:solidFill>
-            <a:headEnd type="triangle" w="med" len="med"/>
-            <a:tailEnd type="triangle" w="med" len="med"/>
           </a:ln>
         </p:spPr>
         <p:style>
@@ -7291,57 +5770,89 @@
       </p:cxnSp>
       <p:sp>
         <p:nvSpPr>
-          <p:cNvPr id="111" name="TextBox 110"/>
-          <p:cNvSpPr txBox="1"/>
+          <p:cNvPr id="45" name="Rectangle 44"/>
+          <p:cNvSpPr/>
           <p:nvPr/>
         </p:nvSpPr>
         <p:spPr>
           <a:xfrm>
-            <a:off x="10185406" y="2595169"/>
-            <a:ext cx="2050838" cy="707886"/>
+            <a:off x="7910967" y="2661152"/>
+            <a:ext cx="1432137" cy="672672"/>
           </a:xfrm>
           <a:prstGeom prst="rect">
             <a:avLst/>
           </a:prstGeom>
-          <a:noFill/>
-        </p:spPr>
-        <p:txBody>
-          <a:bodyPr wrap="square" rtlCol="0">
-            <a:spAutoFit/>
-          </a:bodyPr>
-          <a:lstStyle/>
-          <a:p>
-            <a:r>
-              <a:rPr lang="en-US" sz="2000" dirty="0" smtClean="0"/>
-              <a:t>To/From the ISP’s Subscriber DB</a:t>
-            </a:r>
-            <a:endParaRPr lang="en-US" sz="2000" dirty="0"/>
+          <a:solidFill>
+            <a:schemeClr val="bg1"/>
+          </a:solidFill>
+          <a:ln w="28575">
+            <a:solidFill>
+              <a:schemeClr val="tx1"/>
+            </a:solidFill>
+          </a:ln>
+        </p:spPr>
+        <p:style>
+          <a:lnRef idx="2">
+            <a:schemeClr val="accent1">
+              <a:shade val="50000"/>
+            </a:schemeClr>
+          </a:lnRef>
+          <a:fillRef idx="1">
+            <a:schemeClr val="accent1"/>
+          </a:fillRef>
+          <a:effectRef idx="0">
+            <a:schemeClr val="accent1"/>
+          </a:effectRef>
+          <a:fontRef idx="minor">
+            <a:schemeClr val="lt1"/>
+          </a:fontRef>
+        </p:style>
+        <p:txBody>
+          <a:bodyPr rtlCol="0" anchor="ctr"/>
+          <a:lstStyle/>
+          <a:p>
+            <a:pPr algn="ctr">
+              <a:lnSpc>
+                <a:spcPct val="90000"/>
+              </a:lnSpc>
+            </a:pPr>
+            <a:r>
+              <a:rPr lang="en-US" sz="2000" dirty="0" smtClean="0">
+                <a:solidFill>
+                  <a:schemeClr val="tx1"/>
+                </a:solidFill>
+              </a:rPr>
+              <a:t>HSS</a:t>
+            </a:r>
+            <a:endParaRPr lang="en-US" sz="2000" dirty="0">
+              <a:solidFill>
+                <a:schemeClr val="tx1"/>
+              </a:solidFill>
+            </a:endParaRPr>
           </a:p>
         </p:txBody>
       </p:sp>
       <p:cxnSp>
         <p:nvCxnSpPr>
-          <p:cNvPr id="114" name="Straight Arrow Connector 113"/>
+          <p:cNvPr id="48" name="Straight Connector 47"/>
           <p:cNvCxnSpPr>
             <a:stCxn id="101" idx="3"/>
-            <a:endCxn id="111" idx="1"/>
+            <a:endCxn id="45" idx="1"/>
           </p:cNvCxnSpPr>
           <p:nvPr/>
         </p:nvCxnSpPr>
         <p:spPr>
-          <a:xfrm flipV="1">
-            <a:off x="9451617" y="2949112"/>
-            <a:ext cx="733789" cy="9171"/>
-          </a:xfrm>
-          <a:prstGeom prst="straightConnector1">
+          <a:xfrm>
+            <a:off x="7666336" y="2994267"/>
+            <a:ext cx="244631" cy="3221"/>
+          </a:xfrm>
+          <a:prstGeom prst="line">
             <a:avLst/>
           </a:prstGeom>
           <a:ln w="28575">
             <a:solidFill>
               <a:schemeClr val="tx1"/>
             </a:solidFill>
-            <a:headEnd type="triangle" w="med" len="med"/>
-            <a:tailEnd type="triangle" w="med" len="med"/>
           </a:ln>
         </p:spPr>
         <p:style>
@@ -7359,148 +5870,10 @@
           </a:fontRef>
         </p:style>
       </p:cxnSp>
-      <p:sp>
-        <p:nvSpPr>
-          <p:cNvPr id="57" name="Oval 56"/>
-          <p:cNvSpPr/>
-          <p:nvPr/>
-        </p:nvSpPr>
-        <p:spPr>
-          <a:xfrm>
-            <a:off x="59989" y="1188351"/>
-            <a:ext cx="2737179" cy="2779504"/>
-          </a:xfrm>
-          <a:prstGeom prst="ellipse">
-            <a:avLst/>
-          </a:prstGeom>
-          <a:noFill/>
-        </p:spPr>
-        <p:style>
-          <a:lnRef idx="2">
-            <a:schemeClr val="accent1"/>
-          </a:lnRef>
-          <a:fillRef idx="1">
-            <a:schemeClr val="lt1"/>
-          </a:fillRef>
-          <a:effectRef idx="0">
-            <a:schemeClr val="accent1"/>
-          </a:effectRef>
-          <a:fontRef idx="minor">
-            <a:schemeClr val="dk1"/>
-          </a:fontRef>
-        </p:style>
-        <p:txBody>
-          <a:bodyPr rtlCol="0" anchor="ctr"/>
-          <a:lstStyle/>
-          <a:p>
-            <a:pPr algn="ctr"/>
-            <a:endParaRPr lang="en-US"/>
-          </a:p>
-        </p:txBody>
-      </p:sp>
-      <p:sp>
-        <p:nvSpPr>
-          <p:cNvPr id="119" name="Oval 118"/>
-          <p:cNvSpPr/>
-          <p:nvPr/>
-        </p:nvSpPr>
-        <p:spPr>
-          <a:xfrm>
-            <a:off x="59239" y="3152276"/>
-            <a:ext cx="2737179" cy="2779504"/>
-          </a:xfrm>
-          <a:prstGeom prst="ellipse">
-            <a:avLst/>
-          </a:prstGeom>
-          <a:noFill/>
-        </p:spPr>
-        <p:style>
-          <a:lnRef idx="2">
-            <a:schemeClr val="accent1"/>
-          </a:lnRef>
-          <a:fillRef idx="1">
-            <a:schemeClr val="lt1"/>
-          </a:fillRef>
-          <a:effectRef idx="0">
-            <a:schemeClr val="accent1"/>
-          </a:effectRef>
-          <a:fontRef idx="minor">
-            <a:schemeClr val="dk1"/>
-          </a:fontRef>
-        </p:style>
-        <p:txBody>
-          <a:bodyPr rtlCol="0" anchor="ctr"/>
-          <a:lstStyle/>
-          <a:p>
-            <a:pPr algn="ctr"/>
-            <a:endParaRPr lang="en-US"/>
-          </a:p>
-        </p:txBody>
-      </p:sp>
-      <p:sp>
-        <p:nvSpPr>
-          <p:cNvPr id="58" name="TextBox 57"/>
-          <p:cNvSpPr txBox="1"/>
-          <p:nvPr/>
-        </p:nvSpPr>
-        <p:spPr>
-          <a:xfrm>
-            <a:off x="1169056" y="1247974"/>
-            <a:ext cx="529312" cy="369332"/>
-          </a:xfrm>
-          <a:prstGeom prst="rect">
-            <a:avLst/>
-          </a:prstGeom>
-          <a:noFill/>
-        </p:spPr>
-        <p:txBody>
-          <a:bodyPr wrap="none" rtlCol="0">
-            <a:spAutoFit/>
-          </a:bodyPr>
-          <a:lstStyle/>
-          <a:p>
-            <a:r>
-              <a:rPr lang="en-US" smtClean="0"/>
-              <a:t>Cell</a:t>
-            </a:r>
-            <a:endParaRPr lang="en-US"/>
-          </a:p>
-        </p:txBody>
-      </p:sp>
-      <p:sp>
-        <p:nvSpPr>
-          <p:cNvPr id="121" name="TextBox 120"/>
-          <p:cNvSpPr txBox="1"/>
-          <p:nvPr/>
-        </p:nvSpPr>
-        <p:spPr>
-          <a:xfrm>
-            <a:off x="1149174" y="5487852"/>
-            <a:ext cx="529312" cy="369332"/>
-          </a:xfrm>
-          <a:prstGeom prst="rect">
-            <a:avLst/>
-          </a:prstGeom>
-          <a:noFill/>
-        </p:spPr>
-        <p:txBody>
-          <a:bodyPr wrap="none" rtlCol="0">
-            <a:spAutoFit/>
-          </a:bodyPr>
-          <a:lstStyle/>
-          <a:p>
-            <a:r>
-              <a:rPr lang="en-US" smtClean="0"/>
-              <a:t>Cell</a:t>
-            </a:r>
-            <a:endParaRPr lang="en-US"/>
-          </a:p>
-        </p:txBody>
-      </p:sp>
     </p:spTree>
     <p:extLst>
       <p:ext uri="{BB962C8B-B14F-4D97-AF65-F5344CB8AC3E}">
-        <p14:creationId xmlns:p14="http://schemas.microsoft.com/office/powerpoint/2010/main" val="772063634"/>
+        <p14:creationId xmlns:p14="http://schemas.microsoft.com/office/powerpoint/2010/main" val="1281576442"/>
       </p:ext>
     </p:extLst>
   </p:cSld>

--- a/figures/access.pptx
+++ b/figures/access.pptx
@@ -7,6 +7,7 @@
   <p:sldIdLst>
     <p:sldId id="257" r:id="rId2"/>
     <p:sldId id="259" r:id="rId3"/>
+    <p:sldId id="260" r:id="rId4"/>
   </p:sldIdLst>
   <p:sldSz cx="12192000" cy="6858000"/>
   <p:notesSz cx="6858000" cy="9144000"/>
@@ -244,7 +245,7 @@
           <a:p>
             <a:fld id="{5D97E163-DB95-D24D-8C95-263DECB1FC34}" type="datetimeFigureOut">
               <a:rPr lang="en-US" smtClean="0"/>
-              <a:t>12/31/18</a:t>
+              <a:t>4/2/19</a:t>
             </a:fld>
             <a:endParaRPr lang="en-US"/>
           </a:p>
@@ -414,7 +415,7 @@
           <a:p>
             <a:fld id="{5D97E163-DB95-D24D-8C95-263DECB1FC34}" type="datetimeFigureOut">
               <a:rPr lang="en-US" smtClean="0"/>
-              <a:t>12/31/18</a:t>
+              <a:t>4/2/19</a:t>
             </a:fld>
             <a:endParaRPr lang="en-US"/>
           </a:p>
@@ -594,7 +595,7 @@
           <a:p>
             <a:fld id="{5D97E163-DB95-D24D-8C95-263DECB1FC34}" type="datetimeFigureOut">
               <a:rPr lang="en-US" smtClean="0"/>
-              <a:t>12/31/18</a:t>
+              <a:t>4/2/19</a:t>
             </a:fld>
             <a:endParaRPr lang="en-US"/>
           </a:p>
@@ -764,7 +765,7 @@
           <a:p>
             <a:fld id="{5D97E163-DB95-D24D-8C95-263DECB1FC34}" type="datetimeFigureOut">
               <a:rPr lang="en-US" smtClean="0"/>
-              <a:t>12/31/18</a:t>
+              <a:t>4/2/19</a:t>
             </a:fld>
             <a:endParaRPr lang="en-US"/>
           </a:p>
@@ -1010,7 +1011,7 @@
           <a:p>
             <a:fld id="{5D97E163-DB95-D24D-8C95-263DECB1FC34}" type="datetimeFigureOut">
               <a:rPr lang="en-US" smtClean="0"/>
-              <a:t>12/31/18</a:t>
+              <a:t>4/2/19</a:t>
             </a:fld>
             <a:endParaRPr lang="en-US"/>
           </a:p>
@@ -1242,7 +1243,7 @@
           <a:p>
             <a:fld id="{5D97E163-DB95-D24D-8C95-263DECB1FC34}" type="datetimeFigureOut">
               <a:rPr lang="en-US" smtClean="0"/>
-              <a:t>12/31/18</a:t>
+              <a:t>4/2/19</a:t>
             </a:fld>
             <a:endParaRPr lang="en-US"/>
           </a:p>
@@ -1609,7 +1610,7 @@
           <a:p>
             <a:fld id="{5D97E163-DB95-D24D-8C95-263DECB1FC34}" type="datetimeFigureOut">
               <a:rPr lang="en-US" smtClean="0"/>
-              <a:t>12/31/18</a:t>
+              <a:t>4/2/19</a:t>
             </a:fld>
             <a:endParaRPr lang="en-US"/>
           </a:p>
@@ -1727,7 +1728,7 @@
           <a:p>
             <a:fld id="{5D97E163-DB95-D24D-8C95-263DECB1FC34}" type="datetimeFigureOut">
               <a:rPr lang="en-US" smtClean="0"/>
-              <a:t>12/31/18</a:t>
+              <a:t>4/2/19</a:t>
             </a:fld>
             <a:endParaRPr lang="en-US"/>
           </a:p>
@@ -1822,7 +1823,7 @@
           <a:p>
             <a:fld id="{5D97E163-DB95-D24D-8C95-263DECB1FC34}" type="datetimeFigureOut">
               <a:rPr lang="en-US" smtClean="0"/>
-              <a:t>12/31/18</a:t>
+              <a:t>4/2/19</a:t>
             </a:fld>
             <a:endParaRPr lang="en-US"/>
           </a:p>
@@ -2099,7 +2100,7 @@
           <a:p>
             <a:fld id="{5D97E163-DB95-D24D-8C95-263DECB1FC34}" type="datetimeFigureOut">
               <a:rPr lang="en-US" smtClean="0"/>
-              <a:t>12/31/18</a:t>
+              <a:t>4/2/19</a:t>
             </a:fld>
             <a:endParaRPr lang="en-US"/>
           </a:p>
@@ -2352,7 +2353,7 @@
           <a:p>
             <a:fld id="{5D97E163-DB95-D24D-8C95-263DECB1FC34}" type="datetimeFigureOut">
               <a:rPr lang="en-US" smtClean="0"/>
-              <a:t>12/31/18</a:t>
+              <a:t>4/2/19</a:t>
             </a:fld>
             <a:endParaRPr lang="en-US"/>
           </a:p>
@@ -2565,7 +2566,7 @@
           <a:p>
             <a:fld id="{5D97E163-DB95-D24D-8C95-263DECB1FC34}" type="datetimeFigureOut">
               <a:rPr lang="en-US" smtClean="0"/>
-              <a:t>12/31/18</a:t>
+              <a:t>4/2/19</a:t>
             </a:fld>
             <a:endParaRPr lang="en-US"/>
           </a:p>
@@ -5890,6 +5891,929 @@
 </p:sld>
 </file>
 
+<file path=ppt/slides/slide3.xml><?xml version="1.0" encoding="utf-8"?>
+<p:sld xmlns:a="http://schemas.openxmlformats.org/drawingml/2006/main" xmlns:r="http://schemas.openxmlformats.org/officeDocument/2006/relationships" xmlns:p="http://schemas.openxmlformats.org/presentationml/2006/main">
+  <p:cSld>
+    <p:spTree>
+      <p:nvGrpSpPr>
+        <p:cNvPr id="1" name=""/>
+        <p:cNvGrpSpPr/>
+        <p:nvPr/>
+      </p:nvGrpSpPr>
+      <p:grpSpPr>
+        <a:xfrm>
+          <a:off x="0" y="0"/>
+          <a:ext cx="0" cy="0"/>
+          <a:chOff x="0" y="0"/>
+          <a:chExt cx="0" cy="0"/>
+        </a:xfrm>
+      </p:grpSpPr>
+      <p:sp>
+        <p:nvSpPr>
+          <p:cNvPr id="4" name="TextBox 3"/>
+          <p:cNvSpPr txBox="1"/>
+          <p:nvPr/>
+        </p:nvSpPr>
+        <p:spPr>
+          <a:xfrm flipH="1">
+            <a:off x="8413146" y="1421996"/>
+            <a:ext cx="1572867" cy="400110"/>
+          </a:xfrm>
+          <a:prstGeom prst="rect">
+            <a:avLst/>
+          </a:prstGeom>
+          <a:noFill/>
+        </p:spPr>
+        <p:txBody>
+          <a:bodyPr wrap="none" rtlCol="0" anchor="ctr">
+            <a:spAutoFit/>
+          </a:bodyPr>
+          <a:lstStyle/>
+          <a:p>
+            <a:pPr algn="ctr"/>
+            <a:r>
+              <a:rPr lang="en-US" sz="2000" dirty="0"/>
+              <a:t>Public Clouds</a:t>
+            </a:r>
+          </a:p>
+        </p:txBody>
+      </p:sp>
+      <p:sp>
+        <p:nvSpPr>
+          <p:cNvPr id="5" name="Trapezoid 4"/>
+          <p:cNvSpPr/>
+          <p:nvPr/>
+        </p:nvSpPr>
+        <p:spPr>
+          <a:xfrm rot="5400000" flipH="1">
+            <a:off x="2852820" y="2082723"/>
+            <a:ext cx="798068" cy="404615"/>
+          </a:xfrm>
+          <a:prstGeom prst="trapezoid">
+            <a:avLst>
+              <a:gd name="adj" fmla="val 81339"/>
+            </a:avLst>
+          </a:prstGeom>
+          <a:ln>
+            <a:noFill/>
+          </a:ln>
+        </p:spPr>
+        <p:style>
+          <a:lnRef idx="1">
+            <a:schemeClr val="accent1"/>
+          </a:lnRef>
+          <a:fillRef idx="2">
+            <a:schemeClr val="accent1"/>
+          </a:fillRef>
+          <a:effectRef idx="1">
+            <a:schemeClr val="accent1"/>
+          </a:effectRef>
+          <a:fontRef idx="minor">
+            <a:schemeClr val="dk1"/>
+          </a:fontRef>
+        </p:style>
+        <p:txBody>
+          <a:bodyPr rtlCol="0" anchor="ctr"/>
+          <a:lstStyle/>
+          <a:p>
+            <a:pPr algn="ctr"/>
+            <a:endParaRPr lang="en-US">
+              <a:solidFill>
+                <a:srgbClr val="000000"/>
+              </a:solidFill>
+              <a:latin typeface="Arial"/>
+            </a:endParaRPr>
+          </a:p>
+        </p:txBody>
+      </p:sp>
+      <p:sp>
+        <p:nvSpPr>
+          <p:cNvPr id="6" name="Trapezoid 5"/>
+          <p:cNvSpPr/>
+          <p:nvPr/>
+        </p:nvSpPr>
+        <p:spPr>
+          <a:xfrm rot="5400000" flipH="1">
+            <a:off x="2852820" y="3002988"/>
+            <a:ext cx="798068" cy="404615"/>
+          </a:xfrm>
+          <a:prstGeom prst="trapezoid">
+            <a:avLst>
+              <a:gd name="adj" fmla="val 81339"/>
+            </a:avLst>
+          </a:prstGeom>
+          <a:ln>
+            <a:noFill/>
+          </a:ln>
+        </p:spPr>
+        <p:style>
+          <a:lnRef idx="1">
+            <a:schemeClr val="accent1"/>
+          </a:lnRef>
+          <a:fillRef idx="2">
+            <a:schemeClr val="accent1"/>
+          </a:fillRef>
+          <a:effectRef idx="1">
+            <a:schemeClr val="accent1"/>
+          </a:effectRef>
+          <a:fontRef idx="minor">
+            <a:schemeClr val="dk1"/>
+          </a:fontRef>
+        </p:style>
+        <p:txBody>
+          <a:bodyPr rtlCol="0" anchor="ctr"/>
+          <a:lstStyle/>
+          <a:p>
+            <a:pPr algn="ctr"/>
+            <a:endParaRPr lang="en-US">
+              <a:solidFill>
+                <a:srgbClr val="000000"/>
+              </a:solidFill>
+              <a:latin typeface="Arial"/>
+            </a:endParaRPr>
+          </a:p>
+        </p:txBody>
+      </p:sp>
+      <p:sp>
+        <p:nvSpPr>
+          <p:cNvPr id="7" name="Trapezoid 6"/>
+          <p:cNvSpPr/>
+          <p:nvPr/>
+        </p:nvSpPr>
+        <p:spPr>
+          <a:xfrm rot="5400000" flipH="1">
+            <a:off x="2852820" y="3898222"/>
+            <a:ext cx="798068" cy="404615"/>
+          </a:xfrm>
+          <a:prstGeom prst="trapezoid">
+            <a:avLst>
+              <a:gd name="adj" fmla="val 81339"/>
+            </a:avLst>
+          </a:prstGeom>
+          <a:ln>
+            <a:noFill/>
+          </a:ln>
+        </p:spPr>
+        <p:style>
+          <a:lnRef idx="1">
+            <a:schemeClr val="accent1"/>
+          </a:lnRef>
+          <a:fillRef idx="2">
+            <a:schemeClr val="accent1"/>
+          </a:fillRef>
+          <a:effectRef idx="1">
+            <a:schemeClr val="accent1"/>
+          </a:effectRef>
+          <a:fontRef idx="minor">
+            <a:schemeClr val="dk1"/>
+          </a:fontRef>
+        </p:style>
+        <p:txBody>
+          <a:bodyPr rtlCol="0" anchor="ctr"/>
+          <a:lstStyle/>
+          <a:p>
+            <a:pPr algn="ctr"/>
+            <a:endParaRPr lang="en-US">
+              <a:solidFill>
+                <a:srgbClr val="000000"/>
+              </a:solidFill>
+              <a:latin typeface="Arial"/>
+            </a:endParaRPr>
+          </a:p>
+        </p:txBody>
+      </p:sp>
+      <p:sp>
+        <p:nvSpPr>
+          <p:cNvPr id="8" name="Trapezoid 7"/>
+          <p:cNvSpPr/>
+          <p:nvPr/>
+        </p:nvSpPr>
+        <p:spPr>
+          <a:xfrm rot="5400000" flipH="1">
+            <a:off x="2852820" y="4794334"/>
+            <a:ext cx="798068" cy="404615"/>
+          </a:xfrm>
+          <a:prstGeom prst="trapezoid">
+            <a:avLst>
+              <a:gd name="adj" fmla="val 81339"/>
+            </a:avLst>
+          </a:prstGeom>
+          <a:ln>
+            <a:noFill/>
+          </a:ln>
+        </p:spPr>
+        <p:style>
+          <a:lnRef idx="1">
+            <a:schemeClr val="accent1"/>
+          </a:lnRef>
+          <a:fillRef idx="2">
+            <a:schemeClr val="accent1"/>
+          </a:fillRef>
+          <a:effectRef idx="1">
+            <a:schemeClr val="accent1"/>
+          </a:effectRef>
+          <a:fontRef idx="minor">
+            <a:schemeClr val="dk1"/>
+          </a:fontRef>
+        </p:style>
+        <p:txBody>
+          <a:bodyPr rtlCol="0" anchor="ctr"/>
+          <a:lstStyle/>
+          <a:p>
+            <a:pPr algn="ctr"/>
+            <a:endParaRPr lang="en-US">
+              <a:solidFill>
+                <a:srgbClr val="000000"/>
+              </a:solidFill>
+              <a:latin typeface="Arial"/>
+            </a:endParaRPr>
+          </a:p>
+        </p:txBody>
+      </p:sp>
+      <p:sp>
+        <p:nvSpPr>
+          <p:cNvPr id="9" name="Oval 8"/>
+          <p:cNvSpPr/>
+          <p:nvPr/>
+        </p:nvSpPr>
+        <p:spPr>
+          <a:xfrm flipH="1">
+            <a:off x="1487968" y="1436208"/>
+            <a:ext cx="1470272" cy="4404149"/>
+          </a:xfrm>
+          <a:prstGeom prst="ellipse">
+            <a:avLst/>
+          </a:prstGeom>
+          <a:solidFill>
+            <a:srgbClr val="CFE7F1"/>
+          </a:solidFill>
+          <a:ln>
+            <a:solidFill>
+              <a:srgbClr val="CFE7F1"/>
+            </a:solidFill>
+          </a:ln>
+        </p:spPr>
+        <p:style>
+          <a:lnRef idx="1">
+            <a:schemeClr val="accent1"/>
+          </a:lnRef>
+          <a:fillRef idx="2">
+            <a:schemeClr val="accent1"/>
+          </a:fillRef>
+          <a:effectRef idx="1">
+            <a:schemeClr val="accent1"/>
+          </a:effectRef>
+          <a:fontRef idx="minor">
+            <a:schemeClr val="dk1"/>
+          </a:fontRef>
+        </p:style>
+        <p:txBody>
+          <a:bodyPr rtlCol="0" anchor="ctr"/>
+          <a:lstStyle/>
+          <a:p>
+            <a:pPr algn="ctr"/>
+            <a:r>
+              <a:rPr lang="en-US" sz="2000" dirty="0" smtClean="0">
+                <a:solidFill>
+                  <a:srgbClr val="000000"/>
+                </a:solidFill>
+              </a:rPr>
+              <a:t>Users</a:t>
+            </a:r>
+          </a:p>
+          <a:p>
+            <a:pPr algn="ctr"/>
+            <a:r>
+              <a:rPr lang="en-US" sz="2000" dirty="0" smtClean="0">
+                <a:solidFill>
+                  <a:srgbClr val="000000"/>
+                </a:solidFill>
+              </a:rPr>
+              <a:t>&amp;</a:t>
+            </a:r>
+          </a:p>
+          <a:p>
+            <a:pPr algn="ctr"/>
+            <a:r>
+              <a:rPr lang="en-US" sz="2000" dirty="0" smtClean="0">
+                <a:solidFill>
+                  <a:srgbClr val="000000"/>
+                </a:solidFill>
+              </a:rPr>
+              <a:t>Devices</a:t>
+            </a:r>
+            <a:endParaRPr lang="en-US" sz="2000" dirty="0">
+              <a:solidFill>
+                <a:srgbClr val="000000"/>
+              </a:solidFill>
+            </a:endParaRPr>
+          </a:p>
+        </p:txBody>
+      </p:sp>
+      <p:sp>
+        <p:nvSpPr>
+          <p:cNvPr id="10" name="TextBox 9"/>
+          <p:cNvSpPr txBox="1"/>
+          <p:nvPr/>
+        </p:nvSpPr>
+        <p:spPr>
+          <a:xfrm flipH="1">
+            <a:off x="3625753" y="1421996"/>
+            <a:ext cx="1445396" cy="400110"/>
+          </a:xfrm>
+          <a:prstGeom prst="rect">
+            <a:avLst/>
+          </a:prstGeom>
+          <a:noFill/>
+        </p:spPr>
+        <p:txBody>
+          <a:bodyPr wrap="none" rtlCol="0" anchor="ctr">
+            <a:spAutoFit/>
+          </a:bodyPr>
+          <a:lstStyle/>
+          <a:p>
+            <a:pPr algn="ctr"/>
+            <a:r>
+              <a:rPr lang="en-US" sz="2000" dirty="0"/>
+              <a:t>Edge </a:t>
+            </a:r>
+            <a:r>
+              <a:rPr lang="en-US" sz="2000" dirty="0" smtClean="0"/>
+              <a:t>Clouds</a:t>
+            </a:r>
+            <a:endParaRPr lang="en-US" sz="2000" dirty="0"/>
+          </a:p>
+        </p:txBody>
+      </p:sp>
+      <p:pic>
+        <p:nvPicPr>
+          <p:cNvPr id="11" name="Picture 10" descr="wireless.jpg"/>
+          <p:cNvPicPr>
+            <a:picLocks noChangeAspect="1"/>
+          </p:cNvPicPr>
+          <p:nvPr/>
+        </p:nvPicPr>
+        <p:blipFill>
+          <a:blip r:embed="rId2" cstate="screen">
+            <a:extLst>
+              <a:ext uri="{28A0092B-C50C-407E-A947-70E740481C1C}">
+                <a14:useLocalDpi xmlns:a14="http://schemas.microsoft.com/office/drawing/2010/main"/>
+              </a:ext>
+            </a:extLst>
+          </a:blip>
+          <a:stretch>
+            <a:fillRect/>
+          </a:stretch>
+        </p:blipFill>
+        <p:spPr>
+          <a:xfrm flipH="1">
+            <a:off x="3411251" y="3760589"/>
+            <a:ext cx="613690" cy="626632"/>
+          </a:xfrm>
+          <a:prstGeom prst="rect">
+            <a:avLst/>
+          </a:prstGeom>
+        </p:spPr>
+      </p:pic>
+      <p:pic>
+        <p:nvPicPr>
+          <p:cNvPr id="12" name="Picture 11" descr="wireless.jpg"/>
+          <p:cNvPicPr>
+            <a:picLocks noChangeAspect="1"/>
+          </p:cNvPicPr>
+          <p:nvPr/>
+        </p:nvPicPr>
+        <p:blipFill>
+          <a:blip r:embed="rId2" cstate="screen">
+            <a:extLst>
+              <a:ext uri="{28A0092B-C50C-407E-A947-70E740481C1C}">
+                <a14:useLocalDpi xmlns:a14="http://schemas.microsoft.com/office/drawing/2010/main"/>
+              </a:ext>
+            </a:extLst>
+          </a:blip>
+          <a:stretch>
+            <a:fillRect/>
+          </a:stretch>
+        </p:blipFill>
+        <p:spPr>
+          <a:xfrm flipH="1">
+            <a:off x="3411251" y="4668338"/>
+            <a:ext cx="613690" cy="626632"/>
+          </a:xfrm>
+          <a:prstGeom prst="rect">
+            <a:avLst/>
+          </a:prstGeom>
+        </p:spPr>
+      </p:pic>
+      <p:pic>
+        <p:nvPicPr>
+          <p:cNvPr id="13" name="Picture 12" descr="gpon.png"/>
+          <p:cNvPicPr>
+            <a:picLocks noChangeAspect="1"/>
+          </p:cNvPicPr>
+          <p:nvPr/>
+        </p:nvPicPr>
+        <p:blipFill>
+          <a:blip r:embed="rId3" cstate="screen">
+            <a:extLst>
+              <a:ext uri="{28A0092B-C50C-407E-A947-70E740481C1C}">
+                <a14:useLocalDpi xmlns:a14="http://schemas.microsoft.com/office/drawing/2010/main"/>
+              </a:ext>
+            </a:extLst>
+          </a:blip>
+          <a:stretch>
+            <a:fillRect/>
+          </a:stretch>
+        </p:blipFill>
+        <p:spPr>
+          <a:xfrm flipH="1">
+            <a:off x="3460796" y="2931647"/>
+            <a:ext cx="514601" cy="525453"/>
+          </a:xfrm>
+          <a:prstGeom prst="rect">
+            <a:avLst/>
+          </a:prstGeom>
+        </p:spPr>
+      </p:pic>
+      <p:pic>
+        <p:nvPicPr>
+          <p:cNvPr id="14" name="Picture 13" descr="gpon.png"/>
+          <p:cNvPicPr>
+            <a:picLocks noChangeAspect="1"/>
+          </p:cNvPicPr>
+          <p:nvPr/>
+        </p:nvPicPr>
+        <p:blipFill>
+          <a:blip r:embed="rId3" cstate="screen">
+            <a:extLst>
+              <a:ext uri="{28A0092B-C50C-407E-A947-70E740481C1C}">
+                <a14:useLocalDpi xmlns:a14="http://schemas.microsoft.com/office/drawing/2010/main"/>
+              </a:ext>
+            </a:extLst>
+          </a:blip>
+          <a:stretch>
+            <a:fillRect/>
+          </a:stretch>
+        </p:blipFill>
+        <p:spPr>
+          <a:xfrm flipH="1">
+            <a:off x="3460796" y="2053867"/>
+            <a:ext cx="514601" cy="525453"/>
+          </a:xfrm>
+          <a:prstGeom prst="rect">
+            <a:avLst/>
+          </a:prstGeom>
+        </p:spPr>
+      </p:pic>
+      <p:sp>
+        <p:nvSpPr>
+          <p:cNvPr id="15" name="TextBox 14"/>
+          <p:cNvSpPr txBox="1"/>
+          <p:nvPr/>
+        </p:nvSpPr>
+        <p:spPr>
+          <a:xfrm flipH="1">
+            <a:off x="5704164" y="1421996"/>
+            <a:ext cx="1273105" cy="400110"/>
+          </a:xfrm>
+          <a:prstGeom prst="rect">
+            <a:avLst/>
+          </a:prstGeom>
+          <a:noFill/>
+        </p:spPr>
+        <p:txBody>
+          <a:bodyPr wrap="none" rtlCol="0" anchor="ctr">
+            <a:spAutoFit/>
+          </a:bodyPr>
+          <a:lstStyle/>
+          <a:p>
+            <a:pPr algn="ctr"/>
+            <a:r>
+              <a:rPr lang="en-US" sz="2000" dirty="0" smtClean="0"/>
+              <a:t>IXP Clouds</a:t>
+            </a:r>
+            <a:endParaRPr lang="en-US" sz="2000" dirty="0"/>
+          </a:p>
+        </p:txBody>
+      </p:sp>
+      <p:pic>
+        <p:nvPicPr>
+          <p:cNvPr id="16" name="Picture 15" descr="cloud_flat-with-edge.png"/>
+          <p:cNvPicPr>
+            <a:picLocks noChangeAspect="1"/>
+          </p:cNvPicPr>
+          <p:nvPr/>
+        </p:nvPicPr>
+        <p:blipFill>
+          <a:blip r:embed="rId4">
+            <a:duotone>
+              <a:schemeClr val="accent3">
+                <a:shade val="45000"/>
+                <a:satMod val="135000"/>
+              </a:schemeClr>
+              <a:prstClr val="white"/>
+            </a:duotone>
+            <a:extLst>
+              <a:ext uri="{28A0092B-C50C-407E-A947-70E740481C1C}">
+                <a14:useLocalDpi xmlns:a14="http://schemas.microsoft.com/office/drawing/2010/main" val="0"/>
+              </a:ext>
+            </a:extLst>
+          </a:blip>
+          <a:stretch>
+            <a:fillRect/>
+          </a:stretch>
+        </p:blipFill>
+        <p:spPr>
+          <a:xfrm>
+            <a:off x="7680364" y="2434578"/>
+            <a:ext cx="3244902" cy="1832292"/>
+          </a:xfrm>
+          <a:prstGeom prst="rect">
+            <a:avLst/>
+          </a:prstGeom>
+          <a:noFill/>
+          <a:ln>
+            <a:solidFill>
+              <a:schemeClr val="bg1"/>
+            </a:solidFill>
+          </a:ln>
+        </p:spPr>
+        <p:style>
+          <a:lnRef idx="1">
+            <a:schemeClr val="accent1"/>
+          </a:lnRef>
+          <a:fillRef idx="3">
+            <a:schemeClr val="accent1"/>
+          </a:fillRef>
+          <a:effectRef idx="2">
+            <a:schemeClr val="accent1"/>
+          </a:effectRef>
+          <a:fontRef idx="minor">
+            <a:schemeClr val="lt1"/>
+          </a:fontRef>
+        </p:style>
+      </p:pic>
+      <p:pic>
+        <p:nvPicPr>
+          <p:cNvPr id="17" name="Picture 16" descr="cloud_flat-with-edge.png">
+            <a:extLst>
+              <a:ext uri="{FF2B5EF4-FFF2-40B4-BE49-F238E27FC236}">
+                <a16:creationId xmlns="" xmlns:a16="http://schemas.microsoft.com/office/drawing/2014/main" id="{ADBDA620-F959-544B-A5E7-5E0D76D01353}"/>
+              </a:ext>
+            </a:extLst>
+          </p:cNvPr>
+          <p:cNvPicPr>
+            <a:picLocks noChangeAspect="1"/>
+          </p:cNvPicPr>
+          <p:nvPr/>
+        </p:nvPicPr>
+        <p:blipFill>
+          <a:blip r:embed="rId5">
+            <a:duotone>
+              <a:schemeClr val="accent3">
+                <a:shade val="45000"/>
+                <a:satMod val="135000"/>
+              </a:schemeClr>
+              <a:prstClr val="white"/>
+            </a:duotone>
+            <a:alphaModFix amt="35000"/>
+            <a:extLst>
+              <a:ext uri="{BEBA8EAE-BF5A-486C-A8C5-ECC9F3942E4B}">
+                <a14:imgProps xmlns:a14="http://schemas.microsoft.com/office/drawing/2010/main">
+                  <a14:imgLayer r:embed="rId6">
+                    <a14:imgEffect>
+                      <a14:saturation sat="400000"/>
+                    </a14:imgEffect>
+                    <a14:imgEffect>
+                      <a14:brightnessContrast bright="-20000"/>
+                    </a14:imgEffect>
+                  </a14:imgLayer>
+                </a14:imgProps>
+              </a:ext>
+              <a:ext uri="{28A0092B-C50C-407E-A947-70E740481C1C}">
+                <a14:useLocalDpi xmlns:a14="http://schemas.microsoft.com/office/drawing/2010/main" val="0"/>
+              </a:ext>
+            </a:extLst>
+          </a:blip>
+          <a:stretch>
+            <a:fillRect/>
+          </a:stretch>
+        </p:blipFill>
+        <p:spPr>
+          <a:xfrm>
+            <a:off x="3850698" y="4696263"/>
+            <a:ext cx="1106083" cy="570782"/>
+          </a:xfrm>
+          <a:prstGeom prst="rect">
+            <a:avLst/>
+          </a:prstGeom>
+        </p:spPr>
+      </p:pic>
+      <p:pic>
+        <p:nvPicPr>
+          <p:cNvPr id="18" name="Picture 17" descr="cloud_flat-with-edge.png">
+            <a:extLst>
+              <a:ext uri="{FF2B5EF4-FFF2-40B4-BE49-F238E27FC236}">
+                <a16:creationId xmlns="" xmlns:a16="http://schemas.microsoft.com/office/drawing/2014/main" id="{874B3795-E440-354A-A4F6-A596A13FECBD}"/>
+              </a:ext>
+            </a:extLst>
+          </p:cNvPr>
+          <p:cNvPicPr>
+            <a:picLocks noChangeAspect="1"/>
+          </p:cNvPicPr>
+          <p:nvPr/>
+        </p:nvPicPr>
+        <p:blipFill>
+          <a:blip r:embed="rId5">
+            <a:duotone>
+              <a:schemeClr val="accent3">
+                <a:shade val="45000"/>
+                <a:satMod val="135000"/>
+              </a:schemeClr>
+              <a:prstClr val="white"/>
+            </a:duotone>
+            <a:alphaModFix amt="35000"/>
+            <a:extLst>
+              <a:ext uri="{BEBA8EAE-BF5A-486C-A8C5-ECC9F3942E4B}">
+                <a14:imgProps xmlns:a14="http://schemas.microsoft.com/office/drawing/2010/main">
+                  <a14:imgLayer r:embed="rId6">
+                    <a14:imgEffect>
+                      <a14:saturation sat="400000"/>
+                    </a14:imgEffect>
+                    <a14:imgEffect>
+                      <a14:brightnessContrast bright="-20000"/>
+                    </a14:imgEffect>
+                  </a14:imgLayer>
+                </a14:imgProps>
+              </a:ext>
+              <a:ext uri="{28A0092B-C50C-407E-A947-70E740481C1C}">
+                <a14:useLocalDpi xmlns:a14="http://schemas.microsoft.com/office/drawing/2010/main" val="0"/>
+              </a:ext>
+            </a:extLst>
+          </a:blip>
+          <a:stretch>
+            <a:fillRect/>
+          </a:stretch>
+        </p:blipFill>
+        <p:spPr>
+          <a:xfrm>
+            <a:off x="3850698" y="3751322"/>
+            <a:ext cx="1106083" cy="570782"/>
+          </a:xfrm>
+          <a:prstGeom prst="rect">
+            <a:avLst/>
+          </a:prstGeom>
+        </p:spPr>
+      </p:pic>
+      <p:pic>
+        <p:nvPicPr>
+          <p:cNvPr id="19" name="Picture 18" descr="cloud_flat-with-edge.png">
+            <a:extLst>
+              <a:ext uri="{FF2B5EF4-FFF2-40B4-BE49-F238E27FC236}">
+                <a16:creationId xmlns="" xmlns:a16="http://schemas.microsoft.com/office/drawing/2014/main" id="{26F1F487-9A81-6145-BC36-A6432A0D0567}"/>
+              </a:ext>
+            </a:extLst>
+          </p:cNvPr>
+          <p:cNvPicPr>
+            <a:picLocks noChangeAspect="1"/>
+          </p:cNvPicPr>
+          <p:nvPr/>
+        </p:nvPicPr>
+        <p:blipFill>
+          <a:blip r:embed="rId5">
+            <a:duotone>
+              <a:schemeClr val="accent3">
+                <a:shade val="45000"/>
+                <a:satMod val="135000"/>
+              </a:schemeClr>
+              <a:prstClr val="white"/>
+            </a:duotone>
+            <a:alphaModFix amt="35000"/>
+            <a:extLst>
+              <a:ext uri="{BEBA8EAE-BF5A-486C-A8C5-ECC9F3942E4B}">
+                <a14:imgProps xmlns:a14="http://schemas.microsoft.com/office/drawing/2010/main">
+                  <a14:imgLayer r:embed="rId6">
+                    <a14:imgEffect>
+                      <a14:saturation sat="400000"/>
+                    </a14:imgEffect>
+                    <a14:imgEffect>
+                      <a14:brightnessContrast bright="-20000"/>
+                    </a14:imgEffect>
+                  </a14:imgLayer>
+                </a14:imgProps>
+              </a:ext>
+              <a:ext uri="{28A0092B-C50C-407E-A947-70E740481C1C}">
+                <a14:useLocalDpi xmlns:a14="http://schemas.microsoft.com/office/drawing/2010/main" val="0"/>
+              </a:ext>
+            </a:extLst>
+          </a:blip>
+          <a:stretch>
+            <a:fillRect/>
+          </a:stretch>
+        </p:blipFill>
+        <p:spPr>
+          <a:xfrm>
+            <a:off x="3850698" y="2849272"/>
+            <a:ext cx="1106083" cy="570782"/>
+          </a:xfrm>
+          <a:prstGeom prst="rect">
+            <a:avLst/>
+          </a:prstGeom>
+        </p:spPr>
+      </p:pic>
+      <p:pic>
+        <p:nvPicPr>
+          <p:cNvPr id="20" name="Picture 19" descr="cloud_flat-with-edge.png">
+            <a:extLst>
+              <a:ext uri="{FF2B5EF4-FFF2-40B4-BE49-F238E27FC236}">
+                <a16:creationId xmlns="" xmlns:a16="http://schemas.microsoft.com/office/drawing/2014/main" id="{7706B9CE-246E-364A-B43A-D12AB2BF6758}"/>
+              </a:ext>
+            </a:extLst>
+          </p:cNvPr>
+          <p:cNvPicPr>
+            <a:picLocks noChangeAspect="1"/>
+          </p:cNvPicPr>
+          <p:nvPr/>
+        </p:nvPicPr>
+        <p:blipFill>
+          <a:blip r:embed="rId5">
+            <a:duotone>
+              <a:schemeClr val="accent3">
+                <a:shade val="45000"/>
+                <a:satMod val="135000"/>
+              </a:schemeClr>
+              <a:prstClr val="white"/>
+            </a:duotone>
+            <a:alphaModFix amt="35000"/>
+            <a:extLst>
+              <a:ext uri="{BEBA8EAE-BF5A-486C-A8C5-ECC9F3942E4B}">
+                <a14:imgProps xmlns:a14="http://schemas.microsoft.com/office/drawing/2010/main">
+                  <a14:imgLayer r:embed="rId6">
+                    <a14:imgEffect>
+                      <a14:saturation sat="400000"/>
+                    </a14:imgEffect>
+                    <a14:imgEffect>
+                      <a14:brightnessContrast bright="-20000"/>
+                    </a14:imgEffect>
+                  </a14:imgLayer>
+                </a14:imgProps>
+              </a:ext>
+              <a:ext uri="{28A0092B-C50C-407E-A947-70E740481C1C}">
+                <a14:useLocalDpi xmlns:a14="http://schemas.microsoft.com/office/drawing/2010/main" val="0"/>
+              </a:ext>
+            </a:extLst>
+          </a:blip>
+          <a:stretch>
+            <a:fillRect/>
+          </a:stretch>
+        </p:blipFill>
+        <p:spPr>
+          <a:xfrm>
+            <a:off x="3850698" y="1994747"/>
+            <a:ext cx="1106083" cy="570782"/>
+          </a:xfrm>
+          <a:prstGeom prst="rect">
+            <a:avLst/>
+          </a:prstGeom>
+        </p:spPr>
+      </p:pic>
+      <p:pic>
+        <p:nvPicPr>
+          <p:cNvPr id="21" name="Picture 20" descr="cloud_flat-with-edge.png"/>
+          <p:cNvPicPr>
+            <a:picLocks noChangeAspect="1"/>
+          </p:cNvPicPr>
+          <p:nvPr/>
+        </p:nvPicPr>
+        <p:blipFill>
+          <a:blip r:embed="rId4">
+            <a:duotone>
+              <a:schemeClr val="accent3">
+                <a:shade val="45000"/>
+                <a:satMod val="135000"/>
+              </a:schemeClr>
+              <a:prstClr val="white"/>
+            </a:duotone>
+            <a:extLst>
+              <a:ext uri="{28A0092B-C50C-407E-A947-70E740481C1C}">
+                <a14:useLocalDpi xmlns:a14="http://schemas.microsoft.com/office/drawing/2010/main" val="0"/>
+              </a:ext>
+            </a:extLst>
+          </a:blip>
+          <a:stretch>
+            <a:fillRect/>
+          </a:stretch>
+        </p:blipFill>
+        <p:spPr>
+          <a:xfrm>
+            <a:off x="5306310" y="2049913"/>
+            <a:ext cx="2186797" cy="1209312"/>
+          </a:xfrm>
+          <a:prstGeom prst="rect">
+            <a:avLst/>
+          </a:prstGeom>
+        </p:spPr>
+      </p:pic>
+      <p:pic>
+        <p:nvPicPr>
+          <p:cNvPr id="22" name="Picture 21" descr="cloud_flat-with-edge.png"/>
+          <p:cNvPicPr>
+            <a:picLocks noChangeAspect="1"/>
+          </p:cNvPicPr>
+          <p:nvPr/>
+        </p:nvPicPr>
+        <p:blipFill>
+          <a:blip r:embed="rId4">
+            <a:duotone>
+              <a:schemeClr val="accent3">
+                <a:shade val="45000"/>
+                <a:satMod val="135000"/>
+              </a:schemeClr>
+              <a:prstClr val="white"/>
+            </a:duotone>
+            <a:extLst>
+              <a:ext uri="{28A0092B-C50C-407E-A947-70E740481C1C}">
+                <a14:useLocalDpi xmlns:a14="http://schemas.microsoft.com/office/drawing/2010/main" val="0"/>
+              </a:ext>
+            </a:extLst>
+          </a:blip>
+          <a:stretch>
+            <a:fillRect/>
+          </a:stretch>
+        </p:blipFill>
+        <p:spPr>
+          <a:xfrm>
+            <a:off x="5306310" y="3785079"/>
+            <a:ext cx="2186797" cy="1209312"/>
+          </a:xfrm>
+          <a:prstGeom prst="rect">
+            <a:avLst/>
+          </a:prstGeom>
+        </p:spPr>
+      </p:pic>
+      <p:sp>
+        <p:nvSpPr>
+          <p:cNvPr id="23" name="TextBox 22"/>
+          <p:cNvSpPr txBox="1"/>
+          <p:nvPr/>
+        </p:nvSpPr>
+        <p:spPr>
+          <a:xfrm flipH="1">
+            <a:off x="2958157" y="5280204"/>
+            <a:ext cx="1081899" cy="535531"/>
+          </a:xfrm>
+          <a:prstGeom prst="rect">
+            <a:avLst/>
+          </a:prstGeom>
+          <a:noFill/>
+        </p:spPr>
+        <p:txBody>
+          <a:bodyPr wrap="none" rtlCol="0" anchor="ctr">
+            <a:spAutoFit/>
+          </a:bodyPr>
+          <a:lstStyle/>
+          <a:p>
+            <a:pPr algn="ctr">
+              <a:lnSpc>
+                <a:spcPct val="80000"/>
+              </a:lnSpc>
+            </a:pPr>
+            <a:r>
+              <a:rPr lang="en-US" dirty="0" smtClean="0"/>
+              <a:t>Ac</a:t>
+            </a:r>
+            <a:r>
+              <a:rPr lang="en-US" dirty="0" smtClean="0"/>
+              <a:t>cess</a:t>
+            </a:r>
+          </a:p>
+          <a:p>
+            <a:pPr algn="ctr">
+              <a:lnSpc>
+                <a:spcPct val="80000"/>
+              </a:lnSpc>
+            </a:pPr>
+            <a:r>
+              <a:rPr lang="en-US" dirty="0" smtClean="0"/>
+              <a:t>Networks</a:t>
+            </a:r>
+            <a:endParaRPr lang="en-US" dirty="0"/>
+          </a:p>
+        </p:txBody>
+      </p:sp>
+    </p:spTree>
+    <p:extLst>
+      <p:ext uri="{BB962C8B-B14F-4D97-AF65-F5344CB8AC3E}">
+        <p14:creationId xmlns:p14="http://schemas.microsoft.com/office/powerpoint/2010/main" val="1684016106"/>
+      </p:ext>
+    </p:extLst>
+  </p:cSld>
+  <p:clrMapOvr>
+    <a:masterClrMapping/>
+  </p:clrMapOvr>
+</p:sld>
+</file>
+
 <file path=ppt/theme/theme1.xml><?xml version="1.0" encoding="utf-8"?>
 <a:theme xmlns:a="http://schemas.openxmlformats.org/drawingml/2006/main" name="Office Theme">
   <a:themeElements>

--- a/figures/access.pptx
+++ b/figures/access.pptx
@@ -6458,7 +6458,7 @@
           <p:cNvPr id="17" name="Picture 16" descr="cloud_flat-with-edge.png">
             <a:extLst>
               <a:ext uri="{FF2B5EF4-FFF2-40B4-BE49-F238E27FC236}">
-                <a16:creationId xmlns="" xmlns:a16="http://schemas.microsoft.com/office/drawing/2014/main" id="{ADBDA620-F959-544B-A5E7-5E0D76D01353}"/>
+                <a16:creationId xmlns:a16="http://schemas.microsoft.com/office/drawing/2014/main" xmlns="" id="{ADBDA620-F959-544B-A5E7-5E0D76D01353}"/>
               </a:ext>
             </a:extLst>
           </p:cNvPr>
@@ -6514,7 +6514,7 @@
           <p:cNvPr id="18" name="Picture 17" descr="cloud_flat-with-edge.png">
             <a:extLst>
               <a:ext uri="{FF2B5EF4-FFF2-40B4-BE49-F238E27FC236}">
-                <a16:creationId xmlns="" xmlns:a16="http://schemas.microsoft.com/office/drawing/2014/main" id="{874B3795-E440-354A-A4F6-A596A13FECBD}"/>
+                <a16:creationId xmlns:a16="http://schemas.microsoft.com/office/drawing/2014/main" xmlns="" id="{874B3795-E440-354A-A4F6-A596A13FECBD}"/>
               </a:ext>
             </a:extLst>
           </p:cNvPr>
@@ -6570,7 +6570,7 @@
           <p:cNvPr id="19" name="Picture 18" descr="cloud_flat-with-edge.png">
             <a:extLst>
               <a:ext uri="{FF2B5EF4-FFF2-40B4-BE49-F238E27FC236}">
-                <a16:creationId xmlns="" xmlns:a16="http://schemas.microsoft.com/office/drawing/2014/main" id="{26F1F487-9A81-6145-BC36-A6432A0D0567}"/>
+                <a16:creationId xmlns:a16="http://schemas.microsoft.com/office/drawing/2014/main" xmlns="" id="{26F1F487-9A81-6145-BC36-A6432A0D0567}"/>
               </a:ext>
             </a:extLst>
           </p:cNvPr>
@@ -6626,7 +6626,7 @@
           <p:cNvPr id="20" name="Picture 19" descr="cloud_flat-with-edge.png">
             <a:extLst>
               <a:ext uri="{FF2B5EF4-FFF2-40B4-BE49-F238E27FC236}">
-                <a16:creationId xmlns="" xmlns:a16="http://schemas.microsoft.com/office/drawing/2014/main" id="{7706B9CE-246E-364A-B43A-D12AB2BF6758}"/>
+                <a16:creationId xmlns:a16="http://schemas.microsoft.com/office/drawing/2014/main" xmlns="" id="{7706B9CE-246E-364A-B43A-D12AB2BF6758}"/>
               </a:ext>
             </a:extLst>
           </p:cNvPr>
@@ -6759,7 +6759,7 @@
         </p:nvSpPr>
         <p:spPr>
           <a:xfrm flipH="1">
-            <a:off x="2958157" y="5280204"/>
+            <a:off x="2943409" y="5280204"/>
             <a:ext cx="1081899" cy="535531"/>
           </a:xfrm>
           <a:prstGeom prst="rect">
@@ -6780,11 +6780,7 @@
             </a:pPr>
             <a:r>
               <a:rPr lang="en-US" dirty="0" smtClean="0"/>
-              <a:t>Ac</a:t>
-            </a:r>
-            <a:r>
-              <a:rPr lang="en-US" dirty="0" smtClean="0"/>
-              <a:t>cess</a:t>
+              <a:t>Access</a:t>
             </a:r>
           </a:p>
           <a:p>
@@ -6798,6 +6794,36 @@
               <a:t>Networks</a:t>
             </a:r>
             <a:endParaRPr lang="en-US" dirty="0"/>
+          </a:p>
+        </p:txBody>
+      </p:sp>
+      <p:sp>
+        <p:nvSpPr>
+          <p:cNvPr id="3" name="TextBox 2"/>
+          <p:cNvSpPr txBox="1"/>
+          <p:nvPr/>
+        </p:nvSpPr>
+        <p:spPr>
+          <a:xfrm>
+            <a:off x="3861435" y="5296770"/>
+            <a:ext cx="1320041" cy="369332"/>
+          </a:xfrm>
+          <a:prstGeom prst="rect">
+            <a:avLst/>
+          </a:prstGeom>
+          <a:noFill/>
+        </p:spPr>
+        <p:txBody>
+          <a:bodyPr wrap="none" rtlCol="0">
+            <a:spAutoFit/>
+          </a:bodyPr>
+          <a:lstStyle/>
+          <a:p>
+            <a:r>
+              <a:rPr lang="en-US" smtClean="0"/>
+              <a:t>(e.g., CORD)</a:t>
+            </a:r>
+            <a:endParaRPr lang="en-US"/>
           </a:p>
         </p:txBody>
       </p:sp>

--- a/figures/access.pptx
+++ b/figures/access.pptx
@@ -4,10 +4,14 @@
   <p:sldMasterIdLst>
     <p:sldMasterId id="2147483648" r:id="rId1"/>
   </p:sldMasterIdLst>
+  <p:notesMasterIdLst>
+    <p:notesMasterId r:id="rId6"/>
+  </p:notesMasterIdLst>
   <p:sldIdLst>
     <p:sldId id="257" r:id="rId2"/>
     <p:sldId id="259" r:id="rId3"/>
     <p:sldId id="260" r:id="rId4"/>
+    <p:sldId id="262" r:id="rId5"/>
   </p:sldIdLst>
   <p:sldSz cx="12192000" cy="6858000"/>
   <p:notesSz cx="6858000" cy="9144000"/>
@@ -114,6 +118,440 @@
 </p:presentation>
 </file>
 
+<file path=ppt/notesMasters/notesMaster1.xml><?xml version="1.0" encoding="utf-8"?>
+<p:notesMaster xmlns:a="http://schemas.openxmlformats.org/drawingml/2006/main" xmlns:r="http://schemas.openxmlformats.org/officeDocument/2006/relationships" xmlns:p="http://schemas.openxmlformats.org/presentationml/2006/main">
+  <p:cSld>
+    <p:bg>
+      <p:bgRef idx="1001">
+        <a:schemeClr val="bg1"/>
+      </p:bgRef>
+    </p:bg>
+    <p:spTree>
+      <p:nvGrpSpPr>
+        <p:cNvPr id="1" name=""/>
+        <p:cNvGrpSpPr/>
+        <p:nvPr/>
+      </p:nvGrpSpPr>
+      <p:grpSpPr>
+        <a:xfrm>
+          <a:off x="0" y="0"/>
+          <a:ext cx="0" cy="0"/>
+          <a:chOff x="0" y="0"/>
+          <a:chExt cx="0" cy="0"/>
+        </a:xfrm>
+      </p:grpSpPr>
+      <p:sp>
+        <p:nvSpPr>
+          <p:cNvPr id="2" name="Header Placeholder 1"/>
+          <p:cNvSpPr>
+            <a:spLocks noGrp="1"/>
+          </p:cNvSpPr>
+          <p:nvPr>
+            <p:ph type="hdr" sz="quarter"/>
+          </p:nvPr>
+        </p:nvSpPr>
+        <p:spPr>
+          <a:xfrm>
+            <a:off x="0" y="0"/>
+            <a:ext cx="2971800" cy="458788"/>
+          </a:xfrm>
+          <a:prstGeom prst="rect">
+            <a:avLst/>
+          </a:prstGeom>
+        </p:spPr>
+        <p:txBody>
+          <a:bodyPr vert="horz" lIns="91440" tIns="45720" rIns="91440" bIns="45720" rtlCol="0"/>
+          <a:lstStyle>
+            <a:lvl1pPr algn="l">
+              <a:defRPr sz="1200"/>
+            </a:lvl1pPr>
+          </a:lstStyle>
+          <a:p>
+            <a:endParaRPr lang="en-US"/>
+          </a:p>
+        </p:txBody>
+      </p:sp>
+      <p:sp>
+        <p:nvSpPr>
+          <p:cNvPr id="3" name="Date Placeholder 2"/>
+          <p:cNvSpPr>
+            <a:spLocks noGrp="1"/>
+          </p:cNvSpPr>
+          <p:nvPr>
+            <p:ph type="dt" idx="1"/>
+          </p:nvPr>
+        </p:nvSpPr>
+        <p:spPr>
+          <a:xfrm>
+            <a:off x="3884613" y="0"/>
+            <a:ext cx="2971800" cy="458788"/>
+          </a:xfrm>
+          <a:prstGeom prst="rect">
+            <a:avLst/>
+          </a:prstGeom>
+        </p:spPr>
+        <p:txBody>
+          <a:bodyPr vert="horz" lIns="91440" tIns="45720" rIns="91440" bIns="45720" rtlCol="0"/>
+          <a:lstStyle>
+            <a:lvl1pPr algn="r">
+              <a:defRPr sz="1200"/>
+            </a:lvl1pPr>
+          </a:lstStyle>
+          <a:p>
+            <a:fld id="{CD99FC43-7065-F348-8836-4FD247176936}" type="datetimeFigureOut">
+              <a:rPr lang="en-US" smtClean="0"/>
+              <a:t>8/30/19</a:t>
+            </a:fld>
+            <a:endParaRPr lang="en-US"/>
+          </a:p>
+        </p:txBody>
+      </p:sp>
+      <p:sp>
+        <p:nvSpPr>
+          <p:cNvPr id="4" name="Slide Image Placeholder 3"/>
+          <p:cNvSpPr>
+            <a:spLocks noGrp="1" noRot="1" noChangeAspect="1"/>
+          </p:cNvSpPr>
+          <p:nvPr>
+            <p:ph type="sldImg" idx="2"/>
+          </p:nvPr>
+        </p:nvSpPr>
+        <p:spPr>
+          <a:xfrm>
+            <a:off x="685800" y="1143000"/>
+            <a:ext cx="5486400" cy="3086100"/>
+          </a:xfrm>
+          <a:prstGeom prst="rect">
+            <a:avLst/>
+          </a:prstGeom>
+          <a:noFill/>
+          <a:ln w="12700">
+            <a:solidFill>
+              <a:prstClr val="black"/>
+            </a:solidFill>
+          </a:ln>
+        </p:spPr>
+        <p:txBody>
+          <a:bodyPr vert="horz" lIns="91440" tIns="45720" rIns="91440" bIns="45720" rtlCol="0" anchor="ctr"/>
+          <a:lstStyle/>
+          <a:p>
+            <a:endParaRPr lang="en-US"/>
+          </a:p>
+        </p:txBody>
+      </p:sp>
+      <p:sp>
+        <p:nvSpPr>
+          <p:cNvPr id="5" name="Notes Placeholder 4"/>
+          <p:cNvSpPr>
+            <a:spLocks noGrp="1"/>
+          </p:cNvSpPr>
+          <p:nvPr>
+            <p:ph type="body" sz="quarter" idx="3"/>
+          </p:nvPr>
+        </p:nvSpPr>
+        <p:spPr>
+          <a:xfrm>
+            <a:off x="685800" y="4400550"/>
+            <a:ext cx="5486400" cy="3600450"/>
+          </a:xfrm>
+          <a:prstGeom prst="rect">
+            <a:avLst/>
+          </a:prstGeom>
+        </p:spPr>
+        <p:txBody>
+          <a:bodyPr vert="horz" lIns="91440" tIns="45720" rIns="91440" bIns="45720" rtlCol="0"/>
+          <a:lstStyle/>
+          <a:p>
+            <a:pPr lvl="0"/>
+            <a:r>
+              <a:rPr lang="en-US" smtClean="0"/>
+              <a:t>Click to edit Master text styles</a:t>
+            </a:r>
+          </a:p>
+          <a:p>
+            <a:pPr lvl="1"/>
+            <a:r>
+              <a:rPr lang="en-US" smtClean="0"/>
+              <a:t>Second level</a:t>
+            </a:r>
+          </a:p>
+          <a:p>
+            <a:pPr lvl="2"/>
+            <a:r>
+              <a:rPr lang="en-US" smtClean="0"/>
+              <a:t>Third level</a:t>
+            </a:r>
+          </a:p>
+          <a:p>
+            <a:pPr lvl="3"/>
+            <a:r>
+              <a:rPr lang="en-US" smtClean="0"/>
+              <a:t>Fourth level</a:t>
+            </a:r>
+          </a:p>
+          <a:p>
+            <a:pPr lvl="4"/>
+            <a:r>
+              <a:rPr lang="en-US" smtClean="0"/>
+              <a:t>Fifth level</a:t>
+            </a:r>
+            <a:endParaRPr lang="en-US"/>
+          </a:p>
+        </p:txBody>
+      </p:sp>
+      <p:sp>
+        <p:nvSpPr>
+          <p:cNvPr id="6" name="Footer Placeholder 5"/>
+          <p:cNvSpPr>
+            <a:spLocks noGrp="1"/>
+          </p:cNvSpPr>
+          <p:nvPr>
+            <p:ph type="ftr" sz="quarter" idx="4"/>
+          </p:nvPr>
+        </p:nvSpPr>
+        <p:spPr>
+          <a:xfrm>
+            <a:off x="0" y="8685213"/>
+            <a:ext cx="2971800" cy="458787"/>
+          </a:xfrm>
+          <a:prstGeom prst="rect">
+            <a:avLst/>
+          </a:prstGeom>
+        </p:spPr>
+        <p:txBody>
+          <a:bodyPr vert="horz" lIns="91440" tIns="45720" rIns="91440" bIns="45720" rtlCol="0" anchor="b"/>
+          <a:lstStyle>
+            <a:lvl1pPr algn="l">
+              <a:defRPr sz="1200"/>
+            </a:lvl1pPr>
+          </a:lstStyle>
+          <a:p>
+            <a:endParaRPr lang="en-US"/>
+          </a:p>
+        </p:txBody>
+      </p:sp>
+      <p:sp>
+        <p:nvSpPr>
+          <p:cNvPr id="7" name="Slide Number Placeholder 6"/>
+          <p:cNvSpPr>
+            <a:spLocks noGrp="1"/>
+          </p:cNvSpPr>
+          <p:nvPr>
+            <p:ph type="sldNum" sz="quarter" idx="5"/>
+          </p:nvPr>
+        </p:nvSpPr>
+        <p:spPr>
+          <a:xfrm>
+            <a:off x="3884613" y="8685213"/>
+            <a:ext cx="2971800" cy="458787"/>
+          </a:xfrm>
+          <a:prstGeom prst="rect">
+            <a:avLst/>
+          </a:prstGeom>
+        </p:spPr>
+        <p:txBody>
+          <a:bodyPr vert="horz" lIns="91440" tIns="45720" rIns="91440" bIns="45720" rtlCol="0" anchor="b"/>
+          <a:lstStyle>
+            <a:lvl1pPr algn="r">
+              <a:defRPr sz="1200"/>
+            </a:lvl1pPr>
+          </a:lstStyle>
+          <a:p>
+            <a:fld id="{B7F58827-50F8-FA48-AA76-4283E737E7D7}" type="slidenum">
+              <a:rPr lang="en-US" smtClean="0"/>
+              <a:t>‹#›</a:t>
+            </a:fld>
+            <a:endParaRPr lang="en-US"/>
+          </a:p>
+        </p:txBody>
+      </p:sp>
+    </p:spTree>
+    <p:extLst>
+      <p:ext uri="{BB962C8B-B14F-4D97-AF65-F5344CB8AC3E}">
+        <p14:creationId xmlns:p14="http://schemas.microsoft.com/office/powerpoint/2010/main" val="1532166283"/>
+      </p:ext>
+    </p:extLst>
+  </p:cSld>
+  <p:clrMap bg1="lt1" tx1="dk1" bg2="lt2" tx2="dk2" accent1="accent1" accent2="accent2" accent3="accent3" accent4="accent4" accent5="accent5" accent6="accent6" hlink="hlink" folHlink="folHlink"/>
+  <p:notesStyle>
+    <a:lvl1pPr marL="0" algn="l" defTabSz="914400" rtl="0" eaLnBrk="1" latinLnBrk="0" hangingPunct="1">
+      <a:defRPr sz="1200" kern="1200">
+        <a:solidFill>
+          <a:schemeClr val="tx1"/>
+        </a:solidFill>
+        <a:latin typeface="+mn-lt"/>
+        <a:ea typeface="+mn-ea"/>
+        <a:cs typeface="+mn-cs"/>
+      </a:defRPr>
+    </a:lvl1pPr>
+    <a:lvl2pPr marL="457200" algn="l" defTabSz="914400" rtl="0" eaLnBrk="1" latinLnBrk="0" hangingPunct="1">
+      <a:defRPr sz="1200" kern="1200">
+        <a:solidFill>
+          <a:schemeClr val="tx1"/>
+        </a:solidFill>
+        <a:latin typeface="+mn-lt"/>
+        <a:ea typeface="+mn-ea"/>
+        <a:cs typeface="+mn-cs"/>
+      </a:defRPr>
+    </a:lvl2pPr>
+    <a:lvl3pPr marL="914400" algn="l" defTabSz="914400" rtl="0" eaLnBrk="1" latinLnBrk="0" hangingPunct="1">
+      <a:defRPr sz="1200" kern="1200">
+        <a:solidFill>
+          <a:schemeClr val="tx1"/>
+        </a:solidFill>
+        <a:latin typeface="+mn-lt"/>
+        <a:ea typeface="+mn-ea"/>
+        <a:cs typeface="+mn-cs"/>
+      </a:defRPr>
+    </a:lvl3pPr>
+    <a:lvl4pPr marL="1371600" algn="l" defTabSz="914400" rtl="0" eaLnBrk="1" latinLnBrk="0" hangingPunct="1">
+      <a:defRPr sz="1200" kern="1200">
+        <a:solidFill>
+          <a:schemeClr val="tx1"/>
+        </a:solidFill>
+        <a:latin typeface="+mn-lt"/>
+        <a:ea typeface="+mn-ea"/>
+        <a:cs typeface="+mn-cs"/>
+      </a:defRPr>
+    </a:lvl4pPr>
+    <a:lvl5pPr marL="1828800" algn="l" defTabSz="914400" rtl="0" eaLnBrk="1" latinLnBrk="0" hangingPunct="1">
+      <a:defRPr sz="1200" kern="1200">
+        <a:solidFill>
+          <a:schemeClr val="tx1"/>
+        </a:solidFill>
+        <a:latin typeface="+mn-lt"/>
+        <a:ea typeface="+mn-ea"/>
+        <a:cs typeface="+mn-cs"/>
+      </a:defRPr>
+    </a:lvl5pPr>
+    <a:lvl6pPr marL="2286000" algn="l" defTabSz="914400" rtl="0" eaLnBrk="1" latinLnBrk="0" hangingPunct="1">
+      <a:defRPr sz="1200" kern="1200">
+        <a:solidFill>
+          <a:schemeClr val="tx1"/>
+        </a:solidFill>
+        <a:latin typeface="+mn-lt"/>
+        <a:ea typeface="+mn-ea"/>
+        <a:cs typeface="+mn-cs"/>
+      </a:defRPr>
+    </a:lvl6pPr>
+    <a:lvl7pPr marL="2743200" algn="l" defTabSz="914400" rtl="0" eaLnBrk="1" latinLnBrk="0" hangingPunct="1">
+      <a:defRPr sz="1200" kern="1200">
+        <a:solidFill>
+          <a:schemeClr val="tx1"/>
+        </a:solidFill>
+        <a:latin typeface="+mn-lt"/>
+        <a:ea typeface="+mn-ea"/>
+        <a:cs typeface="+mn-cs"/>
+      </a:defRPr>
+    </a:lvl7pPr>
+    <a:lvl8pPr marL="3200400" algn="l" defTabSz="914400" rtl="0" eaLnBrk="1" latinLnBrk="0" hangingPunct="1">
+      <a:defRPr sz="1200" kern="1200">
+        <a:solidFill>
+          <a:schemeClr val="tx1"/>
+        </a:solidFill>
+        <a:latin typeface="+mn-lt"/>
+        <a:ea typeface="+mn-ea"/>
+        <a:cs typeface="+mn-cs"/>
+      </a:defRPr>
+    </a:lvl8pPr>
+    <a:lvl9pPr marL="3657600" algn="l" defTabSz="914400" rtl="0" eaLnBrk="1" latinLnBrk="0" hangingPunct="1">
+      <a:defRPr sz="1200" kern="1200">
+        <a:solidFill>
+          <a:schemeClr val="tx1"/>
+        </a:solidFill>
+        <a:latin typeface="+mn-lt"/>
+        <a:ea typeface="+mn-ea"/>
+        <a:cs typeface="+mn-cs"/>
+      </a:defRPr>
+    </a:lvl9pPr>
+  </p:notesStyle>
+</p:notesMaster>
+</file>
+
+<file path=ppt/notesSlides/notesSlide1.xml><?xml version="1.0" encoding="utf-8"?>
+<p:notes xmlns:a="http://schemas.openxmlformats.org/drawingml/2006/main" xmlns:r="http://schemas.openxmlformats.org/officeDocument/2006/relationships" xmlns:p="http://schemas.openxmlformats.org/presentationml/2006/main">
+  <p:cSld>
+    <p:spTree>
+      <p:nvGrpSpPr>
+        <p:cNvPr id="1" name=""/>
+        <p:cNvGrpSpPr/>
+        <p:nvPr/>
+      </p:nvGrpSpPr>
+      <p:grpSpPr>
+        <a:xfrm>
+          <a:off x="0" y="0"/>
+          <a:ext cx="0" cy="0"/>
+          <a:chOff x="0" y="0"/>
+          <a:chExt cx="0" cy="0"/>
+        </a:xfrm>
+      </p:grpSpPr>
+      <p:sp>
+        <p:nvSpPr>
+          <p:cNvPr id="2" name="Slide Image Placeholder 1"/>
+          <p:cNvSpPr>
+            <a:spLocks noGrp="1" noRot="1" noChangeAspect="1"/>
+          </p:cNvSpPr>
+          <p:nvPr>
+            <p:ph type="sldImg"/>
+          </p:nvPr>
+        </p:nvSpPr>
+        <p:spPr/>
+      </p:sp>
+      <p:sp>
+        <p:nvSpPr>
+          <p:cNvPr id="3" name="Notes Placeholder 2"/>
+          <p:cNvSpPr>
+            <a:spLocks noGrp="1"/>
+          </p:cNvSpPr>
+          <p:nvPr>
+            <p:ph type="body" idx="1"/>
+          </p:nvPr>
+        </p:nvSpPr>
+        <p:spPr/>
+        <p:txBody>
+          <a:bodyPr/>
+          <a:lstStyle/>
+          <a:p>
+            <a:endParaRPr lang="en-US" dirty="0"/>
+          </a:p>
+        </p:txBody>
+      </p:sp>
+      <p:sp>
+        <p:nvSpPr>
+          <p:cNvPr id="4" name="Slide Number Placeholder 3"/>
+          <p:cNvSpPr>
+            <a:spLocks noGrp="1"/>
+          </p:cNvSpPr>
+          <p:nvPr>
+            <p:ph type="sldNum" sz="quarter" idx="10"/>
+          </p:nvPr>
+        </p:nvSpPr>
+        <p:spPr/>
+        <p:txBody>
+          <a:bodyPr/>
+          <a:lstStyle/>
+          <a:p>
+            <a:fld id="{51850710-3577-E74A-9C2F-93CD90266D54}" type="slidenum">
+              <a:rPr lang="en-US" smtClean="0"/>
+              <a:t>4</a:t>
+            </a:fld>
+            <a:endParaRPr lang="en-US"/>
+          </a:p>
+        </p:txBody>
+      </p:sp>
+    </p:spTree>
+    <p:extLst>
+      <p:ext uri="{BB962C8B-B14F-4D97-AF65-F5344CB8AC3E}">
+        <p14:creationId xmlns:p14="http://schemas.microsoft.com/office/powerpoint/2010/main" val="8931321"/>
+      </p:ext>
+    </p:extLst>
+  </p:cSld>
+  <p:clrMapOvr>
+    <a:masterClrMapping/>
+  </p:clrMapOvr>
+</p:notes>
+</file>
+
 <file path=ppt/slideLayouts/slideLayout1.xml><?xml version="1.0" encoding="utf-8"?>
 <p:sldLayout xmlns:a="http://schemas.openxmlformats.org/drawingml/2006/main" xmlns:r="http://schemas.openxmlformats.org/officeDocument/2006/relationships" xmlns:p="http://schemas.openxmlformats.org/presentationml/2006/main" type="title" preserve="1">
   <p:cSld name="Title Slide">
@@ -245,7 +683,7 @@
           <a:p>
             <a:fld id="{5D97E163-DB95-D24D-8C95-263DECB1FC34}" type="datetimeFigureOut">
               <a:rPr lang="en-US" smtClean="0"/>
-              <a:t>4/2/19</a:t>
+              <a:t>8/30/19</a:t>
             </a:fld>
             <a:endParaRPr lang="en-US"/>
           </a:p>
@@ -415,7 +853,7 @@
           <a:p>
             <a:fld id="{5D97E163-DB95-D24D-8C95-263DECB1FC34}" type="datetimeFigureOut">
               <a:rPr lang="en-US" smtClean="0"/>
-              <a:t>4/2/19</a:t>
+              <a:t>8/30/19</a:t>
             </a:fld>
             <a:endParaRPr lang="en-US"/>
           </a:p>
@@ -595,7 +1033,7 @@
           <a:p>
             <a:fld id="{5D97E163-DB95-D24D-8C95-263DECB1FC34}" type="datetimeFigureOut">
               <a:rPr lang="en-US" smtClean="0"/>
-              <a:t>4/2/19</a:t>
+              <a:t>8/30/19</a:t>
             </a:fld>
             <a:endParaRPr lang="en-US"/>
           </a:p>
@@ -647,6 +1085,222 @@
     <p:extLst>
       <p:ext uri="{BB962C8B-B14F-4D97-AF65-F5344CB8AC3E}">
         <p14:creationId xmlns:p14="http://schemas.microsoft.com/office/powerpoint/2010/main" val="467656848"/>
+      </p:ext>
+    </p:extLst>
+  </p:cSld>
+  <p:clrMapOvr>
+    <a:masterClrMapping/>
+  </p:clrMapOvr>
+</p:sldLayout>
+</file>
+
+<file path=ppt/slideLayouts/slideLayout12.xml><?xml version="1.0" encoding="utf-8"?>
+<p:sldLayout xmlns:a="http://schemas.openxmlformats.org/drawingml/2006/main" xmlns:r="http://schemas.openxmlformats.org/officeDocument/2006/relationships" xmlns:p="http://schemas.openxmlformats.org/presentationml/2006/main" userDrawn="1">
+  <p:cSld name="1_Title and Content">
+    <p:spTree>
+      <p:nvGrpSpPr>
+        <p:cNvPr id="1" name=""/>
+        <p:cNvGrpSpPr/>
+        <p:nvPr/>
+      </p:nvGrpSpPr>
+      <p:grpSpPr>
+        <a:xfrm>
+          <a:off x="0" y="0"/>
+          <a:ext cx="0" cy="0"/>
+          <a:chOff x="0" y="0"/>
+          <a:chExt cx="0" cy="0"/>
+        </a:xfrm>
+      </p:grpSpPr>
+      <p:sp>
+        <p:nvSpPr>
+          <p:cNvPr id="2" name="Title 1"/>
+          <p:cNvSpPr>
+            <a:spLocks noGrp="1"/>
+          </p:cNvSpPr>
+          <p:nvPr>
+            <p:ph type="title"/>
+          </p:nvPr>
+        </p:nvSpPr>
+        <p:spPr>
+          <a:xfrm>
+            <a:off x="741892" y="51313"/>
+            <a:ext cx="10708216" cy="968771"/>
+          </a:xfrm>
+        </p:spPr>
+        <p:txBody>
+          <a:bodyPr/>
+          <a:lstStyle>
+            <a:lvl1pPr>
+              <a:defRPr>
+                <a:latin typeface="Lato Light" panose="020F0302020204030203" pitchFamily="34" charset="0"/>
+              </a:defRPr>
+            </a:lvl1pPr>
+          </a:lstStyle>
+          <a:p>
+            <a:r>
+              <a:rPr lang="en-US" dirty="0"/>
+              <a:t>Click to edit Master title style</a:t>
+            </a:r>
+          </a:p>
+        </p:txBody>
+      </p:sp>
+      <p:sp>
+        <p:nvSpPr>
+          <p:cNvPr id="3" name="Content Placeholder 2"/>
+          <p:cNvSpPr>
+            <a:spLocks noGrp="1"/>
+          </p:cNvSpPr>
+          <p:nvPr>
+            <p:ph idx="1"/>
+          </p:nvPr>
+        </p:nvSpPr>
+        <p:spPr>
+          <a:xfrm>
+            <a:off x="741892" y="1500614"/>
+            <a:ext cx="10708216" cy="4580495"/>
+          </a:xfrm>
+        </p:spPr>
+        <p:txBody>
+          <a:bodyPr/>
+          <a:lstStyle>
+            <a:lvl1pPr>
+              <a:defRPr>
+                <a:latin typeface="Lato Light" panose="020F0302020204030203" pitchFamily="34" charset="0"/>
+              </a:defRPr>
+            </a:lvl1pPr>
+            <a:lvl2pPr>
+              <a:defRPr>
+                <a:latin typeface="Lato Light" panose="020F0302020204030203" pitchFamily="34" charset="0"/>
+              </a:defRPr>
+            </a:lvl2pPr>
+            <a:lvl3pPr>
+              <a:defRPr>
+                <a:latin typeface="Lato Light" panose="020F0302020204030203" pitchFamily="34" charset="0"/>
+              </a:defRPr>
+            </a:lvl3pPr>
+            <a:lvl4pPr>
+              <a:defRPr>
+                <a:latin typeface="Lato Light" panose="020F0302020204030203" pitchFamily="34" charset="0"/>
+              </a:defRPr>
+            </a:lvl4pPr>
+            <a:lvl5pPr>
+              <a:defRPr>
+                <a:latin typeface="Lato Light" panose="020F0302020204030203" pitchFamily="34" charset="0"/>
+              </a:defRPr>
+            </a:lvl5pPr>
+          </a:lstStyle>
+          <a:p>
+            <a:pPr lvl="0"/>
+            <a:r>
+              <a:rPr lang="en-US" dirty="0"/>
+              <a:t>Click to edit Master text styles</a:t>
+            </a:r>
+          </a:p>
+          <a:p>
+            <a:pPr lvl="1"/>
+            <a:r>
+              <a:rPr lang="en-US" dirty="0"/>
+              <a:t>Second level</a:t>
+            </a:r>
+          </a:p>
+          <a:p>
+            <a:pPr lvl="2"/>
+            <a:r>
+              <a:rPr lang="en-US" dirty="0"/>
+              <a:t>Third level</a:t>
+            </a:r>
+          </a:p>
+          <a:p>
+            <a:pPr lvl="3"/>
+            <a:r>
+              <a:rPr lang="en-US" dirty="0"/>
+              <a:t>Fourth level</a:t>
+            </a:r>
+          </a:p>
+          <a:p>
+            <a:pPr lvl="4"/>
+            <a:r>
+              <a:rPr lang="en-US" dirty="0"/>
+              <a:t>Fifth level</a:t>
+            </a:r>
+          </a:p>
+        </p:txBody>
+      </p:sp>
+      <p:sp>
+        <p:nvSpPr>
+          <p:cNvPr id="9" name="Text Placeholder 8"/>
+          <p:cNvSpPr>
+            <a:spLocks noGrp="1"/>
+          </p:cNvSpPr>
+          <p:nvPr>
+            <p:ph type="body" sz="quarter" idx="13" hasCustomPrompt="1"/>
+          </p:nvPr>
+        </p:nvSpPr>
+        <p:spPr>
+          <a:xfrm>
+            <a:off x="739777" y="979865"/>
+            <a:ext cx="10712449" cy="450849"/>
+          </a:xfrm>
+        </p:spPr>
+        <p:txBody>
+          <a:bodyPr>
+            <a:normAutofit/>
+          </a:bodyPr>
+          <a:lstStyle>
+            <a:lvl1pPr marL="0" indent="0" algn="ctr">
+              <a:buNone/>
+              <a:defRPr sz="1867">
+                <a:solidFill>
+                  <a:schemeClr val="bg1"/>
+                </a:solidFill>
+                <a:latin typeface="Lato Light" panose="020F0302020204030203" pitchFamily="34" charset="0"/>
+                <a:cs typeface="Gotham Book"/>
+              </a:defRPr>
+            </a:lvl1pPr>
+          </a:lstStyle>
+          <a:p>
+            <a:pPr lvl="0"/>
+            <a:r>
+              <a:rPr lang="en-US" dirty="0"/>
+              <a:t>Subtitle goes here</a:t>
+            </a:r>
+          </a:p>
+        </p:txBody>
+      </p:sp>
+      <p:pic>
+        <p:nvPicPr>
+          <p:cNvPr id="6" name="Picture 5">
+            <a:extLst>
+              <a:ext uri="{FF2B5EF4-FFF2-40B4-BE49-F238E27FC236}">
+                <a16:creationId xmlns="" xmlns:a16="http://schemas.microsoft.com/office/drawing/2014/main" id="{B13945C5-961C-334E-B2D7-D7302B115E30}"/>
+              </a:ext>
+            </a:extLst>
+          </p:cNvPr>
+          <p:cNvPicPr>
+            <a:picLocks noChangeAspect="1"/>
+          </p:cNvPicPr>
+          <p:nvPr userDrawn="1"/>
+        </p:nvPicPr>
+        <p:blipFill>
+          <a:blip r:embed="rId2"/>
+          <a:stretch>
+            <a:fillRect/>
+          </a:stretch>
+        </p:blipFill>
+        <p:spPr>
+          <a:xfrm>
+            <a:off x="10781283" y="6543267"/>
+            <a:ext cx="1111972" cy="203239"/>
+          </a:xfrm>
+          <a:prstGeom prst="rect">
+            <a:avLst/>
+          </a:prstGeom>
+        </p:spPr>
+      </p:pic>
+    </p:spTree>
+    <p:extLst>
+      <p:ext uri="{BB962C8B-B14F-4D97-AF65-F5344CB8AC3E}">
+        <p14:creationId xmlns:p14="http://schemas.microsoft.com/office/powerpoint/2010/main" val="1876951238"/>
       </p:ext>
     </p:extLst>
   </p:cSld>
@@ -765,7 +1419,7 @@
           <a:p>
             <a:fld id="{5D97E163-DB95-D24D-8C95-263DECB1FC34}" type="datetimeFigureOut">
               <a:rPr lang="en-US" smtClean="0"/>
-              <a:t>4/2/19</a:t>
+              <a:t>8/30/19</a:t>
             </a:fld>
             <a:endParaRPr lang="en-US"/>
           </a:p>
@@ -1011,7 +1665,7 @@
           <a:p>
             <a:fld id="{5D97E163-DB95-D24D-8C95-263DECB1FC34}" type="datetimeFigureOut">
               <a:rPr lang="en-US" smtClean="0"/>
-              <a:t>4/2/19</a:t>
+              <a:t>8/30/19</a:t>
             </a:fld>
             <a:endParaRPr lang="en-US"/>
           </a:p>
@@ -1243,7 +1897,7 @@
           <a:p>
             <a:fld id="{5D97E163-DB95-D24D-8C95-263DECB1FC34}" type="datetimeFigureOut">
               <a:rPr lang="en-US" smtClean="0"/>
-              <a:t>4/2/19</a:t>
+              <a:t>8/30/19</a:t>
             </a:fld>
             <a:endParaRPr lang="en-US"/>
           </a:p>
@@ -1610,7 +2264,7 @@
           <a:p>
             <a:fld id="{5D97E163-DB95-D24D-8C95-263DECB1FC34}" type="datetimeFigureOut">
               <a:rPr lang="en-US" smtClean="0"/>
-              <a:t>4/2/19</a:t>
+              <a:t>8/30/19</a:t>
             </a:fld>
             <a:endParaRPr lang="en-US"/>
           </a:p>
@@ -1728,7 +2382,7 @@
           <a:p>
             <a:fld id="{5D97E163-DB95-D24D-8C95-263DECB1FC34}" type="datetimeFigureOut">
               <a:rPr lang="en-US" smtClean="0"/>
-              <a:t>4/2/19</a:t>
+              <a:t>8/30/19</a:t>
             </a:fld>
             <a:endParaRPr lang="en-US"/>
           </a:p>
@@ -1823,7 +2477,7 @@
           <a:p>
             <a:fld id="{5D97E163-DB95-D24D-8C95-263DECB1FC34}" type="datetimeFigureOut">
               <a:rPr lang="en-US" smtClean="0"/>
-              <a:t>4/2/19</a:t>
+              <a:t>8/30/19</a:t>
             </a:fld>
             <a:endParaRPr lang="en-US"/>
           </a:p>
@@ -2100,7 +2754,7 @@
           <a:p>
             <a:fld id="{5D97E163-DB95-D24D-8C95-263DECB1FC34}" type="datetimeFigureOut">
               <a:rPr lang="en-US" smtClean="0"/>
-              <a:t>4/2/19</a:t>
+              <a:t>8/30/19</a:t>
             </a:fld>
             <a:endParaRPr lang="en-US"/>
           </a:p>
@@ -2353,7 +3007,7 @@
           <a:p>
             <a:fld id="{5D97E163-DB95-D24D-8C95-263DECB1FC34}" type="datetimeFigureOut">
               <a:rPr lang="en-US" smtClean="0"/>
-              <a:t>4/2/19</a:t>
+              <a:t>8/30/19</a:t>
             </a:fld>
             <a:endParaRPr lang="en-US"/>
           </a:p>
@@ -2566,7 +3220,7 @@
           <a:p>
             <a:fld id="{5D97E163-DB95-D24D-8C95-263DECB1FC34}" type="datetimeFigureOut">
               <a:rPr lang="en-US" smtClean="0"/>
-              <a:t>4/2/19</a:t>
+              <a:t>8/30/19</a:t>
             </a:fld>
             <a:endParaRPr lang="en-US"/>
           </a:p>
@@ -2670,6 +3324,7 @@
     <p:sldLayoutId id="2147483657" r:id="rId9"/>
     <p:sldLayoutId id="2147483658" r:id="rId10"/>
     <p:sldLayoutId id="2147483659" r:id="rId11"/>
+    <p:sldLayoutId id="2147483660" r:id="rId12"/>
   </p:sldLayoutIdLst>
   <p:txStyles>
     <p:titleStyle>
@@ -6458,7 +7113,7 @@
           <p:cNvPr id="17" name="Picture 16" descr="cloud_flat-with-edge.png">
             <a:extLst>
               <a:ext uri="{FF2B5EF4-FFF2-40B4-BE49-F238E27FC236}">
-                <a16:creationId xmlns:a16="http://schemas.microsoft.com/office/drawing/2014/main" xmlns="" id="{ADBDA620-F959-544B-A5E7-5E0D76D01353}"/>
+                <a16:creationId xmlns="" xmlns:a16="http://schemas.microsoft.com/office/drawing/2014/main" id="{ADBDA620-F959-544B-A5E7-5E0D76D01353}"/>
               </a:ext>
             </a:extLst>
           </p:cNvPr>
@@ -6514,7 +7169,7 @@
           <p:cNvPr id="18" name="Picture 17" descr="cloud_flat-with-edge.png">
             <a:extLst>
               <a:ext uri="{FF2B5EF4-FFF2-40B4-BE49-F238E27FC236}">
-                <a16:creationId xmlns:a16="http://schemas.microsoft.com/office/drawing/2014/main" xmlns="" id="{874B3795-E440-354A-A4F6-A596A13FECBD}"/>
+                <a16:creationId xmlns="" xmlns:a16="http://schemas.microsoft.com/office/drawing/2014/main" id="{874B3795-E440-354A-A4F6-A596A13FECBD}"/>
               </a:ext>
             </a:extLst>
           </p:cNvPr>
@@ -6570,7 +7225,7 @@
           <p:cNvPr id="19" name="Picture 18" descr="cloud_flat-with-edge.png">
             <a:extLst>
               <a:ext uri="{FF2B5EF4-FFF2-40B4-BE49-F238E27FC236}">
-                <a16:creationId xmlns:a16="http://schemas.microsoft.com/office/drawing/2014/main" xmlns="" id="{26F1F487-9A81-6145-BC36-A6432A0D0567}"/>
+                <a16:creationId xmlns="" xmlns:a16="http://schemas.microsoft.com/office/drawing/2014/main" id="{26F1F487-9A81-6145-BC36-A6432A0D0567}"/>
               </a:ext>
             </a:extLst>
           </p:cNvPr>
@@ -6626,7 +7281,7 @@
           <p:cNvPr id="20" name="Picture 19" descr="cloud_flat-with-edge.png">
             <a:extLst>
               <a:ext uri="{FF2B5EF4-FFF2-40B4-BE49-F238E27FC236}">
-                <a16:creationId xmlns:a16="http://schemas.microsoft.com/office/drawing/2014/main" xmlns="" id="{7706B9CE-246E-364A-B43A-D12AB2BF6758}"/>
+                <a16:creationId xmlns="" xmlns:a16="http://schemas.microsoft.com/office/drawing/2014/main" id="{7706B9CE-246E-364A-B43A-D12AB2BF6758}"/>
               </a:ext>
             </a:extLst>
           </p:cNvPr>
@@ -6837,6 +7492,8848 @@
   <p:clrMapOvr>
     <a:masterClrMapping/>
   </p:clrMapOvr>
+  <p:timing>
+    <p:tnLst>
+      <p:par>
+        <p:cTn id="1" dur="indefinite" restart="never" nodeType="tmRoot"/>
+      </p:par>
+    </p:tnLst>
+  </p:timing>
+</p:sld>
+</file>
+
+<file path=ppt/slides/slide4.xml><?xml version="1.0" encoding="utf-8"?>
+<p:sld xmlns:a="http://schemas.openxmlformats.org/drawingml/2006/main" xmlns:r="http://schemas.openxmlformats.org/officeDocument/2006/relationships" xmlns:p="http://schemas.openxmlformats.org/presentationml/2006/main">
+  <p:cSld>
+    <p:spTree>
+      <p:nvGrpSpPr>
+        <p:cNvPr id="1" name=""/>
+        <p:cNvGrpSpPr/>
+        <p:nvPr/>
+      </p:nvGrpSpPr>
+      <p:grpSpPr>
+        <a:xfrm>
+          <a:off x="0" y="0"/>
+          <a:ext cx="0" cy="0"/>
+          <a:chOff x="0" y="0"/>
+          <a:chExt cx="0" cy="0"/>
+        </a:xfrm>
+      </p:grpSpPr>
+      <p:sp>
+        <p:nvSpPr>
+          <p:cNvPr id="8" name="Rectangle 7"/>
+          <p:cNvSpPr/>
+          <p:nvPr/>
+        </p:nvSpPr>
+        <p:spPr>
+          <a:xfrm>
+            <a:off x="986929" y="1237043"/>
+            <a:ext cx="595087" cy="333828"/>
+          </a:xfrm>
+          <a:prstGeom prst="rect">
+            <a:avLst/>
+          </a:prstGeom>
+          <a:ln w="12700">
+            <a:solidFill>
+              <a:schemeClr val="bg1">
+                <a:lumMod val="50000"/>
+              </a:schemeClr>
+            </a:solidFill>
+          </a:ln>
+        </p:spPr>
+        <p:style>
+          <a:lnRef idx="1">
+            <a:schemeClr val="dk1"/>
+          </a:lnRef>
+          <a:fillRef idx="2">
+            <a:schemeClr val="dk1"/>
+          </a:fillRef>
+          <a:effectRef idx="1">
+            <a:schemeClr val="dk1"/>
+          </a:effectRef>
+          <a:fontRef idx="minor">
+            <a:schemeClr val="dk1"/>
+          </a:fontRef>
+        </p:style>
+        <p:txBody>
+          <a:bodyPr rtlCol="0" anchor="ctr"/>
+          <a:lstStyle/>
+          <a:p>
+            <a:pPr algn="ctr"/>
+            <a:endParaRPr lang="en-US" sz="2400"/>
+          </a:p>
+        </p:txBody>
+      </p:sp>
+      <p:sp>
+        <p:nvSpPr>
+          <p:cNvPr id="23" name="Rectangle 22"/>
+          <p:cNvSpPr/>
+          <p:nvPr/>
+        </p:nvSpPr>
+        <p:spPr>
+          <a:xfrm>
+            <a:off x="986929" y="1570871"/>
+            <a:ext cx="595087" cy="333828"/>
+          </a:xfrm>
+          <a:prstGeom prst="rect">
+            <a:avLst/>
+          </a:prstGeom>
+          <a:ln w="12700">
+            <a:solidFill>
+              <a:schemeClr val="bg1">
+                <a:lumMod val="50000"/>
+              </a:schemeClr>
+            </a:solidFill>
+          </a:ln>
+        </p:spPr>
+        <p:style>
+          <a:lnRef idx="1">
+            <a:schemeClr val="dk1"/>
+          </a:lnRef>
+          <a:fillRef idx="2">
+            <a:schemeClr val="dk1"/>
+          </a:fillRef>
+          <a:effectRef idx="1">
+            <a:schemeClr val="dk1"/>
+          </a:effectRef>
+          <a:fontRef idx="minor">
+            <a:schemeClr val="dk1"/>
+          </a:fontRef>
+        </p:style>
+        <p:txBody>
+          <a:bodyPr rtlCol="0" anchor="ctr"/>
+          <a:lstStyle/>
+          <a:p>
+            <a:pPr algn="ctr"/>
+            <a:endParaRPr lang="en-US" sz="2400"/>
+          </a:p>
+        </p:txBody>
+      </p:sp>
+      <p:sp>
+        <p:nvSpPr>
+          <p:cNvPr id="24" name="Rectangle 23"/>
+          <p:cNvSpPr/>
+          <p:nvPr/>
+        </p:nvSpPr>
+        <p:spPr>
+          <a:xfrm>
+            <a:off x="986929" y="1904699"/>
+            <a:ext cx="595087" cy="333828"/>
+          </a:xfrm>
+          <a:prstGeom prst="rect">
+            <a:avLst/>
+          </a:prstGeom>
+          <a:ln w="12700">
+            <a:solidFill>
+              <a:schemeClr val="bg1">
+                <a:lumMod val="50000"/>
+              </a:schemeClr>
+            </a:solidFill>
+          </a:ln>
+        </p:spPr>
+        <p:style>
+          <a:lnRef idx="1">
+            <a:schemeClr val="dk1"/>
+          </a:lnRef>
+          <a:fillRef idx="2">
+            <a:schemeClr val="dk1"/>
+          </a:fillRef>
+          <a:effectRef idx="1">
+            <a:schemeClr val="dk1"/>
+          </a:effectRef>
+          <a:fontRef idx="minor">
+            <a:schemeClr val="dk1"/>
+          </a:fontRef>
+        </p:style>
+        <p:txBody>
+          <a:bodyPr rtlCol="0" anchor="ctr"/>
+          <a:lstStyle/>
+          <a:p>
+            <a:pPr algn="ctr"/>
+            <a:endParaRPr lang="en-US" sz="2400"/>
+          </a:p>
+        </p:txBody>
+      </p:sp>
+      <p:sp>
+        <p:nvSpPr>
+          <p:cNvPr id="25" name="Rectangle 24"/>
+          <p:cNvSpPr/>
+          <p:nvPr/>
+        </p:nvSpPr>
+        <p:spPr>
+          <a:xfrm>
+            <a:off x="986929" y="2238527"/>
+            <a:ext cx="595087" cy="333828"/>
+          </a:xfrm>
+          <a:prstGeom prst="rect">
+            <a:avLst/>
+          </a:prstGeom>
+          <a:ln w="12700">
+            <a:solidFill>
+              <a:schemeClr val="bg1">
+                <a:lumMod val="50000"/>
+              </a:schemeClr>
+            </a:solidFill>
+          </a:ln>
+        </p:spPr>
+        <p:style>
+          <a:lnRef idx="1">
+            <a:schemeClr val="dk1"/>
+          </a:lnRef>
+          <a:fillRef idx="2">
+            <a:schemeClr val="dk1"/>
+          </a:fillRef>
+          <a:effectRef idx="1">
+            <a:schemeClr val="dk1"/>
+          </a:effectRef>
+          <a:fontRef idx="minor">
+            <a:schemeClr val="dk1"/>
+          </a:fontRef>
+        </p:style>
+        <p:txBody>
+          <a:bodyPr rtlCol="0" anchor="ctr"/>
+          <a:lstStyle/>
+          <a:p>
+            <a:pPr algn="ctr"/>
+            <a:endParaRPr lang="en-US" sz="2400"/>
+          </a:p>
+        </p:txBody>
+      </p:sp>
+      <p:sp>
+        <p:nvSpPr>
+          <p:cNvPr id="26" name="Rectangle 25"/>
+          <p:cNvSpPr/>
+          <p:nvPr/>
+        </p:nvSpPr>
+        <p:spPr>
+          <a:xfrm>
+            <a:off x="986929" y="2572355"/>
+            <a:ext cx="595087" cy="333828"/>
+          </a:xfrm>
+          <a:prstGeom prst="rect">
+            <a:avLst/>
+          </a:prstGeom>
+          <a:solidFill>
+            <a:schemeClr val="accent5">
+              <a:lumMod val="60000"/>
+              <a:lumOff val="40000"/>
+            </a:schemeClr>
+          </a:solidFill>
+          <a:ln w="12700">
+            <a:solidFill>
+              <a:schemeClr val="bg1">
+                <a:lumMod val="50000"/>
+              </a:schemeClr>
+            </a:solidFill>
+          </a:ln>
+        </p:spPr>
+        <p:style>
+          <a:lnRef idx="1">
+            <a:schemeClr val="accent2"/>
+          </a:lnRef>
+          <a:fillRef idx="2">
+            <a:schemeClr val="accent2"/>
+          </a:fillRef>
+          <a:effectRef idx="1">
+            <a:schemeClr val="accent2"/>
+          </a:effectRef>
+          <a:fontRef idx="minor">
+            <a:schemeClr val="dk1"/>
+          </a:fontRef>
+        </p:style>
+        <p:txBody>
+          <a:bodyPr rtlCol="0" anchor="ctr"/>
+          <a:lstStyle/>
+          <a:p>
+            <a:pPr algn="ctr"/>
+            <a:endParaRPr lang="en-US" sz="2400"/>
+          </a:p>
+        </p:txBody>
+      </p:sp>
+      <p:sp>
+        <p:nvSpPr>
+          <p:cNvPr id="27" name="Rectangle 26"/>
+          <p:cNvSpPr/>
+          <p:nvPr/>
+        </p:nvSpPr>
+        <p:spPr>
+          <a:xfrm>
+            <a:off x="986929" y="2902554"/>
+            <a:ext cx="595087" cy="333828"/>
+          </a:xfrm>
+          <a:prstGeom prst="rect">
+            <a:avLst/>
+          </a:prstGeom>
+          <a:solidFill>
+            <a:schemeClr val="accent5">
+              <a:lumMod val="60000"/>
+              <a:lumOff val="40000"/>
+            </a:schemeClr>
+          </a:solidFill>
+          <a:ln w="12700">
+            <a:solidFill>
+              <a:schemeClr val="bg1">
+                <a:lumMod val="50000"/>
+              </a:schemeClr>
+            </a:solidFill>
+          </a:ln>
+        </p:spPr>
+        <p:style>
+          <a:lnRef idx="1">
+            <a:schemeClr val="accent2"/>
+          </a:lnRef>
+          <a:fillRef idx="2">
+            <a:schemeClr val="accent2"/>
+          </a:fillRef>
+          <a:effectRef idx="1">
+            <a:schemeClr val="accent2"/>
+          </a:effectRef>
+          <a:fontRef idx="minor">
+            <a:schemeClr val="dk1"/>
+          </a:fontRef>
+        </p:style>
+        <p:txBody>
+          <a:bodyPr rtlCol="0" anchor="ctr"/>
+          <a:lstStyle/>
+          <a:p>
+            <a:pPr algn="ctr"/>
+            <a:endParaRPr lang="en-US" sz="2400"/>
+          </a:p>
+        </p:txBody>
+      </p:sp>
+      <p:sp>
+        <p:nvSpPr>
+          <p:cNvPr id="28" name="Rectangle 27"/>
+          <p:cNvSpPr/>
+          <p:nvPr/>
+        </p:nvSpPr>
+        <p:spPr>
+          <a:xfrm>
+            <a:off x="986929" y="3225263"/>
+            <a:ext cx="595087" cy="333828"/>
+          </a:xfrm>
+          <a:prstGeom prst="rect">
+            <a:avLst/>
+          </a:prstGeom>
+          <a:solidFill>
+            <a:schemeClr val="accent5">
+              <a:lumMod val="60000"/>
+              <a:lumOff val="40000"/>
+            </a:schemeClr>
+          </a:solidFill>
+          <a:ln w="12700">
+            <a:solidFill>
+              <a:schemeClr val="bg1">
+                <a:lumMod val="50000"/>
+              </a:schemeClr>
+            </a:solidFill>
+          </a:ln>
+        </p:spPr>
+        <p:style>
+          <a:lnRef idx="1">
+            <a:schemeClr val="accent2"/>
+          </a:lnRef>
+          <a:fillRef idx="2">
+            <a:schemeClr val="accent2"/>
+          </a:fillRef>
+          <a:effectRef idx="1">
+            <a:schemeClr val="accent2"/>
+          </a:effectRef>
+          <a:fontRef idx="minor">
+            <a:schemeClr val="dk1"/>
+          </a:fontRef>
+        </p:style>
+        <p:txBody>
+          <a:bodyPr rtlCol="0" anchor="ctr"/>
+          <a:lstStyle/>
+          <a:p>
+            <a:pPr algn="ctr"/>
+            <a:endParaRPr lang="en-US" sz="2400"/>
+          </a:p>
+        </p:txBody>
+      </p:sp>
+      <p:sp>
+        <p:nvSpPr>
+          <p:cNvPr id="29" name="Rectangle 28"/>
+          <p:cNvSpPr/>
+          <p:nvPr/>
+        </p:nvSpPr>
+        <p:spPr>
+          <a:xfrm>
+            <a:off x="986929" y="3559091"/>
+            <a:ext cx="595087" cy="333828"/>
+          </a:xfrm>
+          <a:prstGeom prst="rect">
+            <a:avLst/>
+          </a:prstGeom>
+          <a:solidFill>
+            <a:schemeClr val="accent5">
+              <a:lumMod val="60000"/>
+              <a:lumOff val="40000"/>
+            </a:schemeClr>
+          </a:solidFill>
+          <a:ln w="12700">
+            <a:solidFill>
+              <a:schemeClr val="bg1">
+                <a:lumMod val="50000"/>
+              </a:schemeClr>
+            </a:solidFill>
+          </a:ln>
+        </p:spPr>
+        <p:style>
+          <a:lnRef idx="1">
+            <a:schemeClr val="accent2"/>
+          </a:lnRef>
+          <a:fillRef idx="2">
+            <a:schemeClr val="accent2"/>
+          </a:fillRef>
+          <a:effectRef idx="1">
+            <a:schemeClr val="accent2"/>
+          </a:effectRef>
+          <a:fontRef idx="minor">
+            <a:schemeClr val="dk1"/>
+          </a:fontRef>
+        </p:style>
+        <p:txBody>
+          <a:bodyPr rtlCol="0" anchor="ctr"/>
+          <a:lstStyle/>
+          <a:p>
+            <a:pPr algn="ctr"/>
+            <a:endParaRPr lang="en-US" sz="2400"/>
+          </a:p>
+        </p:txBody>
+      </p:sp>
+      <p:sp>
+        <p:nvSpPr>
+          <p:cNvPr id="30" name="Rectangle 29"/>
+          <p:cNvSpPr/>
+          <p:nvPr/>
+        </p:nvSpPr>
+        <p:spPr>
+          <a:xfrm>
+            <a:off x="986929" y="3892919"/>
+            <a:ext cx="595087" cy="333828"/>
+          </a:xfrm>
+          <a:prstGeom prst="rect">
+            <a:avLst/>
+          </a:prstGeom>
+          <a:solidFill>
+            <a:schemeClr val="accent5">
+              <a:lumMod val="60000"/>
+              <a:lumOff val="40000"/>
+            </a:schemeClr>
+          </a:solidFill>
+          <a:ln w="12700">
+            <a:solidFill>
+              <a:schemeClr val="bg1">
+                <a:lumMod val="50000"/>
+              </a:schemeClr>
+            </a:solidFill>
+          </a:ln>
+        </p:spPr>
+        <p:style>
+          <a:lnRef idx="1">
+            <a:schemeClr val="accent2"/>
+          </a:lnRef>
+          <a:fillRef idx="2">
+            <a:schemeClr val="accent2"/>
+          </a:fillRef>
+          <a:effectRef idx="1">
+            <a:schemeClr val="accent2"/>
+          </a:effectRef>
+          <a:fontRef idx="minor">
+            <a:schemeClr val="dk1"/>
+          </a:fontRef>
+        </p:style>
+        <p:txBody>
+          <a:bodyPr rtlCol="0" anchor="ctr"/>
+          <a:lstStyle/>
+          <a:p>
+            <a:pPr algn="ctr"/>
+            <a:endParaRPr lang="en-US" sz="2400"/>
+          </a:p>
+        </p:txBody>
+      </p:sp>
+      <p:sp>
+        <p:nvSpPr>
+          <p:cNvPr id="31" name="Rectangle 30"/>
+          <p:cNvSpPr/>
+          <p:nvPr/>
+        </p:nvSpPr>
+        <p:spPr>
+          <a:xfrm>
+            <a:off x="986929" y="4226747"/>
+            <a:ext cx="595087" cy="333828"/>
+          </a:xfrm>
+          <a:prstGeom prst="rect">
+            <a:avLst/>
+          </a:prstGeom>
+          <a:ln w="12700">
+            <a:solidFill>
+              <a:schemeClr val="bg1">
+                <a:lumMod val="50000"/>
+              </a:schemeClr>
+            </a:solidFill>
+          </a:ln>
+        </p:spPr>
+        <p:style>
+          <a:lnRef idx="1">
+            <a:schemeClr val="accent1"/>
+          </a:lnRef>
+          <a:fillRef idx="2">
+            <a:schemeClr val="accent1"/>
+          </a:fillRef>
+          <a:effectRef idx="1">
+            <a:schemeClr val="accent1"/>
+          </a:effectRef>
+          <a:fontRef idx="minor">
+            <a:schemeClr val="dk1"/>
+          </a:fontRef>
+        </p:style>
+        <p:txBody>
+          <a:bodyPr rtlCol="0" anchor="ctr"/>
+          <a:lstStyle/>
+          <a:p>
+            <a:pPr algn="ctr"/>
+            <a:endParaRPr lang="en-US" sz="2400"/>
+          </a:p>
+        </p:txBody>
+      </p:sp>
+      <p:sp>
+        <p:nvSpPr>
+          <p:cNvPr id="32" name="Rectangle 31"/>
+          <p:cNvSpPr/>
+          <p:nvPr/>
+        </p:nvSpPr>
+        <p:spPr>
+          <a:xfrm>
+            <a:off x="986929" y="4560575"/>
+            <a:ext cx="595087" cy="333828"/>
+          </a:xfrm>
+          <a:prstGeom prst="rect">
+            <a:avLst/>
+          </a:prstGeom>
+          <a:ln w="12700">
+            <a:solidFill>
+              <a:schemeClr val="bg1">
+                <a:lumMod val="50000"/>
+              </a:schemeClr>
+            </a:solidFill>
+          </a:ln>
+        </p:spPr>
+        <p:style>
+          <a:lnRef idx="1">
+            <a:schemeClr val="accent1"/>
+          </a:lnRef>
+          <a:fillRef idx="2">
+            <a:schemeClr val="accent1"/>
+          </a:fillRef>
+          <a:effectRef idx="1">
+            <a:schemeClr val="accent1"/>
+          </a:effectRef>
+          <a:fontRef idx="minor">
+            <a:schemeClr val="dk1"/>
+          </a:fontRef>
+        </p:style>
+        <p:txBody>
+          <a:bodyPr rtlCol="0" anchor="ctr"/>
+          <a:lstStyle/>
+          <a:p>
+            <a:pPr algn="ctr"/>
+            <a:endParaRPr lang="en-US" sz="2400"/>
+          </a:p>
+        </p:txBody>
+      </p:sp>
+      <p:sp>
+        <p:nvSpPr>
+          <p:cNvPr id="33" name="Rectangle 32"/>
+          <p:cNvSpPr/>
+          <p:nvPr/>
+        </p:nvSpPr>
+        <p:spPr>
+          <a:xfrm>
+            <a:off x="986929" y="4894403"/>
+            <a:ext cx="595087" cy="333828"/>
+          </a:xfrm>
+          <a:prstGeom prst="rect">
+            <a:avLst/>
+          </a:prstGeom>
+          <a:ln w="12700">
+            <a:solidFill>
+              <a:schemeClr val="bg1">
+                <a:lumMod val="50000"/>
+              </a:schemeClr>
+            </a:solidFill>
+          </a:ln>
+        </p:spPr>
+        <p:style>
+          <a:lnRef idx="1">
+            <a:schemeClr val="accent1"/>
+          </a:lnRef>
+          <a:fillRef idx="2">
+            <a:schemeClr val="accent1"/>
+          </a:fillRef>
+          <a:effectRef idx="1">
+            <a:schemeClr val="accent1"/>
+          </a:effectRef>
+          <a:fontRef idx="minor">
+            <a:schemeClr val="dk1"/>
+          </a:fontRef>
+        </p:style>
+        <p:txBody>
+          <a:bodyPr rtlCol="0" anchor="ctr"/>
+          <a:lstStyle/>
+          <a:p>
+            <a:pPr algn="ctr"/>
+            <a:endParaRPr lang="en-US" sz="2400"/>
+          </a:p>
+        </p:txBody>
+      </p:sp>
+      <p:sp>
+        <p:nvSpPr>
+          <p:cNvPr id="34" name="Rectangle 33"/>
+          <p:cNvSpPr/>
+          <p:nvPr/>
+        </p:nvSpPr>
+        <p:spPr>
+          <a:xfrm>
+            <a:off x="1582015" y="1237043"/>
+            <a:ext cx="595087" cy="333828"/>
+          </a:xfrm>
+          <a:prstGeom prst="rect">
+            <a:avLst/>
+          </a:prstGeom>
+          <a:ln w="12700">
+            <a:solidFill>
+              <a:schemeClr val="bg1">
+                <a:lumMod val="50000"/>
+              </a:schemeClr>
+            </a:solidFill>
+          </a:ln>
+        </p:spPr>
+        <p:style>
+          <a:lnRef idx="1">
+            <a:schemeClr val="dk1"/>
+          </a:lnRef>
+          <a:fillRef idx="2">
+            <a:schemeClr val="dk1"/>
+          </a:fillRef>
+          <a:effectRef idx="1">
+            <a:schemeClr val="dk1"/>
+          </a:effectRef>
+          <a:fontRef idx="minor">
+            <a:schemeClr val="dk1"/>
+          </a:fontRef>
+        </p:style>
+        <p:txBody>
+          <a:bodyPr rtlCol="0" anchor="ctr"/>
+          <a:lstStyle/>
+          <a:p>
+            <a:pPr algn="ctr"/>
+            <a:endParaRPr lang="en-US" sz="2400"/>
+          </a:p>
+        </p:txBody>
+      </p:sp>
+      <p:sp>
+        <p:nvSpPr>
+          <p:cNvPr id="35" name="Rectangle 34"/>
+          <p:cNvSpPr/>
+          <p:nvPr/>
+        </p:nvSpPr>
+        <p:spPr>
+          <a:xfrm>
+            <a:off x="1582015" y="1570871"/>
+            <a:ext cx="595087" cy="333828"/>
+          </a:xfrm>
+          <a:prstGeom prst="rect">
+            <a:avLst/>
+          </a:prstGeom>
+          <a:ln w="12700">
+            <a:solidFill>
+              <a:schemeClr val="bg1">
+                <a:lumMod val="50000"/>
+              </a:schemeClr>
+            </a:solidFill>
+          </a:ln>
+        </p:spPr>
+        <p:style>
+          <a:lnRef idx="1">
+            <a:schemeClr val="dk1"/>
+          </a:lnRef>
+          <a:fillRef idx="2">
+            <a:schemeClr val="dk1"/>
+          </a:fillRef>
+          <a:effectRef idx="1">
+            <a:schemeClr val="dk1"/>
+          </a:effectRef>
+          <a:fontRef idx="minor">
+            <a:schemeClr val="dk1"/>
+          </a:fontRef>
+        </p:style>
+        <p:txBody>
+          <a:bodyPr rtlCol="0" anchor="ctr"/>
+          <a:lstStyle/>
+          <a:p>
+            <a:pPr algn="ctr"/>
+            <a:endParaRPr lang="en-US" sz="2400"/>
+          </a:p>
+        </p:txBody>
+      </p:sp>
+      <p:sp>
+        <p:nvSpPr>
+          <p:cNvPr id="36" name="Rectangle 35"/>
+          <p:cNvSpPr/>
+          <p:nvPr/>
+        </p:nvSpPr>
+        <p:spPr>
+          <a:xfrm>
+            <a:off x="1582015" y="1904699"/>
+            <a:ext cx="595087" cy="333828"/>
+          </a:xfrm>
+          <a:prstGeom prst="rect">
+            <a:avLst/>
+          </a:prstGeom>
+          <a:ln w="12700">
+            <a:solidFill>
+              <a:schemeClr val="bg1">
+                <a:lumMod val="50000"/>
+              </a:schemeClr>
+            </a:solidFill>
+          </a:ln>
+        </p:spPr>
+        <p:style>
+          <a:lnRef idx="1">
+            <a:schemeClr val="dk1"/>
+          </a:lnRef>
+          <a:fillRef idx="2">
+            <a:schemeClr val="dk1"/>
+          </a:fillRef>
+          <a:effectRef idx="1">
+            <a:schemeClr val="dk1"/>
+          </a:effectRef>
+          <a:fontRef idx="minor">
+            <a:schemeClr val="dk1"/>
+          </a:fontRef>
+        </p:style>
+        <p:txBody>
+          <a:bodyPr rtlCol="0" anchor="ctr"/>
+          <a:lstStyle/>
+          <a:p>
+            <a:pPr algn="ctr"/>
+            <a:endParaRPr lang="en-US" sz="2400"/>
+          </a:p>
+        </p:txBody>
+      </p:sp>
+      <p:sp>
+        <p:nvSpPr>
+          <p:cNvPr id="37" name="Rectangle 36"/>
+          <p:cNvSpPr/>
+          <p:nvPr/>
+        </p:nvSpPr>
+        <p:spPr>
+          <a:xfrm>
+            <a:off x="1582015" y="2238527"/>
+            <a:ext cx="595087" cy="333828"/>
+          </a:xfrm>
+          <a:prstGeom prst="rect">
+            <a:avLst/>
+          </a:prstGeom>
+          <a:ln w="12700">
+            <a:solidFill>
+              <a:schemeClr val="bg1">
+                <a:lumMod val="50000"/>
+              </a:schemeClr>
+            </a:solidFill>
+          </a:ln>
+        </p:spPr>
+        <p:style>
+          <a:lnRef idx="1">
+            <a:schemeClr val="dk1"/>
+          </a:lnRef>
+          <a:fillRef idx="2">
+            <a:schemeClr val="dk1"/>
+          </a:fillRef>
+          <a:effectRef idx="1">
+            <a:schemeClr val="dk1"/>
+          </a:effectRef>
+          <a:fontRef idx="minor">
+            <a:schemeClr val="dk1"/>
+          </a:fontRef>
+        </p:style>
+        <p:txBody>
+          <a:bodyPr rtlCol="0" anchor="ctr"/>
+          <a:lstStyle/>
+          <a:p>
+            <a:pPr algn="ctr"/>
+            <a:endParaRPr lang="en-US" sz="2400"/>
+          </a:p>
+        </p:txBody>
+      </p:sp>
+      <p:sp>
+        <p:nvSpPr>
+          <p:cNvPr id="38" name="Rectangle 37"/>
+          <p:cNvSpPr/>
+          <p:nvPr/>
+        </p:nvSpPr>
+        <p:spPr>
+          <a:xfrm>
+            <a:off x="1582015" y="2572355"/>
+            <a:ext cx="595087" cy="333828"/>
+          </a:xfrm>
+          <a:prstGeom prst="rect">
+            <a:avLst/>
+          </a:prstGeom>
+          <a:solidFill>
+            <a:schemeClr val="accent5">
+              <a:lumMod val="60000"/>
+              <a:lumOff val="40000"/>
+            </a:schemeClr>
+          </a:solidFill>
+          <a:ln w="12700">
+            <a:solidFill>
+              <a:schemeClr val="bg1">
+                <a:lumMod val="50000"/>
+              </a:schemeClr>
+            </a:solidFill>
+          </a:ln>
+        </p:spPr>
+        <p:style>
+          <a:lnRef idx="1">
+            <a:schemeClr val="accent2"/>
+          </a:lnRef>
+          <a:fillRef idx="2">
+            <a:schemeClr val="accent2"/>
+          </a:fillRef>
+          <a:effectRef idx="1">
+            <a:schemeClr val="accent2"/>
+          </a:effectRef>
+          <a:fontRef idx="minor">
+            <a:schemeClr val="dk1"/>
+          </a:fontRef>
+        </p:style>
+        <p:txBody>
+          <a:bodyPr rtlCol="0" anchor="ctr"/>
+          <a:lstStyle/>
+          <a:p>
+            <a:pPr algn="ctr"/>
+            <a:endParaRPr lang="en-US" sz="2400"/>
+          </a:p>
+        </p:txBody>
+      </p:sp>
+      <p:sp>
+        <p:nvSpPr>
+          <p:cNvPr id="39" name="Rectangle 38"/>
+          <p:cNvSpPr/>
+          <p:nvPr/>
+        </p:nvSpPr>
+        <p:spPr>
+          <a:xfrm>
+            <a:off x="1582015" y="2902554"/>
+            <a:ext cx="595087" cy="333828"/>
+          </a:xfrm>
+          <a:prstGeom prst="rect">
+            <a:avLst/>
+          </a:prstGeom>
+          <a:solidFill>
+            <a:schemeClr val="accent5">
+              <a:lumMod val="60000"/>
+              <a:lumOff val="40000"/>
+            </a:schemeClr>
+          </a:solidFill>
+          <a:ln w="12700">
+            <a:solidFill>
+              <a:schemeClr val="bg1">
+                <a:lumMod val="50000"/>
+              </a:schemeClr>
+            </a:solidFill>
+          </a:ln>
+        </p:spPr>
+        <p:style>
+          <a:lnRef idx="1">
+            <a:schemeClr val="accent2"/>
+          </a:lnRef>
+          <a:fillRef idx="2">
+            <a:schemeClr val="accent2"/>
+          </a:fillRef>
+          <a:effectRef idx="1">
+            <a:schemeClr val="accent2"/>
+          </a:effectRef>
+          <a:fontRef idx="minor">
+            <a:schemeClr val="dk1"/>
+          </a:fontRef>
+        </p:style>
+        <p:txBody>
+          <a:bodyPr rtlCol="0" anchor="ctr"/>
+          <a:lstStyle/>
+          <a:p>
+            <a:pPr algn="ctr"/>
+            <a:endParaRPr lang="en-US" sz="2400"/>
+          </a:p>
+        </p:txBody>
+      </p:sp>
+      <p:sp>
+        <p:nvSpPr>
+          <p:cNvPr id="40" name="Rectangle 39"/>
+          <p:cNvSpPr/>
+          <p:nvPr/>
+        </p:nvSpPr>
+        <p:spPr>
+          <a:xfrm>
+            <a:off x="1582015" y="3225263"/>
+            <a:ext cx="595087" cy="333828"/>
+          </a:xfrm>
+          <a:prstGeom prst="rect">
+            <a:avLst/>
+          </a:prstGeom>
+          <a:solidFill>
+            <a:schemeClr val="accent5">
+              <a:lumMod val="60000"/>
+              <a:lumOff val="40000"/>
+            </a:schemeClr>
+          </a:solidFill>
+          <a:ln w="12700">
+            <a:solidFill>
+              <a:schemeClr val="bg1">
+                <a:lumMod val="50000"/>
+              </a:schemeClr>
+            </a:solidFill>
+          </a:ln>
+        </p:spPr>
+        <p:style>
+          <a:lnRef idx="1">
+            <a:schemeClr val="accent2"/>
+          </a:lnRef>
+          <a:fillRef idx="2">
+            <a:schemeClr val="accent2"/>
+          </a:fillRef>
+          <a:effectRef idx="1">
+            <a:schemeClr val="accent2"/>
+          </a:effectRef>
+          <a:fontRef idx="minor">
+            <a:schemeClr val="dk1"/>
+          </a:fontRef>
+        </p:style>
+        <p:txBody>
+          <a:bodyPr rtlCol="0" anchor="ctr"/>
+          <a:lstStyle/>
+          <a:p>
+            <a:pPr algn="ctr"/>
+            <a:endParaRPr lang="en-US" sz="2400"/>
+          </a:p>
+        </p:txBody>
+      </p:sp>
+      <p:sp>
+        <p:nvSpPr>
+          <p:cNvPr id="41" name="Rectangle 40"/>
+          <p:cNvSpPr/>
+          <p:nvPr/>
+        </p:nvSpPr>
+        <p:spPr>
+          <a:xfrm>
+            <a:off x="1582015" y="3559091"/>
+            <a:ext cx="595087" cy="333828"/>
+          </a:xfrm>
+          <a:prstGeom prst="rect">
+            <a:avLst/>
+          </a:prstGeom>
+          <a:solidFill>
+            <a:schemeClr val="accent5">
+              <a:lumMod val="60000"/>
+              <a:lumOff val="40000"/>
+            </a:schemeClr>
+          </a:solidFill>
+          <a:ln w="12700">
+            <a:solidFill>
+              <a:schemeClr val="bg1">
+                <a:lumMod val="50000"/>
+              </a:schemeClr>
+            </a:solidFill>
+          </a:ln>
+        </p:spPr>
+        <p:style>
+          <a:lnRef idx="1">
+            <a:schemeClr val="accent2"/>
+          </a:lnRef>
+          <a:fillRef idx="2">
+            <a:schemeClr val="accent2"/>
+          </a:fillRef>
+          <a:effectRef idx="1">
+            <a:schemeClr val="accent2"/>
+          </a:effectRef>
+          <a:fontRef idx="minor">
+            <a:schemeClr val="dk1"/>
+          </a:fontRef>
+        </p:style>
+        <p:txBody>
+          <a:bodyPr rtlCol="0" anchor="ctr"/>
+          <a:lstStyle/>
+          <a:p>
+            <a:pPr algn="ctr"/>
+            <a:endParaRPr lang="en-US" sz="2400"/>
+          </a:p>
+        </p:txBody>
+      </p:sp>
+      <p:sp>
+        <p:nvSpPr>
+          <p:cNvPr id="42" name="Rectangle 41"/>
+          <p:cNvSpPr/>
+          <p:nvPr/>
+        </p:nvSpPr>
+        <p:spPr>
+          <a:xfrm>
+            <a:off x="1582015" y="3892919"/>
+            <a:ext cx="595087" cy="333828"/>
+          </a:xfrm>
+          <a:prstGeom prst="rect">
+            <a:avLst/>
+          </a:prstGeom>
+          <a:solidFill>
+            <a:schemeClr val="accent5">
+              <a:lumMod val="60000"/>
+              <a:lumOff val="40000"/>
+            </a:schemeClr>
+          </a:solidFill>
+          <a:ln w="12700">
+            <a:solidFill>
+              <a:schemeClr val="bg1">
+                <a:lumMod val="50000"/>
+              </a:schemeClr>
+            </a:solidFill>
+          </a:ln>
+        </p:spPr>
+        <p:style>
+          <a:lnRef idx="1">
+            <a:schemeClr val="accent2"/>
+          </a:lnRef>
+          <a:fillRef idx="2">
+            <a:schemeClr val="accent2"/>
+          </a:fillRef>
+          <a:effectRef idx="1">
+            <a:schemeClr val="accent2"/>
+          </a:effectRef>
+          <a:fontRef idx="minor">
+            <a:schemeClr val="dk1"/>
+          </a:fontRef>
+        </p:style>
+        <p:txBody>
+          <a:bodyPr rtlCol="0" anchor="ctr"/>
+          <a:lstStyle/>
+          <a:p>
+            <a:pPr algn="ctr"/>
+            <a:endParaRPr lang="en-US" sz="2400"/>
+          </a:p>
+        </p:txBody>
+      </p:sp>
+      <p:sp>
+        <p:nvSpPr>
+          <p:cNvPr id="43" name="Rectangle 42"/>
+          <p:cNvSpPr/>
+          <p:nvPr/>
+        </p:nvSpPr>
+        <p:spPr>
+          <a:xfrm>
+            <a:off x="1582015" y="4226747"/>
+            <a:ext cx="595087" cy="333828"/>
+          </a:xfrm>
+          <a:prstGeom prst="rect">
+            <a:avLst/>
+          </a:prstGeom>
+          <a:ln w="12700">
+            <a:solidFill>
+              <a:schemeClr val="bg1">
+                <a:lumMod val="50000"/>
+              </a:schemeClr>
+            </a:solidFill>
+          </a:ln>
+        </p:spPr>
+        <p:style>
+          <a:lnRef idx="1">
+            <a:schemeClr val="accent1"/>
+          </a:lnRef>
+          <a:fillRef idx="2">
+            <a:schemeClr val="accent1"/>
+          </a:fillRef>
+          <a:effectRef idx="1">
+            <a:schemeClr val="accent1"/>
+          </a:effectRef>
+          <a:fontRef idx="minor">
+            <a:schemeClr val="dk1"/>
+          </a:fontRef>
+        </p:style>
+        <p:txBody>
+          <a:bodyPr rtlCol="0" anchor="ctr"/>
+          <a:lstStyle/>
+          <a:p>
+            <a:pPr algn="ctr"/>
+            <a:endParaRPr lang="en-US" sz="2400"/>
+          </a:p>
+        </p:txBody>
+      </p:sp>
+      <p:sp>
+        <p:nvSpPr>
+          <p:cNvPr id="44" name="Rectangle 43"/>
+          <p:cNvSpPr/>
+          <p:nvPr/>
+        </p:nvSpPr>
+        <p:spPr>
+          <a:xfrm>
+            <a:off x="1582015" y="4560575"/>
+            <a:ext cx="595087" cy="333828"/>
+          </a:xfrm>
+          <a:prstGeom prst="rect">
+            <a:avLst/>
+          </a:prstGeom>
+          <a:ln w="12700">
+            <a:solidFill>
+              <a:schemeClr val="bg1">
+                <a:lumMod val="50000"/>
+              </a:schemeClr>
+            </a:solidFill>
+          </a:ln>
+        </p:spPr>
+        <p:style>
+          <a:lnRef idx="1">
+            <a:schemeClr val="accent1"/>
+          </a:lnRef>
+          <a:fillRef idx="2">
+            <a:schemeClr val="accent1"/>
+          </a:fillRef>
+          <a:effectRef idx="1">
+            <a:schemeClr val="accent1"/>
+          </a:effectRef>
+          <a:fontRef idx="minor">
+            <a:schemeClr val="dk1"/>
+          </a:fontRef>
+        </p:style>
+        <p:txBody>
+          <a:bodyPr rtlCol="0" anchor="ctr"/>
+          <a:lstStyle/>
+          <a:p>
+            <a:pPr algn="ctr"/>
+            <a:endParaRPr lang="en-US" sz="2400"/>
+          </a:p>
+        </p:txBody>
+      </p:sp>
+      <p:sp>
+        <p:nvSpPr>
+          <p:cNvPr id="45" name="Rectangle 44"/>
+          <p:cNvSpPr/>
+          <p:nvPr/>
+        </p:nvSpPr>
+        <p:spPr>
+          <a:xfrm>
+            <a:off x="1582015" y="4894403"/>
+            <a:ext cx="595087" cy="333828"/>
+          </a:xfrm>
+          <a:prstGeom prst="rect">
+            <a:avLst/>
+          </a:prstGeom>
+          <a:ln w="12700">
+            <a:solidFill>
+              <a:schemeClr val="bg1">
+                <a:lumMod val="50000"/>
+              </a:schemeClr>
+            </a:solidFill>
+          </a:ln>
+        </p:spPr>
+        <p:style>
+          <a:lnRef idx="1">
+            <a:schemeClr val="accent1"/>
+          </a:lnRef>
+          <a:fillRef idx="2">
+            <a:schemeClr val="accent1"/>
+          </a:fillRef>
+          <a:effectRef idx="1">
+            <a:schemeClr val="accent1"/>
+          </a:effectRef>
+          <a:fontRef idx="minor">
+            <a:schemeClr val="dk1"/>
+          </a:fontRef>
+        </p:style>
+        <p:txBody>
+          <a:bodyPr rtlCol="0" anchor="ctr"/>
+          <a:lstStyle/>
+          <a:p>
+            <a:pPr algn="ctr"/>
+            <a:endParaRPr lang="en-US" sz="2400"/>
+          </a:p>
+        </p:txBody>
+      </p:sp>
+      <p:sp>
+        <p:nvSpPr>
+          <p:cNvPr id="46" name="Rectangle 45"/>
+          <p:cNvSpPr/>
+          <p:nvPr/>
+        </p:nvSpPr>
+        <p:spPr>
+          <a:xfrm>
+            <a:off x="2177102" y="1237043"/>
+            <a:ext cx="595087" cy="333828"/>
+          </a:xfrm>
+          <a:prstGeom prst="rect">
+            <a:avLst/>
+          </a:prstGeom>
+          <a:ln w="12700">
+            <a:solidFill>
+              <a:schemeClr val="bg1">
+                <a:lumMod val="50000"/>
+              </a:schemeClr>
+            </a:solidFill>
+          </a:ln>
+        </p:spPr>
+        <p:style>
+          <a:lnRef idx="1">
+            <a:schemeClr val="accent3"/>
+          </a:lnRef>
+          <a:fillRef idx="2">
+            <a:schemeClr val="accent3"/>
+          </a:fillRef>
+          <a:effectRef idx="1">
+            <a:schemeClr val="accent3"/>
+          </a:effectRef>
+          <a:fontRef idx="minor">
+            <a:schemeClr val="dk1"/>
+          </a:fontRef>
+        </p:style>
+        <p:txBody>
+          <a:bodyPr rtlCol="0" anchor="ctr"/>
+          <a:lstStyle/>
+          <a:p>
+            <a:pPr algn="ctr"/>
+            <a:endParaRPr lang="en-US" sz="2400"/>
+          </a:p>
+        </p:txBody>
+      </p:sp>
+      <p:sp>
+        <p:nvSpPr>
+          <p:cNvPr id="47" name="Rectangle 46"/>
+          <p:cNvSpPr/>
+          <p:nvPr/>
+        </p:nvSpPr>
+        <p:spPr>
+          <a:xfrm>
+            <a:off x="2177102" y="1570871"/>
+            <a:ext cx="595087" cy="333828"/>
+          </a:xfrm>
+          <a:prstGeom prst="rect">
+            <a:avLst/>
+          </a:prstGeom>
+          <a:ln w="12700">
+            <a:solidFill>
+              <a:schemeClr val="bg1">
+                <a:lumMod val="50000"/>
+              </a:schemeClr>
+            </a:solidFill>
+          </a:ln>
+        </p:spPr>
+        <p:style>
+          <a:lnRef idx="1">
+            <a:schemeClr val="accent3"/>
+          </a:lnRef>
+          <a:fillRef idx="2">
+            <a:schemeClr val="accent3"/>
+          </a:fillRef>
+          <a:effectRef idx="1">
+            <a:schemeClr val="accent3"/>
+          </a:effectRef>
+          <a:fontRef idx="minor">
+            <a:schemeClr val="dk1"/>
+          </a:fontRef>
+        </p:style>
+        <p:txBody>
+          <a:bodyPr rtlCol="0" anchor="ctr"/>
+          <a:lstStyle/>
+          <a:p>
+            <a:pPr algn="ctr"/>
+            <a:endParaRPr lang="en-US" sz="2400"/>
+          </a:p>
+        </p:txBody>
+      </p:sp>
+      <p:sp>
+        <p:nvSpPr>
+          <p:cNvPr id="48" name="Rectangle 47"/>
+          <p:cNvSpPr/>
+          <p:nvPr/>
+        </p:nvSpPr>
+        <p:spPr>
+          <a:xfrm>
+            <a:off x="2177102" y="1904699"/>
+            <a:ext cx="595087" cy="333828"/>
+          </a:xfrm>
+          <a:prstGeom prst="rect">
+            <a:avLst/>
+          </a:prstGeom>
+          <a:ln w="12700">
+            <a:solidFill>
+              <a:schemeClr val="bg1">
+                <a:lumMod val="50000"/>
+              </a:schemeClr>
+            </a:solidFill>
+          </a:ln>
+        </p:spPr>
+        <p:style>
+          <a:lnRef idx="1">
+            <a:schemeClr val="accent3"/>
+          </a:lnRef>
+          <a:fillRef idx="2">
+            <a:schemeClr val="accent3"/>
+          </a:fillRef>
+          <a:effectRef idx="1">
+            <a:schemeClr val="accent3"/>
+          </a:effectRef>
+          <a:fontRef idx="minor">
+            <a:schemeClr val="dk1"/>
+          </a:fontRef>
+        </p:style>
+        <p:txBody>
+          <a:bodyPr rtlCol="0" anchor="ctr"/>
+          <a:lstStyle/>
+          <a:p>
+            <a:pPr algn="ctr"/>
+            <a:endParaRPr lang="en-US" sz="2400"/>
+          </a:p>
+        </p:txBody>
+      </p:sp>
+      <p:sp>
+        <p:nvSpPr>
+          <p:cNvPr id="49" name="Rectangle 48"/>
+          <p:cNvSpPr/>
+          <p:nvPr/>
+        </p:nvSpPr>
+        <p:spPr>
+          <a:xfrm>
+            <a:off x="2177102" y="2238527"/>
+            <a:ext cx="595087" cy="333828"/>
+          </a:xfrm>
+          <a:prstGeom prst="rect">
+            <a:avLst/>
+          </a:prstGeom>
+          <a:ln w="12700">
+            <a:solidFill>
+              <a:schemeClr val="bg1">
+                <a:lumMod val="50000"/>
+              </a:schemeClr>
+            </a:solidFill>
+          </a:ln>
+        </p:spPr>
+        <p:style>
+          <a:lnRef idx="1">
+            <a:schemeClr val="accent3"/>
+          </a:lnRef>
+          <a:fillRef idx="2">
+            <a:schemeClr val="accent3"/>
+          </a:fillRef>
+          <a:effectRef idx="1">
+            <a:schemeClr val="accent3"/>
+          </a:effectRef>
+          <a:fontRef idx="minor">
+            <a:schemeClr val="dk1"/>
+          </a:fontRef>
+        </p:style>
+        <p:txBody>
+          <a:bodyPr rtlCol="0" anchor="ctr"/>
+          <a:lstStyle/>
+          <a:p>
+            <a:pPr algn="ctr"/>
+            <a:endParaRPr lang="en-US" sz="2400"/>
+          </a:p>
+        </p:txBody>
+      </p:sp>
+      <p:sp>
+        <p:nvSpPr>
+          <p:cNvPr id="50" name="Rectangle 49"/>
+          <p:cNvSpPr/>
+          <p:nvPr/>
+        </p:nvSpPr>
+        <p:spPr>
+          <a:xfrm>
+            <a:off x="2177102" y="2572355"/>
+            <a:ext cx="595087" cy="333828"/>
+          </a:xfrm>
+          <a:prstGeom prst="rect">
+            <a:avLst/>
+          </a:prstGeom>
+          <a:solidFill>
+            <a:schemeClr val="accent5">
+              <a:lumMod val="60000"/>
+              <a:lumOff val="40000"/>
+            </a:schemeClr>
+          </a:solidFill>
+          <a:ln w="12700">
+            <a:solidFill>
+              <a:schemeClr val="bg1">
+                <a:lumMod val="50000"/>
+              </a:schemeClr>
+            </a:solidFill>
+          </a:ln>
+        </p:spPr>
+        <p:style>
+          <a:lnRef idx="1">
+            <a:schemeClr val="accent2"/>
+          </a:lnRef>
+          <a:fillRef idx="2">
+            <a:schemeClr val="accent2"/>
+          </a:fillRef>
+          <a:effectRef idx="1">
+            <a:schemeClr val="accent2"/>
+          </a:effectRef>
+          <a:fontRef idx="minor">
+            <a:schemeClr val="dk1"/>
+          </a:fontRef>
+        </p:style>
+        <p:txBody>
+          <a:bodyPr rtlCol="0" anchor="ctr"/>
+          <a:lstStyle/>
+          <a:p>
+            <a:pPr algn="ctr"/>
+            <a:endParaRPr lang="en-US" sz="2400"/>
+          </a:p>
+        </p:txBody>
+      </p:sp>
+      <p:sp>
+        <p:nvSpPr>
+          <p:cNvPr id="51" name="Rectangle 50"/>
+          <p:cNvSpPr/>
+          <p:nvPr/>
+        </p:nvSpPr>
+        <p:spPr>
+          <a:xfrm>
+            <a:off x="2177102" y="2902554"/>
+            <a:ext cx="595087" cy="333828"/>
+          </a:xfrm>
+          <a:prstGeom prst="rect">
+            <a:avLst/>
+          </a:prstGeom>
+          <a:solidFill>
+            <a:schemeClr val="accent5">
+              <a:lumMod val="60000"/>
+              <a:lumOff val="40000"/>
+            </a:schemeClr>
+          </a:solidFill>
+          <a:ln w="12700">
+            <a:solidFill>
+              <a:schemeClr val="bg1">
+                <a:lumMod val="50000"/>
+              </a:schemeClr>
+            </a:solidFill>
+          </a:ln>
+        </p:spPr>
+        <p:style>
+          <a:lnRef idx="1">
+            <a:schemeClr val="accent2"/>
+          </a:lnRef>
+          <a:fillRef idx="2">
+            <a:schemeClr val="accent2"/>
+          </a:fillRef>
+          <a:effectRef idx="1">
+            <a:schemeClr val="accent2"/>
+          </a:effectRef>
+          <a:fontRef idx="minor">
+            <a:schemeClr val="dk1"/>
+          </a:fontRef>
+        </p:style>
+        <p:txBody>
+          <a:bodyPr rtlCol="0" anchor="ctr"/>
+          <a:lstStyle/>
+          <a:p>
+            <a:pPr algn="ctr"/>
+            <a:endParaRPr lang="en-US" sz="2400"/>
+          </a:p>
+        </p:txBody>
+      </p:sp>
+      <p:sp>
+        <p:nvSpPr>
+          <p:cNvPr id="52" name="Rectangle 51"/>
+          <p:cNvSpPr/>
+          <p:nvPr/>
+        </p:nvSpPr>
+        <p:spPr>
+          <a:xfrm>
+            <a:off x="2177102" y="3225263"/>
+            <a:ext cx="595087" cy="333828"/>
+          </a:xfrm>
+          <a:prstGeom prst="rect">
+            <a:avLst/>
+          </a:prstGeom>
+          <a:solidFill>
+            <a:schemeClr val="accent5">
+              <a:lumMod val="60000"/>
+              <a:lumOff val="40000"/>
+            </a:schemeClr>
+          </a:solidFill>
+          <a:ln w="12700">
+            <a:solidFill>
+              <a:schemeClr val="bg1">
+                <a:lumMod val="50000"/>
+              </a:schemeClr>
+            </a:solidFill>
+          </a:ln>
+        </p:spPr>
+        <p:style>
+          <a:lnRef idx="1">
+            <a:schemeClr val="accent2"/>
+          </a:lnRef>
+          <a:fillRef idx="2">
+            <a:schemeClr val="accent2"/>
+          </a:fillRef>
+          <a:effectRef idx="1">
+            <a:schemeClr val="accent2"/>
+          </a:effectRef>
+          <a:fontRef idx="minor">
+            <a:schemeClr val="dk1"/>
+          </a:fontRef>
+        </p:style>
+        <p:txBody>
+          <a:bodyPr rtlCol="0" anchor="ctr"/>
+          <a:lstStyle/>
+          <a:p>
+            <a:pPr algn="ctr"/>
+            <a:endParaRPr lang="en-US" sz="2400"/>
+          </a:p>
+        </p:txBody>
+      </p:sp>
+      <p:sp>
+        <p:nvSpPr>
+          <p:cNvPr id="53" name="Rectangle 52"/>
+          <p:cNvSpPr/>
+          <p:nvPr/>
+        </p:nvSpPr>
+        <p:spPr>
+          <a:xfrm>
+            <a:off x="2177102" y="3559091"/>
+            <a:ext cx="595087" cy="333828"/>
+          </a:xfrm>
+          <a:prstGeom prst="rect">
+            <a:avLst/>
+          </a:prstGeom>
+          <a:solidFill>
+            <a:schemeClr val="accent5">
+              <a:lumMod val="60000"/>
+              <a:lumOff val="40000"/>
+            </a:schemeClr>
+          </a:solidFill>
+          <a:ln w="12700">
+            <a:solidFill>
+              <a:schemeClr val="bg1">
+                <a:lumMod val="50000"/>
+              </a:schemeClr>
+            </a:solidFill>
+          </a:ln>
+        </p:spPr>
+        <p:style>
+          <a:lnRef idx="1">
+            <a:schemeClr val="accent2"/>
+          </a:lnRef>
+          <a:fillRef idx="2">
+            <a:schemeClr val="accent2"/>
+          </a:fillRef>
+          <a:effectRef idx="1">
+            <a:schemeClr val="accent2"/>
+          </a:effectRef>
+          <a:fontRef idx="minor">
+            <a:schemeClr val="dk1"/>
+          </a:fontRef>
+        </p:style>
+        <p:txBody>
+          <a:bodyPr rtlCol="0" anchor="ctr"/>
+          <a:lstStyle/>
+          <a:p>
+            <a:pPr algn="ctr"/>
+            <a:endParaRPr lang="en-US" sz="2400"/>
+          </a:p>
+        </p:txBody>
+      </p:sp>
+      <p:sp>
+        <p:nvSpPr>
+          <p:cNvPr id="54" name="Rectangle 53"/>
+          <p:cNvSpPr/>
+          <p:nvPr/>
+        </p:nvSpPr>
+        <p:spPr>
+          <a:xfrm>
+            <a:off x="2177102" y="3892919"/>
+            <a:ext cx="595087" cy="333828"/>
+          </a:xfrm>
+          <a:prstGeom prst="rect">
+            <a:avLst/>
+          </a:prstGeom>
+          <a:solidFill>
+            <a:schemeClr val="accent5">
+              <a:lumMod val="60000"/>
+              <a:lumOff val="40000"/>
+            </a:schemeClr>
+          </a:solidFill>
+          <a:ln w="12700">
+            <a:solidFill>
+              <a:schemeClr val="bg1">
+                <a:lumMod val="50000"/>
+              </a:schemeClr>
+            </a:solidFill>
+          </a:ln>
+        </p:spPr>
+        <p:style>
+          <a:lnRef idx="1">
+            <a:schemeClr val="accent2"/>
+          </a:lnRef>
+          <a:fillRef idx="2">
+            <a:schemeClr val="accent2"/>
+          </a:fillRef>
+          <a:effectRef idx="1">
+            <a:schemeClr val="accent2"/>
+          </a:effectRef>
+          <a:fontRef idx="minor">
+            <a:schemeClr val="dk1"/>
+          </a:fontRef>
+        </p:style>
+        <p:txBody>
+          <a:bodyPr rtlCol="0" anchor="ctr"/>
+          <a:lstStyle/>
+          <a:p>
+            <a:pPr algn="ctr"/>
+            <a:endParaRPr lang="en-US" sz="2400"/>
+          </a:p>
+        </p:txBody>
+      </p:sp>
+      <p:sp>
+        <p:nvSpPr>
+          <p:cNvPr id="55" name="Rectangle 54"/>
+          <p:cNvSpPr/>
+          <p:nvPr/>
+        </p:nvSpPr>
+        <p:spPr>
+          <a:xfrm>
+            <a:off x="2177102" y="4226747"/>
+            <a:ext cx="595087" cy="333828"/>
+          </a:xfrm>
+          <a:prstGeom prst="rect">
+            <a:avLst/>
+          </a:prstGeom>
+          <a:ln w="12700">
+            <a:solidFill>
+              <a:schemeClr val="bg1">
+                <a:lumMod val="50000"/>
+              </a:schemeClr>
+            </a:solidFill>
+          </a:ln>
+        </p:spPr>
+        <p:style>
+          <a:lnRef idx="1">
+            <a:schemeClr val="accent1"/>
+          </a:lnRef>
+          <a:fillRef idx="2">
+            <a:schemeClr val="accent1"/>
+          </a:fillRef>
+          <a:effectRef idx="1">
+            <a:schemeClr val="accent1"/>
+          </a:effectRef>
+          <a:fontRef idx="minor">
+            <a:schemeClr val="dk1"/>
+          </a:fontRef>
+        </p:style>
+        <p:txBody>
+          <a:bodyPr rtlCol="0" anchor="ctr"/>
+          <a:lstStyle/>
+          <a:p>
+            <a:pPr algn="ctr"/>
+            <a:endParaRPr lang="en-US" sz="2400"/>
+          </a:p>
+        </p:txBody>
+      </p:sp>
+      <p:sp>
+        <p:nvSpPr>
+          <p:cNvPr id="56" name="Rectangle 55"/>
+          <p:cNvSpPr/>
+          <p:nvPr/>
+        </p:nvSpPr>
+        <p:spPr>
+          <a:xfrm>
+            <a:off x="2177102" y="4560575"/>
+            <a:ext cx="595087" cy="333828"/>
+          </a:xfrm>
+          <a:prstGeom prst="rect">
+            <a:avLst/>
+          </a:prstGeom>
+          <a:ln w="12700">
+            <a:solidFill>
+              <a:schemeClr val="bg1">
+                <a:lumMod val="50000"/>
+              </a:schemeClr>
+            </a:solidFill>
+          </a:ln>
+        </p:spPr>
+        <p:style>
+          <a:lnRef idx="1">
+            <a:schemeClr val="accent1"/>
+          </a:lnRef>
+          <a:fillRef idx="2">
+            <a:schemeClr val="accent1"/>
+          </a:fillRef>
+          <a:effectRef idx="1">
+            <a:schemeClr val="accent1"/>
+          </a:effectRef>
+          <a:fontRef idx="minor">
+            <a:schemeClr val="dk1"/>
+          </a:fontRef>
+        </p:style>
+        <p:txBody>
+          <a:bodyPr rtlCol="0" anchor="ctr"/>
+          <a:lstStyle/>
+          <a:p>
+            <a:pPr algn="ctr"/>
+            <a:endParaRPr lang="en-US" sz="2400"/>
+          </a:p>
+        </p:txBody>
+      </p:sp>
+      <p:sp>
+        <p:nvSpPr>
+          <p:cNvPr id="57" name="Rectangle 56"/>
+          <p:cNvSpPr/>
+          <p:nvPr/>
+        </p:nvSpPr>
+        <p:spPr>
+          <a:xfrm>
+            <a:off x="2177102" y="4894403"/>
+            <a:ext cx="595087" cy="333828"/>
+          </a:xfrm>
+          <a:prstGeom prst="rect">
+            <a:avLst/>
+          </a:prstGeom>
+          <a:ln w="12700">
+            <a:solidFill>
+              <a:schemeClr val="bg1">
+                <a:lumMod val="50000"/>
+              </a:schemeClr>
+            </a:solidFill>
+          </a:ln>
+        </p:spPr>
+        <p:style>
+          <a:lnRef idx="1">
+            <a:schemeClr val="accent1"/>
+          </a:lnRef>
+          <a:fillRef idx="2">
+            <a:schemeClr val="accent1"/>
+          </a:fillRef>
+          <a:effectRef idx="1">
+            <a:schemeClr val="accent1"/>
+          </a:effectRef>
+          <a:fontRef idx="minor">
+            <a:schemeClr val="dk1"/>
+          </a:fontRef>
+        </p:style>
+        <p:txBody>
+          <a:bodyPr rtlCol="0" anchor="ctr"/>
+          <a:lstStyle/>
+          <a:p>
+            <a:pPr algn="ctr"/>
+            <a:endParaRPr lang="en-US" sz="2400"/>
+          </a:p>
+        </p:txBody>
+      </p:sp>
+      <p:sp>
+        <p:nvSpPr>
+          <p:cNvPr id="58" name="Rectangle 57"/>
+          <p:cNvSpPr/>
+          <p:nvPr/>
+        </p:nvSpPr>
+        <p:spPr>
+          <a:xfrm>
+            <a:off x="2772189" y="1237043"/>
+            <a:ext cx="595087" cy="333828"/>
+          </a:xfrm>
+          <a:prstGeom prst="rect">
+            <a:avLst/>
+          </a:prstGeom>
+          <a:ln w="12700">
+            <a:solidFill>
+              <a:schemeClr val="bg1">
+                <a:lumMod val="50000"/>
+              </a:schemeClr>
+            </a:solidFill>
+          </a:ln>
+        </p:spPr>
+        <p:style>
+          <a:lnRef idx="1">
+            <a:schemeClr val="accent3"/>
+          </a:lnRef>
+          <a:fillRef idx="2">
+            <a:schemeClr val="accent3"/>
+          </a:fillRef>
+          <a:effectRef idx="1">
+            <a:schemeClr val="accent3"/>
+          </a:effectRef>
+          <a:fontRef idx="minor">
+            <a:schemeClr val="dk1"/>
+          </a:fontRef>
+        </p:style>
+        <p:txBody>
+          <a:bodyPr rtlCol="0" anchor="ctr"/>
+          <a:lstStyle/>
+          <a:p>
+            <a:pPr algn="ctr"/>
+            <a:endParaRPr lang="en-US" sz="2400"/>
+          </a:p>
+        </p:txBody>
+      </p:sp>
+      <p:sp>
+        <p:nvSpPr>
+          <p:cNvPr id="59" name="Rectangle 58"/>
+          <p:cNvSpPr/>
+          <p:nvPr/>
+        </p:nvSpPr>
+        <p:spPr>
+          <a:xfrm>
+            <a:off x="2772189" y="1570871"/>
+            <a:ext cx="595087" cy="333828"/>
+          </a:xfrm>
+          <a:prstGeom prst="rect">
+            <a:avLst/>
+          </a:prstGeom>
+          <a:ln w="12700">
+            <a:solidFill>
+              <a:schemeClr val="bg1">
+                <a:lumMod val="50000"/>
+              </a:schemeClr>
+            </a:solidFill>
+          </a:ln>
+        </p:spPr>
+        <p:style>
+          <a:lnRef idx="1">
+            <a:schemeClr val="accent3"/>
+          </a:lnRef>
+          <a:fillRef idx="2">
+            <a:schemeClr val="accent3"/>
+          </a:fillRef>
+          <a:effectRef idx="1">
+            <a:schemeClr val="accent3"/>
+          </a:effectRef>
+          <a:fontRef idx="minor">
+            <a:schemeClr val="dk1"/>
+          </a:fontRef>
+        </p:style>
+        <p:txBody>
+          <a:bodyPr rtlCol="0" anchor="ctr"/>
+          <a:lstStyle/>
+          <a:p>
+            <a:pPr algn="ctr"/>
+            <a:endParaRPr lang="en-US" sz="2400"/>
+          </a:p>
+        </p:txBody>
+      </p:sp>
+      <p:sp>
+        <p:nvSpPr>
+          <p:cNvPr id="60" name="Rectangle 59"/>
+          <p:cNvSpPr/>
+          <p:nvPr/>
+        </p:nvSpPr>
+        <p:spPr>
+          <a:xfrm>
+            <a:off x="2772189" y="1904699"/>
+            <a:ext cx="595087" cy="333828"/>
+          </a:xfrm>
+          <a:prstGeom prst="rect">
+            <a:avLst/>
+          </a:prstGeom>
+          <a:ln w="12700">
+            <a:solidFill>
+              <a:schemeClr val="bg1">
+                <a:lumMod val="50000"/>
+              </a:schemeClr>
+            </a:solidFill>
+          </a:ln>
+        </p:spPr>
+        <p:style>
+          <a:lnRef idx="1">
+            <a:schemeClr val="accent3"/>
+          </a:lnRef>
+          <a:fillRef idx="2">
+            <a:schemeClr val="accent3"/>
+          </a:fillRef>
+          <a:effectRef idx="1">
+            <a:schemeClr val="accent3"/>
+          </a:effectRef>
+          <a:fontRef idx="minor">
+            <a:schemeClr val="dk1"/>
+          </a:fontRef>
+        </p:style>
+        <p:txBody>
+          <a:bodyPr rtlCol="0" anchor="ctr"/>
+          <a:lstStyle/>
+          <a:p>
+            <a:pPr algn="ctr"/>
+            <a:endParaRPr lang="en-US" sz="2400"/>
+          </a:p>
+        </p:txBody>
+      </p:sp>
+      <p:sp>
+        <p:nvSpPr>
+          <p:cNvPr id="61" name="Rectangle 60"/>
+          <p:cNvSpPr/>
+          <p:nvPr/>
+        </p:nvSpPr>
+        <p:spPr>
+          <a:xfrm>
+            <a:off x="2772189" y="2238527"/>
+            <a:ext cx="595087" cy="333828"/>
+          </a:xfrm>
+          <a:prstGeom prst="rect">
+            <a:avLst/>
+          </a:prstGeom>
+          <a:ln w="12700">
+            <a:solidFill>
+              <a:schemeClr val="bg1">
+                <a:lumMod val="50000"/>
+              </a:schemeClr>
+            </a:solidFill>
+          </a:ln>
+        </p:spPr>
+        <p:style>
+          <a:lnRef idx="1">
+            <a:schemeClr val="accent3"/>
+          </a:lnRef>
+          <a:fillRef idx="2">
+            <a:schemeClr val="accent3"/>
+          </a:fillRef>
+          <a:effectRef idx="1">
+            <a:schemeClr val="accent3"/>
+          </a:effectRef>
+          <a:fontRef idx="minor">
+            <a:schemeClr val="dk1"/>
+          </a:fontRef>
+        </p:style>
+        <p:txBody>
+          <a:bodyPr rtlCol="0" anchor="ctr"/>
+          <a:lstStyle/>
+          <a:p>
+            <a:pPr algn="ctr"/>
+            <a:endParaRPr lang="en-US" sz="2400"/>
+          </a:p>
+        </p:txBody>
+      </p:sp>
+      <p:sp>
+        <p:nvSpPr>
+          <p:cNvPr id="62" name="Rectangle 61"/>
+          <p:cNvSpPr/>
+          <p:nvPr/>
+        </p:nvSpPr>
+        <p:spPr>
+          <a:xfrm>
+            <a:off x="2772189" y="2572355"/>
+            <a:ext cx="595087" cy="333828"/>
+          </a:xfrm>
+          <a:prstGeom prst="rect">
+            <a:avLst/>
+          </a:prstGeom>
+          <a:ln w="12700">
+            <a:solidFill>
+              <a:schemeClr val="bg1">
+                <a:lumMod val="50000"/>
+              </a:schemeClr>
+            </a:solidFill>
+          </a:ln>
+        </p:spPr>
+        <p:style>
+          <a:lnRef idx="1">
+            <a:schemeClr val="accent1"/>
+          </a:lnRef>
+          <a:fillRef idx="3">
+            <a:schemeClr val="accent1"/>
+          </a:fillRef>
+          <a:effectRef idx="2">
+            <a:schemeClr val="accent1"/>
+          </a:effectRef>
+          <a:fontRef idx="minor">
+            <a:schemeClr val="lt1"/>
+          </a:fontRef>
+        </p:style>
+        <p:txBody>
+          <a:bodyPr rtlCol="0" anchor="ctr"/>
+          <a:lstStyle/>
+          <a:p>
+            <a:pPr algn="ctr"/>
+            <a:endParaRPr lang="en-US" sz="2400"/>
+          </a:p>
+        </p:txBody>
+      </p:sp>
+      <p:sp>
+        <p:nvSpPr>
+          <p:cNvPr id="63" name="Rectangle 62"/>
+          <p:cNvSpPr/>
+          <p:nvPr/>
+        </p:nvSpPr>
+        <p:spPr>
+          <a:xfrm>
+            <a:off x="2772189" y="2902554"/>
+            <a:ext cx="595087" cy="333828"/>
+          </a:xfrm>
+          <a:prstGeom prst="rect">
+            <a:avLst/>
+          </a:prstGeom>
+          <a:ln w="12700">
+            <a:solidFill>
+              <a:schemeClr val="bg1">
+                <a:lumMod val="50000"/>
+              </a:schemeClr>
+            </a:solidFill>
+          </a:ln>
+        </p:spPr>
+        <p:style>
+          <a:lnRef idx="1">
+            <a:schemeClr val="accent1"/>
+          </a:lnRef>
+          <a:fillRef idx="3">
+            <a:schemeClr val="accent1"/>
+          </a:fillRef>
+          <a:effectRef idx="2">
+            <a:schemeClr val="accent1"/>
+          </a:effectRef>
+          <a:fontRef idx="minor">
+            <a:schemeClr val="lt1"/>
+          </a:fontRef>
+        </p:style>
+        <p:txBody>
+          <a:bodyPr rtlCol="0" anchor="ctr"/>
+          <a:lstStyle/>
+          <a:p>
+            <a:pPr algn="ctr"/>
+            <a:endParaRPr lang="en-US" sz="2400"/>
+          </a:p>
+        </p:txBody>
+      </p:sp>
+      <p:sp>
+        <p:nvSpPr>
+          <p:cNvPr id="64" name="Rectangle 63"/>
+          <p:cNvSpPr/>
+          <p:nvPr/>
+        </p:nvSpPr>
+        <p:spPr>
+          <a:xfrm>
+            <a:off x="2772189" y="3225263"/>
+            <a:ext cx="595087" cy="333828"/>
+          </a:xfrm>
+          <a:prstGeom prst="rect">
+            <a:avLst/>
+          </a:prstGeom>
+          <a:ln w="12700">
+            <a:solidFill>
+              <a:schemeClr val="bg1">
+                <a:lumMod val="50000"/>
+              </a:schemeClr>
+            </a:solidFill>
+          </a:ln>
+        </p:spPr>
+        <p:style>
+          <a:lnRef idx="1">
+            <a:schemeClr val="accent1"/>
+          </a:lnRef>
+          <a:fillRef idx="3">
+            <a:schemeClr val="accent1"/>
+          </a:fillRef>
+          <a:effectRef idx="2">
+            <a:schemeClr val="accent1"/>
+          </a:effectRef>
+          <a:fontRef idx="minor">
+            <a:schemeClr val="lt1"/>
+          </a:fontRef>
+        </p:style>
+        <p:txBody>
+          <a:bodyPr rtlCol="0" anchor="ctr"/>
+          <a:lstStyle/>
+          <a:p>
+            <a:pPr algn="ctr"/>
+            <a:endParaRPr lang="en-US" sz="2400"/>
+          </a:p>
+        </p:txBody>
+      </p:sp>
+      <p:sp>
+        <p:nvSpPr>
+          <p:cNvPr id="65" name="Rectangle 64"/>
+          <p:cNvSpPr/>
+          <p:nvPr/>
+        </p:nvSpPr>
+        <p:spPr>
+          <a:xfrm>
+            <a:off x="2772189" y="3559091"/>
+            <a:ext cx="595087" cy="333828"/>
+          </a:xfrm>
+          <a:prstGeom prst="rect">
+            <a:avLst/>
+          </a:prstGeom>
+          <a:ln w="12700">
+            <a:solidFill>
+              <a:schemeClr val="bg1">
+                <a:lumMod val="50000"/>
+              </a:schemeClr>
+            </a:solidFill>
+          </a:ln>
+        </p:spPr>
+        <p:style>
+          <a:lnRef idx="1">
+            <a:schemeClr val="accent1"/>
+          </a:lnRef>
+          <a:fillRef idx="3">
+            <a:schemeClr val="accent1"/>
+          </a:fillRef>
+          <a:effectRef idx="2">
+            <a:schemeClr val="accent1"/>
+          </a:effectRef>
+          <a:fontRef idx="minor">
+            <a:schemeClr val="lt1"/>
+          </a:fontRef>
+        </p:style>
+        <p:txBody>
+          <a:bodyPr rtlCol="0" anchor="ctr"/>
+          <a:lstStyle/>
+          <a:p>
+            <a:pPr algn="ctr"/>
+            <a:endParaRPr lang="en-US" sz="2400"/>
+          </a:p>
+        </p:txBody>
+      </p:sp>
+      <p:sp>
+        <p:nvSpPr>
+          <p:cNvPr id="66" name="Rectangle 65"/>
+          <p:cNvSpPr/>
+          <p:nvPr/>
+        </p:nvSpPr>
+        <p:spPr>
+          <a:xfrm>
+            <a:off x="2772189" y="3892919"/>
+            <a:ext cx="595087" cy="333828"/>
+          </a:xfrm>
+          <a:prstGeom prst="rect">
+            <a:avLst/>
+          </a:prstGeom>
+          <a:ln w="12700">
+            <a:solidFill>
+              <a:schemeClr val="bg1">
+                <a:lumMod val="50000"/>
+              </a:schemeClr>
+            </a:solidFill>
+          </a:ln>
+        </p:spPr>
+        <p:style>
+          <a:lnRef idx="1">
+            <a:schemeClr val="accent1"/>
+          </a:lnRef>
+          <a:fillRef idx="3">
+            <a:schemeClr val="accent1"/>
+          </a:fillRef>
+          <a:effectRef idx="2">
+            <a:schemeClr val="accent1"/>
+          </a:effectRef>
+          <a:fontRef idx="minor">
+            <a:schemeClr val="lt1"/>
+          </a:fontRef>
+        </p:style>
+        <p:txBody>
+          <a:bodyPr rtlCol="0" anchor="ctr"/>
+          <a:lstStyle/>
+          <a:p>
+            <a:pPr algn="ctr"/>
+            <a:endParaRPr lang="en-US" sz="2400"/>
+          </a:p>
+        </p:txBody>
+      </p:sp>
+      <p:sp>
+        <p:nvSpPr>
+          <p:cNvPr id="67" name="Rectangle 66"/>
+          <p:cNvSpPr/>
+          <p:nvPr/>
+        </p:nvSpPr>
+        <p:spPr>
+          <a:xfrm>
+            <a:off x="2772189" y="4226747"/>
+            <a:ext cx="595087" cy="333828"/>
+          </a:xfrm>
+          <a:prstGeom prst="rect">
+            <a:avLst/>
+          </a:prstGeom>
+          <a:ln w="12700">
+            <a:solidFill>
+              <a:schemeClr val="bg1">
+                <a:lumMod val="50000"/>
+              </a:schemeClr>
+            </a:solidFill>
+          </a:ln>
+        </p:spPr>
+        <p:style>
+          <a:lnRef idx="1">
+            <a:schemeClr val="accent1"/>
+          </a:lnRef>
+          <a:fillRef idx="2">
+            <a:schemeClr val="accent1"/>
+          </a:fillRef>
+          <a:effectRef idx="1">
+            <a:schemeClr val="accent1"/>
+          </a:effectRef>
+          <a:fontRef idx="minor">
+            <a:schemeClr val="dk1"/>
+          </a:fontRef>
+        </p:style>
+        <p:txBody>
+          <a:bodyPr rtlCol="0" anchor="ctr"/>
+          <a:lstStyle/>
+          <a:p>
+            <a:pPr algn="ctr"/>
+            <a:endParaRPr lang="en-US" sz="2400"/>
+          </a:p>
+        </p:txBody>
+      </p:sp>
+      <p:sp>
+        <p:nvSpPr>
+          <p:cNvPr id="68" name="Rectangle 67"/>
+          <p:cNvSpPr/>
+          <p:nvPr/>
+        </p:nvSpPr>
+        <p:spPr>
+          <a:xfrm>
+            <a:off x="2772189" y="4560575"/>
+            <a:ext cx="595087" cy="333828"/>
+          </a:xfrm>
+          <a:prstGeom prst="rect">
+            <a:avLst/>
+          </a:prstGeom>
+          <a:ln w="12700">
+            <a:solidFill>
+              <a:schemeClr val="bg1">
+                <a:lumMod val="50000"/>
+              </a:schemeClr>
+            </a:solidFill>
+          </a:ln>
+        </p:spPr>
+        <p:style>
+          <a:lnRef idx="1">
+            <a:schemeClr val="accent1"/>
+          </a:lnRef>
+          <a:fillRef idx="2">
+            <a:schemeClr val="accent1"/>
+          </a:fillRef>
+          <a:effectRef idx="1">
+            <a:schemeClr val="accent1"/>
+          </a:effectRef>
+          <a:fontRef idx="minor">
+            <a:schemeClr val="dk1"/>
+          </a:fontRef>
+        </p:style>
+        <p:txBody>
+          <a:bodyPr rtlCol="0" anchor="ctr"/>
+          <a:lstStyle/>
+          <a:p>
+            <a:pPr algn="ctr"/>
+            <a:endParaRPr lang="en-US" sz="2400"/>
+          </a:p>
+        </p:txBody>
+      </p:sp>
+      <p:sp>
+        <p:nvSpPr>
+          <p:cNvPr id="69" name="Rectangle 68"/>
+          <p:cNvSpPr/>
+          <p:nvPr/>
+        </p:nvSpPr>
+        <p:spPr>
+          <a:xfrm>
+            <a:off x="2772189" y="4894403"/>
+            <a:ext cx="595087" cy="333828"/>
+          </a:xfrm>
+          <a:prstGeom prst="rect">
+            <a:avLst/>
+          </a:prstGeom>
+          <a:ln w="12700">
+            <a:solidFill>
+              <a:schemeClr val="bg1">
+                <a:lumMod val="50000"/>
+              </a:schemeClr>
+            </a:solidFill>
+          </a:ln>
+        </p:spPr>
+        <p:style>
+          <a:lnRef idx="1">
+            <a:schemeClr val="accent1"/>
+          </a:lnRef>
+          <a:fillRef idx="2">
+            <a:schemeClr val="accent1"/>
+          </a:fillRef>
+          <a:effectRef idx="1">
+            <a:schemeClr val="accent1"/>
+          </a:effectRef>
+          <a:fontRef idx="minor">
+            <a:schemeClr val="dk1"/>
+          </a:fontRef>
+        </p:style>
+        <p:txBody>
+          <a:bodyPr rtlCol="0" anchor="ctr"/>
+          <a:lstStyle/>
+          <a:p>
+            <a:pPr algn="ctr"/>
+            <a:endParaRPr lang="en-US" sz="2400"/>
+          </a:p>
+        </p:txBody>
+      </p:sp>
+      <p:sp>
+        <p:nvSpPr>
+          <p:cNvPr id="70" name="Rectangle 69"/>
+          <p:cNvSpPr/>
+          <p:nvPr/>
+        </p:nvSpPr>
+        <p:spPr>
+          <a:xfrm>
+            <a:off x="3367275" y="1237043"/>
+            <a:ext cx="595087" cy="333828"/>
+          </a:xfrm>
+          <a:prstGeom prst="rect">
+            <a:avLst/>
+          </a:prstGeom>
+          <a:ln w="12700">
+            <a:solidFill>
+              <a:schemeClr val="bg1">
+                <a:lumMod val="50000"/>
+              </a:schemeClr>
+            </a:solidFill>
+          </a:ln>
+        </p:spPr>
+        <p:style>
+          <a:lnRef idx="1">
+            <a:schemeClr val="accent3"/>
+          </a:lnRef>
+          <a:fillRef idx="2">
+            <a:schemeClr val="accent3"/>
+          </a:fillRef>
+          <a:effectRef idx="1">
+            <a:schemeClr val="accent3"/>
+          </a:effectRef>
+          <a:fontRef idx="minor">
+            <a:schemeClr val="dk1"/>
+          </a:fontRef>
+        </p:style>
+        <p:txBody>
+          <a:bodyPr rtlCol="0" anchor="ctr"/>
+          <a:lstStyle/>
+          <a:p>
+            <a:pPr algn="ctr"/>
+            <a:endParaRPr lang="en-US" sz="2400"/>
+          </a:p>
+        </p:txBody>
+      </p:sp>
+      <p:sp>
+        <p:nvSpPr>
+          <p:cNvPr id="71" name="Rectangle 70"/>
+          <p:cNvSpPr/>
+          <p:nvPr/>
+        </p:nvSpPr>
+        <p:spPr>
+          <a:xfrm>
+            <a:off x="3367275" y="1570871"/>
+            <a:ext cx="595087" cy="333828"/>
+          </a:xfrm>
+          <a:prstGeom prst="rect">
+            <a:avLst/>
+          </a:prstGeom>
+          <a:ln w="12700">
+            <a:solidFill>
+              <a:schemeClr val="bg1">
+                <a:lumMod val="50000"/>
+              </a:schemeClr>
+            </a:solidFill>
+          </a:ln>
+        </p:spPr>
+        <p:style>
+          <a:lnRef idx="1">
+            <a:schemeClr val="accent3"/>
+          </a:lnRef>
+          <a:fillRef idx="2">
+            <a:schemeClr val="accent3"/>
+          </a:fillRef>
+          <a:effectRef idx="1">
+            <a:schemeClr val="accent3"/>
+          </a:effectRef>
+          <a:fontRef idx="minor">
+            <a:schemeClr val="dk1"/>
+          </a:fontRef>
+        </p:style>
+        <p:txBody>
+          <a:bodyPr rtlCol="0" anchor="ctr"/>
+          <a:lstStyle/>
+          <a:p>
+            <a:pPr algn="ctr"/>
+            <a:endParaRPr lang="en-US" sz="2400"/>
+          </a:p>
+        </p:txBody>
+      </p:sp>
+      <p:sp>
+        <p:nvSpPr>
+          <p:cNvPr id="72" name="Rectangle 71"/>
+          <p:cNvSpPr/>
+          <p:nvPr/>
+        </p:nvSpPr>
+        <p:spPr>
+          <a:xfrm>
+            <a:off x="3367275" y="1904699"/>
+            <a:ext cx="595087" cy="333828"/>
+          </a:xfrm>
+          <a:prstGeom prst="rect">
+            <a:avLst/>
+          </a:prstGeom>
+          <a:ln w="12700">
+            <a:solidFill>
+              <a:schemeClr val="bg1">
+                <a:lumMod val="50000"/>
+              </a:schemeClr>
+            </a:solidFill>
+          </a:ln>
+        </p:spPr>
+        <p:style>
+          <a:lnRef idx="1">
+            <a:schemeClr val="accent3"/>
+          </a:lnRef>
+          <a:fillRef idx="2">
+            <a:schemeClr val="accent3"/>
+          </a:fillRef>
+          <a:effectRef idx="1">
+            <a:schemeClr val="accent3"/>
+          </a:effectRef>
+          <a:fontRef idx="minor">
+            <a:schemeClr val="dk1"/>
+          </a:fontRef>
+        </p:style>
+        <p:txBody>
+          <a:bodyPr rtlCol="0" anchor="ctr"/>
+          <a:lstStyle/>
+          <a:p>
+            <a:pPr algn="ctr"/>
+            <a:endParaRPr lang="en-US" sz="2400"/>
+          </a:p>
+        </p:txBody>
+      </p:sp>
+      <p:sp>
+        <p:nvSpPr>
+          <p:cNvPr id="73" name="Rectangle 72"/>
+          <p:cNvSpPr/>
+          <p:nvPr/>
+        </p:nvSpPr>
+        <p:spPr>
+          <a:xfrm>
+            <a:off x="3367275" y="2238527"/>
+            <a:ext cx="595087" cy="333828"/>
+          </a:xfrm>
+          <a:prstGeom prst="rect">
+            <a:avLst/>
+          </a:prstGeom>
+          <a:ln w="12700">
+            <a:solidFill>
+              <a:schemeClr val="bg1">
+                <a:lumMod val="50000"/>
+              </a:schemeClr>
+            </a:solidFill>
+          </a:ln>
+        </p:spPr>
+        <p:style>
+          <a:lnRef idx="1">
+            <a:schemeClr val="accent3"/>
+          </a:lnRef>
+          <a:fillRef idx="2">
+            <a:schemeClr val="accent3"/>
+          </a:fillRef>
+          <a:effectRef idx="1">
+            <a:schemeClr val="accent3"/>
+          </a:effectRef>
+          <a:fontRef idx="minor">
+            <a:schemeClr val="dk1"/>
+          </a:fontRef>
+        </p:style>
+        <p:txBody>
+          <a:bodyPr rtlCol="0" anchor="ctr"/>
+          <a:lstStyle/>
+          <a:p>
+            <a:pPr algn="ctr"/>
+            <a:endParaRPr lang="en-US" sz="2400"/>
+          </a:p>
+        </p:txBody>
+      </p:sp>
+      <p:sp>
+        <p:nvSpPr>
+          <p:cNvPr id="74" name="Rectangle 73"/>
+          <p:cNvSpPr/>
+          <p:nvPr/>
+        </p:nvSpPr>
+        <p:spPr>
+          <a:xfrm>
+            <a:off x="3367275" y="2572355"/>
+            <a:ext cx="595087" cy="333828"/>
+          </a:xfrm>
+          <a:prstGeom prst="rect">
+            <a:avLst/>
+          </a:prstGeom>
+          <a:ln w="12700">
+            <a:solidFill>
+              <a:schemeClr val="bg1">
+                <a:lumMod val="50000"/>
+              </a:schemeClr>
+            </a:solidFill>
+          </a:ln>
+        </p:spPr>
+        <p:style>
+          <a:lnRef idx="1">
+            <a:schemeClr val="accent1"/>
+          </a:lnRef>
+          <a:fillRef idx="3">
+            <a:schemeClr val="accent1"/>
+          </a:fillRef>
+          <a:effectRef idx="2">
+            <a:schemeClr val="accent1"/>
+          </a:effectRef>
+          <a:fontRef idx="minor">
+            <a:schemeClr val="lt1"/>
+          </a:fontRef>
+        </p:style>
+        <p:txBody>
+          <a:bodyPr rtlCol="0" anchor="ctr"/>
+          <a:lstStyle/>
+          <a:p>
+            <a:pPr algn="ctr"/>
+            <a:endParaRPr lang="en-US" sz="2400"/>
+          </a:p>
+        </p:txBody>
+      </p:sp>
+      <p:sp>
+        <p:nvSpPr>
+          <p:cNvPr id="75" name="Rectangle 74"/>
+          <p:cNvSpPr/>
+          <p:nvPr/>
+        </p:nvSpPr>
+        <p:spPr>
+          <a:xfrm>
+            <a:off x="3367275" y="2902554"/>
+            <a:ext cx="595087" cy="333828"/>
+          </a:xfrm>
+          <a:prstGeom prst="rect">
+            <a:avLst/>
+          </a:prstGeom>
+          <a:ln w="12700">
+            <a:solidFill>
+              <a:schemeClr val="bg1">
+                <a:lumMod val="50000"/>
+              </a:schemeClr>
+            </a:solidFill>
+          </a:ln>
+        </p:spPr>
+        <p:style>
+          <a:lnRef idx="1">
+            <a:schemeClr val="accent1"/>
+          </a:lnRef>
+          <a:fillRef idx="3">
+            <a:schemeClr val="accent1"/>
+          </a:fillRef>
+          <a:effectRef idx="2">
+            <a:schemeClr val="accent1"/>
+          </a:effectRef>
+          <a:fontRef idx="minor">
+            <a:schemeClr val="lt1"/>
+          </a:fontRef>
+        </p:style>
+        <p:txBody>
+          <a:bodyPr rtlCol="0" anchor="ctr"/>
+          <a:lstStyle/>
+          <a:p>
+            <a:pPr algn="ctr"/>
+            <a:endParaRPr lang="en-US" sz="2400"/>
+          </a:p>
+        </p:txBody>
+      </p:sp>
+      <p:sp>
+        <p:nvSpPr>
+          <p:cNvPr id="76" name="Rectangle 75"/>
+          <p:cNvSpPr/>
+          <p:nvPr/>
+        </p:nvSpPr>
+        <p:spPr>
+          <a:xfrm>
+            <a:off x="3367275" y="3225263"/>
+            <a:ext cx="595087" cy="333828"/>
+          </a:xfrm>
+          <a:prstGeom prst="rect">
+            <a:avLst/>
+          </a:prstGeom>
+          <a:ln w="12700">
+            <a:solidFill>
+              <a:schemeClr val="bg1">
+                <a:lumMod val="50000"/>
+              </a:schemeClr>
+            </a:solidFill>
+          </a:ln>
+        </p:spPr>
+        <p:style>
+          <a:lnRef idx="1">
+            <a:schemeClr val="accent1"/>
+          </a:lnRef>
+          <a:fillRef idx="3">
+            <a:schemeClr val="accent1"/>
+          </a:fillRef>
+          <a:effectRef idx="2">
+            <a:schemeClr val="accent1"/>
+          </a:effectRef>
+          <a:fontRef idx="minor">
+            <a:schemeClr val="lt1"/>
+          </a:fontRef>
+        </p:style>
+        <p:txBody>
+          <a:bodyPr rtlCol="0" anchor="ctr"/>
+          <a:lstStyle/>
+          <a:p>
+            <a:pPr algn="ctr"/>
+            <a:endParaRPr lang="en-US" sz="2400"/>
+          </a:p>
+        </p:txBody>
+      </p:sp>
+      <p:sp>
+        <p:nvSpPr>
+          <p:cNvPr id="77" name="Rectangle 76"/>
+          <p:cNvSpPr/>
+          <p:nvPr/>
+        </p:nvSpPr>
+        <p:spPr>
+          <a:xfrm>
+            <a:off x="3367275" y="3559091"/>
+            <a:ext cx="595087" cy="333828"/>
+          </a:xfrm>
+          <a:prstGeom prst="rect">
+            <a:avLst/>
+          </a:prstGeom>
+          <a:ln w="12700">
+            <a:solidFill>
+              <a:schemeClr val="bg1">
+                <a:lumMod val="50000"/>
+              </a:schemeClr>
+            </a:solidFill>
+          </a:ln>
+        </p:spPr>
+        <p:style>
+          <a:lnRef idx="1">
+            <a:schemeClr val="accent1"/>
+          </a:lnRef>
+          <a:fillRef idx="3">
+            <a:schemeClr val="accent1"/>
+          </a:fillRef>
+          <a:effectRef idx="2">
+            <a:schemeClr val="accent1"/>
+          </a:effectRef>
+          <a:fontRef idx="minor">
+            <a:schemeClr val="lt1"/>
+          </a:fontRef>
+        </p:style>
+        <p:txBody>
+          <a:bodyPr rtlCol="0" anchor="ctr"/>
+          <a:lstStyle/>
+          <a:p>
+            <a:pPr algn="ctr"/>
+            <a:endParaRPr lang="en-US" sz="2400"/>
+          </a:p>
+        </p:txBody>
+      </p:sp>
+      <p:sp>
+        <p:nvSpPr>
+          <p:cNvPr id="78" name="Rectangle 77"/>
+          <p:cNvSpPr/>
+          <p:nvPr/>
+        </p:nvSpPr>
+        <p:spPr>
+          <a:xfrm>
+            <a:off x="3367275" y="3892919"/>
+            <a:ext cx="595087" cy="333828"/>
+          </a:xfrm>
+          <a:prstGeom prst="rect">
+            <a:avLst/>
+          </a:prstGeom>
+          <a:ln w="12700">
+            <a:solidFill>
+              <a:schemeClr val="bg1">
+                <a:lumMod val="50000"/>
+              </a:schemeClr>
+            </a:solidFill>
+          </a:ln>
+        </p:spPr>
+        <p:style>
+          <a:lnRef idx="1">
+            <a:schemeClr val="accent1"/>
+          </a:lnRef>
+          <a:fillRef idx="3">
+            <a:schemeClr val="accent1"/>
+          </a:fillRef>
+          <a:effectRef idx="2">
+            <a:schemeClr val="accent1"/>
+          </a:effectRef>
+          <a:fontRef idx="minor">
+            <a:schemeClr val="lt1"/>
+          </a:fontRef>
+        </p:style>
+        <p:txBody>
+          <a:bodyPr rtlCol="0" anchor="ctr"/>
+          <a:lstStyle/>
+          <a:p>
+            <a:pPr algn="ctr"/>
+            <a:endParaRPr lang="en-US" sz="2400"/>
+          </a:p>
+        </p:txBody>
+      </p:sp>
+      <p:sp>
+        <p:nvSpPr>
+          <p:cNvPr id="79" name="Rectangle 78"/>
+          <p:cNvSpPr/>
+          <p:nvPr/>
+        </p:nvSpPr>
+        <p:spPr>
+          <a:xfrm>
+            <a:off x="3367275" y="4226747"/>
+            <a:ext cx="595087" cy="333828"/>
+          </a:xfrm>
+          <a:prstGeom prst="rect">
+            <a:avLst/>
+          </a:prstGeom>
+          <a:solidFill>
+            <a:schemeClr val="bg2">
+              <a:lumMod val="75000"/>
+            </a:schemeClr>
+          </a:solidFill>
+          <a:ln w="12700">
+            <a:solidFill>
+              <a:schemeClr val="bg1">
+                <a:lumMod val="50000"/>
+              </a:schemeClr>
+            </a:solidFill>
+          </a:ln>
+        </p:spPr>
+        <p:style>
+          <a:lnRef idx="1">
+            <a:schemeClr val="accent4"/>
+          </a:lnRef>
+          <a:fillRef idx="2">
+            <a:schemeClr val="accent4"/>
+          </a:fillRef>
+          <a:effectRef idx="1">
+            <a:schemeClr val="accent4"/>
+          </a:effectRef>
+          <a:fontRef idx="minor">
+            <a:schemeClr val="dk1"/>
+          </a:fontRef>
+        </p:style>
+        <p:txBody>
+          <a:bodyPr rtlCol="0" anchor="ctr"/>
+          <a:lstStyle/>
+          <a:p>
+            <a:pPr algn="ctr"/>
+            <a:endParaRPr lang="en-US" sz="2400"/>
+          </a:p>
+        </p:txBody>
+      </p:sp>
+      <p:sp>
+        <p:nvSpPr>
+          <p:cNvPr id="80" name="Rectangle 79"/>
+          <p:cNvSpPr/>
+          <p:nvPr/>
+        </p:nvSpPr>
+        <p:spPr>
+          <a:xfrm>
+            <a:off x="3367275" y="4560575"/>
+            <a:ext cx="595087" cy="333828"/>
+          </a:xfrm>
+          <a:prstGeom prst="rect">
+            <a:avLst/>
+          </a:prstGeom>
+          <a:solidFill>
+            <a:schemeClr val="bg2">
+              <a:lumMod val="75000"/>
+            </a:schemeClr>
+          </a:solidFill>
+          <a:ln w="12700">
+            <a:solidFill>
+              <a:schemeClr val="bg1">
+                <a:lumMod val="50000"/>
+              </a:schemeClr>
+            </a:solidFill>
+          </a:ln>
+        </p:spPr>
+        <p:style>
+          <a:lnRef idx="1">
+            <a:schemeClr val="accent4"/>
+          </a:lnRef>
+          <a:fillRef idx="2">
+            <a:schemeClr val="accent4"/>
+          </a:fillRef>
+          <a:effectRef idx="1">
+            <a:schemeClr val="accent4"/>
+          </a:effectRef>
+          <a:fontRef idx="minor">
+            <a:schemeClr val="dk1"/>
+          </a:fontRef>
+        </p:style>
+        <p:txBody>
+          <a:bodyPr rtlCol="0" anchor="ctr"/>
+          <a:lstStyle/>
+          <a:p>
+            <a:pPr algn="ctr"/>
+            <a:endParaRPr lang="en-US" sz="2400"/>
+          </a:p>
+        </p:txBody>
+      </p:sp>
+      <p:sp>
+        <p:nvSpPr>
+          <p:cNvPr id="81" name="Rectangle 80"/>
+          <p:cNvSpPr/>
+          <p:nvPr/>
+        </p:nvSpPr>
+        <p:spPr>
+          <a:xfrm>
+            <a:off x="3367275" y="4894403"/>
+            <a:ext cx="595087" cy="333828"/>
+          </a:xfrm>
+          <a:prstGeom prst="rect">
+            <a:avLst/>
+          </a:prstGeom>
+          <a:solidFill>
+            <a:schemeClr val="bg2">
+              <a:lumMod val="75000"/>
+            </a:schemeClr>
+          </a:solidFill>
+          <a:ln w="12700">
+            <a:solidFill>
+              <a:schemeClr val="bg1">
+                <a:lumMod val="50000"/>
+              </a:schemeClr>
+            </a:solidFill>
+          </a:ln>
+        </p:spPr>
+        <p:style>
+          <a:lnRef idx="1">
+            <a:schemeClr val="accent4"/>
+          </a:lnRef>
+          <a:fillRef idx="2">
+            <a:schemeClr val="accent4"/>
+          </a:fillRef>
+          <a:effectRef idx="1">
+            <a:schemeClr val="accent4"/>
+          </a:effectRef>
+          <a:fontRef idx="minor">
+            <a:schemeClr val="dk1"/>
+          </a:fontRef>
+        </p:style>
+        <p:txBody>
+          <a:bodyPr rtlCol="0" anchor="ctr"/>
+          <a:lstStyle/>
+          <a:p>
+            <a:pPr algn="ctr"/>
+            <a:endParaRPr lang="en-US" sz="2400"/>
+          </a:p>
+        </p:txBody>
+      </p:sp>
+      <p:sp>
+        <p:nvSpPr>
+          <p:cNvPr id="82" name="Rectangle 81"/>
+          <p:cNvSpPr/>
+          <p:nvPr/>
+        </p:nvSpPr>
+        <p:spPr>
+          <a:xfrm>
+            <a:off x="3962362" y="1237043"/>
+            <a:ext cx="595087" cy="333828"/>
+          </a:xfrm>
+          <a:prstGeom prst="rect">
+            <a:avLst/>
+          </a:prstGeom>
+          <a:ln w="12700">
+            <a:solidFill>
+              <a:schemeClr val="bg1">
+                <a:lumMod val="50000"/>
+              </a:schemeClr>
+            </a:solidFill>
+          </a:ln>
+        </p:spPr>
+        <p:style>
+          <a:lnRef idx="1">
+            <a:schemeClr val="accent5"/>
+          </a:lnRef>
+          <a:fillRef idx="2">
+            <a:schemeClr val="accent5"/>
+          </a:fillRef>
+          <a:effectRef idx="1">
+            <a:schemeClr val="accent5"/>
+          </a:effectRef>
+          <a:fontRef idx="minor">
+            <a:schemeClr val="dk1"/>
+          </a:fontRef>
+        </p:style>
+        <p:txBody>
+          <a:bodyPr rtlCol="0" anchor="ctr"/>
+          <a:lstStyle/>
+          <a:p>
+            <a:pPr algn="ctr"/>
+            <a:endParaRPr lang="en-US" sz="2400"/>
+          </a:p>
+        </p:txBody>
+      </p:sp>
+      <p:sp>
+        <p:nvSpPr>
+          <p:cNvPr id="83" name="Rectangle 82"/>
+          <p:cNvSpPr/>
+          <p:nvPr/>
+        </p:nvSpPr>
+        <p:spPr>
+          <a:xfrm>
+            <a:off x="3962362" y="1570871"/>
+            <a:ext cx="595087" cy="333828"/>
+          </a:xfrm>
+          <a:prstGeom prst="rect">
+            <a:avLst/>
+          </a:prstGeom>
+          <a:ln w="12700">
+            <a:solidFill>
+              <a:schemeClr val="bg1">
+                <a:lumMod val="50000"/>
+              </a:schemeClr>
+            </a:solidFill>
+          </a:ln>
+        </p:spPr>
+        <p:style>
+          <a:lnRef idx="1">
+            <a:schemeClr val="accent5"/>
+          </a:lnRef>
+          <a:fillRef idx="2">
+            <a:schemeClr val="accent5"/>
+          </a:fillRef>
+          <a:effectRef idx="1">
+            <a:schemeClr val="accent5"/>
+          </a:effectRef>
+          <a:fontRef idx="minor">
+            <a:schemeClr val="dk1"/>
+          </a:fontRef>
+        </p:style>
+        <p:txBody>
+          <a:bodyPr rtlCol="0" anchor="ctr"/>
+          <a:lstStyle/>
+          <a:p>
+            <a:pPr algn="ctr"/>
+            <a:endParaRPr lang="en-US" sz="2400"/>
+          </a:p>
+        </p:txBody>
+      </p:sp>
+      <p:sp>
+        <p:nvSpPr>
+          <p:cNvPr id="84" name="Rectangle 83"/>
+          <p:cNvSpPr/>
+          <p:nvPr/>
+        </p:nvSpPr>
+        <p:spPr>
+          <a:xfrm>
+            <a:off x="3962362" y="1904699"/>
+            <a:ext cx="595087" cy="333828"/>
+          </a:xfrm>
+          <a:prstGeom prst="rect">
+            <a:avLst/>
+          </a:prstGeom>
+          <a:ln w="12700">
+            <a:solidFill>
+              <a:schemeClr val="bg1">
+                <a:lumMod val="50000"/>
+              </a:schemeClr>
+            </a:solidFill>
+          </a:ln>
+        </p:spPr>
+        <p:style>
+          <a:lnRef idx="1">
+            <a:schemeClr val="accent5"/>
+          </a:lnRef>
+          <a:fillRef idx="2">
+            <a:schemeClr val="accent5"/>
+          </a:fillRef>
+          <a:effectRef idx="1">
+            <a:schemeClr val="accent5"/>
+          </a:effectRef>
+          <a:fontRef idx="minor">
+            <a:schemeClr val="dk1"/>
+          </a:fontRef>
+        </p:style>
+        <p:txBody>
+          <a:bodyPr rtlCol="0" anchor="ctr"/>
+          <a:lstStyle/>
+          <a:p>
+            <a:pPr algn="ctr"/>
+            <a:endParaRPr lang="en-US" sz="2400"/>
+          </a:p>
+        </p:txBody>
+      </p:sp>
+      <p:sp>
+        <p:nvSpPr>
+          <p:cNvPr id="85" name="Rectangle 84"/>
+          <p:cNvSpPr/>
+          <p:nvPr/>
+        </p:nvSpPr>
+        <p:spPr>
+          <a:xfrm>
+            <a:off x="3962362" y="2238527"/>
+            <a:ext cx="595087" cy="333828"/>
+          </a:xfrm>
+          <a:prstGeom prst="rect">
+            <a:avLst/>
+          </a:prstGeom>
+          <a:ln w="12700">
+            <a:solidFill>
+              <a:schemeClr val="bg1">
+                <a:lumMod val="50000"/>
+              </a:schemeClr>
+            </a:solidFill>
+          </a:ln>
+        </p:spPr>
+        <p:style>
+          <a:lnRef idx="1">
+            <a:schemeClr val="accent5"/>
+          </a:lnRef>
+          <a:fillRef idx="2">
+            <a:schemeClr val="accent5"/>
+          </a:fillRef>
+          <a:effectRef idx="1">
+            <a:schemeClr val="accent5"/>
+          </a:effectRef>
+          <a:fontRef idx="minor">
+            <a:schemeClr val="dk1"/>
+          </a:fontRef>
+        </p:style>
+        <p:txBody>
+          <a:bodyPr rtlCol="0" anchor="ctr"/>
+          <a:lstStyle/>
+          <a:p>
+            <a:pPr algn="ctr"/>
+            <a:endParaRPr lang="en-US" sz="2400"/>
+          </a:p>
+        </p:txBody>
+      </p:sp>
+      <p:sp>
+        <p:nvSpPr>
+          <p:cNvPr id="86" name="Rectangle 85"/>
+          <p:cNvSpPr/>
+          <p:nvPr/>
+        </p:nvSpPr>
+        <p:spPr>
+          <a:xfrm>
+            <a:off x="3962362" y="2572355"/>
+            <a:ext cx="595087" cy="333828"/>
+          </a:xfrm>
+          <a:prstGeom prst="rect">
+            <a:avLst/>
+          </a:prstGeom>
+          <a:ln w="12700">
+            <a:solidFill>
+              <a:schemeClr val="bg1">
+                <a:lumMod val="50000"/>
+              </a:schemeClr>
+            </a:solidFill>
+          </a:ln>
+        </p:spPr>
+        <p:style>
+          <a:lnRef idx="1">
+            <a:schemeClr val="accent1"/>
+          </a:lnRef>
+          <a:fillRef idx="3">
+            <a:schemeClr val="accent1"/>
+          </a:fillRef>
+          <a:effectRef idx="2">
+            <a:schemeClr val="accent1"/>
+          </a:effectRef>
+          <a:fontRef idx="minor">
+            <a:schemeClr val="lt1"/>
+          </a:fontRef>
+        </p:style>
+        <p:txBody>
+          <a:bodyPr rtlCol="0" anchor="ctr"/>
+          <a:lstStyle/>
+          <a:p>
+            <a:pPr algn="ctr"/>
+            <a:endParaRPr lang="en-US" sz="2400"/>
+          </a:p>
+        </p:txBody>
+      </p:sp>
+      <p:sp>
+        <p:nvSpPr>
+          <p:cNvPr id="87" name="Rectangle 86"/>
+          <p:cNvSpPr/>
+          <p:nvPr/>
+        </p:nvSpPr>
+        <p:spPr>
+          <a:xfrm>
+            <a:off x="3962362" y="2902554"/>
+            <a:ext cx="595087" cy="333828"/>
+          </a:xfrm>
+          <a:prstGeom prst="rect">
+            <a:avLst/>
+          </a:prstGeom>
+          <a:ln w="12700">
+            <a:solidFill>
+              <a:schemeClr val="bg1">
+                <a:lumMod val="50000"/>
+              </a:schemeClr>
+            </a:solidFill>
+          </a:ln>
+        </p:spPr>
+        <p:style>
+          <a:lnRef idx="1">
+            <a:schemeClr val="accent1"/>
+          </a:lnRef>
+          <a:fillRef idx="3">
+            <a:schemeClr val="accent1"/>
+          </a:fillRef>
+          <a:effectRef idx="2">
+            <a:schemeClr val="accent1"/>
+          </a:effectRef>
+          <a:fontRef idx="minor">
+            <a:schemeClr val="lt1"/>
+          </a:fontRef>
+        </p:style>
+        <p:txBody>
+          <a:bodyPr rtlCol="0" anchor="ctr"/>
+          <a:lstStyle/>
+          <a:p>
+            <a:pPr algn="ctr"/>
+            <a:endParaRPr lang="en-US" sz="2400"/>
+          </a:p>
+        </p:txBody>
+      </p:sp>
+      <p:sp>
+        <p:nvSpPr>
+          <p:cNvPr id="88" name="Rectangle 87"/>
+          <p:cNvSpPr/>
+          <p:nvPr/>
+        </p:nvSpPr>
+        <p:spPr>
+          <a:xfrm>
+            <a:off x="3962362" y="3225263"/>
+            <a:ext cx="595087" cy="333828"/>
+          </a:xfrm>
+          <a:prstGeom prst="rect">
+            <a:avLst/>
+          </a:prstGeom>
+          <a:ln w="12700">
+            <a:solidFill>
+              <a:schemeClr val="bg1">
+                <a:lumMod val="50000"/>
+              </a:schemeClr>
+            </a:solidFill>
+          </a:ln>
+        </p:spPr>
+        <p:style>
+          <a:lnRef idx="1">
+            <a:schemeClr val="accent1"/>
+          </a:lnRef>
+          <a:fillRef idx="3">
+            <a:schemeClr val="accent1"/>
+          </a:fillRef>
+          <a:effectRef idx="2">
+            <a:schemeClr val="accent1"/>
+          </a:effectRef>
+          <a:fontRef idx="minor">
+            <a:schemeClr val="lt1"/>
+          </a:fontRef>
+        </p:style>
+        <p:txBody>
+          <a:bodyPr rtlCol="0" anchor="ctr"/>
+          <a:lstStyle/>
+          <a:p>
+            <a:pPr algn="ctr"/>
+            <a:endParaRPr lang="en-US" sz="2400"/>
+          </a:p>
+        </p:txBody>
+      </p:sp>
+      <p:sp>
+        <p:nvSpPr>
+          <p:cNvPr id="89" name="Rectangle 88"/>
+          <p:cNvSpPr/>
+          <p:nvPr/>
+        </p:nvSpPr>
+        <p:spPr>
+          <a:xfrm>
+            <a:off x="3962362" y="3559091"/>
+            <a:ext cx="595087" cy="333828"/>
+          </a:xfrm>
+          <a:prstGeom prst="rect">
+            <a:avLst/>
+          </a:prstGeom>
+          <a:ln w="12700">
+            <a:solidFill>
+              <a:schemeClr val="bg1">
+                <a:lumMod val="50000"/>
+              </a:schemeClr>
+            </a:solidFill>
+          </a:ln>
+        </p:spPr>
+        <p:style>
+          <a:lnRef idx="1">
+            <a:schemeClr val="accent1"/>
+          </a:lnRef>
+          <a:fillRef idx="3">
+            <a:schemeClr val="accent1"/>
+          </a:fillRef>
+          <a:effectRef idx="2">
+            <a:schemeClr val="accent1"/>
+          </a:effectRef>
+          <a:fontRef idx="minor">
+            <a:schemeClr val="lt1"/>
+          </a:fontRef>
+        </p:style>
+        <p:txBody>
+          <a:bodyPr rtlCol="0" anchor="ctr"/>
+          <a:lstStyle/>
+          <a:p>
+            <a:pPr algn="ctr"/>
+            <a:endParaRPr lang="en-US" sz="2400"/>
+          </a:p>
+        </p:txBody>
+      </p:sp>
+      <p:sp>
+        <p:nvSpPr>
+          <p:cNvPr id="90" name="Rectangle 89"/>
+          <p:cNvSpPr/>
+          <p:nvPr/>
+        </p:nvSpPr>
+        <p:spPr>
+          <a:xfrm>
+            <a:off x="3962362" y="3892919"/>
+            <a:ext cx="595087" cy="333828"/>
+          </a:xfrm>
+          <a:prstGeom prst="rect">
+            <a:avLst/>
+          </a:prstGeom>
+          <a:ln w="12700">
+            <a:solidFill>
+              <a:schemeClr val="bg1">
+                <a:lumMod val="50000"/>
+              </a:schemeClr>
+            </a:solidFill>
+          </a:ln>
+        </p:spPr>
+        <p:style>
+          <a:lnRef idx="1">
+            <a:schemeClr val="accent1"/>
+          </a:lnRef>
+          <a:fillRef idx="3">
+            <a:schemeClr val="accent1"/>
+          </a:fillRef>
+          <a:effectRef idx="2">
+            <a:schemeClr val="accent1"/>
+          </a:effectRef>
+          <a:fontRef idx="minor">
+            <a:schemeClr val="lt1"/>
+          </a:fontRef>
+        </p:style>
+        <p:txBody>
+          <a:bodyPr rtlCol="0" anchor="ctr"/>
+          <a:lstStyle/>
+          <a:p>
+            <a:pPr algn="ctr"/>
+            <a:endParaRPr lang="en-US" sz="2400"/>
+          </a:p>
+        </p:txBody>
+      </p:sp>
+      <p:sp>
+        <p:nvSpPr>
+          <p:cNvPr id="91" name="Rectangle 90"/>
+          <p:cNvSpPr/>
+          <p:nvPr/>
+        </p:nvSpPr>
+        <p:spPr>
+          <a:xfrm>
+            <a:off x="3962362" y="4226747"/>
+            <a:ext cx="595087" cy="333828"/>
+          </a:xfrm>
+          <a:prstGeom prst="rect">
+            <a:avLst/>
+          </a:prstGeom>
+          <a:solidFill>
+            <a:schemeClr val="bg2">
+              <a:lumMod val="75000"/>
+            </a:schemeClr>
+          </a:solidFill>
+          <a:ln w="12700">
+            <a:solidFill>
+              <a:schemeClr val="bg1">
+                <a:lumMod val="50000"/>
+              </a:schemeClr>
+            </a:solidFill>
+          </a:ln>
+        </p:spPr>
+        <p:style>
+          <a:lnRef idx="1">
+            <a:schemeClr val="accent4"/>
+          </a:lnRef>
+          <a:fillRef idx="2">
+            <a:schemeClr val="accent4"/>
+          </a:fillRef>
+          <a:effectRef idx="1">
+            <a:schemeClr val="accent4"/>
+          </a:effectRef>
+          <a:fontRef idx="minor">
+            <a:schemeClr val="dk1"/>
+          </a:fontRef>
+        </p:style>
+        <p:txBody>
+          <a:bodyPr rtlCol="0" anchor="ctr"/>
+          <a:lstStyle/>
+          <a:p>
+            <a:pPr algn="ctr"/>
+            <a:endParaRPr lang="en-US" sz="2400"/>
+          </a:p>
+        </p:txBody>
+      </p:sp>
+      <p:sp>
+        <p:nvSpPr>
+          <p:cNvPr id="92" name="Rectangle 91"/>
+          <p:cNvSpPr/>
+          <p:nvPr/>
+        </p:nvSpPr>
+        <p:spPr>
+          <a:xfrm>
+            <a:off x="3962362" y="4560575"/>
+            <a:ext cx="595087" cy="333828"/>
+          </a:xfrm>
+          <a:prstGeom prst="rect">
+            <a:avLst/>
+          </a:prstGeom>
+          <a:solidFill>
+            <a:schemeClr val="bg2">
+              <a:lumMod val="75000"/>
+            </a:schemeClr>
+          </a:solidFill>
+          <a:ln w="12700">
+            <a:solidFill>
+              <a:schemeClr val="bg1">
+                <a:lumMod val="50000"/>
+              </a:schemeClr>
+            </a:solidFill>
+          </a:ln>
+        </p:spPr>
+        <p:style>
+          <a:lnRef idx="1">
+            <a:schemeClr val="accent4"/>
+          </a:lnRef>
+          <a:fillRef idx="2">
+            <a:schemeClr val="accent4"/>
+          </a:fillRef>
+          <a:effectRef idx="1">
+            <a:schemeClr val="accent4"/>
+          </a:effectRef>
+          <a:fontRef idx="minor">
+            <a:schemeClr val="dk1"/>
+          </a:fontRef>
+        </p:style>
+        <p:txBody>
+          <a:bodyPr rtlCol="0" anchor="ctr"/>
+          <a:lstStyle/>
+          <a:p>
+            <a:pPr algn="ctr"/>
+            <a:endParaRPr lang="en-US" sz="2400"/>
+          </a:p>
+        </p:txBody>
+      </p:sp>
+      <p:sp>
+        <p:nvSpPr>
+          <p:cNvPr id="93" name="Rectangle 92"/>
+          <p:cNvSpPr/>
+          <p:nvPr/>
+        </p:nvSpPr>
+        <p:spPr>
+          <a:xfrm>
+            <a:off x="3962362" y="4894403"/>
+            <a:ext cx="595087" cy="333828"/>
+          </a:xfrm>
+          <a:prstGeom prst="rect">
+            <a:avLst/>
+          </a:prstGeom>
+          <a:solidFill>
+            <a:schemeClr val="bg2">
+              <a:lumMod val="75000"/>
+            </a:schemeClr>
+          </a:solidFill>
+          <a:ln w="12700">
+            <a:solidFill>
+              <a:schemeClr val="bg1">
+                <a:lumMod val="50000"/>
+              </a:schemeClr>
+            </a:solidFill>
+          </a:ln>
+        </p:spPr>
+        <p:style>
+          <a:lnRef idx="1">
+            <a:schemeClr val="accent4"/>
+          </a:lnRef>
+          <a:fillRef idx="2">
+            <a:schemeClr val="accent4"/>
+          </a:fillRef>
+          <a:effectRef idx="1">
+            <a:schemeClr val="accent4"/>
+          </a:effectRef>
+          <a:fontRef idx="minor">
+            <a:schemeClr val="dk1"/>
+          </a:fontRef>
+        </p:style>
+        <p:txBody>
+          <a:bodyPr rtlCol="0" anchor="ctr"/>
+          <a:lstStyle/>
+          <a:p>
+            <a:pPr algn="ctr"/>
+            <a:endParaRPr lang="en-US" sz="2400"/>
+          </a:p>
+        </p:txBody>
+      </p:sp>
+      <p:sp>
+        <p:nvSpPr>
+          <p:cNvPr id="94" name="Rectangle 93"/>
+          <p:cNvSpPr/>
+          <p:nvPr/>
+        </p:nvSpPr>
+        <p:spPr>
+          <a:xfrm>
+            <a:off x="4557449" y="1237043"/>
+            <a:ext cx="595087" cy="333828"/>
+          </a:xfrm>
+          <a:prstGeom prst="rect">
+            <a:avLst/>
+          </a:prstGeom>
+          <a:ln w="12700">
+            <a:solidFill>
+              <a:schemeClr val="bg1">
+                <a:lumMod val="50000"/>
+              </a:schemeClr>
+            </a:solidFill>
+          </a:ln>
+        </p:spPr>
+        <p:style>
+          <a:lnRef idx="1">
+            <a:schemeClr val="accent5"/>
+          </a:lnRef>
+          <a:fillRef idx="2">
+            <a:schemeClr val="accent5"/>
+          </a:fillRef>
+          <a:effectRef idx="1">
+            <a:schemeClr val="accent5"/>
+          </a:effectRef>
+          <a:fontRef idx="minor">
+            <a:schemeClr val="dk1"/>
+          </a:fontRef>
+        </p:style>
+        <p:txBody>
+          <a:bodyPr rtlCol="0" anchor="ctr"/>
+          <a:lstStyle/>
+          <a:p>
+            <a:pPr algn="ctr"/>
+            <a:endParaRPr lang="en-US" sz="2400"/>
+          </a:p>
+        </p:txBody>
+      </p:sp>
+      <p:sp>
+        <p:nvSpPr>
+          <p:cNvPr id="95" name="Rectangle 94"/>
+          <p:cNvSpPr/>
+          <p:nvPr/>
+        </p:nvSpPr>
+        <p:spPr>
+          <a:xfrm>
+            <a:off x="4557449" y="1570871"/>
+            <a:ext cx="595087" cy="333828"/>
+          </a:xfrm>
+          <a:prstGeom prst="rect">
+            <a:avLst/>
+          </a:prstGeom>
+          <a:ln w="12700">
+            <a:solidFill>
+              <a:schemeClr val="bg1">
+                <a:lumMod val="50000"/>
+              </a:schemeClr>
+            </a:solidFill>
+          </a:ln>
+        </p:spPr>
+        <p:style>
+          <a:lnRef idx="1">
+            <a:schemeClr val="accent5"/>
+          </a:lnRef>
+          <a:fillRef idx="2">
+            <a:schemeClr val="accent5"/>
+          </a:fillRef>
+          <a:effectRef idx="1">
+            <a:schemeClr val="accent5"/>
+          </a:effectRef>
+          <a:fontRef idx="minor">
+            <a:schemeClr val="dk1"/>
+          </a:fontRef>
+        </p:style>
+        <p:txBody>
+          <a:bodyPr rtlCol="0" anchor="ctr"/>
+          <a:lstStyle/>
+          <a:p>
+            <a:pPr algn="ctr"/>
+            <a:endParaRPr lang="en-US" sz="2400"/>
+          </a:p>
+        </p:txBody>
+      </p:sp>
+      <p:sp>
+        <p:nvSpPr>
+          <p:cNvPr id="96" name="Rectangle 95"/>
+          <p:cNvSpPr/>
+          <p:nvPr/>
+        </p:nvSpPr>
+        <p:spPr>
+          <a:xfrm>
+            <a:off x="4557449" y="1904699"/>
+            <a:ext cx="595087" cy="333828"/>
+          </a:xfrm>
+          <a:prstGeom prst="rect">
+            <a:avLst/>
+          </a:prstGeom>
+          <a:ln w="12700">
+            <a:solidFill>
+              <a:schemeClr val="bg1">
+                <a:lumMod val="50000"/>
+              </a:schemeClr>
+            </a:solidFill>
+          </a:ln>
+        </p:spPr>
+        <p:style>
+          <a:lnRef idx="1">
+            <a:schemeClr val="accent5"/>
+          </a:lnRef>
+          <a:fillRef idx="2">
+            <a:schemeClr val="accent5"/>
+          </a:fillRef>
+          <a:effectRef idx="1">
+            <a:schemeClr val="accent5"/>
+          </a:effectRef>
+          <a:fontRef idx="minor">
+            <a:schemeClr val="dk1"/>
+          </a:fontRef>
+        </p:style>
+        <p:txBody>
+          <a:bodyPr rtlCol="0" anchor="ctr"/>
+          <a:lstStyle/>
+          <a:p>
+            <a:pPr algn="ctr"/>
+            <a:endParaRPr lang="en-US" sz="2400"/>
+          </a:p>
+        </p:txBody>
+      </p:sp>
+      <p:sp>
+        <p:nvSpPr>
+          <p:cNvPr id="97" name="Rectangle 96"/>
+          <p:cNvSpPr/>
+          <p:nvPr/>
+        </p:nvSpPr>
+        <p:spPr>
+          <a:xfrm>
+            <a:off x="4557449" y="2238527"/>
+            <a:ext cx="595087" cy="333828"/>
+          </a:xfrm>
+          <a:prstGeom prst="rect">
+            <a:avLst/>
+          </a:prstGeom>
+          <a:ln w="12700">
+            <a:solidFill>
+              <a:schemeClr val="bg1">
+                <a:lumMod val="50000"/>
+              </a:schemeClr>
+            </a:solidFill>
+          </a:ln>
+        </p:spPr>
+        <p:style>
+          <a:lnRef idx="1">
+            <a:schemeClr val="accent5"/>
+          </a:lnRef>
+          <a:fillRef idx="2">
+            <a:schemeClr val="accent5"/>
+          </a:fillRef>
+          <a:effectRef idx="1">
+            <a:schemeClr val="accent5"/>
+          </a:effectRef>
+          <a:fontRef idx="minor">
+            <a:schemeClr val="dk1"/>
+          </a:fontRef>
+        </p:style>
+        <p:txBody>
+          <a:bodyPr rtlCol="0" anchor="ctr"/>
+          <a:lstStyle/>
+          <a:p>
+            <a:pPr algn="ctr"/>
+            <a:endParaRPr lang="en-US" sz="2400"/>
+          </a:p>
+        </p:txBody>
+      </p:sp>
+      <p:sp>
+        <p:nvSpPr>
+          <p:cNvPr id="98" name="Rectangle 97"/>
+          <p:cNvSpPr/>
+          <p:nvPr/>
+        </p:nvSpPr>
+        <p:spPr>
+          <a:xfrm>
+            <a:off x="4557449" y="2572355"/>
+            <a:ext cx="595087" cy="333828"/>
+          </a:xfrm>
+          <a:prstGeom prst="rect">
+            <a:avLst/>
+          </a:prstGeom>
+          <a:ln w="12700">
+            <a:solidFill>
+              <a:schemeClr val="bg1">
+                <a:lumMod val="50000"/>
+              </a:schemeClr>
+            </a:solidFill>
+          </a:ln>
+        </p:spPr>
+        <p:style>
+          <a:lnRef idx="1">
+            <a:schemeClr val="accent1"/>
+          </a:lnRef>
+          <a:fillRef idx="3">
+            <a:schemeClr val="accent1"/>
+          </a:fillRef>
+          <a:effectRef idx="2">
+            <a:schemeClr val="accent1"/>
+          </a:effectRef>
+          <a:fontRef idx="minor">
+            <a:schemeClr val="lt1"/>
+          </a:fontRef>
+        </p:style>
+        <p:txBody>
+          <a:bodyPr rtlCol="0" anchor="ctr"/>
+          <a:lstStyle/>
+          <a:p>
+            <a:pPr algn="ctr"/>
+            <a:endParaRPr lang="en-US" sz="2400"/>
+          </a:p>
+        </p:txBody>
+      </p:sp>
+      <p:sp>
+        <p:nvSpPr>
+          <p:cNvPr id="99" name="Rectangle 98"/>
+          <p:cNvSpPr/>
+          <p:nvPr/>
+        </p:nvSpPr>
+        <p:spPr>
+          <a:xfrm>
+            <a:off x="4557449" y="2902554"/>
+            <a:ext cx="595087" cy="333828"/>
+          </a:xfrm>
+          <a:prstGeom prst="rect">
+            <a:avLst/>
+          </a:prstGeom>
+          <a:ln w="12700">
+            <a:solidFill>
+              <a:schemeClr val="bg1">
+                <a:lumMod val="50000"/>
+              </a:schemeClr>
+            </a:solidFill>
+          </a:ln>
+        </p:spPr>
+        <p:style>
+          <a:lnRef idx="1">
+            <a:schemeClr val="accent1"/>
+          </a:lnRef>
+          <a:fillRef idx="3">
+            <a:schemeClr val="accent1"/>
+          </a:fillRef>
+          <a:effectRef idx="2">
+            <a:schemeClr val="accent1"/>
+          </a:effectRef>
+          <a:fontRef idx="minor">
+            <a:schemeClr val="lt1"/>
+          </a:fontRef>
+        </p:style>
+        <p:txBody>
+          <a:bodyPr rtlCol="0" anchor="ctr"/>
+          <a:lstStyle/>
+          <a:p>
+            <a:pPr algn="ctr"/>
+            <a:endParaRPr lang="en-US" sz="2400"/>
+          </a:p>
+        </p:txBody>
+      </p:sp>
+      <p:sp>
+        <p:nvSpPr>
+          <p:cNvPr id="100" name="Rectangle 99"/>
+          <p:cNvSpPr/>
+          <p:nvPr/>
+        </p:nvSpPr>
+        <p:spPr>
+          <a:xfrm>
+            <a:off x="4557449" y="3225263"/>
+            <a:ext cx="595087" cy="333828"/>
+          </a:xfrm>
+          <a:prstGeom prst="rect">
+            <a:avLst/>
+          </a:prstGeom>
+          <a:ln w="12700">
+            <a:solidFill>
+              <a:schemeClr val="bg1">
+                <a:lumMod val="50000"/>
+              </a:schemeClr>
+            </a:solidFill>
+          </a:ln>
+        </p:spPr>
+        <p:style>
+          <a:lnRef idx="1">
+            <a:schemeClr val="accent1"/>
+          </a:lnRef>
+          <a:fillRef idx="3">
+            <a:schemeClr val="accent1"/>
+          </a:fillRef>
+          <a:effectRef idx="2">
+            <a:schemeClr val="accent1"/>
+          </a:effectRef>
+          <a:fontRef idx="minor">
+            <a:schemeClr val="lt1"/>
+          </a:fontRef>
+        </p:style>
+        <p:txBody>
+          <a:bodyPr rtlCol="0" anchor="ctr"/>
+          <a:lstStyle/>
+          <a:p>
+            <a:pPr algn="ctr"/>
+            <a:endParaRPr lang="en-US" sz="2400"/>
+          </a:p>
+        </p:txBody>
+      </p:sp>
+      <p:sp>
+        <p:nvSpPr>
+          <p:cNvPr id="101" name="Rectangle 100"/>
+          <p:cNvSpPr/>
+          <p:nvPr/>
+        </p:nvSpPr>
+        <p:spPr>
+          <a:xfrm>
+            <a:off x="4557449" y="3559091"/>
+            <a:ext cx="595087" cy="333828"/>
+          </a:xfrm>
+          <a:prstGeom prst="rect">
+            <a:avLst/>
+          </a:prstGeom>
+          <a:ln w="12700">
+            <a:solidFill>
+              <a:schemeClr val="bg1">
+                <a:lumMod val="50000"/>
+              </a:schemeClr>
+            </a:solidFill>
+          </a:ln>
+        </p:spPr>
+        <p:style>
+          <a:lnRef idx="1">
+            <a:schemeClr val="accent1"/>
+          </a:lnRef>
+          <a:fillRef idx="3">
+            <a:schemeClr val="accent1"/>
+          </a:fillRef>
+          <a:effectRef idx="2">
+            <a:schemeClr val="accent1"/>
+          </a:effectRef>
+          <a:fontRef idx="minor">
+            <a:schemeClr val="lt1"/>
+          </a:fontRef>
+        </p:style>
+        <p:txBody>
+          <a:bodyPr rtlCol="0" anchor="ctr"/>
+          <a:lstStyle/>
+          <a:p>
+            <a:pPr algn="ctr"/>
+            <a:endParaRPr lang="en-US" sz="2400"/>
+          </a:p>
+        </p:txBody>
+      </p:sp>
+      <p:sp>
+        <p:nvSpPr>
+          <p:cNvPr id="103" name="Rectangle 102"/>
+          <p:cNvSpPr/>
+          <p:nvPr/>
+        </p:nvSpPr>
+        <p:spPr>
+          <a:xfrm>
+            <a:off x="4557449" y="4226747"/>
+            <a:ext cx="595087" cy="333828"/>
+          </a:xfrm>
+          <a:prstGeom prst="rect">
+            <a:avLst/>
+          </a:prstGeom>
+          <a:solidFill>
+            <a:schemeClr val="bg2">
+              <a:lumMod val="75000"/>
+            </a:schemeClr>
+          </a:solidFill>
+          <a:ln w="12700">
+            <a:solidFill>
+              <a:schemeClr val="bg1">
+                <a:lumMod val="50000"/>
+              </a:schemeClr>
+            </a:solidFill>
+          </a:ln>
+        </p:spPr>
+        <p:style>
+          <a:lnRef idx="1">
+            <a:schemeClr val="accent4"/>
+          </a:lnRef>
+          <a:fillRef idx="2">
+            <a:schemeClr val="accent4"/>
+          </a:fillRef>
+          <a:effectRef idx="1">
+            <a:schemeClr val="accent4"/>
+          </a:effectRef>
+          <a:fontRef idx="minor">
+            <a:schemeClr val="dk1"/>
+          </a:fontRef>
+        </p:style>
+        <p:txBody>
+          <a:bodyPr rtlCol="0" anchor="ctr"/>
+          <a:lstStyle/>
+          <a:p>
+            <a:pPr algn="ctr"/>
+            <a:endParaRPr lang="en-US" sz="2400"/>
+          </a:p>
+        </p:txBody>
+      </p:sp>
+      <p:sp>
+        <p:nvSpPr>
+          <p:cNvPr id="104" name="Rectangle 103"/>
+          <p:cNvSpPr/>
+          <p:nvPr/>
+        </p:nvSpPr>
+        <p:spPr>
+          <a:xfrm>
+            <a:off x="4557449" y="4560575"/>
+            <a:ext cx="595087" cy="333828"/>
+          </a:xfrm>
+          <a:prstGeom prst="rect">
+            <a:avLst/>
+          </a:prstGeom>
+          <a:solidFill>
+            <a:schemeClr val="bg2">
+              <a:lumMod val="75000"/>
+            </a:schemeClr>
+          </a:solidFill>
+          <a:ln w="12700">
+            <a:solidFill>
+              <a:schemeClr val="bg1">
+                <a:lumMod val="50000"/>
+              </a:schemeClr>
+            </a:solidFill>
+          </a:ln>
+        </p:spPr>
+        <p:style>
+          <a:lnRef idx="1">
+            <a:schemeClr val="accent4"/>
+          </a:lnRef>
+          <a:fillRef idx="2">
+            <a:schemeClr val="accent4"/>
+          </a:fillRef>
+          <a:effectRef idx="1">
+            <a:schemeClr val="accent4"/>
+          </a:effectRef>
+          <a:fontRef idx="minor">
+            <a:schemeClr val="dk1"/>
+          </a:fontRef>
+        </p:style>
+        <p:txBody>
+          <a:bodyPr rtlCol="0" anchor="ctr"/>
+          <a:lstStyle/>
+          <a:p>
+            <a:pPr algn="ctr"/>
+            <a:endParaRPr lang="en-US" sz="2400"/>
+          </a:p>
+        </p:txBody>
+      </p:sp>
+      <p:sp>
+        <p:nvSpPr>
+          <p:cNvPr id="105" name="Rectangle 104"/>
+          <p:cNvSpPr/>
+          <p:nvPr/>
+        </p:nvSpPr>
+        <p:spPr>
+          <a:xfrm>
+            <a:off x="4557449" y="4894403"/>
+            <a:ext cx="595087" cy="333828"/>
+          </a:xfrm>
+          <a:prstGeom prst="rect">
+            <a:avLst/>
+          </a:prstGeom>
+          <a:solidFill>
+            <a:schemeClr val="bg2">
+              <a:lumMod val="75000"/>
+            </a:schemeClr>
+          </a:solidFill>
+          <a:ln w="12700">
+            <a:solidFill>
+              <a:schemeClr val="bg1">
+                <a:lumMod val="50000"/>
+              </a:schemeClr>
+            </a:solidFill>
+          </a:ln>
+        </p:spPr>
+        <p:style>
+          <a:lnRef idx="1">
+            <a:schemeClr val="accent4"/>
+          </a:lnRef>
+          <a:fillRef idx="2">
+            <a:schemeClr val="accent4"/>
+          </a:fillRef>
+          <a:effectRef idx="1">
+            <a:schemeClr val="accent4"/>
+          </a:effectRef>
+          <a:fontRef idx="minor">
+            <a:schemeClr val="dk1"/>
+          </a:fontRef>
+        </p:style>
+        <p:txBody>
+          <a:bodyPr rtlCol="0" anchor="ctr"/>
+          <a:lstStyle/>
+          <a:p>
+            <a:pPr algn="ctr"/>
+            <a:endParaRPr lang="en-US" sz="2400"/>
+          </a:p>
+        </p:txBody>
+      </p:sp>
+      <p:sp>
+        <p:nvSpPr>
+          <p:cNvPr id="106" name="Rectangle 105"/>
+          <p:cNvSpPr/>
+          <p:nvPr/>
+        </p:nvSpPr>
+        <p:spPr>
+          <a:xfrm>
+            <a:off x="5152535" y="1237043"/>
+            <a:ext cx="595087" cy="333828"/>
+          </a:xfrm>
+          <a:prstGeom prst="rect">
+            <a:avLst/>
+          </a:prstGeom>
+          <a:solidFill>
+            <a:schemeClr val="bg2">
+              <a:lumMod val="75000"/>
+            </a:schemeClr>
+          </a:solidFill>
+          <a:ln w="12700">
+            <a:solidFill>
+              <a:schemeClr val="bg1">
+                <a:lumMod val="50000"/>
+              </a:schemeClr>
+            </a:solidFill>
+          </a:ln>
+        </p:spPr>
+        <p:style>
+          <a:lnRef idx="1">
+            <a:schemeClr val="accent4"/>
+          </a:lnRef>
+          <a:fillRef idx="2">
+            <a:schemeClr val="accent4"/>
+          </a:fillRef>
+          <a:effectRef idx="1">
+            <a:schemeClr val="accent4"/>
+          </a:effectRef>
+          <a:fontRef idx="minor">
+            <a:schemeClr val="dk1"/>
+          </a:fontRef>
+        </p:style>
+        <p:txBody>
+          <a:bodyPr rtlCol="0" anchor="ctr"/>
+          <a:lstStyle/>
+          <a:p>
+            <a:pPr algn="ctr"/>
+            <a:endParaRPr lang="en-US" sz="2400"/>
+          </a:p>
+        </p:txBody>
+      </p:sp>
+      <p:sp>
+        <p:nvSpPr>
+          <p:cNvPr id="107" name="Rectangle 106"/>
+          <p:cNvSpPr/>
+          <p:nvPr/>
+        </p:nvSpPr>
+        <p:spPr>
+          <a:xfrm>
+            <a:off x="5152535" y="1570871"/>
+            <a:ext cx="595087" cy="333828"/>
+          </a:xfrm>
+          <a:prstGeom prst="rect">
+            <a:avLst/>
+          </a:prstGeom>
+          <a:solidFill>
+            <a:schemeClr val="bg2">
+              <a:lumMod val="75000"/>
+            </a:schemeClr>
+          </a:solidFill>
+          <a:ln w="12700">
+            <a:solidFill>
+              <a:schemeClr val="bg1">
+                <a:lumMod val="50000"/>
+              </a:schemeClr>
+            </a:solidFill>
+          </a:ln>
+        </p:spPr>
+        <p:style>
+          <a:lnRef idx="1">
+            <a:schemeClr val="accent4"/>
+          </a:lnRef>
+          <a:fillRef idx="2">
+            <a:schemeClr val="accent4"/>
+          </a:fillRef>
+          <a:effectRef idx="1">
+            <a:schemeClr val="accent4"/>
+          </a:effectRef>
+          <a:fontRef idx="minor">
+            <a:schemeClr val="dk1"/>
+          </a:fontRef>
+        </p:style>
+        <p:txBody>
+          <a:bodyPr rtlCol="0" anchor="ctr"/>
+          <a:lstStyle/>
+          <a:p>
+            <a:pPr algn="ctr"/>
+            <a:endParaRPr lang="en-US" sz="2400"/>
+          </a:p>
+        </p:txBody>
+      </p:sp>
+      <p:sp>
+        <p:nvSpPr>
+          <p:cNvPr id="108" name="Rectangle 107"/>
+          <p:cNvSpPr/>
+          <p:nvPr/>
+        </p:nvSpPr>
+        <p:spPr>
+          <a:xfrm>
+            <a:off x="5152535" y="1904699"/>
+            <a:ext cx="595087" cy="333828"/>
+          </a:xfrm>
+          <a:prstGeom prst="rect">
+            <a:avLst/>
+          </a:prstGeom>
+          <a:solidFill>
+            <a:schemeClr val="bg2">
+              <a:lumMod val="75000"/>
+            </a:schemeClr>
+          </a:solidFill>
+          <a:ln w="12700">
+            <a:solidFill>
+              <a:schemeClr val="bg1">
+                <a:lumMod val="50000"/>
+              </a:schemeClr>
+            </a:solidFill>
+          </a:ln>
+        </p:spPr>
+        <p:style>
+          <a:lnRef idx="1">
+            <a:schemeClr val="accent4"/>
+          </a:lnRef>
+          <a:fillRef idx="2">
+            <a:schemeClr val="accent4"/>
+          </a:fillRef>
+          <a:effectRef idx="1">
+            <a:schemeClr val="accent4"/>
+          </a:effectRef>
+          <a:fontRef idx="minor">
+            <a:schemeClr val="dk1"/>
+          </a:fontRef>
+        </p:style>
+        <p:txBody>
+          <a:bodyPr rtlCol="0" anchor="ctr"/>
+          <a:lstStyle/>
+          <a:p>
+            <a:pPr algn="ctr"/>
+            <a:endParaRPr lang="en-US" sz="2400"/>
+          </a:p>
+        </p:txBody>
+      </p:sp>
+      <p:sp>
+        <p:nvSpPr>
+          <p:cNvPr id="109" name="Rectangle 108"/>
+          <p:cNvSpPr/>
+          <p:nvPr/>
+        </p:nvSpPr>
+        <p:spPr>
+          <a:xfrm>
+            <a:off x="5152535" y="2238527"/>
+            <a:ext cx="595087" cy="333828"/>
+          </a:xfrm>
+          <a:prstGeom prst="rect">
+            <a:avLst/>
+          </a:prstGeom>
+          <a:solidFill>
+            <a:schemeClr val="bg2">
+              <a:lumMod val="75000"/>
+            </a:schemeClr>
+          </a:solidFill>
+          <a:ln w="12700">
+            <a:solidFill>
+              <a:schemeClr val="bg1">
+                <a:lumMod val="50000"/>
+              </a:schemeClr>
+            </a:solidFill>
+          </a:ln>
+        </p:spPr>
+        <p:style>
+          <a:lnRef idx="1">
+            <a:schemeClr val="accent4"/>
+          </a:lnRef>
+          <a:fillRef idx="2">
+            <a:schemeClr val="accent4"/>
+          </a:fillRef>
+          <a:effectRef idx="1">
+            <a:schemeClr val="accent4"/>
+          </a:effectRef>
+          <a:fontRef idx="minor">
+            <a:schemeClr val="dk1"/>
+          </a:fontRef>
+        </p:style>
+        <p:txBody>
+          <a:bodyPr rtlCol="0" anchor="ctr"/>
+          <a:lstStyle/>
+          <a:p>
+            <a:pPr algn="ctr"/>
+            <a:endParaRPr lang="en-US" sz="2400"/>
+          </a:p>
+        </p:txBody>
+      </p:sp>
+      <p:sp>
+        <p:nvSpPr>
+          <p:cNvPr id="110" name="Rectangle 109"/>
+          <p:cNvSpPr/>
+          <p:nvPr/>
+        </p:nvSpPr>
+        <p:spPr>
+          <a:xfrm>
+            <a:off x="5152535" y="2572355"/>
+            <a:ext cx="595087" cy="333828"/>
+          </a:xfrm>
+          <a:prstGeom prst="rect">
+            <a:avLst/>
+          </a:prstGeom>
+          <a:solidFill>
+            <a:schemeClr val="bg2">
+              <a:lumMod val="75000"/>
+            </a:schemeClr>
+          </a:solidFill>
+          <a:ln w="12700">
+            <a:solidFill>
+              <a:schemeClr val="bg1">
+                <a:lumMod val="50000"/>
+              </a:schemeClr>
+            </a:solidFill>
+          </a:ln>
+        </p:spPr>
+        <p:style>
+          <a:lnRef idx="1">
+            <a:schemeClr val="accent4"/>
+          </a:lnRef>
+          <a:fillRef idx="2">
+            <a:schemeClr val="accent4"/>
+          </a:fillRef>
+          <a:effectRef idx="1">
+            <a:schemeClr val="accent4"/>
+          </a:effectRef>
+          <a:fontRef idx="minor">
+            <a:schemeClr val="dk1"/>
+          </a:fontRef>
+        </p:style>
+        <p:txBody>
+          <a:bodyPr rtlCol="0" anchor="ctr"/>
+          <a:lstStyle/>
+          <a:p>
+            <a:pPr algn="ctr"/>
+            <a:endParaRPr lang="en-US" sz="2400"/>
+          </a:p>
+        </p:txBody>
+      </p:sp>
+      <p:sp>
+        <p:nvSpPr>
+          <p:cNvPr id="111" name="Rectangle 110"/>
+          <p:cNvSpPr/>
+          <p:nvPr/>
+        </p:nvSpPr>
+        <p:spPr>
+          <a:xfrm>
+            <a:off x="5152535" y="2902554"/>
+            <a:ext cx="595087" cy="333828"/>
+          </a:xfrm>
+          <a:prstGeom prst="rect">
+            <a:avLst/>
+          </a:prstGeom>
+          <a:solidFill>
+            <a:schemeClr val="bg2">
+              <a:lumMod val="75000"/>
+            </a:schemeClr>
+          </a:solidFill>
+          <a:ln w="12700">
+            <a:solidFill>
+              <a:schemeClr val="bg1">
+                <a:lumMod val="50000"/>
+              </a:schemeClr>
+            </a:solidFill>
+          </a:ln>
+        </p:spPr>
+        <p:style>
+          <a:lnRef idx="1">
+            <a:schemeClr val="accent4"/>
+          </a:lnRef>
+          <a:fillRef idx="2">
+            <a:schemeClr val="accent4"/>
+          </a:fillRef>
+          <a:effectRef idx="1">
+            <a:schemeClr val="accent4"/>
+          </a:effectRef>
+          <a:fontRef idx="minor">
+            <a:schemeClr val="dk1"/>
+          </a:fontRef>
+        </p:style>
+        <p:txBody>
+          <a:bodyPr rtlCol="0" anchor="ctr"/>
+          <a:lstStyle/>
+          <a:p>
+            <a:pPr algn="ctr"/>
+            <a:endParaRPr lang="en-US" sz="2400"/>
+          </a:p>
+        </p:txBody>
+      </p:sp>
+      <p:sp>
+        <p:nvSpPr>
+          <p:cNvPr id="112" name="Rectangle 111"/>
+          <p:cNvSpPr/>
+          <p:nvPr/>
+        </p:nvSpPr>
+        <p:spPr>
+          <a:xfrm>
+            <a:off x="5152535" y="3225263"/>
+            <a:ext cx="595087" cy="333828"/>
+          </a:xfrm>
+          <a:prstGeom prst="rect">
+            <a:avLst/>
+          </a:prstGeom>
+          <a:solidFill>
+            <a:schemeClr val="accent5">
+              <a:lumMod val="60000"/>
+              <a:lumOff val="40000"/>
+            </a:schemeClr>
+          </a:solidFill>
+          <a:ln w="12700">
+            <a:solidFill>
+              <a:schemeClr val="bg1">
+                <a:lumMod val="50000"/>
+              </a:schemeClr>
+            </a:solidFill>
+          </a:ln>
+        </p:spPr>
+        <p:style>
+          <a:lnRef idx="1">
+            <a:schemeClr val="accent2"/>
+          </a:lnRef>
+          <a:fillRef idx="2">
+            <a:schemeClr val="accent2"/>
+          </a:fillRef>
+          <a:effectRef idx="1">
+            <a:schemeClr val="accent2"/>
+          </a:effectRef>
+          <a:fontRef idx="minor">
+            <a:schemeClr val="dk1"/>
+          </a:fontRef>
+        </p:style>
+        <p:txBody>
+          <a:bodyPr rtlCol="0" anchor="ctr"/>
+          <a:lstStyle/>
+          <a:p>
+            <a:pPr algn="ctr"/>
+            <a:endParaRPr lang="en-US" sz="2400"/>
+          </a:p>
+        </p:txBody>
+      </p:sp>
+      <p:sp>
+        <p:nvSpPr>
+          <p:cNvPr id="113" name="Rectangle 112"/>
+          <p:cNvSpPr/>
+          <p:nvPr/>
+        </p:nvSpPr>
+        <p:spPr>
+          <a:xfrm>
+            <a:off x="5152535" y="3559091"/>
+            <a:ext cx="595087" cy="333828"/>
+          </a:xfrm>
+          <a:prstGeom prst="rect">
+            <a:avLst/>
+          </a:prstGeom>
+          <a:solidFill>
+            <a:schemeClr val="accent5">
+              <a:lumMod val="60000"/>
+              <a:lumOff val="40000"/>
+            </a:schemeClr>
+          </a:solidFill>
+          <a:ln w="12700">
+            <a:solidFill>
+              <a:schemeClr val="bg1">
+                <a:lumMod val="50000"/>
+              </a:schemeClr>
+            </a:solidFill>
+          </a:ln>
+        </p:spPr>
+        <p:style>
+          <a:lnRef idx="1">
+            <a:schemeClr val="accent2"/>
+          </a:lnRef>
+          <a:fillRef idx="2">
+            <a:schemeClr val="accent2"/>
+          </a:fillRef>
+          <a:effectRef idx="1">
+            <a:schemeClr val="accent2"/>
+          </a:effectRef>
+          <a:fontRef idx="minor">
+            <a:schemeClr val="dk1"/>
+          </a:fontRef>
+        </p:style>
+        <p:txBody>
+          <a:bodyPr rtlCol="0" anchor="ctr"/>
+          <a:lstStyle/>
+          <a:p>
+            <a:pPr algn="ctr"/>
+            <a:endParaRPr lang="en-US" sz="2400"/>
+          </a:p>
+        </p:txBody>
+      </p:sp>
+      <p:sp>
+        <p:nvSpPr>
+          <p:cNvPr id="114" name="Rectangle 113"/>
+          <p:cNvSpPr/>
+          <p:nvPr/>
+        </p:nvSpPr>
+        <p:spPr>
+          <a:xfrm>
+            <a:off x="5152535" y="3892919"/>
+            <a:ext cx="595087" cy="333828"/>
+          </a:xfrm>
+          <a:prstGeom prst="rect">
+            <a:avLst/>
+          </a:prstGeom>
+          <a:solidFill>
+            <a:schemeClr val="accent5">
+              <a:lumMod val="60000"/>
+              <a:lumOff val="40000"/>
+            </a:schemeClr>
+          </a:solidFill>
+          <a:ln w="12700">
+            <a:solidFill>
+              <a:schemeClr val="bg1">
+                <a:lumMod val="50000"/>
+              </a:schemeClr>
+            </a:solidFill>
+          </a:ln>
+        </p:spPr>
+        <p:style>
+          <a:lnRef idx="1">
+            <a:schemeClr val="accent2"/>
+          </a:lnRef>
+          <a:fillRef idx="2">
+            <a:schemeClr val="accent2"/>
+          </a:fillRef>
+          <a:effectRef idx="1">
+            <a:schemeClr val="accent2"/>
+          </a:effectRef>
+          <a:fontRef idx="minor">
+            <a:schemeClr val="dk1"/>
+          </a:fontRef>
+        </p:style>
+        <p:txBody>
+          <a:bodyPr rtlCol="0" anchor="ctr"/>
+          <a:lstStyle/>
+          <a:p>
+            <a:pPr algn="ctr"/>
+            <a:endParaRPr lang="en-US" sz="2400"/>
+          </a:p>
+        </p:txBody>
+      </p:sp>
+      <p:sp>
+        <p:nvSpPr>
+          <p:cNvPr id="115" name="Rectangle 114"/>
+          <p:cNvSpPr/>
+          <p:nvPr/>
+        </p:nvSpPr>
+        <p:spPr>
+          <a:xfrm>
+            <a:off x="5152535" y="4226747"/>
+            <a:ext cx="595087" cy="333828"/>
+          </a:xfrm>
+          <a:prstGeom prst="rect">
+            <a:avLst/>
+          </a:prstGeom>
+          <a:solidFill>
+            <a:schemeClr val="accent5">
+              <a:lumMod val="60000"/>
+              <a:lumOff val="40000"/>
+            </a:schemeClr>
+          </a:solidFill>
+          <a:ln w="12700">
+            <a:solidFill>
+              <a:schemeClr val="bg1">
+                <a:lumMod val="50000"/>
+              </a:schemeClr>
+            </a:solidFill>
+          </a:ln>
+        </p:spPr>
+        <p:style>
+          <a:lnRef idx="1">
+            <a:schemeClr val="accent2"/>
+          </a:lnRef>
+          <a:fillRef idx="2">
+            <a:schemeClr val="accent2"/>
+          </a:fillRef>
+          <a:effectRef idx="1">
+            <a:schemeClr val="accent2"/>
+          </a:effectRef>
+          <a:fontRef idx="minor">
+            <a:schemeClr val="dk1"/>
+          </a:fontRef>
+        </p:style>
+        <p:txBody>
+          <a:bodyPr rtlCol="0" anchor="ctr"/>
+          <a:lstStyle/>
+          <a:p>
+            <a:pPr algn="ctr"/>
+            <a:endParaRPr lang="en-US" sz="2400"/>
+          </a:p>
+        </p:txBody>
+      </p:sp>
+      <p:sp>
+        <p:nvSpPr>
+          <p:cNvPr id="116" name="Rectangle 115"/>
+          <p:cNvSpPr/>
+          <p:nvPr/>
+        </p:nvSpPr>
+        <p:spPr>
+          <a:xfrm>
+            <a:off x="5152535" y="4560575"/>
+            <a:ext cx="595087" cy="333828"/>
+          </a:xfrm>
+          <a:prstGeom prst="rect">
+            <a:avLst/>
+          </a:prstGeom>
+          <a:solidFill>
+            <a:schemeClr val="accent5">
+              <a:lumMod val="60000"/>
+              <a:lumOff val="40000"/>
+            </a:schemeClr>
+          </a:solidFill>
+          <a:ln w="12700">
+            <a:solidFill>
+              <a:schemeClr val="bg1">
+                <a:lumMod val="50000"/>
+              </a:schemeClr>
+            </a:solidFill>
+          </a:ln>
+        </p:spPr>
+        <p:style>
+          <a:lnRef idx="1">
+            <a:schemeClr val="accent2"/>
+          </a:lnRef>
+          <a:fillRef idx="2">
+            <a:schemeClr val="accent2"/>
+          </a:fillRef>
+          <a:effectRef idx="1">
+            <a:schemeClr val="accent2"/>
+          </a:effectRef>
+          <a:fontRef idx="minor">
+            <a:schemeClr val="dk1"/>
+          </a:fontRef>
+        </p:style>
+        <p:txBody>
+          <a:bodyPr rtlCol="0" anchor="ctr"/>
+          <a:lstStyle/>
+          <a:p>
+            <a:pPr algn="ctr"/>
+            <a:endParaRPr lang="en-US" sz="2400"/>
+          </a:p>
+        </p:txBody>
+      </p:sp>
+      <p:sp>
+        <p:nvSpPr>
+          <p:cNvPr id="117" name="Rectangle 116"/>
+          <p:cNvSpPr/>
+          <p:nvPr/>
+        </p:nvSpPr>
+        <p:spPr>
+          <a:xfrm>
+            <a:off x="5152535" y="4894403"/>
+            <a:ext cx="595087" cy="333828"/>
+          </a:xfrm>
+          <a:prstGeom prst="rect">
+            <a:avLst/>
+          </a:prstGeom>
+          <a:solidFill>
+            <a:schemeClr val="accent5">
+              <a:lumMod val="60000"/>
+              <a:lumOff val="40000"/>
+            </a:schemeClr>
+          </a:solidFill>
+          <a:ln w="12700">
+            <a:solidFill>
+              <a:schemeClr val="bg1">
+                <a:lumMod val="50000"/>
+              </a:schemeClr>
+            </a:solidFill>
+          </a:ln>
+        </p:spPr>
+        <p:style>
+          <a:lnRef idx="1">
+            <a:schemeClr val="accent5"/>
+          </a:lnRef>
+          <a:fillRef idx="2">
+            <a:schemeClr val="accent5"/>
+          </a:fillRef>
+          <a:effectRef idx="1">
+            <a:schemeClr val="accent5"/>
+          </a:effectRef>
+          <a:fontRef idx="minor">
+            <a:schemeClr val="dk1"/>
+          </a:fontRef>
+        </p:style>
+        <p:txBody>
+          <a:bodyPr rtlCol="0" anchor="ctr"/>
+          <a:lstStyle/>
+          <a:p>
+            <a:pPr algn="ctr"/>
+            <a:endParaRPr lang="en-US" sz="2400"/>
+          </a:p>
+        </p:txBody>
+      </p:sp>
+      <p:sp>
+        <p:nvSpPr>
+          <p:cNvPr id="118" name="Rectangle 117"/>
+          <p:cNvSpPr/>
+          <p:nvPr/>
+        </p:nvSpPr>
+        <p:spPr>
+          <a:xfrm>
+            <a:off x="5747622" y="1237043"/>
+            <a:ext cx="595087" cy="333828"/>
+          </a:xfrm>
+          <a:prstGeom prst="rect">
+            <a:avLst/>
+          </a:prstGeom>
+          <a:solidFill>
+            <a:schemeClr val="bg2">
+              <a:lumMod val="75000"/>
+            </a:schemeClr>
+          </a:solidFill>
+          <a:ln w="12700">
+            <a:solidFill>
+              <a:schemeClr val="bg1">
+                <a:lumMod val="50000"/>
+              </a:schemeClr>
+            </a:solidFill>
+          </a:ln>
+        </p:spPr>
+        <p:style>
+          <a:lnRef idx="1">
+            <a:schemeClr val="accent4"/>
+          </a:lnRef>
+          <a:fillRef idx="2">
+            <a:schemeClr val="accent4"/>
+          </a:fillRef>
+          <a:effectRef idx="1">
+            <a:schemeClr val="accent4"/>
+          </a:effectRef>
+          <a:fontRef idx="minor">
+            <a:schemeClr val="dk1"/>
+          </a:fontRef>
+        </p:style>
+        <p:txBody>
+          <a:bodyPr rtlCol="0" anchor="ctr"/>
+          <a:lstStyle/>
+          <a:p>
+            <a:pPr algn="ctr"/>
+            <a:endParaRPr lang="en-US" sz="2400"/>
+          </a:p>
+        </p:txBody>
+      </p:sp>
+      <p:sp>
+        <p:nvSpPr>
+          <p:cNvPr id="119" name="Rectangle 118"/>
+          <p:cNvSpPr/>
+          <p:nvPr/>
+        </p:nvSpPr>
+        <p:spPr>
+          <a:xfrm>
+            <a:off x="5747622" y="1570871"/>
+            <a:ext cx="595087" cy="333828"/>
+          </a:xfrm>
+          <a:prstGeom prst="rect">
+            <a:avLst/>
+          </a:prstGeom>
+          <a:solidFill>
+            <a:schemeClr val="bg2">
+              <a:lumMod val="75000"/>
+            </a:schemeClr>
+          </a:solidFill>
+          <a:ln w="12700">
+            <a:solidFill>
+              <a:schemeClr val="bg1">
+                <a:lumMod val="50000"/>
+              </a:schemeClr>
+            </a:solidFill>
+          </a:ln>
+        </p:spPr>
+        <p:style>
+          <a:lnRef idx="1">
+            <a:schemeClr val="accent4"/>
+          </a:lnRef>
+          <a:fillRef idx="2">
+            <a:schemeClr val="accent4"/>
+          </a:fillRef>
+          <a:effectRef idx="1">
+            <a:schemeClr val="accent4"/>
+          </a:effectRef>
+          <a:fontRef idx="minor">
+            <a:schemeClr val="dk1"/>
+          </a:fontRef>
+        </p:style>
+        <p:txBody>
+          <a:bodyPr rtlCol="0" anchor="ctr"/>
+          <a:lstStyle/>
+          <a:p>
+            <a:pPr algn="ctr"/>
+            <a:endParaRPr lang="en-US" sz="2400"/>
+          </a:p>
+        </p:txBody>
+      </p:sp>
+      <p:sp>
+        <p:nvSpPr>
+          <p:cNvPr id="120" name="Rectangle 119"/>
+          <p:cNvSpPr/>
+          <p:nvPr/>
+        </p:nvSpPr>
+        <p:spPr>
+          <a:xfrm>
+            <a:off x="5747622" y="1904699"/>
+            <a:ext cx="595087" cy="333828"/>
+          </a:xfrm>
+          <a:prstGeom prst="rect">
+            <a:avLst/>
+          </a:prstGeom>
+          <a:solidFill>
+            <a:schemeClr val="bg2">
+              <a:lumMod val="75000"/>
+            </a:schemeClr>
+          </a:solidFill>
+          <a:ln w="12700">
+            <a:solidFill>
+              <a:schemeClr val="bg1">
+                <a:lumMod val="50000"/>
+              </a:schemeClr>
+            </a:solidFill>
+          </a:ln>
+        </p:spPr>
+        <p:style>
+          <a:lnRef idx="1">
+            <a:schemeClr val="accent4"/>
+          </a:lnRef>
+          <a:fillRef idx="2">
+            <a:schemeClr val="accent4"/>
+          </a:fillRef>
+          <a:effectRef idx="1">
+            <a:schemeClr val="accent4"/>
+          </a:effectRef>
+          <a:fontRef idx="minor">
+            <a:schemeClr val="dk1"/>
+          </a:fontRef>
+        </p:style>
+        <p:txBody>
+          <a:bodyPr rtlCol="0" anchor="ctr"/>
+          <a:lstStyle/>
+          <a:p>
+            <a:pPr algn="ctr"/>
+            <a:endParaRPr lang="en-US" sz="2400"/>
+          </a:p>
+        </p:txBody>
+      </p:sp>
+      <p:sp>
+        <p:nvSpPr>
+          <p:cNvPr id="121" name="Rectangle 120"/>
+          <p:cNvSpPr/>
+          <p:nvPr/>
+        </p:nvSpPr>
+        <p:spPr>
+          <a:xfrm>
+            <a:off x="5747622" y="2238527"/>
+            <a:ext cx="595087" cy="333828"/>
+          </a:xfrm>
+          <a:prstGeom prst="rect">
+            <a:avLst/>
+          </a:prstGeom>
+          <a:solidFill>
+            <a:schemeClr val="bg2">
+              <a:lumMod val="75000"/>
+            </a:schemeClr>
+          </a:solidFill>
+          <a:ln w="12700">
+            <a:solidFill>
+              <a:schemeClr val="bg1">
+                <a:lumMod val="50000"/>
+              </a:schemeClr>
+            </a:solidFill>
+          </a:ln>
+        </p:spPr>
+        <p:style>
+          <a:lnRef idx="1">
+            <a:schemeClr val="accent4"/>
+          </a:lnRef>
+          <a:fillRef idx="2">
+            <a:schemeClr val="accent4"/>
+          </a:fillRef>
+          <a:effectRef idx="1">
+            <a:schemeClr val="accent4"/>
+          </a:effectRef>
+          <a:fontRef idx="minor">
+            <a:schemeClr val="dk1"/>
+          </a:fontRef>
+        </p:style>
+        <p:txBody>
+          <a:bodyPr rtlCol="0" anchor="ctr"/>
+          <a:lstStyle/>
+          <a:p>
+            <a:pPr algn="ctr"/>
+            <a:endParaRPr lang="en-US" sz="2400"/>
+          </a:p>
+        </p:txBody>
+      </p:sp>
+      <p:sp>
+        <p:nvSpPr>
+          <p:cNvPr id="122" name="Rectangle 121"/>
+          <p:cNvSpPr/>
+          <p:nvPr/>
+        </p:nvSpPr>
+        <p:spPr>
+          <a:xfrm>
+            <a:off x="5747622" y="2572355"/>
+            <a:ext cx="595087" cy="333828"/>
+          </a:xfrm>
+          <a:prstGeom prst="rect">
+            <a:avLst/>
+          </a:prstGeom>
+          <a:solidFill>
+            <a:schemeClr val="bg2">
+              <a:lumMod val="75000"/>
+            </a:schemeClr>
+          </a:solidFill>
+          <a:ln w="12700">
+            <a:solidFill>
+              <a:schemeClr val="bg1">
+                <a:lumMod val="50000"/>
+              </a:schemeClr>
+            </a:solidFill>
+          </a:ln>
+        </p:spPr>
+        <p:style>
+          <a:lnRef idx="1">
+            <a:schemeClr val="accent4"/>
+          </a:lnRef>
+          <a:fillRef idx="2">
+            <a:schemeClr val="accent4"/>
+          </a:fillRef>
+          <a:effectRef idx="1">
+            <a:schemeClr val="accent4"/>
+          </a:effectRef>
+          <a:fontRef idx="minor">
+            <a:schemeClr val="dk1"/>
+          </a:fontRef>
+        </p:style>
+        <p:txBody>
+          <a:bodyPr rtlCol="0" anchor="ctr"/>
+          <a:lstStyle/>
+          <a:p>
+            <a:pPr algn="ctr"/>
+            <a:endParaRPr lang="en-US" sz="2400"/>
+          </a:p>
+        </p:txBody>
+      </p:sp>
+      <p:sp>
+        <p:nvSpPr>
+          <p:cNvPr id="123" name="Rectangle 122"/>
+          <p:cNvSpPr/>
+          <p:nvPr/>
+        </p:nvSpPr>
+        <p:spPr>
+          <a:xfrm>
+            <a:off x="5747622" y="2902554"/>
+            <a:ext cx="595087" cy="333828"/>
+          </a:xfrm>
+          <a:prstGeom prst="rect">
+            <a:avLst/>
+          </a:prstGeom>
+          <a:solidFill>
+            <a:schemeClr val="bg2">
+              <a:lumMod val="75000"/>
+            </a:schemeClr>
+          </a:solidFill>
+          <a:ln w="12700">
+            <a:solidFill>
+              <a:schemeClr val="bg1">
+                <a:lumMod val="50000"/>
+              </a:schemeClr>
+            </a:solidFill>
+          </a:ln>
+        </p:spPr>
+        <p:style>
+          <a:lnRef idx="1">
+            <a:schemeClr val="accent4"/>
+          </a:lnRef>
+          <a:fillRef idx="2">
+            <a:schemeClr val="accent4"/>
+          </a:fillRef>
+          <a:effectRef idx="1">
+            <a:schemeClr val="accent4"/>
+          </a:effectRef>
+          <a:fontRef idx="minor">
+            <a:schemeClr val="dk1"/>
+          </a:fontRef>
+        </p:style>
+        <p:txBody>
+          <a:bodyPr rtlCol="0" anchor="ctr"/>
+          <a:lstStyle/>
+          <a:p>
+            <a:pPr algn="ctr"/>
+            <a:endParaRPr lang="en-US" sz="2400"/>
+          </a:p>
+        </p:txBody>
+      </p:sp>
+      <p:sp>
+        <p:nvSpPr>
+          <p:cNvPr id="124" name="Rectangle 123"/>
+          <p:cNvSpPr/>
+          <p:nvPr/>
+        </p:nvSpPr>
+        <p:spPr>
+          <a:xfrm>
+            <a:off x="5747622" y="3225263"/>
+            <a:ext cx="595087" cy="333828"/>
+          </a:xfrm>
+          <a:prstGeom prst="rect">
+            <a:avLst/>
+          </a:prstGeom>
+          <a:solidFill>
+            <a:schemeClr val="accent5">
+              <a:lumMod val="60000"/>
+              <a:lumOff val="40000"/>
+            </a:schemeClr>
+          </a:solidFill>
+          <a:ln w="12700">
+            <a:solidFill>
+              <a:schemeClr val="bg1">
+                <a:lumMod val="50000"/>
+              </a:schemeClr>
+            </a:solidFill>
+          </a:ln>
+        </p:spPr>
+        <p:style>
+          <a:lnRef idx="1">
+            <a:schemeClr val="accent2"/>
+          </a:lnRef>
+          <a:fillRef idx="2">
+            <a:schemeClr val="accent2"/>
+          </a:fillRef>
+          <a:effectRef idx="1">
+            <a:schemeClr val="accent2"/>
+          </a:effectRef>
+          <a:fontRef idx="minor">
+            <a:schemeClr val="dk1"/>
+          </a:fontRef>
+        </p:style>
+        <p:txBody>
+          <a:bodyPr rtlCol="0" anchor="ctr"/>
+          <a:lstStyle/>
+          <a:p>
+            <a:pPr algn="ctr"/>
+            <a:endParaRPr lang="en-US" sz="2400"/>
+          </a:p>
+        </p:txBody>
+      </p:sp>
+      <p:sp>
+        <p:nvSpPr>
+          <p:cNvPr id="125" name="Rectangle 124"/>
+          <p:cNvSpPr/>
+          <p:nvPr/>
+        </p:nvSpPr>
+        <p:spPr>
+          <a:xfrm>
+            <a:off x="5747622" y="3559091"/>
+            <a:ext cx="595087" cy="333828"/>
+          </a:xfrm>
+          <a:prstGeom prst="rect">
+            <a:avLst/>
+          </a:prstGeom>
+          <a:solidFill>
+            <a:schemeClr val="accent5">
+              <a:lumMod val="60000"/>
+              <a:lumOff val="40000"/>
+            </a:schemeClr>
+          </a:solidFill>
+          <a:ln w="12700">
+            <a:solidFill>
+              <a:schemeClr val="bg1">
+                <a:lumMod val="50000"/>
+              </a:schemeClr>
+            </a:solidFill>
+          </a:ln>
+        </p:spPr>
+        <p:style>
+          <a:lnRef idx="1">
+            <a:schemeClr val="accent2"/>
+          </a:lnRef>
+          <a:fillRef idx="2">
+            <a:schemeClr val="accent2"/>
+          </a:fillRef>
+          <a:effectRef idx="1">
+            <a:schemeClr val="accent2"/>
+          </a:effectRef>
+          <a:fontRef idx="minor">
+            <a:schemeClr val="dk1"/>
+          </a:fontRef>
+        </p:style>
+        <p:txBody>
+          <a:bodyPr rtlCol="0" anchor="ctr"/>
+          <a:lstStyle/>
+          <a:p>
+            <a:pPr algn="ctr"/>
+            <a:endParaRPr lang="en-US" sz="2400"/>
+          </a:p>
+        </p:txBody>
+      </p:sp>
+      <p:sp>
+        <p:nvSpPr>
+          <p:cNvPr id="126" name="Rectangle 125"/>
+          <p:cNvSpPr/>
+          <p:nvPr/>
+        </p:nvSpPr>
+        <p:spPr>
+          <a:xfrm>
+            <a:off x="5747622" y="3892919"/>
+            <a:ext cx="595087" cy="333828"/>
+          </a:xfrm>
+          <a:prstGeom prst="rect">
+            <a:avLst/>
+          </a:prstGeom>
+          <a:solidFill>
+            <a:schemeClr val="accent5">
+              <a:lumMod val="60000"/>
+              <a:lumOff val="40000"/>
+            </a:schemeClr>
+          </a:solidFill>
+          <a:ln w="12700">
+            <a:solidFill>
+              <a:schemeClr val="bg1">
+                <a:lumMod val="50000"/>
+              </a:schemeClr>
+            </a:solidFill>
+          </a:ln>
+        </p:spPr>
+        <p:style>
+          <a:lnRef idx="1">
+            <a:schemeClr val="accent2"/>
+          </a:lnRef>
+          <a:fillRef idx="2">
+            <a:schemeClr val="accent2"/>
+          </a:fillRef>
+          <a:effectRef idx="1">
+            <a:schemeClr val="accent2"/>
+          </a:effectRef>
+          <a:fontRef idx="minor">
+            <a:schemeClr val="dk1"/>
+          </a:fontRef>
+        </p:style>
+        <p:txBody>
+          <a:bodyPr rtlCol="0" anchor="ctr"/>
+          <a:lstStyle/>
+          <a:p>
+            <a:pPr algn="ctr"/>
+            <a:endParaRPr lang="en-US" sz="2400"/>
+          </a:p>
+        </p:txBody>
+      </p:sp>
+      <p:sp>
+        <p:nvSpPr>
+          <p:cNvPr id="127" name="Rectangle 126"/>
+          <p:cNvSpPr/>
+          <p:nvPr/>
+        </p:nvSpPr>
+        <p:spPr>
+          <a:xfrm>
+            <a:off x="5747622" y="4226747"/>
+            <a:ext cx="595087" cy="333828"/>
+          </a:xfrm>
+          <a:prstGeom prst="rect">
+            <a:avLst/>
+          </a:prstGeom>
+          <a:solidFill>
+            <a:schemeClr val="accent5">
+              <a:lumMod val="60000"/>
+              <a:lumOff val="40000"/>
+            </a:schemeClr>
+          </a:solidFill>
+          <a:ln w="12700">
+            <a:solidFill>
+              <a:schemeClr val="bg1">
+                <a:lumMod val="50000"/>
+              </a:schemeClr>
+            </a:solidFill>
+          </a:ln>
+        </p:spPr>
+        <p:style>
+          <a:lnRef idx="1">
+            <a:schemeClr val="accent2"/>
+          </a:lnRef>
+          <a:fillRef idx="2">
+            <a:schemeClr val="accent2"/>
+          </a:fillRef>
+          <a:effectRef idx="1">
+            <a:schemeClr val="accent2"/>
+          </a:effectRef>
+          <a:fontRef idx="minor">
+            <a:schemeClr val="dk1"/>
+          </a:fontRef>
+        </p:style>
+        <p:txBody>
+          <a:bodyPr rtlCol="0" anchor="ctr"/>
+          <a:lstStyle/>
+          <a:p>
+            <a:pPr algn="ctr"/>
+            <a:endParaRPr lang="en-US" sz="2400"/>
+          </a:p>
+        </p:txBody>
+      </p:sp>
+      <p:sp>
+        <p:nvSpPr>
+          <p:cNvPr id="128" name="Rectangle 127"/>
+          <p:cNvSpPr/>
+          <p:nvPr/>
+        </p:nvSpPr>
+        <p:spPr>
+          <a:xfrm>
+            <a:off x="5747622" y="4560575"/>
+            <a:ext cx="595087" cy="333828"/>
+          </a:xfrm>
+          <a:prstGeom prst="rect">
+            <a:avLst/>
+          </a:prstGeom>
+          <a:solidFill>
+            <a:schemeClr val="accent5">
+              <a:lumMod val="60000"/>
+              <a:lumOff val="40000"/>
+            </a:schemeClr>
+          </a:solidFill>
+          <a:ln w="12700">
+            <a:solidFill>
+              <a:schemeClr val="bg1">
+                <a:lumMod val="50000"/>
+              </a:schemeClr>
+            </a:solidFill>
+          </a:ln>
+        </p:spPr>
+        <p:style>
+          <a:lnRef idx="1">
+            <a:schemeClr val="accent2"/>
+          </a:lnRef>
+          <a:fillRef idx="2">
+            <a:schemeClr val="accent2"/>
+          </a:fillRef>
+          <a:effectRef idx="1">
+            <a:schemeClr val="accent2"/>
+          </a:effectRef>
+          <a:fontRef idx="minor">
+            <a:schemeClr val="dk1"/>
+          </a:fontRef>
+        </p:style>
+        <p:txBody>
+          <a:bodyPr rtlCol="0" anchor="ctr"/>
+          <a:lstStyle/>
+          <a:p>
+            <a:pPr algn="ctr"/>
+            <a:endParaRPr lang="en-US" sz="2400"/>
+          </a:p>
+        </p:txBody>
+      </p:sp>
+      <p:sp>
+        <p:nvSpPr>
+          <p:cNvPr id="129" name="Rectangle 128"/>
+          <p:cNvSpPr/>
+          <p:nvPr/>
+        </p:nvSpPr>
+        <p:spPr>
+          <a:xfrm>
+            <a:off x="5747622" y="4894403"/>
+            <a:ext cx="595087" cy="333828"/>
+          </a:xfrm>
+          <a:prstGeom prst="rect">
+            <a:avLst/>
+          </a:prstGeom>
+          <a:solidFill>
+            <a:schemeClr val="accent5">
+              <a:lumMod val="60000"/>
+              <a:lumOff val="40000"/>
+            </a:schemeClr>
+          </a:solidFill>
+          <a:ln w="12700">
+            <a:solidFill>
+              <a:schemeClr val="bg1">
+                <a:lumMod val="50000"/>
+              </a:schemeClr>
+            </a:solidFill>
+          </a:ln>
+        </p:spPr>
+        <p:style>
+          <a:lnRef idx="1">
+            <a:schemeClr val="accent5"/>
+          </a:lnRef>
+          <a:fillRef idx="2">
+            <a:schemeClr val="accent5"/>
+          </a:fillRef>
+          <a:effectRef idx="1">
+            <a:schemeClr val="accent5"/>
+          </a:effectRef>
+          <a:fontRef idx="minor">
+            <a:schemeClr val="dk1"/>
+          </a:fontRef>
+        </p:style>
+        <p:txBody>
+          <a:bodyPr rtlCol="0" anchor="ctr"/>
+          <a:lstStyle/>
+          <a:p>
+            <a:pPr algn="ctr"/>
+            <a:endParaRPr lang="en-US" sz="2400"/>
+          </a:p>
+        </p:txBody>
+      </p:sp>
+      <p:sp>
+        <p:nvSpPr>
+          <p:cNvPr id="130" name="Rectangle 129"/>
+          <p:cNvSpPr/>
+          <p:nvPr/>
+        </p:nvSpPr>
+        <p:spPr>
+          <a:xfrm>
+            <a:off x="6342709" y="1237043"/>
+            <a:ext cx="595087" cy="333828"/>
+          </a:xfrm>
+          <a:prstGeom prst="rect">
+            <a:avLst/>
+          </a:prstGeom>
+          <a:solidFill>
+            <a:schemeClr val="bg2">
+              <a:lumMod val="75000"/>
+            </a:schemeClr>
+          </a:solidFill>
+          <a:ln w="12700">
+            <a:solidFill>
+              <a:schemeClr val="bg1">
+                <a:lumMod val="50000"/>
+              </a:schemeClr>
+            </a:solidFill>
+          </a:ln>
+        </p:spPr>
+        <p:style>
+          <a:lnRef idx="1">
+            <a:schemeClr val="accent4"/>
+          </a:lnRef>
+          <a:fillRef idx="2">
+            <a:schemeClr val="accent4"/>
+          </a:fillRef>
+          <a:effectRef idx="1">
+            <a:schemeClr val="accent4"/>
+          </a:effectRef>
+          <a:fontRef idx="minor">
+            <a:schemeClr val="dk1"/>
+          </a:fontRef>
+        </p:style>
+        <p:txBody>
+          <a:bodyPr rtlCol="0" anchor="ctr"/>
+          <a:lstStyle/>
+          <a:p>
+            <a:pPr algn="ctr"/>
+            <a:endParaRPr lang="en-US" sz="2400"/>
+          </a:p>
+        </p:txBody>
+      </p:sp>
+      <p:sp>
+        <p:nvSpPr>
+          <p:cNvPr id="131" name="Rectangle 130"/>
+          <p:cNvSpPr/>
+          <p:nvPr/>
+        </p:nvSpPr>
+        <p:spPr>
+          <a:xfrm>
+            <a:off x="6342709" y="1570871"/>
+            <a:ext cx="595087" cy="333828"/>
+          </a:xfrm>
+          <a:prstGeom prst="rect">
+            <a:avLst/>
+          </a:prstGeom>
+          <a:solidFill>
+            <a:schemeClr val="bg2">
+              <a:lumMod val="75000"/>
+            </a:schemeClr>
+          </a:solidFill>
+          <a:ln w="12700">
+            <a:solidFill>
+              <a:schemeClr val="bg1">
+                <a:lumMod val="50000"/>
+              </a:schemeClr>
+            </a:solidFill>
+          </a:ln>
+        </p:spPr>
+        <p:style>
+          <a:lnRef idx="1">
+            <a:schemeClr val="accent4"/>
+          </a:lnRef>
+          <a:fillRef idx="2">
+            <a:schemeClr val="accent4"/>
+          </a:fillRef>
+          <a:effectRef idx="1">
+            <a:schemeClr val="accent4"/>
+          </a:effectRef>
+          <a:fontRef idx="minor">
+            <a:schemeClr val="dk1"/>
+          </a:fontRef>
+        </p:style>
+        <p:txBody>
+          <a:bodyPr rtlCol="0" anchor="ctr"/>
+          <a:lstStyle/>
+          <a:p>
+            <a:pPr algn="ctr"/>
+            <a:endParaRPr lang="en-US" sz="2400"/>
+          </a:p>
+        </p:txBody>
+      </p:sp>
+      <p:sp>
+        <p:nvSpPr>
+          <p:cNvPr id="132" name="Rectangle 131"/>
+          <p:cNvSpPr/>
+          <p:nvPr/>
+        </p:nvSpPr>
+        <p:spPr>
+          <a:xfrm>
+            <a:off x="6342709" y="1904699"/>
+            <a:ext cx="595087" cy="333828"/>
+          </a:xfrm>
+          <a:prstGeom prst="rect">
+            <a:avLst/>
+          </a:prstGeom>
+          <a:solidFill>
+            <a:schemeClr val="bg2">
+              <a:lumMod val="75000"/>
+            </a:schemeClr>
+          </a:solidFill>
+          <a:ln w="12700">
+            <a:solidFill>
+              <a:schemeClr val="bg1">
+                <a:lumMod val="50000"/>
+              </a:schemeClr>
+            </a:solidFill>
+          </a:ln>
+        </p:spPr>
+        <p:style>
+          <a:lnRef idx="1">
+            <a:schemeClr val="accent4"/>
+          </a:lnRef>
+          <a:fillRef idx="2">
+            <a:schemeClr val="accent4"/>
+          </a:fillRef>
+          <a:effectRef idx="1">
+            <a:schemeClr val="accent4"/>
+          </a:effectRef>
+          <a:fontRef idx="minor">
+            <a:schemeClr val="dk1"/>
+          </a:fontRef>
+        </p:style>
+        <p:txBody>
+          <a:bodyPr rtlCol="0" anchor="ctr"/>
+          <a:lstStyle/>
+          <a:p>
+            <a:pPr algn="ctr"/>
+            <a:endParaRPr lang="en-US" sz="2400"/>
+          </a:p>
+        </p:txBody>
+      </p:sp>
+      <p:sp>
+        <p:nvSpPr>
+          <p:cNvPr id="133" name="Rectangle 132"/>
+          <p:cNvSpPr/>
+          <p:nvPr/>
+        </p:nvSpPr>
+        <p:spPr>
+          <a:xfrm>
+            <a:off x="6342709" y="2238527"/>
+            <a:ext cx="595087" cy="333828"/>
+          </a:xfrm>
+          <a:prstGeom prst="rect">
+            <a:avLst/>
+          </a:prstGeom>
+          <a:solidFill>
+            <a:schemeClr val="bg2">
+              <a:lumMod val="75000"/>
+            </a:schemeClr>
+          </a:solidFill>
+          <a:ln w="12700">
+            <a:solidFill>
+              <a:schemeClr val="bg1">
+                <a:lumMod val="50000"/>
+              </a:schemeClr>
+            </a:solidFill>
+          </a:ln>
+        </p:spPr>
+        <p:style>
+          <a:lnRef idx="1">
+            <a:schemeClr val="accent4"/>
+          </a:lnRef>
+          <a:fillRef idx="2">
+            <a:schemeClr val="accent4"/>
+          </a:fillRef>
+          <a:effectRef idx="1">
+            <a:schemeClr val="accent4"/>
+          </a:effectRef>
+          <a:fontRef idx="minor">
+            <a:schemeClr val="dk1"/>
+          </a:fontRef>
+        </p:style>
+        <p:txBody>
+          <a:bodyPr rtlCol="0" anchor="ctr"/>
+          <a:lstStyle/>
+          <a:p>
+            <a:pPr algn="ctr"/>
+            <a:endParaRPr lang="en-US" sz="2400"/>
+          </a:p>
+        </p:txBody>
+      </p:sp>
+      <p:sp>
+        <p:nvSpPr>
+          <p:cNvPr id="134" name="Rectangle 133"/>
+          <p:cNvSpPr/>
+          <p:nvPr/>
+        </p:nvSpPr>
+        <p:spPr>
+          <a:xfrm>
+            <a:off x="6342709" y="2572355"/>
+            <a:ext cx="595087" cy="333828"/>
+          </a:xfrm>
+          <a:prstGeom prst="rect">
+            <a:avLst/>
+          </a:prstGeom>
+          <a:solidFill>
+            <a:schemeClr val="bg2">
+              <a:lumMod val="75000"/>
+            </a:schemeClr>
+          </a:solidFill>
+          <a:ln w="12700">
+            <a:solidFill>
+              <a:schemeClr val="bg1">
+                <a:lumMod val="50000"/>
+              </a:schemeClr>
+            </a:solidFill>
+          </a:ln>
+        </p:spPr>
+        <p:style>
+          <a:lnRef idx="1">
+            <a:schemeClr val="accent4"/>
+          </a:lnRef>
+          <a:fillRef idx="2">
+            <a:schemeClr val="accent4"/>
+          </a:fillRef>
+          <a:effectRef idx="1">
+            <a:schemeClr val="accent4"/>
+          </a:effectRef>
+          <a:fontRef idx="minor">
+            <a:schemeClr val="dk1"/>
+          </a:fontRef>
+        </p:style>
+        <p:txBody>
+          <a:bodyPr rtlCol="0" anchor="ctr"/>
+          <a:lstStyle/>
+          <a:p>
+            <a:pPr algn="ctr"/>
+            <a:endParaRPr lang="en-US" sz="2400"/>
+          </a:p>
+        </p:txBody>
+      </p:sp>
+      <p:sp>
+        <p:nvSpPr>
+          <p:cNvPr id="135" name="Rectangle 134"/>
+          <p:cNvSpPr/>
+          <p:nvPr/>
+        </p:nvSpPr>
+        <p:spPr>
+          <a:xfrm>
+            <a:off x="6342709" y="2902554"/>
+            <a:ext cx="595087" cy="333828"/>
+          </a:xfrm>
+          <a:prstGeom prst="rect">
+            <a:avLst/>
+          </a:prstGeom>
+          <a:solidFill>
+            <a:schemeClr val="bg2">
+              <a:lumMod val="75000"/>
+            </a:schemeClr>
+          </a:solidFill>
+          <a:ln w="12700">
+            <a:solidFill>
+              <a:schemeClr val="bg1">
+                <a:lumMod val="50000"/>
+              </a:schemeClr>
+            </a:solidFill>
+          </a:ln>
+        </p:spPr>
+        <p:style>
+          <a:lnRef idx="1">
+            <a:schemeClr val="accent4"/>
+          </a:lnRef>
+          <a:fillRef idx="2">
+            <a:schemeClr val="accent4"/>
+          </a:fillRef>
+          <a:effectRef idx="1">
+            <a:schemeClr val="accent4"/>
+          </a:effectRef>
+          <a:fontRef idx="minor">
+            <a:schemeClr val="dk1"/>
+          </a:fontRef>
+        </p:style>
+        <p:txBody>
+          <a:bodyPr rtlCol="0" anchor="ctr"/>
+          <a:lstStyle/>
+          <a:p>
+            <a:pPr algn="ctr"/>
+            <a:endParaRPr lang="en-US" sz="2400"/>
+          </a:p>
+        </p:txBody>
+      </p:sp>
+      <p:sp>
+        <p:nvSpPr>
+          <p:cNvPr id="136" name="Rectangle 135"/>
+          <p:cNvSpPr/>
+          <p:nvPr/>
+        </p:nvSpPr>
+        <p:spPr>
+          <a:xfrm>
+            <a:off x="6342709" y="3225263"/>
+            <a:ext cx="595087" cy="333828"/>
+          </a:xfrm>
+          <a:prstGeom prst="rect">
+            <a:avLst/>
+          </a:prstGeom>
+          <a:solidFill>
+            <a:schemeClr val="accent5">
+              <a:lumMod val="60000"/>
+              <a:lumOff val="40000"/>
+            </a:schemeClr>
+          </a:solidFill>
+          <a:ln w="12700">
+            <a:solidFill>
+              <a:schemeClr val="bg1">
+                <a:lumMod val="50000"/>
+              </a:schemeClr>
+            </a:solidFill>
+          </a:ln>
+        </p:spPr>
+        <p:style>
+          <a:lnRef idx="1">
+            <a:schemeClr val="accent2"/>
+          </a:lnRef>
+          <a:fillRef idx="2">
+            <a:schemeClr val="accent2"/>
+          </a:fillRef>
+          <a:effectRef idx="1">
+            <a:schemeClr val="accent2"/>
+          </a:effectRef>
+          <a:fontRef idx="minor">
+            <a:schemeClr val="dk1"/>
+          </a:fontRef>
+        </p:style>
+        <p:txBody>
+          <a:bodyPr rtlCol="0" anchor="ctr"/>
+          <a:lstStyle/>
+          <a:p>
+            <a:pPr algn="ctr"/>
+            <a:endParaRPr lang="en-US" sz="2400"/>
+          </a:p>
+        </p:txBody>
+      </p:sp>
+      <p:sp>
+        <p:nvSpPr>
+          <p:cNvPr id="137" name="Rectangle 136"/>
+          <p:cNvSpPr/>
+          <p:nvPr/>
+        </p:nvSpPr>
+        <p:spPr>
+          <a:xfrm>
+            <a:off x="6342709" y="3559091"/>
+            <a:ext cx="595087" cy="333828"/>
+          </a:xfrm>
+          <a:prstGeom prst="rect">
+            <a:avLst/>
+          </a:prstGeom>
+          <a:solidFill>
+            <a:schemeClr val="accent5">
+              <a:lumMod val="60000"/>
+              <a:lumOff val="40000"/>
+            </a:schemeClr>
+          </a:solidFill>
+          <a:ln w="12700">
+            <a:solidFill>
+              <a:schemeClr val="bg1">
+                <a:lumMod val="50000"/>
+              </a:schemeClr>
+            </a:solidFill>
+          </a:ln>
+        </p:spPr>
+        <p:style>
+          <a:lnRef idx="1">
+            <a:schemeClr val="accent2"/>
+          </a:lnRef>
+          <a:fillRef idx="2">
+            <a:schemeClr val="accent2"/>
+          </a:fillRef>
+          <a:effectRef idx="1">
+            <a:schemeClr val="accent2"/>
+          </a:effectRef>
+          <a:fontRef idx="minor">
+            <a:schemeClr val="dk1"/>
+          </a:fontRef>
+        </p:style>
+        <p:txBody>
+          <a:bodyPr rtlCol="0" anchor="ctr"/>
+          <a:lstStyle/>
+          <a:p>
+            <a:pPr algn="ctr"/>
+            <a:endParaRPr lang="en-US" sz="2400"/>
+          </a:p>
+        </p:txBody>
+      </p:sp>
+      <p:sp>
+        <p:nvSpPr>
+          <p:cNvPr id="138" name="Rectangle 137"/>
+          <p:cNvSpPr/>
+          <p:nvPr/>
+        </p:nvSpPr>
+        <p:spPr>
+          <a:xfrm>
+            <a:off x="6342709" y="3892919"/>
+            <a:ext cx="595087" cy="333828"/>
+          </a:xfrm>
+          <a:prstGeom prst="rect">
+            <a:avLst/>
+          </a:prstGeom>
+          <a:solidFill>
+            <a:schemeClr val="accent5">
+              <a:lumMod val="60000"/>
+              <a:lumOff val="40000"/>
+            </a:schemeClr>
+          </a:solidFill>
+          <a:ln w="12700">
+            <a:solidFill>
+              <a:schemeClr val="bg1">
+                <a:lumMod val="50000"/>
+              </a:schemeClr>
+            </a:solidFill>
+          </a:ln>
+        </p:spPr>
+        <p:style>
+          <a:lnRef idx="1">
+            <a:schemeClr val="accent2"/>
+          </a:lnRef>
+          <a:fillRef idx="2">
+            <a:schemeClr val="accent2"/>
+          </a:fillRef>
+          <a:effectRef idx="1">
+            <a:schemeClr val="accent2"/>
+          </a:effectRef>
+          <a:fontRef idx="minor">
+            <a:schemeClr val="dk1"/>
+          </a:fontRef>
+        </p:style>
+        <p:txBody>
+          <a:bodyPr rtlCol="0" anchor="ctr"/>
+          <a:lstStyle/>
+          <a:p>
+            <a:pPr algn="ctr"/>
+            <a:endParaRPr lang="en-US" sz="2400"/>
+          </a:p>
+        </p:txBody>
+      </p:sp>
+      <p:sp>
+        <p:nvSpPr>
+          <p:cNvPr id="139" name="Rectangle 138"/>
+          <p:cNvSpPr/>
+          <p:nvPr/>
+        </p:nvSpPr>
+        <p:spPr>
+          <a:xfrm>
+            <a:off x="6342709" y="4226747"/>
+            <a:ext cx="595087" cy="333828"/>
+          </a:xfrm>
+          <a:prstGeom prst="rect">
+            <a:avLst/>
+          </a:prstGeom>
+          <a:solidFill>
+            <a:schemeClr val="accent5">
+              <a:lumMod val="60000"/>
+              <a:lumOff val="40000"/>
+            </a:schemeClr>
+          </a:solidFill>
+          <a:ln w="12700">
+            <a:solidFill>
+              <a:schemeClr val="bg1">
+                <a:lumMod val="50000"/>
+              </a:schemeClr>
+            </a:solidFill>
+          </a:ln>
+        </p:spPr>
+        <p:style>
+          <a:lnRef idx="1">
+            <a:schemeClr val="accent2"/>
+          </a:lnRef>
+          <a:fillRef idx="2">
+            <a:schemeClr val="accent2"/>
+          </a:fillRef>
+          <a:effectRef idx="1">
+            <a:schemeClr val="accent2"/>
+          </a:effectRef>
+          <a:fontRef idx="minor">
+            <a:schemeClr val="dk1"/>
+          </a:fontRef>
+        </p:style>
+        <p:txBody>
+          <a:bodyPr rtlCol="0" anchor="ctr"/>
+          <a:lstStyle/>
+          <a:p>
+            <a:pPr algn="ctr"/>
+            <a:endParaRPr lang="en-US" sz="2400"/>
+          </a:p>
+        </p:txBody>
+      </p:sp>
+      <p:sp>
+        <p:nvSpPr>
+          <p:cNvPr id="140" name="Rectangle 139"/>
+          <p:cNvSpPr/>
+          <p:nvPr/>
+        </p:nvSpPr>
+        <p:spPr>
+          <a:xfrm>
+            <a:off x="6342709" y="4560575"/>
+            <a:ext cx="595087" cy="333828"/>
+          </a:xfrm>
+          <a:prstGeom prst="rect">
+            <a:avLst/>
+          </a:prstGeom>
+          <a:solidFill>
+            <a:schemeClr val="accent5">
+              <a:lumMod val="60000"/>
+              <a:lumOff val="40000"/>
+            </a:schemeClr>
+          </a:solidFill>
+          <a:ln w="12700">
+            <a:solidFill>
+              <a:schemeClr val="bg1">
+                <a:lumMod val="50000"/>
+              </a:schemeClr>
+            </a:solidFill>
+          </a:ln>
+        </p:spPr>
+        <p:style>
+          <a:lnRef idx="1">
+            <a:schemeClr val="accent2"/>
+          </a:lnRef>
+          <a:fillRef idx="2">
+            <a:schemeClr val="accent2"/>
+          </a:fillRef>
+          <a:effectRef idx="1">
+            <a:schemeClr val="accent2"/>
+          </a:effectRef>
+          <a:fontRef idx="minor">
+            <a:schemeClr val="dk1"/>
+          </a:fontRef>
+        </p:style>
+        <p:txBody>
+          <a:bodyPr rtlCol="0" anchor="ctr"/>
+          <a:lstStyle/>
+          <a:p>
+            <a:pPr algn="ctr"/>
+            <a:endParaRPr lang="en-US" sz="2400"/>
+          </a:p>
+        </p:txBody>
+      </p:sp>
+      <p:sp>
+        <p:nvSpPr>
+          <p:cNvPr id="141" name="Rectangle 140"/>
+          <p:cNvSpPr/>
+          <p:nvPr/>
+        </p:nvSpPr>
+        <p:spPr>
+          <a:xfrm>
+            <a:off x="6342709" y="4894403"/>
+            <a:ext cx="595087" cy="333828"/>
+          </a:xfrm>
+          <a:prstGeom prst="rect">
+            <a:avLst/>
+          </a:prstGeom>
+          <a:solidFill>
+            <a:schemeClr val="accent5">
+              <a:lumMod val="60000"/>
+              <a:lumOff val="40000"/>
+            </a:schemeClr>
+          </a:solidFill>
+          <a:ln w="12700">
+            <a:solidFill>
+              <a:schemeClr val="bg1">
+                <a:lumMod val="50000"/>
+              </a:schemeClr>
+            </a:solidFill>
+          </a:ln>
+        </p:spPr>
+        <p:style>
+          <a:lnRef idx="1">
+            <a:schemeClr val="accent5"/>
+          </a:lnRef>
+          <a:fillRef idx="2">
+            <a:schemeClr val="accent5"/>
+          </a:fillRef>
+          <a:effectRef idx="1">
+            <a:schemeClr val="accent5"/>
+          </a:effectRef>
+          <a:fontRef idx="minor">
+            <a:schemeClr val="dk1"/>
+          </a:fontRef>
+        </p:style>
+        <p:txBody>
+          <a:bodyPr rtlCol="0" anchor="ctr"/>
+          <a:lstStyle/>
+          <a:p>
+            <a:pPr algn="ctr"/>
+            <a:endParaRPr lang="en-US" sz="2400"/>
+          </a:p>
+        </p:txBody>
+      </p:sp>
+      <p:sp>
+        <p:nvSpPr>
+          <p:cNvPr id="142" name="Rectangle 141"/>
+          <p:cNvSpPr/>
+          <p:nvPr/>
+        </p:nvSpPr>
+        <p:spPr>
+          <a:xfrm>
+            <a:off x="6937795" y="1237043"/>
+            <a:ext cx="595087" cy="333828"/>
+          </a:xfrm>
+          <a:prstGeom prst="rect">
+            <a:avLst/>
+          </a:prstGeom>
+          <a:ln w="12700">
+            <a:solidFill>
+              <a:schemeClr val="bg1">
+                <a:lumMod val="50000"/>
+              </a:schemeClr>
+            </a:solidFill>
+          </a:ln>
+        </p:spPr>
+        <p:style>
+          <a:lnRef idx="1">
+            <a:schemeClr val="accent1"/>
+          </a:lnRef>
+          <a:fillRef idx="3">
+            <a:schemeClr val="accent1"/>
+          </a:fillRef>
+          <a:effectRef idx="2">
+            <a:schemeClr val="accent1"/>
+          </a:effectRef>
+          <a:fontRef idx="minor">
+            <a:schemeClr val="lt1"/>
+          </a:fontRef>
+        </p:style>
+        <p:txBody>
+          <a:bodyPr rtlCol="0" anchor="ctr"/>
+          <a:lstStyle/>
+          <a:p>
+            <a:pPr algn="ctr"/>
+            <a:endParaRPr lang="en-US" sz="2400"/>
+          </a:p>
+        </p:txBody>
+      </p:sp>
+      <p:sp>
+        <p:nvSpPr>
+          <p:cNvPr id="143" name="Rectangle 142"/>
+          <p:cNvSpPr/>
+          <p:nvPr/>
+        </p:nvSpPr>
+        <p:spPr>
+          <a:xfrm>
+            <a:off x="6937795" y="1570871"/>
+            <a:ext cx="595087" cy="333828"/>
+          </a:xfrm>
+          <a:prstGeom prst="rect">
+            <a:avLst/>
+          </a:prstGeom>
+          <a:ln w="12700">
+            <a:solidFill>
+              <a:schemeClr val="bg1">
+                <a:lumMod val="50000"/>
+              </a:schemeClr>
+            </a:solidFill>
+          </a:ln>
+        </p:spPr>
+        <p:style>
+          <a:lnRef idx="1">
+            <a:schemeClr val="accent1"/>
+          </a:lnRef>
+          <a:fillRef idx="3">
+            <a:schemeClr val="accent1"/>
+          </a:fillRef>
+          <a:effectRef idx="2">
+            <a:schemeClr val="accent1"/>
+          </a:effectRef>
+          <a:fontRef idx="minor">
+            <a:schemeClr val="lt1"/>
+          </a:fontRef>
+        </p:style>
+        <p:txBody>
+          <a:bodyPr rtlCol="0" anchor="ctr"/>
+          <a:lstStyle/>
+          <a:p>
+            <a:pPr algn="ctr"/>
+            <a:endParaRPr lang="en-US" sz="2400"/>
+          </a:p>
+        </p:txBody>
+      </p:sp>
+      <p:sp>
+        <p:nvSpPr>
+          <p:cNvPr id="144" name="Rectangle 143"/>
+          <p:cNvSpPr/>
+          <p:nvPr/>
+        </p:nvSpPr>
+        <p:spPr>
+          <a:xfrm>
+            <a:off x="6937795" y="1904699"/>
+            <a:ext cx="595087" cy="333828"/>
+          </a:xfrm>
+          <a:prstGeom prst="rect">
+            <a:avLst/>
+          </a:prstGeom>
+          <a:ln w="12700">
+            <a:solidFill>
+              <a:schemeClr val="bg1">
+                <a:lumMod val="50000"/>
+              </a:schemeClr>
+            </a:solidFill>
+          </a:ln>
+        </p:spPr>
+        <p:style>
+          <a:lnRef idx="1">
+            <a:schemeClr val="accent1"/>
+          </a:lnRef>
+          <a:fillRef idx="3">
+            <a:schemeClr val="accent1"/>
+          </a:fillRef>
+          <a:effectRef idx="2">
+            <a:schemeClr val="accent1"/>
+          </a:effectRef>
+          <a:fontRef idx="minor">
+            <a:schemeClr val="lt1"/>
+          </a:fontRef>
+        </p:style>
+        <p:txBody>
+          <a:bodyPr rtlCol="0" anchor="ctr"/>
+          <a:lstStyle/>
+          <a:p>
+            <a:pPr algn="ctr"/>
+            <a:endParaRPr lang="en-US" sz="2400"/>
+          </a:p>
+        </p:txBody>
+      </p:sp>
+      <p:sp>
+        <p:nvSpPr>
+          <p:cNvPr id="145" name="Rectangle 144"/>
+          <p:cNvSpPr/>
+          <p:nvPr/>
+        </p:nvSpPr>
+        <p:spPr>
+          <a:xfrm>
+            <a:off x="6937795" y="2238527"/>
+            <a:ext cx="595087" cy="333828"/>
+          </a:xfrm>
+          <a:prstGeom prst="rect">
+            <a:avLst/>
+          </a:prstGeom>
+          <a:ln w="12700">
+            <a:solidFill>
+              <a:schemeClr val="bg1">
+                <a:lumMod val="50000"/>
+              </a:schemeClr>
+            </a:solidFill>
+          </a:ln>
+        </p:spPr>
+        <p:style>
+          <a:lnRef idx="1">
+            <a:schemeClr val="accent1"/>
+          </a:lnRef>
+          <a:fillRef idx="3">
+            <a:schemeClr val="accent1"/>
+          </a:fillRef>
+          <a:effectRef idx="2">
+            <a:schemeClr val="accent1"/>
+          </a:effectRef>
+          <a:fontRef idx="minor">
+            <a:schemeClr val="lt1"/>
+          </a:fontRef>
+        </p:style>
+        <p:txBody>
+          <a:bodyPr rtlCol="0" anchor="ctr"/>
+          <a:lstStyle/>
+          <a:p>
+            <a:pPr algn="ctr"/>
+            <a:endParaRPr lang="en-US" sz="2400"/>
+          </a:p>
+        </p:txBody>
+      </p:sp>
+      <p:sp>
+        <p:nvSpPr>
+          <p:cNvPr id="146" name="Rectangle 145"/>
+          <p:cNvSpPr/>
+          <p:nvPr/>
+        </p:nvSpPr>
+        <p:spPr>
+          <a:xfrm>
+            <a:off x="6937795" y="2572355"/>
+            <a:ext cx="595087" cy="333828"/>
+          </a:xfrm>
+          <a:prstGeom prst="rect">
+            <a:avLst/>
+          </a:prstGeom>
+          <a:ln w="12700">
+            <a:solidFill>
+              <a:schemeClr val="bg1">
+                <a:lumMod val="50000"/>
+              </a:schemeClr>
+            </a:solidFill>
+          </a:ln>
+        </p:spPr>
+        <p:style>
+          <a:lnRef idx="1">
+            <a:schemeClr val="accent1"/>
+          </a:lnRef>
+          <a:fillRef idx="3">
+            <a:schemeClr val="accent1"/>
+          </a:fillRef>
+          <a:effectRef idx="2">
+            <a:schemeClr val="accent1"/>
+          </a:effectRef>
+          <a:fontRef idx="minor">
+            <a:schemeClr val="lt1"/>
+          </a:fontRef>
+        </p:style>
+        <p:txBody>
+          <a:bodyPr rtlCol="0" anchor="ctr"/>
+          <a:lstStyle/>
+          <a:p>
+            <a:pPr algn="ctr"/>
+            <a:endParaRPr lang="en-US" sz="2400"/>
+          </a:p>
+        </p:txBody>
+      </p:sp>
+      <p:sp>
+        <p:nvSpPr>
+          <p:cNvPr id="147" name="Rectangle 146"/>
+          <p:cNvSpPr/>
+          <p:nvPr/>
+        </p:nvSpPr>
+        <p:spPr>
+          <a:xfrm>
+            <a:off x="6937795" y="2902554"/>
+            <a:ext cx="595087" cy="333828"/>
+          </a:xfrm>
+          <a:prstGeom prst="rect">
+            <a:avLst/>
+          </a:prstGeom>
+          <a:ln w="12700">
+            <a:solidFill>
+              <a:schemeClr val="bg1">
+                <a:lumMod val="50000"/>
+              </a:schemeClr>
+            </a:solidFill>
+          </a:ln>
+        </p:spPr>
+        <p:style>
+          <a:lnRef idx="1">
+            <a:schemeClr val="accent1"/>
+          </a:lnRef>
+          <a:fillRef idx="3">
+            <a:schemeClr val="accent1"/>
+          </a:fillRef>
+          <a:effectRef idx="2">
+            <a:schemeClr val="accent1"/>
+          </a:effectRef>
+          <a:fontRef idx="minor">
+            <a:schemeClr val="lt1"/>
+          </a:fontRef>
+        </p:style>
+        <p:txBody>
+          <a:bodyPr rtlCol="0" anchor="ctr"/>
+          <a:lstStyle/>
+          <a:p>
+            <a:pPr algn="ctr"/>
+            <a:endParaRPr lang="en-US" sz="2400"/>
+          </a:p>
+        </p:txBody>
+      </p:sp>
+      <p:sp>
+        <p:nvSpPr>
+          <p:cNvPr id="148" name="Rectangle 147"/>
+          <p:cNvSpPr/>
+          <p:nvPr/>
+        </p:nvSpPr>
+        <p:spPr>
+          <a:xfrm>
+            <a:off x="6937795" y="3225263"/>
+            <a:ext cx="595087" cy="333828"/>
+          </a:xfrm>
+          <a:prstGeom prst="rect">
+            <a:avLst/>
+          </a:prstGeom>
+          <a:ln w="12700">
+            <a:solidFill>
+              <a:schemeClr val="bg1">
+                <a:lumMod val="50000"/>
+              </a:schemeClr>
+            </a:solidFill>
+          </a:ln>
+        </p:spPr>
+        <p:style>
+          <a:lnRef idx="1">
+            <a:schemeClr val="accent1"/>
+          </a:lnRef>
+          <a:fillRef idx="3">
+            <a:schemeClr val="accent1"/>
+          </a:fillRef>
+          <a:effectRef idx="2">
+            <a:schemeClr val="accent1"/>
+          </a:effectRef>
+          <a:fontRef idx="minor">
+            <a:schemeClr val="lt1"/>
+          </a:fontRef>
+        </p:style>
+        <p:txBody>
+          <a:bodyPr rtlCol="0" anchor="ctr"/>
+          <a:lstStyle/>
+          <a:p>
+            <a:pPr algn="ctr"/>
+            <a:endParaRPr lang="en-US" sz="2400"/>
+          </a:p>
+        </p:txBody>
+      </p:sp>
+      <p:sp>
+        <p:nvSpPr>
+          <p:cNvPr id="149" name="Rectangle 148"/>
+          <p:cNvSpPr/>
+          <p:nvPr/>
+        </p:nvSpPr>
+        <p:spPr>
+          <a:xfrm>
+            <a:off x="6937795" y="3559091"/>
+            <a:ext cx="595087" cy="333828"/>
+          </a:xfrm>
+          <a:prstGeom prst="rect">
+            <a:avLst/>
+          </a:prstGeom>
+          <a:ln w="12700">
+            <a:solidFill>
+              <a:schemeClr val="bg1">
+                <a:lumMod val="50000"/>
+              </a:schemeClr>
+            </a:solidFill>
+          </a:ln>
+        </p:spPr>
+        <p:style>
+          <a:lnRef idx="1">
+            <a:schemeClr val="accent1"/>
+          </a:lnRef>
+          <a:fillRef idx="3">
+            <a:schemeClr val="accent1"/>
+          </a:fillRef>
+          <a:effectRef idx="2">
+            <a:schemeClr val="accent1"/>
+          </a:effectRef>
+          <a:fontRef idx="minor">
+            <a:schemeClr val="lt1"/>
+          </a:fontRef>
+        </p:style>
+        <p:txBody>
+          <a:bodyPr rtlCol="0" anchor="ctr"/>
+          <a:lstStyle/>
+          <a:p>
+            <a:pPr algn="ctr"/>
+            <a:endParaRPr lang="en-US" sz="2400"/>
+          </a:p>
+        </p:txBody>
+      </p:sp>
+      <p:sp>
+        <p:nvSpPr>
+          <p:cNvPr id="150" name="Rectangle 149"/>
+          <p:cNvSpPr/>
+          <p:nvPr/>
+        </p:nvSpPr>
+        <p:spPr>
+          <a:xfrm>
+            <a:off x="6937795" y="3892919"/>
+            <a:ext cx="595087" cy="333828"/>
+          </a:xfrm>
+          <a:prstGeom prst="rect">
+            <a:avLst/>
+          </a:prstGeom>
+          <a:ln w="12700">
+            <a:solidFill>
+              <a:schemeClr val="bg1">
+                <a:lumMod val="50000"/>
+              </a:schemeClr>
+            </a:solidFill>
+          </a:ln>
+        </p:spPr>
+        <p:style>
+          <a:lnRef idx="1">
+            <a:schemeClr val="accent1"/>
+          </a:lnRef>
+          <a:fillRef idx="3">
+            <a:schemeClr val="accent1"/>
+          </a:fillRef>
+          <a:effectRef idx="2">
+            <a:schemeClr val="accent1"/>
+          </a:effectRef>
+          <a:fontRef idx="minor">
+            <a:schemeClr val="lt1"/>
+          </a:fontRef>
+        </p:style>
+        <p:txBody>
+          <a:bodyPr rtlCol="0" anchor="ctr"/>
+          <a:lstStyle/>
+          <a:p>
+            <a:pPr algn="ctr"/>
+            <a:endParaRPr lang="en-US" sz="2400"/>
+          </a:p>
+        </p:txBody>
+      </p:sp>
+      <p:sp>
+        <p:nvSpPr>
+          <p:cNvPr id="151" name="Rectangle 150"/>
+          <p:cNvSpPr/>
+          <p:nvPr/>
+        </p:nvSpPr>
+        <p:spPr>
+          <a:xfrm>
+            <a:off x="6937795" y="4226747"/>
+            <a:ext cx="595087" cy="333828"/>
+          </a:xfrm>
+          <a:prstGeom prst="rect">
+            <a:avLst/>
+          </a:prstGeom>
+          <a:ln w="12700">
+            <a:solidFill>
+              <a:schemeClr val="bg1">
+                <a:lumMod val="50000"/>
+              </a:schemeClr>
+            </a:solidFill>
+          </a:ln>
+        </p:spPr>
+        <p:style>
+          <a:lnRef idx="1">
+            <a:schemeClr val="dk1"/>
+          </a:lnRef>
+          <a:fillRef idx="2">
+            <a:schemeClr val="dk1"/>
+          </a:fillRef>
+          <a:effectRef idx="1">
+            <a:schemeClr val="dk1"/>
+          </a:effectRef>
+          <a:fontRef idx="minor">
+            <a:schemeClr val="dk1"/>
+          </a:fontRef>
+        </p:style>
+        <p:txBody>
+          <a:bodyPr rtlCol="0" anchor="ctr"/>
+          <a:lstStyle/>
+          <a:p>
+            <a:pPr algn="ctr"/>
+            <a:endParaRPr lang="en-US" sz="2400"/>
+          </a:p>
+        </p:txBody>
+      </p:sp>
+      <p:sp>
+        <p:nvSpPr>
+          <p:cNvPr id="152" name="Rectangle 151"/>
+          <p:cNvSpPr/>
+          <p:nvPr/>
+        </p:nvSpPr>
+        <p:spPr>
+          <a:xfrm>
+            <a:off x="6937795" y="4560575"/>
+            <a:ext cx="595087" cy="333828"/>
+          </a:xfrm>
+          <a:prstGeom prst="rect">
+            <a:avLst/>
+          </a:prstGeom>
+          <a:ln w="12700">
+            <a:solidFill>
+              <a:schemeClr val="bg1">
+                <a:lumMod val="50000"/>
+              </a:schemeClr>
+            </a:solidFill>
+          </a:ln>
+        </p:spPr>
+        <p:style>
+          <a:lnRef idx="1">
+            <a:schemeClr val="dk1"/>
+          </a:lnRef>
+          <a:fillRef idx="2">
+            <a:schemeClr val="dk1"/>
+          </a:fillRef>
+          <a:effectRef idx="1">
+            <a:schemeClr val="dk1"/>
+          </a:effectRef>
+          <a:fontRef idx="minor">
+            <a:schemeClr val="dk1"/>
+          </a:fontRef>
+        </p:style>
+        <p:txBody>
+          <a:bodyPr rtlCol="0" anchor="ctr"/>
+          <a:lstStyle/>
+          <a:p>
+            <a:pPr algn="ctr"/>
+            <a:endParaRPr lang="en-US" sz="2400"/>
+          </a:p>
+        </p:txBody>
+      </p:sp>
+      <p:sp>
+        <p:nvSpPr>
+          <p:cNvPr id="153" name="Rectangle 152"/>
+          <p:cNvSpPr/>
+          <p:nvPr/>
+        </p:nvSpPr>
+        <p:spPr>
+          <a:xfrm>
+            <a:off x="6937795" y="4894403"/>
+            <a:ext cx="595087" cy="333828"/>
+          </a:xfrm>
+          <a:prstGeom prst="rect">
+            <a:avLst/>
+          </a:prstGeom>
+          <a:ln w="12700">
+            <a:solidFill>
+              <a:schemeClr val="bg1">
+                <a:lumMod val="50000"/>
+              </a:schemeClr>
+            </a:solidFill>
+          </a:ln>
+        </p:spPr>
+        <p:style>
+          <a:lnRef idx="1">
+            <a:schemeClr val="dk1"/>
+          </a:lnRef>
+          <a:fillRef idx="2">
+            <a:schemeClr val="dk1"/>
+          </a:fillRef>
+          <a:effectRef idx="1">
+            <a:schemeClr val="dk1"/>
+          </a:effectRef>
+          <a:fontRef idx="minor">
+            <a:schemeClr val="dk1"/>
+          </a:fontRef>
+        </p:style>
+        <p:txBody>
+          <a:bodyPr rtlCol="0" anchor="ctr"/>
+          <a:lstStyle/>
+          <a:p>
+            <a:pPr algn="ctr"/>
+            <a:endParaRPr lang="en-US" sz="2400"/>
+          </a:p>
+        </p:txBody>
+      </p:sp>
+      <p:sp>
+        <p:nvSpPr>
+          <p:cNvPr id="154" name="Rectangle 153"/>
+          <p:cNvSpPr/>
+          <p:nvPr/>
+        </p:nvSpPr>
+        <p:spPr>
+          <a:xfrm>
+            <a:off x="7532882" y="1237043"/>
+            <a:ext cx="595087" cy="333828"/>
+          </a:xfrm>
+          <a:prstGeom prst="rect">
+            <a:avLst/>
+          </a:prstGeom>
+          <a:ln w="12700">
+            <a:solidFill>
+              <a:schemeClr val="bg1">
+                <a:lumMod val="50000"/>
+              </a:schemeClr>
+            </a:solidFill>
+          </a:ln>
+        </p:spPr>
+        <p:style>
+          <a:lnRef idx="1">
+            <a:schemeClr val="accent1"/>
+          </a:lnRef>
+          <a:fillRef idx="3">
+            <a:schemeClr val="accent1"/>
+          </a:fillRef>
+          <a:effectRef idx="2">
+            <a:schemeClr val="accent1"/>
+          </a:effectRef>
+          <a:fontRef idx="minor">
+            <a:schemeClr val="lt1"/>
+          </a:fontRef>
+        </p:style>
+        <p:txBody>
+          <a:bodyPr rtlCol="0" anchor="ctr"/>
+          <a:lstStyle/>
+          <a:p>
+            <a:pPr algn="ctr"/>
+            <a:endParaRPr lang="en-US" sz="2400"/>
+          </a:p>
+        </p:txBody>
+      </p:sp>
+      <p:sp>
+        <p:nvSpPr>
+          <p:cNvPr id="155" name="Rectangle 154"/>
+          <p:cNvSpPr/>
+          <p:nvPr/>
+        </p:nvSpPr>
+        <p:spPr>
+          <a:xfrm>
+            <a:off x="7532882" y="1570871"/>
+            <a:ext cx="595087" cy="333828"/>
+          </a:xfrm>
+          <a:prstGeom prst="rect">
+            <a:avLst/>
+          </a:prstGeom>
+          <a:ln w="12700">
+            <a:solidFill>
+              <a:schemeClr val="bg1">
+                <a:lumMod val="50000"/>
+              </a:schemeClr>
+            </a:solidFill>
+          </a:ln>
+        </p:spPr>
+        <p:style>
+          <a:lnRef idx="1">
+            <a:schemeClr val="accent1"/>
+          </a:lnRef>
+          <a:fillRef idx="3">
+            <a:schemeClr val="accent1"/>
+          </a:fillRef>
+          <a:effectRef idx="2">
+            <a:schemeClr val="accent1"/>
+          </a:effectRef>
+          <a:fontRef idx="minor">
+            <a:schemeClr val="lt1"/>
+          </a:fontRef>
+        </p:style>
+        <p:txBody>
+          <a:bodyPr rtlCol="0" anchor="ctr"/>
+          <a:lstStyle/>
+          <a:p>
+            <a:pPr algn="ctr"/>
+            <a:endParaRPr lang="en-US" sz="2400"/>
+          </a:p>
+        </p:txBody>
+      </p:sp>
+      <p:sp>
+        <p:nvSpPr>
+          <p:cNvPr id="156" name="Rectangle 155"/>
+          <p:cNvSpPr/>
+          <p:nvPr/>
+        </p:nvSpPr>
+        <p:spPr>
+          <a:xfrm>
+            <a:off x="7532882" y="1904699"/>
+            <a:ext cx="595087" cy="333828"/>
+          </a:xfrm>
+          <a:prstGeom prst="rect">
+            <a:avLst/>
+          </a:prstGeom>
+          <a:ln w="12700">
+            <a:solidFill>
+              <a:schemeClr val="bg1">
+                <a:lumMod val="50000"/>
+              </a:schemeClr>
+            </a:solidFill>
+          </a:ln>
+        </p:spPr>
+        <p:style>
+          <a:lnRef idx="1">
+            <a:schemeClr val="accent1"/>
+          </a:lnRef>
+          <a:fillRef idx="3">
+            <a:schemeClr val="accent1"/>
+          </a:fillRef>
+          <a:effectRef idx="2">
+            <a:schemeClr val="accent1"/>
+          </a:effectRef>
+          <a:fontRef idx="minor">
+            <a:schemeClr val="lt1"/>
+          </a:fontRef>
+        </p:style>
+        <p:txBody>
+          <a:bodyPr rtlCol="0" anchor="ctr"/>
+          <a:lstStyle/>
+          <a:p>
+            <a:pPr algn="ctr"/>
+            <a:endParaRPr lang="en-US" sz="2400"/>
+          </a:p>
+        </p:txBody>
+      </p:sp>
+      <p:sp>
+        <p:nvSpPr>
+          <p:cNvPr id="157" name="Rectangle 156"/>
+          <p:cNvSpPr/>
+          <p:nvPr/>
+        </p:nvSpPr>
+        <p:spPr>
+          <a:xfrm>
+            <a:off x="7532882" y="2238527"/>
+            <a:ext cx="595087" cy="333828"/>
+          </a:xfrm>
+          <a:prstGeom prst="rect">
+            <a:avLst/>
+          </a:prstGeom>
+          <a:ln w="12700">
+            <a:solidFill>
+              <a:schemeClr val="bg1">
+                <a:lumMod val="50000"/>
+              </a:schemeClr>
+            </a:solidFill>
+          </a:ln>
+        </p:spPr>
+        <p:style>
+          <a:lnRef idx="1">
+            <a:schemeClr val="accent1"/>
+          </a:lnRef>
+          <a:fillRef idx="3">
+            <a:schemeClr val="accent1"/>
+          </a:fillRef>
+          <a:effectRef idx="2">
+            <a:schemeClr val="accent1"/>
+          </a:effectRef>
+          <a:fontRef idx="minor">
+            <a:schemeClr val="lt1"/>
+          </a:fontRef>
+        </p:style>
+        <p:txBody>
+          <a:bodyPr rtlCol="0" anchor="ctr"/>
+          <a:lstStyle/>
+          <a:p>
+            <a:pPr algn="ctr"/>
+            <a:endParaRPr lang="en-US" sz="2400"/>
+          </a:p>
+        </p:txBody>
+      </p:sp>
+      <p:sp>
+        <p:nvSpPr>
+          <p:cNvPr id="158" name="Rectangle 157"/>
+          <p:cNvSpPr/>
+          <p:nvPr/>
+        </p:nvSpPr>
+        <p:spPr>
+          <a:xfrm>
+            <a:off x="7532882" y="2572355"/>
+            <a:ext cx="595087" cy="333828"/>
+          </a:xfrm>
+          <a:prstGeom prst="rect">
+            <a:avLst/>
+          </a:prstGeom>
+          <a:ln w="12700">
+            <a:solidFill>
+              <a:schemeClr val="bg1">
+                <a:lumMod val="50000"/>
+              </a:schemeClr>
+            </a:solidFill>
+          </a:ln>
+        </p:spPr>
+        <p:style>
+          <a:lnRef idx="1">
+            <a:schemeClr val="accent1"/>
+          </a:lnRef>
+          <a:fillRef idx="3">
+            <a:schemeClr val="accent1"/>
+          </a:fillRef>
+          <a:effectRef idx="2">
+            <a:schemeClr val="accent1"/>
+          </a:effectRef>
+          <a:fontRef idx="minor">
+            <a:schemeClr val="lt1"/>
+          </a:fontRef>
+        </p:style>
+        <p:txBody>
+          <a:bodyPr rtlCol="0" anchor="ctr"/>
+          <a:lstStyle/>
+          <a:p>
+            <a:pPr algn="ctr"/>
+            <a:endParaRPr lang="en-US" sz="2400"/>
+          </a:p>
+        </p:txBody>
+      </p:sp>
+      <p:sp>
+        <p:nvSpPr>
+          <p:cNvPr id="159" name="Rectangle 158"/>
+          <p:cNvSpPr/>
+          <p:nvPr/>
+        </p:nvSpPr>
+        <p:spPr>
+          <a:xfrm>
+            <a:off x="7532882" y="2902554"/>
+            <a:ext cx="595087" cy="333828"/>
+          </a:xfrm>
+          <a:prstGeom prst="rect">
+            <a:avLst/>
+          </a:prstGeom>
+          <a:ln w="12700">
+            <a:solidFill>
+              <a:schemeClr val="bg1">
+                <a:lumMod val="50000"/>
+              </a:schemeClr>
+            </a:solidFill>
+          </a:ln>
+        </p:spPr>
+        <p:style>
+          <a:lnRef idx="1">
+            <a:schemeClr val="accent1"/>
+          </a:lnRef>
+          <a:fillRef idx="3">
+            <a:schemeClr val="accent1"/>
+          </a:fillRef>
+          <a:effectRef idx="2">
+            <a:schemeClr val="accent1"/>
+          </a:effectRef>
+          <a:fontRef idx="minor">
+            <a:schemeClr val="lt1"/>
+          </a:fontRef>
+        </p:style>
+        <p:txBody>
+          <a:bodyPr rtlCol="0" anchor="ctr"/>
+          <a:lstStyle/>
+          <a:p>
+            <a:pPr algn="ctr"/>
+            <a:endParaRPr lang="en-US" sz="2400"/>
+          </a:p>
+        </p:txBody>
+      </p:sp>
+      <p:sp>
+        <p:nvSpPr>
+          <p:cNvPr id="160" name="Rectangle 159"/>
+          <p:cNvSpPr/>
+          <p:nvPr/>
+        </p:nvSpPr>
+        <p:spPr>
+          <a:xfrm>
+            <a:off x="7532882" y="3225263"/>
+            <a:ext cx="595087" cy="333828"/>
+          </a:xfrm>
+          <a:prstGeom prst="rect">
+            <a:avLst/>
+          </a:prstGeom>
+          <a:ln w="12700">
+            <a:solidFill>
+              <a:schemeClr val="bg1">
+                <a:lumMod val="50000"/>
+              </a:schemeClr>
+            </a:solidFill>
+          </a:ln>
+        </p:spPr>
+        <p:style>
+          <a:lnRef idx="1">
+            <a:schemeClr val="accent1"/>
+          </a:lnRef>
+          <a:fillRef idx="3">
+            <a:schemeClr val="accent1"/>
+          </a:fillRef>
+          <a:effectRef idx="2">
+            <a:schemeClr val="accent1"/>
+          </a:effectRef>
+          <a:fontRef idx="minor">
+            <a:schemeClr val="lt1"/>
+          </a:fontRef>
+        </p:style>
+        <p:txBody>
+          <a:bodyPr rtlCol="0" anchor="ctr"/>
+          <a:lstStyle/>
+          <a:p>
+            <a:pPr algn="ctr"/>
+            <a:endParaRPr lang="en-US" sz="2400"/>
+          </a:p>
+        </p:txBody>
+      </p:sp>
+      <p:sp>
+        <p:nvSpPr>
+          <p:cNvPr id="161" name="Rectangle 160"/>
+          <p:cNvSpPr/>
+          <p:nvPr/>
+        </p:nvSpPr>
+        <p:spPr>
+          <a:xfrm>
+            <a:off x="7532882" y="3559091"/>
+            <a:ext cx="595087" cy="333828"/>
+          </a:xfrm>
+          <a:prstGeom prst="rect">
+            <a:avLst/>
+          </a:prstGeom>
+          <a:ln w="12700">
+            <a:solidFill>
+              <a:schemeClr val="bg1">
+                <a:lumMod val="50000"/>
+              </a:schemeClr>
+            </a:solidFill>
+          </a:ln>
+        </p:spPr>
+        <p:style>
+          <a:lnRef idx="1">
+            <a:schemeClr val="accent1"/>
+          </a:lnRef>
+          <a:fillRef idx="3">
+            <a:schemeClr val="accent1"/>
+          </a:fillRef>
+          <a:effectRef idx="2">
+            <a:schemeClr val="accent1"/>
+          </a:effectRef>
+          <a:fontRef idx="minor">
+            <a:schemeClr val="lt1"/>
+          </a:fontRef>
+        </p:style>
+        <p:txBody>
+          <a:bodyPr rtlCol="0" anchor="ctr"/>
+          <a:lstStyle/>
+          <a:p>
+            <a:pPr algn="ctr"/>
+            <a:endParaRPr lang="en-US" sz="2400"/>
+          </a:p>
+        </p:txBody>
+      </p:sp>
+      <p:sp>
+        <p:nvSpPr>
+          <p:cNvPr id="162" name="Rectangle 161"/>
+          <p:cNvSpPr/>
+          <p:nvPr/>
+        </p:nvSpPr>
+        <p:spPr>
+          <a:xfrm>
+            <a:off x="7532882" y="3892919"/>
+            <a:ext cx="595087" cy="333828"/>
+          </a:xfrm>
+          <a:prstGeom prst="rect">
+            <a:avLst/>
+          </a:prstGeom>
+          <a:ln w="12700">
+            <a:solidFill>
+              <a:schemeClr val="bg1">
+                <a:lumMod val="50000"/>
+              </a:schemeClr>
+            </a:solidFill>
+          </a:ln>
+        </p:spPr>
+        <p:style>
+          <a:lnRef idx="1">
+            <a:schemeClr val="accent1"/>
+          </a:lnRef>
+          <a:fillRef idx="3">
+            <a:schemeClr val="accent1"/>
+          </a:fillRef>
+          <a:effectRef idx="2">
+            <a:schemeClr val="accent1"/>
+          </a:effectRef>
+          <a:fontRef idx="minor">
+            <a:schemeClr val="lt1"/>
+          </a:fontRef>
+        </p:style>
+        <p:txBody>
+          <a:bodyPr rtlCol="0" anchor="ctr"/>
+          <a:lstStyle/>
+          <a:p>
+            <a:pPr algn="ctr"/>
+            <a:endParaRPr lang="en-US" sz="2400"/>
+          </a:p>
+        </p:txBody>
+      </p:sp>
+      <p:sp>
+        <p:nvSpPr>
+          <p:cNvPr id="163" name="Rectangle 162"/>
+          <p:cNvSpPr/>
+          <p:nvPr/>
+        </p:nvSpPr>
+        <p:spPr>
+          <a:xfrm>
+            <a:off x="7532882" y="4226747"/>
+            <a:ext cx="595087" cy="333828"/>
+          </a:xfrm>
+          <a:prstGeom prst="rect">
+            <a:avLst/>
+          </a:prstGeom>
+          <a:ln w="12700">
+            <a:solidFill>
+              <a:schemeClr val="bg1">
+                <a:lumMod val="50000"/>
+              </a:schemeClr>
+            </a:solidFill>
+          </a:ln>
+        </p:spPr>
+        <p:style>
+          <a:lnRef idx="1">
+            <a:schemeClr val="dk1"/>
+          </a:lnRef>
+          <a:fillRef idx="2">
+            <a:schemeClr val="dk1"/>
+          </a:fillRef>
+          <a:effectRef idx="1">
+            <a:schemeClr val="dk1"/>
+          </a:effectRef>
+          <a:fontRef idx="minor">
+            <a:schemeClr val="dk1"/>
+          </a:fontRef>
+        </p:style>
+        <p:txBody>
+          <a:bodyPr rtlCol="0" anchor="ctr"/>
+          <a:lstStyle/>
+          <a:p>
+            <a:pPr algn="ctr"/>
+            <a:endParaRPr lang="en-US" sz="2400"/>
+          </a:p>
+        </p:txBody>
+      </p:sp>
+      <p:sp>
+        <p:nvSpPr>
+          <p:cNvPr id="164" name="Rectangle 163"/>
+          <p:cNvSpPr/>
+          <p:nvPr/>
+        </p:nvSpPr>
+        <p:spPr>
+          <a:xfrm>
+            <a:off x="7532882" y="4560575"/>
+            <a:ext cx="595087" cy="333828"/>
+          </a:xfrm>
+          <a:prstGeom prst="rect">
+            <a:avLst/>
+          </a:prstGeom>
+          <a:ln w="12700">
+            <a:solidFill>
+              <a:schemeClr val="bg1">
+                <a:lumMod val="50000"/>
+              </a:schemeClr>
+            </a:solidFill>
+          </a:ln>
+        </p:spPr>
+        <p:style>
+          <a:lnRef idx="1">
+            <a:schemeClr val="dk1"/>
+          </a:lnRef>
+          <a:fillRef idx="2">
+            <a:schemeClr val="dk1"/>
+          </a:fillRef>
+          <a:effectRef idx="1">
+            <a:schemeClr val="dk1"/>
+          </a:effectRef>
+          <a:fontRef idx="minor">
+            <a:schemeClr val="dk1"/>
+          </a:fontRef>
+        </p:style>
+        <p:txBody>
+          <a:bodyPr rtlCol="0" anchor="ctr"/>
+          <a:lstStyle/>
+          <a:p>
+            <a:pPr algn="ctr"/>
+            <a:endParaRPr lang="en-US" sz="2400"/>
+          </a:p>
+        </p:txBody>
+      </p:sp>
+      <p:sp>
+        <p:nvSpPr>
+          <p:cNvPr id="165" name="Rectangle 164"/>
+          <p:cNvSpPr/>
+          <p:nvPr/>
+        </p:nvSpPr>
+        <p:spPr>
+          <a:xfrm>
+            <a:off x="7532882" y="4894403"/>
+            <a:ext cx="595087" cy="333828"/>
+          </a:xfrm>
+          <a:prstGeom prst="rect">
+            <a:avLst/>
+          </a:prstGeom>
+          <a:ln w="12700">
+            <a:solidFill>
+              <a:schemeClr val="bg1">
+                <a:lumMod val="50000"/>
+              </a:schemeClr>
+            </a:solidFill>
+          </a:ln>
+        </p:spPr>
+        <p:style>
+          <a:lnRef idx="1">
+            <a:schemeClr val="dk1"/>
+          </a:lnRef>
+          <a:fillRef idx="2">
+            <a:schemeClr val="dk1"/>
+          </a:fillRef>
+          <a:effectRef idx="1">
+            <a:schemeClr val="dk1"/>
+          </a:effectRef>
+          <a:fontRef idx="minor">
+            <a:schemeClr val="dk1"/>
+          </a:fontRef>
+        </p:style>
+        <p:txBody>
+          <a:bodyPr rtlCol="0" anchor="ctr"/>
+          <a:lstStyle/>
+          <a:p>
+            <a:pPr algn="ctr"/>
+            <a:endParaRPr lang="en-US" sz="2400"/>
+          </a:p>
+        </p:txBody>
+      </p:sp>
+      <p:cxnSp>
+        <p:nvCxnSpPr>
+          <p:cNvPr id="169" name="Straight Connector 168"/>
+          <p:cNvCxnSpPr/>
+          <p:nvPr/>
+        </p:nvCxnSpPr>
+        <p:spPr>
+          <a:xfrm flipV="1">
+            <a:off x="674873" y="903215"/>
+            <a:ext cx="0" cy="4673592"/>
+          </a:xfrm>
+          <a:prstGeom prst="line">
+            <a:avLst/>
+          </a:prstGeom>
+          <a:ln w="28575">
+            <a:solidFill>
+              <a:schemeClr val="bg1">
+                <a:lumMod val="50000"/>
+              </a:schemeClr>
+            </a:solidFill>
+            <a:headEnd type="none" w="med" len="med"/>
+            <a:tailEnd type="triangle" w="med" len="med"/>
+          </a:ln>
+        </p:spPr>
+        <p:style>
+          <a:lnRef idx="2">
+            <a:schemeClr val="accent1"/>
+          </a:lnRef>
+          <a:fillRef idx="0">
+            <a:schemeClr val="accent1"/>
+          </a:fillRef>
+          <a:effectRef idx="1">
+            <a:schemeClr val="accent1"/>
+          </a:effectRef>
+          <a:fontRef idx="minor">
+            <a:schemeClr val="tx1"/>
+          </a:fontRef>
+        </p:style>
+      </p:cxnSp>
+      <p:cxnSp>
+        <p:nvCxnSpPr>
+          <p:cNvPr id="178" name="Straight Arrow Connector 177"/>
+          <p:cNvCxnSpPr/>
+          <p:nvPr/>
+        </p:nvCxnSpPr>
+        <p:spPr>
+          <a:xfrm>
+            <a:off x="674878" y="5562292"/>
+            <a:ext cx="8948057" cy="0"/>
+          </a:xfrm>
+          <a:prstGeom prst="straightConnector1">
+            <a:avLst/>
+          </a:prstGeom>
+          <a:ln w="28575">
+            <a:solidFill>
+              <a:schemeClr val="bg1">
+                <a:lumMod val="50000"/>
+              </a:schemeClr>
+            </a:solidFill>
+            <a:tailEnd type="triangle"/>
+          </a:ln>
+        </p:spPr>
+        <p:style>
+          <a:lnRef idx="2">
+            <a:schemeClr val="accent1"/>
+          </a:lnRef>
+          <a:fillRef idx="0">
+            <a:schemeClr val="accent1"/>
+          </a:fillRef>
+          <a:effectRef idx="1">
+            <a:schemeClr val="accent1"/>
+          </a:effectRef>
+          <a:fontRef idx="minor">
+            <a:schemeClr val="tx1"/>
+          </a:fontRef>
+        </p:style>
+      </p:cxnSp>
+      <p:sp>
+        <p:nvSpPr>
+          <p:cNvPr id="180" name="TextBox 179"/>
+          <p:cNvSpPr txBox="1"/>
+          <p:nvPr/>
+        </p:nvSpPr>
+        <p:spPr>
+          <a:xfrm>
+            <a:off x="3947863" y="5547545"/>
+            <a:ext cx="2070888" cy="461665"/>
+          </a:xfrm>
+          <a:prstGeom prst="rect">
+            <a:avLst/>
+          </a:prstGeom>
+          <a:noFill/>
+        </p:spPr>
+        <p:txBody>
+          <a:bodyPr wrap="none" rtlCol="0">
+            <a:spAutoFit/>
+          </a:bodyPr>
+          <a:lstStyle/>
+          <a:p>
+            <a:r>
+              <a:rPr lang="en-US" sz="2400" dirty="0">
+                <a:solidFill>
+                  <a:schemeClr val="bg1">
+                    <a:lumMod val="50000"/>
+                  </a:schemeClr>
+                </a:solidFill>
+                <a:latin typeface="+mj-lt"/>
+              </a:rPr>
+              <a:t>Time (Symbols)</a:t>
+            </a:r>
+            <a:endParaRPr lang="en-US" sz="2400" dirty="0"/>
+          </a:p>
+        </p:txBody>
+      </p:sp>
+      <p:sp>
+        <p:nvSpPr>
+          <p:cNvPr id="182" name="TextBox 181"/>
+          <p:cNvSpPr txBox="1"/>
+          <p:nvPr/>
+        </p:nvSpPr>
+        <p:spPr>
+          <a:xfrm rot="16200000">
+            <a:off x="-326059" y="2995013"/>
+            <a:ext cx="1480405" cy="461665"/>
+          </a:xfrm>
+          <a:prstGeom prst="rect">
+            <a:avLst/>
+          </a:prstGeom>
+          <a:noFill/>
+        </p:spPr>
+        <p:txBody>
+          <a:bodyPr wrap="none" rtlCol="0">
+            <a:spAutoFit/>
+          </a:bodyPr>
+          <a:lstStyle/>
+          <a:p>
+            <a:r>
+              <a:rPr lang="en-US" sz="2400">
+                <a:solidFill>
+                  <a:schemeClr val="bg1">
+                    <a:lumMod val="50000"/>
+                  </a:schemeClr>
+                </a:solidFill>
+                <a:latin typeface="+mj-lt"/>
+              </a:rPr>
+              <a:t>Frequency</a:t>
+            </a:r>
+            <a:endParaRPr lang="en-US" sz="2400" dirty="0"/>
+          </a:p>
+        </p:txBody>
+      </p:sp>
+      <p:grpSp>
+        <p:nvGrpSpPr>
+          <p:cNvPr id="212" name="Group 211"/>
+          <p:cNvGrpSpPr/>
+          <p:nvPr/>
+        </p:nvGrpSpPr>
+        <p:grpSpPr>
+          <a:xfrm>
+            <a:off x="10974566" y="4985927"/>
+            <a:ext cx="1231862" cy="392616"/>
+            <a:chOff x="8477240" y="1484793"/>
+            <a:chExt cx="923897" cy="294462"/>
+          </a:xfrm>
+        </p:grpSpPr>
+        <p:sp>
+          <p:nvSpPr>
+            <p:cNvPr id="183" name="Right Brace 182"/>
+            <p:cNvSpPr/>
+            <p:nvPr/>
+          </p:nvSpPr>
+          <p:spPr>
+            <a:xfrm>
+              <a:off x="8477240" y="1528884"/>
+              <a:ext cx="45719" cy="250371"/>
+            </a:xfrm>
+            <a:prstGeom prst="rightBrace">
+              <a:avLst/>
+            </a:prstGeom>
+            <a:ln w="12700">
+              <a:solidFill>
+                <a:schemeClr val="bg1">
+                  <a:lumMod val="50000"/>
+                </a:schemeClr>
+              </a:solidFill>
+            </a:ln>
+          </p:spPr>
+          <p:style>
+            <a:lnRef idx="2">
+              <a:schemeClr val="accent1"/>
+            </a:lnRef>
+            <a:fillRef idx="0">
+              <a:schemeClr val="accent1"/>
+            </a:fillRef>
+            <a:effectRef idx="1">
+              <a:schemeClr val="accent1"/>
+            </a:effectRef>
+            <a:fontRef idx="minor">
+              <a:schemeClr val="tx1"/>
+            </a:fontRef>
+          </p:style>
+          <p:txBody>
+            <a:bodyPr rtlCol="0" anchor="ctr"/>
+            <a:lstStyle/>
+            <a:p>
+              <a:pPr algn="ctr"/>
+              <a:endParaRPr lang="en-US" sz="2400"/>
+            </a:p>
+          </p:txBody>
+        </p:sp>
+        <p:sp>
+          <p:nvSpPr>
+            <p:cNvPr id="184" name="TextBox 183"/>
+            <p:cNvSpPr txBox="1"/>
+            <p:nvPr/>
+          </p:nvSpPr>
+          <p:spPr>
+            <a:xfrm>
+              <a:off x="8479971" y="1484793"/>
+              <a:ext cx="921166" cy="284742"/>
+            </a:xfrm>
+            <a:prstGeom prst="rect">
+              <a:avLst/>
+            </a:prstGeom>
+            <a:noFill/>
+          </p:spPr>
+          <p:txBody>
+            <a:bodyPr wrap="none" rtlCol="0">
+              <a:spAutoFit/>
+            </a:bodyPr>
+            <a:lstStyle/>
+            <a:p>
+              <a:r>
+                <a:rPr lang="en-US" sz="1867" dirty="0" err="1">
+                  <a:solidFill>
+                    <a:schemeClr val="bg1">
+                      <a:lumMod val="50000"/>
+                    </a:schemeClr>
+                  </a:solidFill>
+                  <a:latin typeface="Symbol" charset="2"/>
+                  <a:ea typeface="Symbol" charset="2"/>
+                  <a:cs typeface="Symbol" charset="2"/>
+                </a:rPr>
+                <a:t>D</a:t>
+              </a:r>
+              <a:r>
+                <a:rPr lang="en-US" sz="1867" dirty="0" err="1">
+                  <a:solidFill>
+                    <a:schemeClr val="bg1">
+                      <a:lumMod val="50000"/>
+                    </a:schemeClr>
+                  </a:solidFill>
+                  <a:latin typeface="Calibri" charset="0"/>
+                  <a:ea typeface="Calibri" charset="0"/>
+                  <a:cs typeface="Calibri" charset="0"/>
+                </a:rPr>
+                <a:t>f</a:t>
+              </a:r>
+              <a:r>
+                <a:rPr lang="en-US" sz="1867" dirty="0">
+                  <a:solidFill>
+                    <a:schemeClr val="bg1">
+                      <a:lumMod val="50000"/>
+                    </a:schemeClr>
+                  </a:solidFill>
+                  <a:latin typeface="Calibri" charset="0"/>
+                  <a:ea typeface="Calibri" charset="0"/>
+                  <a:cs typeface="Calibri" charset="0"/>
+                </a:rPr>
+                <a:t> = 15kHz</a:t>
+              </a:r>
+              <a:endParaRPr lang="en-US" sz="1867" dirty="0">
+                <a:solidFill>
+                  <a:schemeClr val="bg1">
+                    <a:lumMod val="50000"/>
+                  </a:schemeClr>
+                </a:solidFill>
+                <a:latin typeface="Calibri" charset="0"/>
+                <a:ea typeface="Calibri" charset="0"/>
+                <a:cs typeface="Calibri" charset="0"/>
+              </a:endParaRPr>
+            </a:p>
+          </p:txBody>
+        </p:sp>
+      </p:grpSp>
+      <p:sp>
+        <p:nvSpPr>
+          <p:cNvPr id="185" name="Right Brace 184"/>
+          <p:cNvSpPr/>
+          <p:nvPr/>
+        </p:nvSpPr>
+        <p:spPr>
+          <a:xfrm rot="16200000">
+            <a:off x="5052753" y="-3536626"/>
+            <a:ext cx="203212" cy="8334857"/>
+          </a:xfrm>
+          <a:prstGeom prst="rightBrace">
+            <a:avLst/>
+          </a:prstGeom>
+          <a:ln>
+            <a:solidFill>
+              <a:schemeClr val="bg1">
+                <a:lumMod val="50000"/>
+              </a:schemeClr>
+            </a:solidFill>
+          </a:ln>
+        </p:spPr>
+        <p:style>
+          <a:lnRef idx="2">
+            <a:schemeClr val="accent1"/>
+          </a:lnRef>
+          <a:fillRef idx="0">
+            <a:schemeClr val="accent1"/>
+          </a:fillRef>
+          <a:effectRef idx="1">
+            <a:schemeClr val="accent1"/>
+          </a:effectRef>
+          <a:fontRef idx="minor">
+            <a:schemeClr val="tx1"/>
+          </a:fontRef>
+        </p:style>
+        <p:txBody>
+          <a:bodyPr rtlCol="0" anchor="ctr"/>
+          <a:lstStyle/>
+          <a:p>
+            <a:pPr algn="ctr"/>
+            <a:endParaRPr lang="en-US" sz="2400"/>
+          </a:p>
+        </p:txBody>
+      </p:sp>
+      <p:sp>
+        <p:nvSpPr>
+          <p:cNvPr id="186" name="TextBox 185"/>
+          <p:cNvSpPr txBox="1"/>
+          <p:nvPr/>
+        </p:nvSpPr>
+        <p:spPr>
+          <a:xfrm>
+            <a:off x="2775964" y="597025"/>
+            <a:ext cx="567784" cy="379656"/>
+          </a:xfrm>
+          <a:prstGeom prst="rect">
+            <a:avLst/>
+          </a:prstGeom>
+          <a:noFill/>
+        </p:spPr>
+        <p:txBody>
+          <a:bodyPr wrap="none" rtlCol="0">
+            <a:spAutoFit/>
+          </a:bodyPr>
+          <a:lstStyle/>
+          <a:p>
+            <a:r>
+              <a:rPr lang="en-US" sz="1867" dirty="0">
+                <a:solidFill>
+                  <a:schemeClr val="bg1">
+                    <a:lumMod val="50000"/>
+                  </a:schemeClr>
+                </a:solidFill>
+                <a:latin typeface="Calibri" charset="0"/>
+                <a:ea typeface="Calibri" charset="0"/>
+                <a:cs typeface="Calibri" charset="0"/>
+              </a:rPr>
+              <a:t>PRB</a:t>
+            </a:r>
+            <a:endParaRPr lang="en-US" sz="1867" dirty="0">
+              <a:solidFill>
+                <a:schemeClr val="bg1">
+                  <a:lumMod val="50000"/>
+                </a:schemeClr>
+              </a:solidFill>
+              <a:latin typeface="Calibri" charset="0"/>
+              <a:ea typeface="Calibri" charset="0"/>
+              <a:cs typeface="Calibri" charset="0"/>
+            </a:endParaRPr>
+          </a:p>
+        </p:txBody>
+      </p:sp>
+      <p:sp>
+        <p:nvSpPr>
+          <p:cNvPr id="226" name="TextBox 225"/>
+          <p:cNvSpPr txBox="1"/>
+          <p:nvPr/>
+        </p:nvSpPr>
+        <p:spPr>
+          <a:xfrm>
+            <a:off x="9373684" y="2837112"/>
+            <a:ext cx="2124877" cy="748795"/>
+          </a:xfrm>
+          <a:prstGeom prst="rect">
+            <a:avLst/>
+          </a:prstGeom>
+          <a:noFill/>
+        </p:spPr>
+        <p:txBody>
+          <a:bodyPr wrap="none" rtlCol="0">
+            <a:spAutoFit/>
+          </a:bodyPr>
+          <a:lstStyle/>
+          <a:p>
+            <a:pPr algn="ctr"/>
+            <a:r>
+              <a:rPr lang="en-US" sz="2133" dirty="0">
+                <a:solidFill>
+                  <a:schemeClr val="bg1">
+                    <a:lumMod val="50000"/>
+                  </a:schemeClr>
+                </a:solidFill>
+                <a:latin typeface="Calibri" charset="0"/>
+                <a:ea typeface="Calibri" charset="0"/>
+                <a:cs typeface="Calibri" charset="0"/>
+              </a:rPr>
+              <a:t>12 subcarriers </a:t>
+            </a:r>
+          </a:p>
+          <a:p>
+            <a:r>
+              <a:rPr lang="en-US" sz="2133" dirty="0">
+                <a:solidFill>
+                  <a:schemeClr val="bg1">
+                    <a:lumMod val="50000"/>
+                  </a:schemeClr>
+                </a:solidFill>
+                <a:latin typeface="Calibri" charset="0"/>
+                <a:ea typeface="Calibri" charset="0"/>
+                <a:cs typeface="Calibri" charset="0"/>
+              </a:rPr>
+              <a:t> </a:t>
+            </a:r>
+            <a:r>
+              <a:rPr lang="en-US" sz="2133" dirty="0">
+                <a:solidFill>
+                  <a:schemeClr val="bg1">
+                    <a:lumMod val="50000"/>
+                  </a:schemeClr>
+                </a:solidFill>
+                <a:latin typeface="Calibri" charset="0"/>
+                <a:ea typeface="Calibri" charset="0"/>
+                <a:cs typeface="Calibri" charset="0"/>
+              </a:rPr>
+              <a:t>= 180 kHz</a:t>
+            </a:r>
+            <a:endParaRPr lang="en-US" sz="2133" dirty="0">
+              <a:solidFill>
+                <a:schemeClr val="bg1">
+                  <a:lumMod val="50000"/>
+                </a:schemeClr>
+              </a:solidFill>
+              <a:latin typeface="Calibri" charset="0"/>
+              <a:ea typeface="Calibri" charset="0"/>
+              <a:cs typeface="Calibri" charset="0"/>
+            </a:endParaRPr>
+          </a:p>
+        </p:txBody>
+      </p:sp>
+      <p:sp>
+        <p:nvSpPr>
+          <p:cNvPr id="227" name="Rectangle 226"/>
+          <p:cNvSpPr/>
+          <p:nvPr/>
+        </p:nvSpPr>
+        <p:spPr>
+          <a:xfrm>
+            <a:off x="10298401" y="5046166"/>
+            <a:ext cx="595087" cy="333828"/>
+          </a:xfrm>
+          <a:prstGeom prst="rect">
+            <a:avLst/>
+          </a:prstGeom>
+          <a:noFill/>
+          <a:ln w="28575">
+            <a:solidFill>
+              <a:schemeClr val="bg1">
+                <a:lumMod val="50000"/>
+              </a:schemeClr>
+            </a:solidFill>
+          </a:ln>
+        </p:spPr>
+        <p:style>
+          <a:lnRef idx="1">
+            <a:schemeClr val="accent1"/>
+          </a:lnRef>
+          <a:fillRef idx="3">
+            <a:schemeClr val="accent1"/>
+          </a:fillRef>
+          <a:effectRef idx="2">
+            <a:schemeClr val="accent1"/>
+          </a:effectRef>
+          <a:fontRef idx="minor">
+            <a:schemeClr val="lt1"/>
+          </a:fontRef>
+        </p:style>
+        <p:txBody>
+          <a:bodyPr rtlCol="0" anchor="ctr"/>
+          <a:lstStyle/>
+          <a:p>
+            <a:pPr algn="ctr"/>
+            <a:endParaRPr lang="en-US" sz="2400"/>
+          </a:p>
+        </p:txBody>
+      </p:sp>
+      <p:grpSp>
+        <p:nvGrpSpPr>
+          <p:cNvPr id="230" name="Group 229"/>
+          <p:cNvGrpSpPr/>
+          <p:nvPr/>
+        </p:nvGrpSpPr>
+        <p:grpSpPr>
+          <a:xfrm>
+            <a:off x="10044150" y="5424274"/>
+            <a:ext cx="1120820" cy="757820"/>
+            <a:chOff x="7424252" y="4403162"/>
+            <a:chExt cx="840615" cy="568365"/>
+          </a:xfrm>
+        </p:grpSpPr>
+        <p:sp>
+          <p:nvSpPr>
+            <p:cNvPr id="228" name="Right Brace 227"/>
+            <p:cNvSpPr/>
+            <p:nvPr/>
+          </p:nvSpPr>
+          <p:spPr>
+            <a:xfrm rot="5400000">
+              <a:off x="7786334" y="4231766"/>
+              <a:ext cx="103524" cy="446315"/>
+            </a:xfrm>
+            <a:prstGeom prst="rightBrace">
+              <a:avLst/>
+            </a:prstGeom>
+            <a:ln>
+              <a:solidFill>
+                <a:schemeClr val="bg1">
+                  <a:lumMod val="50000"/>
+                </a:schemeClr>
+              </a:solidFill>
+            </a:ln>
+          </p:spPr>
+          <p:style>
+            <a:lnRef idx="2">
+              <a:schemeClr val="accent1"/>
+            </a:lnRef>
+            <a:fillRef idx="0">
+              <a:schemeClr val="accent1"/>
+            </a:fillRef>
+            <a:effectRef idx="1">
+              <a:schemeClr val="accent1"/>
+            </a:effectRef>
+            <a:fontRef idx="minor">
+              <a:schemeClr val="tx1"/>
+            </a:fontRef>
+          </p:style>
+          <p:txBody>
+            <a:bodyPr rtlCol="0" anchor="ctr"/>
+            <a:lstStyle/>
+            <a:p>
+              <a:pPr algn="ctr"/>
+              <a:endParaRPr lang="en-US" sz="2400"/>
+            </a:p>
+          </p:txBody>
+        </p:sp>
+        <p:sp>
+          <p:nvSpPr>
+            <p:cNvPr id="229" name="TextBox 228"/>
+            <p:cNvSpPr txBox="1"/>
+            <p:nvPr/>
+          </p:nvSpPr>
+          <p:spPr>
+            <a:xfrm>
+              <a:off x="7424252" y="4471294"/>
+              <a:ext cx="840615" cy="500233"/>
+            </a:xfrm>
+            <a:prstGeom prst="rect">
+              <a:avLst/>
+            </a:prstGeom>
+            <a:noFill/>
+          </p:spPr>
+          <p:txBody>
+            <a:bodyPr wrap="none" rtlCol="0">
+              <a:spAutoFit/>
+            </a:bodyPr>
+            <a:lstStyle/>
+            <a:p>
+              <a:pPr algn="ctr"/>
+              <a:r>
+                <a:rPr lang="en-US" sz="1867" dirty="0">
+                  <a:solidFill>
+                    <a:schemeClr val="bg1">
+                      <a:lumMod val="50000"/>
+                    </a:schemeClr>
+                  </a:solidFill>
+                  <a:latin typeface="Calibri" charset="0"/>
+                  <a:ea typeface="Calibri" charset="0"/>
+                  <a:cs typeface="Calibri" charset="0"/>
+                </a:rPr>
+                <a:t>1 OFDMA</a:t>
+              </a:r>
+            </a:p>
+            <a:p>
+              <a:pPr algn="ctr"/>
+              <a:r>
+                <a:rPr lang="en-US" sz="1867" dirty="0">
+                  <a:solidFill>
+                    <a:schemeClr val="bg1">
+                      <a:lumMod val="50000"/>
+                    </a:schemeClr>
+                  </a:solidFill>
+                  <a:latin typeface="Calibri" charset="0"/>
+                  <a:ea typeface="Calibri" charset="0"/>
+                  <a:cs typeface="Calibri" charset="0"/>
+                </a:rPr>
+                <a:t>Symbol</a:t>
+              </a:r>
+              <a:endParaRPr lang="en-US" sz="1867" dirty="0">
+                <a:solidFill>
+                  <a:schemeClr val="bg1">
+                    <a:lumMod val="50000"/>
+                  </a:schemeClr>
+                </a:solidFill>
+                <a:latin typeface="Calibri" charset="0"/>
+                <a:ea typeface="Calibri" charset="0"/>
+                <a:cs typeface="Calibri" charset="0"/>
+              </a:endParaRPr>
+            </a:p>
+          </p:txBody>
+        </p:sp>
+      </p:grpSp>
+      <p:sp>
+        <p:nvSpPr>
+          <p:cNvPr id="235" name="TextBox 234"/>
+          <p:cNvSpPr txBox="1"/>
+          <p:nvPr/>
+        </p:nvSpPr>
+        <p:spPr>
+          <a:xfrm>
+            <a:off x="9692836" y="4529587"/>
+            <a:ext cx="2185470" cy="420564"/>
+          </a:xfrm>
+          <a:prstGeom prst="rect">
+            <a:avLst/>
+          </a:prstGeom>
+          <a:noFill/>
+        </p:spPr>
+        <p:txBody>
+          <a:bodyPr wrap="none" rtlCol="0">
+            <a:spAutoFit/>
+          </a:bodyPr>
+          <a:lstStyle/>
+          <a:p>
+            <a:r>
+              <a:rPr lang="en-US" sz="2133" dirty="0">
+                <a:solidFill>
+                  <a:schemeClr val="bg1">
+                    <a:lumMod val="50000"/>
+                  </a:schemeClr>
+                </a:solidFill>
+                <a:latin typeface="Calibri" charset="0"/>
+                <a:ea typeface="Calibri" charset="0"/>
+                <a:cs typeface="Calibri" charset="0"/>
+              </a:rPr>
+              <a:t>Resource Element</a:t>
+            </a:r>
+            <a:endParaRPr lang="en-US" sz="2133" dirty="0">
+              <a:solidFill>
+                <a:schemeClr val="bg1">
+                  <a:lumMod val="50000"/>
+                </a:schemeClr>
+              </a:solidFill>
+              <a:latin typeface="Calibri" charset="0"/>
+              <a:ea typeface="Calibri" charset="0"/>
+              <a:cs typeface="Calibri" charset="0"/>
+            </a:endParaRPr>
+          </a:p>
+        </p:txBody>
+      </p:sp>
+      <p:sp>
+        <p:nvSpPr>
+          <p:cNvPr id="236" name="Rectangle 235"/>
+          <p:cNvSpPr/>
+          <p:nvPr/>
+        </p:nvSpPr>
+        <p:spPr>
+          <a:xfrm>
+            <a:off x="4557449" y="3892382"/>
+            <a:ext cx="595087" cy="333828"/>
+          </a:xfrm>
+          <a:prstGeom prst="rect">
+            <a:avLst/>
+          </a:prstGeom>
+          <a:ln w="12700">
+            <a:solidFill>
+              <a:schemeClr val="bg1">
+                <a:lumMod val="50000"/>
+              </a:schemeClr>
+            </a:solidFill>
+          </a:ln>
+        </p:spPr>
+        <p:style>
+          <a:lnRef idx="1">
+            <a:schemeClr val="accent1"/>
+          </a:lnRef>
+          <a:fillRef idx="3">
+            <a:schemeClr val="accent1"/>
+          </a:fillRef>
+          <a:effectRef idx="2">
+            <a:schemeClr val="accent1"/>
+          </a:effectRef>
+          <a:fontRef idx="minor">
+            <a:schemeClr val="lt1"/>
+          </a:fontRef>
+        </p:style>
+        <p:txBody>
+          <a:bodyPr rtlCol="0" anchor="ctr"/>
+          <a:lstStyle/>
+          <a:p>
+            <a:pPr algn="ctr"/>
+            <a:endParaRPr lang="en-US" sz="2400"/>
+          </a:p>
+        </p:txBody>
+      </p:sp>
+      <p:sp>
+        <p:nvSpPr>
+          <p:cNvPr id="211" name="Rectangle 210"/>
+          <p:cNvSpPr/>
+          <p:nvPr/>
+        </p:nvSpPr>
+        <p:spPr>
+          <a:xfrm>
+            <a:off x="8127969" y="1236674"/>
+            <a:ext cx="595087" cy="333828"/>
+          </a:xfrm>
+          <a:prstGeom prst="rect">
+            <a:avLst/>
+          </a:prstGeom>
+          <a:ln>
+            <a:solidFill>
+              <a:schemeClr val="tx2"/>
+            </a:solidFill>
+          </a:ln>
+        </p:spPr>
+        <p:style>
+          <a:lnRef idx="1">
+            <a:schemeClr val="accent3"/>
+          </a:lnRef>
+          <a:fillRef idx="2">
+            <a:schemeClr val="accent3"/>
+          </a:fillRef>
+          <a:effectRef idx="1">
+            <a:schemeClr val="accent3"/>
+          </a:effectRef>
+          <a:fontRef idx="minor">
+            <a:schemeClr val="dk1"/>
+          </a:fontRef>
+        </p:style>
+        <p:txBody>
+          <a:bodyPr rtlCol="0" anchor="ctr"/>
+          <a:lstStyle/>
+          <a:p>
+            <a:pPr algn="ctr"/>
+            <a:endParaRPr lang="en-US" sz="2400"/>
+          </a:p>
+        </p:txBody>
+      </p:sp>
+      <p:sp>
+        <p:nvSpPr>
+          <p:cNvPr id="213" name="Rectangle 212"/>
+          <p:cNvSpPr/>
+          <p:nvPr/>
+        </p:nvSpPr>
+        <p:spPr>
+          <a:xfrm>
+            <a:off x="8127969" y="1570502"/>
+            <a:ext cx="595087" cy="333828"/>
+          </a:xfrm>
+          <a:prstGeom prst="rect">
+            <a:avLst/>
+          </a:prstGeom>
+          <a:ln>
+            <a:solidFill>
+              <a:schemeClr val="tx2"/>
+            </a:solidFill>
+          </a:ln>
+        </p:spPr>
+        <p:style>
+          <a:lnRef idx="1">
+            <a:schemeClr val="accent3"/>
+          </a:lnRef>
+          <a:fillRef idx="2">
+            <a:schemeClr val="accent3"/>
+          </a:fillRef>
+          <a:effectRef idx="1">
+            <a:schemeClr val="accent3"/>
+          </a:effectRef>
+          <a:fontRef idx="minor">
+            <a:schemeClr val="dk1"/>
+          </a:fontRef>
+        </p:style>
+        <p:txBody>
+          <a:bodyPr rtlCol="0" anchor="ctr"/>
+          <a:lstStyle/>
+          <a:p>
+            <a:pPr algn="ctr"/>
+            <a:endParaRPr lang="en-US" sz="2400"/>
+          </a:p>
+        </p:txBody>
+      </p:sp>
+      <p:sp>
+        <p:nvSpPr>
+          <p:cNvPr id="214" name="Rectangle 213"/>
+          <p:cNvSpPr/>
+          <p:nvPr/>
+        </p:nvSpPr>
+        <p:spPr>
+          <a:xfrm>
+            <a:off x="8127969" y="1904330"/>
+            <a:ext cx="595087" cy="333828"/>
+          </a:xfrm>
+          <a:prstGeom prst="rect">
+            <a:avLst/>
+          </a:prstGeom>
+          <a:ln>
+            <a:solidFill>
+              <a:schemeClr val="tx2"/>
+            </a:solidFill>
+          </a:ln>
+        </p:spPr>
+        <p:style>
+          <a:lnRef idx="1">
+            <a:schemeClr val="accent3"/>
+          </a:lnRef>
+          <a:fillRef idx="2">
+            <a:schemeClr val="accent3"/>
+          </a:fillRef>
+          <a:effectRef idx="1">
+            <a:schemeClr val="accent3"/>
+          </a:effectRef>
+          <a:fontRef idx="minor">
+            <a:schemeClr val="dk1"/>
+          </a:fontRef>
+        </p:style>
+        <p:txBody>
+          <a:bodyPr rtlCol="0" anchor="ctr"/>
+          <a:lstStyle/>
+          <a:p>
+            <a:pPr algn="ctr"/>
+            <a:endParaRPr lang="en-US" sz="2400"/>
+          </a:p>
+        </p:txBody>
+      </p:sp>
+      <p:sp>
+        <p:nvSpPr>
+          <p:cNvPr id="215" name="Rectangle 214"/>
+          <p:cNvSpPr/>
+          <p:nvPr/>
+        </p:nvSpPr>
+        <p:spPr>
+          <a:xfrm>
+            <a:off x="8127969" y="2238158"/>
+            <a:ext cx="595087" cy="333828"/>
+          </a:xfrm>
+          <a:prstGeom prst="rect">
+            <a:avLst/>
+          </a:prstGeom>
+          <a:ln>
+            <a:solidFill>
+              <a:schemeClr val="tx2"/>
+            </a:solidFill>
+          </a:ln>
+        </p:spPr>
+        <p:style>
+          <a:lnRef idx="1">
+            <a:schemeClr val="accent3"/>
+          </a:lnRef>
+          <a:fillRef idx="2">
+            <a:schemeClr val="accent3"/>
+          </a:fillRef>
+          <a:effectRef idx="1">
+            <a:schemeClr val="accent3"/>
+          </a:effectRef>
+          <a:fontRef idx="minor">
+            <a:schemeClr val="dk1"/>
+          </a:fontRef>
+        </p:style>
+        <p:txBody>
+          <a:bodyPr rtlCol="0" anchor="ctr"/>
+          <a:lstStyle/>
+          <a:p>
+            <a:pPr algn="ctr"/>
+            <a:endParaRPr lang="en-US" sz="2400"/>
+          </a:p>
+        </p:txBody>
+      </p:sp>
+      <p:sp>
+        <p:nvSpPr>
+          <p:cNvPr id="216" name="Rectangle 215"/>
+          <p:cNvSpPr/>
+          <p:nvPr/>
+        </p:nvSpPr>
+        <p:spPr>
+          <a:xfrm>
+            <a:off x="8127969" y="2571986"/>
+            <a:ext cx="595087" cy="333828"/>
+          </a:xfrm>
+          <a:prstGeom prst="rect">
+            <a:avLst/>
+          </a:prstGeom>
+          <a:ln>
+            <a:solidFill>
+              <a:schemeClr val="tx2"/>
+            </a:solidFill>
+          </a:ln>
+        </p:spPr>
+        <p:style>
+          <a:lnRef idx="1">
+            <a:schemeClr val="accent3"/>
+          </a:lnRef>
+          <a:fillRef idx="2">
+            <a:schemeClr val="accent3"/>
+          </a:fillRef>
+          <a:effectRef idx="1">
+            <a:schemeClr val="accent3"/>
+          </a:effectRef>
+          <a:fontRef idx="minor">
+            <a:schemeClr val="dk1"/>
+          </a:fontRef>
+        </p:style>
+        <p:txBody>
+          <a:bodyPr rtlCol="0" anchor="ctr"/>
+          <a:lstStyle/>
+          <a:p>
+            <a:pPr algn="ctr"/>
+            <a:endParaRPr lang="en-US" sz="2400"/>
+          </a:p>
+        </p:txBody>
+      </p:sp>
+      <p:sp>
+        <p:nvSpPr>
+          <p:cNvPr id="217" name="Rectangle 216"/>
+          <p:cNvSpPr/>
+          <p:nvPr/>
+        </p:nvSpPr>
+        <p:spPr>
+          <a:xfrm>
+            <a:off x="8127969" y="2902185"/>
+            <a:ext cx="595087" cy="333828"/>
+          </a:xfrm>
+          <a:prstGeom prst="rect">
+            <a:avLst/>
+          </a:prstGeom>
+          <a:ln>
+            <a:solidFill>
+              <a:schemeClr val="tx2"/>
+            </a:solidFill>
+          </a:ln>
+        </p:spPr>
+        <p:style>
+          <a:lnRef idx="1">
+            <a:schemeClr val="accent3"/>
+          </a:lnRef>
+          <a:fillRef idx="2">
+            <a:schemeClr val="accent3"/>
+          </a:fillRef>
+          <a:effectRef idx="1">
+            <a:schemeClr val="accent3"/>
+          </a:effectRef>
+          <a:fontRef idx="minor">
+            <a:schemeClr val="dk1"/>
+          </a:fontRef>
+        </p:style>
+        <p:txBody>
+          <a:bodyPr rtlCol="0" anchor="ctr"/>
+          <a:lstStyle/>
+          <a:p>
+            <a:pPr algn="ctr"/>
+            <a:endParaRPr lang="en-US" sz="2400"/>
+          </a:p>
+        </p:txBody>
+      </p:sp>
+      <p:sp>
+        <p:nvSpPr>
+          <p:cNvPr id="218" name="Rectangle 217"/>
+          <p:cNvSpPr/>
+          <p:nvPr/>
+        </p:nvSpPr>
+        <p:spPr>
+          <a:xfrm>
+            <a:off x="8127969" y="3232754"/>
+            <a:ext cx="595087" cy="333828"/>
+          </a:xfrm>
+          <a:prstGeom prst="rect">
+            <a:avLst/>
+          </a:prstGeom>
+          <a:ln>
+            <a:solidFill>
+              <a:schemeClr val="tx2"/>
+            </a:solidFill>
+          </a:ln>
+        </p:spPr>
+        <p:style>
+          <a:lnRef idx="1">
+            <a:schemeClr val="accent3"/>
+          </a:lnRef>
+          <a:fillRef idx="2">
+            <a:schemeClr val="accent3"/>
+          </a:fillRef>
+          <a:effectRef idx="1">
+            <a:schemeClr val="accent3"/>
+          </a:effectRef>
+          <a:fontRef idx="minor">
+            <a:schemeClr val="dk1"/>
+          </a:fontRef>
+        </p:style>
+        <p:txBody>
+          <a:bodyPr rtlCol="0" anchor="ctr"/>
+          <a:lstStyle/>
+          <a:p>
+            <a:pPr algn="ctr"/>
+            <a:endParaRPr lang="en-US" sz="2400"/>
+          </a:p>
+        </p:txBody>
+      </p:sp>
+      <p:sp>
+        <p:nvSpPr>
+          <p:cNvPr id="219" name="Rectangle 218"/>
+          <p:cNvSpPr/>
+          <p:nvPr/>
+        </p:nvSpPr>
+        <p:spPr>
+          <a:xfrm>
+            <a:off x="8127969" y="3566582"/>
+            <a:ext cx="595087" cy="333828"/>
+          </a:xfrm>
+          <a:prstGeom prst="rect">
+            <a:avLst/>
+          </a:prstGeom>
+          <a:ln>
+            <a:solidFill>
+              <a:schemeClr val="tx2"/>
+            </a:solidFill>
+          </a:ln>
+        </p:spPr>
+        <p:style>
+          <a:lnRef idx="1">
+            <a:schemeClr val="accent3"/>
+          </a:lnRef>
+          <a:fillRef idx="2">
+            <a:schemeClr val="accent3"/>
+          </a:fillRef>
+          <a:effectRef idx="1">
+            <a:schemeClr val="accent3"/>
+          </a:effectRef>
+          <a:fontRef idx="minor">
+            <a:schemeClr val="dk1"/>
+          </a:fontRef>
+        </p:style>
+        <p:txBody>
+          <a:bodyPr rtlCol="0" anchor="ctr"/>
+          <a:lstStyle/>
+          <a:p>
+            <a:pPr algn="ctr"/>
+            <a:endParaRPr lang="en-US" sz="2400"/>
+          </a:p>
+        </p:txBody>
+      </p:sp>
+      <p:sp>
+        <p:nvSpPr>
+          <p:cNvPr id="220" name="Rectangle 219"/>
+          <p:cNvSpPr/>
+          <p:nvPr/>
+        </p:nvSpPr>
+        <p:spPr>
+          <a:xfrm>
+            <a:off x="8127969" y="3900410"/>
+            <a:ext cx="595087" cy="333828"/>
+          </a:xfrm>
+          <a:prstGeom prst="rect">
+            <a:avLst/>
+          </a:prstGeom>
+          <a:ln>
+            <a:solidFill>
+              <a:schemeClr val="tx2"/>
+            </a:solidFill>
+          </a:ln>
+        </p:spPr>
+        <p:style>
+          <a:lnRef idx="1">
+            <a:schemeClr val="accent3"/>
+          </a:lnRef>
+          <a:fillRef idx="2">
+            <a:schemeClr val="accent3"/>
+          </a:fillRef>
+          <a:effectRef idx="1">
+            <a:schemeClr val="accent3"/>
+          </a:effectRef>
+          <a:fontRef idx="minor">
+            <a:schemeClr val="dk1"/>
+          </a:fontRef>
+        </p:style>
+        <p:txBody>
+          <a:bodyPr rtlCol="0" anchor="ctr"/>
+          <a:lstStyle/>
+          <a:p>
+            <a:pPr algn="ctr"/>
+            <a:endParaRPr lang="en-US" sz="2400"/>
+          </a:p>
+        </p:txBody>
+      </p:sp>
+      <p:sp>
+        <p:nvSpPr>
+          <p:cNvPr id="221" name="Rectangle 220"/>
+          <p:cNvSpPr/>
+          <p:nvPr/>
+        </p:nvSpPr>
+        <p:spPr>
+          <a:xfrm>
+            <a:off x="8127969" y="4234238"/>
+            <a:ext cx="595087" cy="333828"/>
+          </a:xfrm>
+          <a:prstGeom prst="rect">
+            <a:avLst/>
+          </a:prstGeom>
+          <a:ln w="12700">
+            <a:solidFill>
+              <a:schemeClr val="bg1">
+                <a:lumMod val="50000"/>
+              </a:schemeClr>
+            </a:solidFill>
+          </a:ln>
+        </p:spPr>
+        <p:style>
+          <a:lnRef idx="1">
+            <a:schemeClr val="dk1"/>
+          </a:lnRef>
+          <a:fillRef idx="2">
+            <a:schemeClr val="dk1"/>
+          </a:fillRef>
+          <a:effectRef idx="1">
+            <a:schemeClr val="dk1"/>
+          </a:effectRef>
+          <a:fontRef idx="minor">
+            <a:schemeClr val="dk1"/>
+          </a:fontRef>
+        </p:style>
+        <p:txBody>
+          <a:bodyPr rtlCol="0" anchor="ctr"/>
+          <a:lstStyle/>
+          <a:p>
+            <a:pPr algn="ctr"/>
+            <a:endParaRPr lang="en-US" sz="2400"/>
+          </a:p>
+        </p:txBody>
+      </p:sp>
+      <p:sp>
+        <p:nvSpPr>
+          <p:cNvPr id="222" name="Rectangle 221"/>
+          <p:cNvSpPr/>
+          <p:nvPr/>
+        </p:nvSpPr>
+        <p:spPr>
+          <a:xfrm>
+            <a:off x="8127969" y="4568066"/>
+            <a:ext cx="595087" cy="333828"/>
+          </a:xfrm>
+          <a:prstGeom prst="rect">
+            <a:avLst/>
+          </a:prstGeom>
+          <a:ln w="12700">
+            <a:solidFill>
+              <a:schemeClr val="bg1">
+                <a:lumMod val="50000"/>
+              </a:schemeClr>
+            </a:solidFill>
+          </a:ln>
+        </p:spPr>
+        <p:style>
+          <a:lnRef idx="1">
+            <a:schemeClr val="dk1"/>
+          </a:lnRef>
+          <a:fillRef idx="2">
+            <a:schemeClr val="dk1"/>
+          </a:fillRef>
+          <a:effectRef idx="1">
+            <a:schemeClr val="dk1"/>
+          </a:effectRef>
+          <a:fontRef idx="minor">
+            <a:schemeClr val="dk1"/>
+          </a:fontRef>
+        </p:style>
+        <p:txBody>
+          <a:bodyPr rtlCol="0" anchor="ctr"/>
+          <a:lstStyle/>
+          <a:p>
+            <a:pPr algn="ctr"/>
+            <a:endParaRPr lang="en-US" sz="2400"/>
+          </a:p>
+        </p:txBody>
+      </p:sp>
+      <p:sp>
+        <p:nvSpPr>
+          <p:cNvPr id="223" name="Rectangle 222"/>
+          <p:cNvSpPr/>
+          <p:nvPr/>
+        </p:nvSpPr>
+        <p:spPr>
+          <a:xfrm>
+            <a:off x="8127969" y="4901894"/>
+            <a:ext cx="595087" cy="333828"/>
+          </a:xfrm>
+          <a:prstGeom prst="rect">
+            <a:avLst/>
+          </a:prstGeom>
+          <a:ln w="12700">
+            <a:solidFill>
+              <a:schemeClr val="bg1">
+                <a:lumMod val="50000"/>
+              </a:schemeClr>
+            </a:solidFill>
+          </a:ln>
+        </p:spPr>
+        <p:style>
+          <a:lnRef idx="1">
+            <a:schemeClr val="dk1"/>
+          </a:lnRef>
+          <a:fillRef idx="2">
+            <a:schemeClr val="dk1"/>
+          </a:fillRef>
+          <a:effectRef idx="1">
+            <a:schemeClr val="dk1"/>
+          </a:effectRef>
+          <a:fontRef idx="minor">
+            <a:schemeClr val="dk1"/>
+          </a:fontRef>
+        </p:style>
+        <p:txBody>
+          <a:bodyPr rtlCol="0" anchor="ctr"/>
+          <a:lstStyle/>
+          <a:p>
+            <a:pPr algn="ctr"/>
+            <a:endParaRPr lang="en-US" sz="2400"/>
+          </a:p>
+        </p:txBody>
+      </p:sp>
+      <p:sp>
+        <p:nvSpPr>
+          <p:cNvPr id="224" name="Rectangle 223"/>
+          <p:cNvSpPr/>
+          <p:nvPr/>
+        </p:nvSpPr>
+        <p:spPr>
+          <a:xfrm>
+            <a:off x="8723055" y="1236674"/>
+            <a:ext cx="595087" cy="333828"/>
+          </a:xfrm>
+          <a:prstGeom prst="rect">
+            <a:avLst/>
+          </a:prstGeom>
+          <a:ln>
+            <a:solidFill>
+              <a:schemeClr val="tx2"/>
+            </a:solidFill>
+          </a:ln>
+        </p:spPr>
+        <p:style>
+          <a:lnRef idx="1">
+            <a:schemeClr val="accent3"/>
+          </a:lnRef>
+          <a:fillRef idx="2">
+            <a:schemeClr val="accent3"/>
+          </a:fillRef>
+          <a:effectRef idx="1">
+            <a:schemeClr val="accent3"/>
+          </a:effectRef>
+          <a:fontRef idx="minor">
+            <a:schemeClr val="dk1"/>
+          </a:fontRef>
+        </p:style>
+        <p:txBody>
+          <a:bodyPr rtlCol="0" anchor="ctr"/>
+          <a:lstStyle/>
+          <a:p>
+            <a:pPr algn="ctr"/>
+            <a:endParaRPr lang="en-US" sz="2400"/>
+          </a:p>
+        </p:txBody>
+      </p:sp>
+      <p:sp>
+        <p:nvSpPr>
+          <p:cNvPr id="231" name="Rectangle 230"/>
+          <p:cNvSpPr/>
+          <p:nvPr/>
+        </p:nvSpPr>
+        <p:spPr>
+          <a:xfrm>
+            <a:off x="8723055" y="1570502"/>
+            <a:ext cx="595087" cy="333828"/>
+          </a:xfrm>
+          <a:prstGeom prst="rect">
+            <a:avLst/>
+          </a:prstGeom>
+          <a:ln>
+            <a:solidFill>
+              <a:schemeClr val="tx2"/>
+            </a:solidFill>
+          </a:ln>
+        </p:spPr>
+        <p:style>
+          <a:lnRef idx="1">
+            <a:schemeClr val="accent3"/>
+          </a:lnRef>
+          <a:fillRef idx="2">
+            <a:schemeClr val="accent3"/>
+          </a:fillRef>
+          <a:effectRef idx="1">
+            <a:schemeClr val="accent3"/>
+          </a:effectRef>
+          <a:fontRef idx="minor">
+            <a:schemeClr val="dk1"/>
+          </a:fontRef>
+        </p:style>
+        <p:txBody>
+          <a:bodyPr rtlCol="0" anchor="ctr"/>
+          <a:lstStyle/>
+          <a:p>
+            <a:pPr algn="ctr"/>
+            <a:endParaRPr lang="en-US" sz="2400"/>
+          </a:p>
+        </p:txBody>
+      </p:sp>
+      <p:sp>
+        <p:nvSpPr>
+          <p:cNvPr id="232" name="Rectangle 231"/>
+          <p:cNvSpPr/>
+          <p:nvPr/>
+        </p:nvSpPr>
+        <p:spPr>
+          <a:xfrm>
+            <a:off x="8723055" y="1904330"/>
+            <a:ext cx="595087" cy="333828"/>
+          </a:xfrm>
+          <a:prstGeom prst="rect">
+            <a:avLst/>
+          </a:prstGeom>
+          <a:ln>
+            <a:solidFill>
+              <a:schemeClr val="tx2"/>
+            </a:solidFill>
+          </a:ln>
+        </p:spPr>
+        <p:style>
+          <a:lnRef idx="1">
+            <a:schemeClr val="accent3"/>
+          </a:lnRef>
+          <a:fillRef idx="2">
+            <a:schemeClr val="accent3"/>
+          </a:fillRef>
+          <a:effectRef idx="1">
+            <a:schemeClr val="accent3"/>
+          </a:effectRef>
+          <a:fontRef idx="minor">
+            <a:schemeClr val="dk1"/>
+          </a:fontRef>
+        </p:style>
+        <p:txBody>
+          <a:bodyPr rtlCol="0" anchor="ctr"/>
+          <a:lstStyle/>
+          <a:p>
+            <a:pPr algn="ctr"/>
+            <a:endParaRPr lang="en-US" sz="2400"/>
+          </a:p>
+        </p:txBody>
+      </p:sp>
+      <p:sp>
+        <p:nvSpPr>
+          <p:cNvPr id="233" name="Rectangle 232"/>
+          <p:cNvSpPr/>
+          <p:nvPr/>
+        </p:nvSpPr>
+        <p:spPr>
+          <a:xfrm>
+            <a:off x="8723055" y="2238158"/>
+            <a:ext cx="595087" cy="333828"/>
+          </a:xfrm>
+          <a:prstGeom prst="rect">
+            <a:avLst/>
+          </a:prstGeom>
+          <a:ln>
+            <a:solidFill>
+              <a:schemeClr val="tx2"/>
+            </a:solidFill>
+          </a:ln>
+        </p:spPr>
+        <p:style>
+          <a:lnRef idx="1">
+            <a:schemeClr val="accent3"/>
+          </a:lnRef>
+          <a:fillRef idx="2">
+            <a:schemeClr val="accent3"/>
+          </a:fillRef>
+          <a:effectRef idx="1">
+            <a:schemeClr val="accent3"/>
+          </a:effectRef>
+          <a:fontRef idx="minor">
+            <a:schemeClr val="dk1"/>
+          </a:fontRef>
+        </p:style>
+        <p:txBody>
+          <a:bodyPr rtlCol="0" anchor="ctr"/>
+          <a:lstStyle/>
+          <a:p>
+            <a:pPr algn="ctr"/>
+            <a:endParaRPr lang="en-US" sz="2400"/>
+          </a:p>
+        </p:txBody>
+      </p:sp>
+      <p:sp>
+        <p:nvSpPr>
+          <p:cNvPr id="237" name="Rectangle 236"/>
+          <p:cNvSpPr/>
+          <p:nvPr/>
+        </p:nvSpPr>
+        <p:spPr>
+          <a:xfrm>
+            <a:off x="8723055" y="2571986"/>
+            <a:ext cx="595087" cy="333828"/>
+          </a:xfrm>
+          <a:prstGeom prst="rect">
+            <a:avLst/>
+          </a:prstGeom>
+          <a:ln>
+            <a:solidFill>
+              <a:schemeClr val="tx2"/>
+            </a:solidFill>
+          </a:ln>
+        </p:spPr>
+        <p:style>
+          <a:lnRef idx="1">
+            <a:schemeClr val="accent3"/>
+          </a:lnRef>
+          <a:fillRef idx="2">
+            <a:schemeClr val="accent3"/>
+          </a:fillRef>
+          <a:effectRef idx="1">
+            <a:schemeClr val="accent3"/>
+          </a:effectRef>
+          <a:fontRef idx="minor">
+            <a:schemeClr val="dk1"/>
+          </a:fontRef>
+        </p:style>
+        <p:txBody>
+          <a:bodyPr rtlCol="0" anchor="ctr"/>
+          <a:lstStyle/>
+          <a:p>
+            <a:pPr algn="ctr"/>
+            <a:endParaRPr lang="en-US" sz="2400"/>
+          </a:p>
+        </p:txBody>
+      </p:sp>
+      <p:sp>
+        <p:nvSpPr>
+          <p:cNvPr id="238" name="Rectangle 237"/>
+          <p:cNvSpPr/>
+          <p:nvPr/>
+        </p:nvSpPr>
+        <p:spPr>
+          <a:xfrm>
+            <a:off x="8723055" y="2902185"/>
+            <a:ext cx="595087" cy="333828"/>
+          </a:xfrm>
+          <a:prstGeom prst="rect">
+            <a:avLst/>
+          </a:prstGeom>
+          <a:ln>
+            <a:solidFill>
+              <a:schemeClr val="tx2"/>
+            </a:solidFill>
+          </a:ln>
+        </p:spPr>
+        <p:style>
+          <a:lnRef idx="1">
+            <a:schemeClr val="accent3"/>
+          </a:lnRef>
+          <a:fillRef idx="2">
+            <a:schemeClr val="accent3"/>
+          </a:fillRef>
+          <a:effectRef idx="1">
+            <a:schemeClr val="accent3"/>
+          </a:effectRef>
+          <a:fontRef idx="minor">
+            <a:schemeClr val="dk1"/>
+          </a:fontRef>
+        </p:style>
+        <p:txBody>
+          <a:bodyPr rtlCol="0" anchor="ctr"/>
+          <a:lstStyle/>
+          <a:p>
+            <a:pPr algn="ctr"/>
+            <a:endParaRPr lang="en-US" sz="2400"/>
+          </a:p>
+        </p:txBody>
+      </p:sp>
+      <p:sp>
+        <p:nvSpPr>
+          <p:cNvPr id="239" name="Rectangle 238"/>
+          <p:cNvSpPr/>
+          <p:nvPr/>
+        </p:nvSpPr>
+        <p:spPr>
+          <a:xfrm>
+            <a:off x="8723055" y="3232754"/>
+            <a:ext cx="595087" cy="333828"/>
+          </a:xfrm>
+          <a:prstGeom prst="rect">
+            <a:avLst/>
+          </a:prstGeom>
+          <a:ln>
+            <a:solidFill>
+              <a:schemeClr val="tx2"/>
+            </a:solidFill>
+          </a:ln>
+        </p:spPr>
+        <p:style>
+          <a:lnRef idx="1">
+            <a:schemeClr val="accent3"/>
+          </a:lnRef>
+          <a:fillRef idx="2">
+            <a:schemeClr val="accent3"/>
+          </a:fillRef>
+          <a:effectRef idx="1">
+            <a:schemeClr val="accent3"/>
+          </a:effectRef>
+          <a:fontRef idx="minor">
+            <a:schemeClr val="dk1"/>
+          </a:fontRef>
+        </p:style>
+        <p:txBody>
+          <a:bodyPr rtlCol="0" anchor="ctr"/>
+          <a:lstStyle/>
+          <a:p>
+            <a:pPr algn="ctr"/>
+            <a:endParaRPr lang="en-US" sz="2400"/>
+          </a:p>
+        </p:txBody>
+      </p:sp>
+      <p:sp>
+        <p:nvSpPr>
+          <p:cNvPr id="240" name="Rectangle 239"/>
+          <p:cNvSpPr/>
+          <p:nvPr/>
+        </p:nvSpPr>
+        <p:spPr>
+          <a:xfrm>
+            <a:off x="8723055" y="3566582"/>
+            <a:ext cx="595087" cy="333828"/>
+          </a:xfrm>
+          <a:prstGeom prst="rect">
+            <a:avLst/>
+          </a:prstGeom>
+          <a:ln>
+            <a:solidFill>
+              <a:schemeClr val="tx2"/>
+            </a:solidFill>
+          </a:ln>
+        </p:spPr>
+        <p:style>
+          <a:lnRef idx="1">
+            <a:schemeClr val="accent3"/>
+          </a:lnRef>
+          <a:fillRef idx="2">
+            <a:schemeClr val="accent3"/>
+          </a:fillRef>
+          <a:effectRef idx="1">
+            <a:schemeClr val="accent3"/>
+          </a:effectRef>
+          <a:fontRef idx="minor">
+            <a:schemeClr val="dk1"/>
+          </a:fontRef>
+        </p:style>
+        <p:txBody>
+          <a:bodyPr rtlCol="0" anchor="ctr"/>
+          <a:lstStyle/>
+          <a:p>
+            <a:pPr algn="ctr"/>
+            <a:endParaRPr lang="en-US" sz="2400"/>
+          </a:p>
+        </p:txBody>
+      </p:sp>
+      <p:sp>
+        <p:nvSpPr>
+          <p:cNvPr id="241" name="Rectangle 240"/>
+          <p:cNvSpPr/>
+          <p:nvPr/>
+        </p:nvSpPr>
+        <p:spPr>
+          <a:xfrm>
+            <a:off x="8723055" y="3900410"/>
+            <a:ext cx="595087" cy="333828"/>
+          </a:xfrm>
+          <a:prstGeom prst="rect">
+            <a:avLst/>
+          </a:prstGeom>
+          <a:ln>
+            <a:solidFill>
+              <a:schemeClr val="tx2"/>
+            </a:solidFill>
+          </a:ln>
+        </p:spPr>
+        <p:style>
+          <a:lnRef idx="1">
+            <a:schemeClr val="accent3"/>
+          </a:lnRef>
+          <a:fillRef idx="2">
+            <a:schemeClr val="accent3"/>
+          </a:fillRef>
+          <a:effectRef idx="1">
+            <a:schemeClr val="accent3"/>
+          </a:effectRef>
+          <a:fontRef idx="minor">
+            <a:schemeClr val="dk1"/>
+          </a:fontRef>
+        </p:style>
+        <p:txBody>
+          <a:bodyPr rtlCol="0" anchor="ctr"/>
+          <a:lstStyle/>
+          <a:p>
+            <a:pPr algn="ctr"/>
+            <a:endParaRPr lang="en-US" sz="2400"/>
+          </a:p>
+        </p:txBody>
+      </p:sp>
+      <p:sp>
+        <p:nvSpPr>
+          <p:cNvPr id="242" name="Rectangle 241"/>
+          <p:cNvSpPr/>
+          <p:nvPr/>
+        </p:nvSpPr>
+        <p:spPr>
+          <a:xfrm>
+            <a:off x="8723055" y="4234238"/>
+            <a:ext cx="595087" cy="333828"/>
+          </a:xfrm>
+          <a:prstGeom prst="rect">
+            <a:avLst/>
+          </a:prstGeom>
+          <a:ln w="12700">
+            <a:solidFill>
+              <a:schemeClr val="bg1">
+                <a:lumMod val="50000"/>
+              </a:schemeClr>
+            </a:solidFill>
+          </a:ln>
+        </p:spPr>
+        <p:style>
+          <a:lnRef idx="1">
+            <a:schemeClr val="dk1"/>
+          </a:lnRef>
+          <a:fillRef idx="2">
+            <a:schemeClr val="dk1"/>
+          </a:fillRef>
+          <a:effectRef idx="1">
+            <a:schemeClr val="dk1"/>
+          </a:effectRef>
+          <a:fontRef idx="minor">
+            <a:schemeClr val="dk1"/>
+          </a:fontRef>
+        </p:style>
+        <p:txBody>
+          <a:bodyPr rtlCol="0" anchor="ctr"/>
+          <a:lstStyle/>
+          <a:p>
+            <a:pPr algn="ctr"/>
+            <a:endParaRPr lang="en-US" sz="2400"/>
+          </a:p>
+        </p:txBody>
+      </p:sp>
+      <p:sp>
+        <p:nvSpPr>
+          <p:cNvPr id="243" name="Rectangle 242"/>
+          <p:cNvSpPr/>
+          <p:nvPr/>
+        </p:nvSpPr>
+        <p:spPr>
+          <a:xfrm>
+            <a:off x="8723055" y="4568066"/>
+            <a:ext cx="595087" cy="333828"/>
+          </a:xfrm>
+          <a:prstGeom prst="rect">
+            <a:avLst/>
+          </a:prstGeom>
+          <a:ln w="12700">
+            <a:solidFill>
+              <a:schemeClr val="bg1">
+                <a:lumMod val="50000"/>
+              </a:schemeClr>
+            </a:solidFill>
+          </a:ln>
+        </p:spPr>
+        <p:style>
+          <a:lnRef idx="1">
+            <a:schemeClr val="dk1"/>
+          </a:lnRef>
+          <a:fillRef idx="2">
+            <a:schemeClr val="dk1"/>
+          </a:fillRef>
+          <a:effectRef idx="1">
+            <a:schemeClr val="dk1"/>
+          </a:effectRef>
+          <a:fontRef idx="minor">
+            <a:schemeClr val="dk1"/>
+          </a:fontRef>
+        </p:style>
+        <p:txBody>
+          <a:bodyPr rtlCol="0" anchor="ctr"/>
+          <a:lstStyle/>
+          <a:p>
+            <a:pPr algn="ctr"/>
+            <a:endParaRPr lang="en-US" sz="2400"/>
+          </a:p>
+        </p:txBody>
+      </p:sp>
+      <p:sp>
+        <p:nvSpPr>
+          <p:cNvPr id="244" name="Rectangle 243"/>
+          <p:cNvSpPr/>
+          <p:nvPr/>
+        </p:nvSpPr>
+        <p:spPr>
+          <a:xfrm>
+            <a:off x="8723055" y="4901894"/>
+            <a:ext cx="595087" cy="333828"/>
+          </a:xfrm>
+          <a:prstGeom prst="rect">
+            <a:avLst/>
+          </a:prstGeom>
+          <a:ln w="12700">
+            <a:solidFill>
+              <a:schemeClr val="bg1">
+                <a:lumMod val="50000"/>
+              </a:schemeClr>
+            </a:solidFill>
+          </a:ln>
+        </p:spPr>
+        <p:style>
+          <a:lnRef idx="1">
+            <a:schemeClr val="dk1"/>
+          </a:lnRef>
+          <a:fillRef idx="2">
+            <a:schemeClr val="dk1"/>
+          </a:fillRef>
+          <a:effectRef idx="1">
+            <a:schemeClr val="dk1"/>
+          </a:effectRef>
+          <a:fontRef idx="minor">
+            <a:schemeClr val="dk1"/>
+          </a:fontRef>
+        </p:style>
+        <p:txBody>
+          <a:bodyPr rtlCol="0" anchor="ctr"/>
+          <a:lstStyle/>
+          <a:p>
+            <a:pPr algn="ctr"/>
+            <a:endParaRPr lang="en-US" sz="2400"/>
+          </a:p>
+        </p:txBody>
+      </p:sp>
+      <p:cxnSp>
+        <p:nvCxnSpPr>
+          <p:cNvPr id="234" name="Straight Arrow Connector 233"/>
+          <p:cNvCxnSpPr/>
+          <p:nvPr/>
+        </p:nvCxnSpPr>
+        <p:spPr>
+          <a:xfrm flipH="1" flipV="1">
+            <a:off x="8426926" y="4437447"/>
+            <a:ext cx="2177633" cy="775632"/>
+          </a:xfrm>
+          <a:prstGeom prst="straightConnector1">
+            <a:avLst/>
+          </a:prstGeom>
+          <a:ln>
+            <a:solidFill>
+              <a:schemeClr val="tx1"/>
+            </a:solidFill>
+            <a:tailEnd type="triangle"/>
+          </a:ln>
+        </p:spPr>
+        <p:style>
+          <a:lnRef idx="2">
+            <a:schemeClr val="accent1"/>
+          </a:lnRef>
+          <a:fillRef idx="0">
+            <a:schemeClr val="accent1"/>
+          </a:fillRef>
+          <a:effectRef idx="1">
+            <a:schemeClr val="accent1"/>
+          </a:effectRef>
+          <a:fontRef idx="minor">
+            <a:schemeClr val="tx1"/>
+          </a:fontRef>
+        </p:style>
+      </p:cxnSp>
+      <p:sp>
+        <p:nvSpPr>
+          <p:cNvPr id="2" name="Right Brace 1"/>
+          <p:cNvSpPr/>
+          <p:nvPr/>
+        </p:nvSpPr>
+        <p:spPr>
+          <a:xfrm>
+            <a:off x="9384351" y="1236674"/>
+            <a:ext cx="196965" cy="3976404"/>
+          </a:xfrm>
+          <a:prstGeom prst="rightBrace">
+            <a:avLst/>
+          </a:prstGeom>
+          <a:ln>
+            <a:solidFill>
+              <a:schemeClr val="bg1">
+                <a:lumMod val="50000"/>
+              </a:schemeClr>
+            </a:solidFill>
+          </a:ln>
+        </p:spPr>
+        <p:style>
+          <a:lnRef idx="2">
+            <a:schemeClr val="accent1"/>
+          </a:lnRef>
+          <a:fillRef idx="0">
+            <a:schemeClr val="accent1"/>
+          </a:fillRef>
+          <a:effectRef idx="1">
+            <a:schemeClr val="accent1"/>
+          </a:effectRef>
+          <a:fontRef idx="minor">
+            <a:schemeClr val="tx1"/>
+          </a:fontRef>
+        </p:style>
+        <p:txBody>
+          <a:bodyPr rtlCol="0" anchor="ctr"/>
+          <a:lstStyle/>
+          <a:p>
+            <a:pPr algn="ctr"/>
+            <a:endParaRPr lang="en-US" sz="2400"/>
+          </a:p>
+        </p:txBody>
+      </p:sp>
+      <p:sp>
+        <p:nvSpPr>
+          <p:cNvPr id="245" name="Right Brace 244"/>
+          <p:cNvSpPr/>
+          <p:nvPr/>
+        </p:nvSpPr>
+        <p:spPr>
+          <a:xfrm rot="16200000">
+            <a:off x="2931844" y="-998163"/>
+            <a:ext cx="275777" cy="4165608"/>
+          </a:xfrm>
+          <a:prstGeom prst="rightBrace">
+            <a:avLst/>
+          </a:prstGeom>
+          <a:ln>
+            <a:solidFill>
+              <a:schemeClr val="bg1">
+                <a:lumMod val="50000"/>
+              </a:schemeClr>
+            </a:solidFill>
+          </a:ln>
+        </p:spPr>
+        <p:style>
+          <a:lnRef idx="2">
+            <a:schemeClr val="accent1"/>
+          </a:lnRef>
+          <a:fillRef idx="0">
+            <a:schemeClr val="accent1"/>
+          </a:fillRef>
+          <a:effectRef idx="1">
+            <a:schemeClr val="accent1"/>
+          </a:effectRef>
+          <a:fontRef idx="minor">
+            <a:schemeClr val="tx1"/>
+          </a:fontRef>
+        </p:style>
+        <p:txBody>
+          <a:bodyPr rtlCol="0" anchor="ctr"/>
+          <a:lstStyle/>
+          <a:p>
+            <a:pPr algn="ctr"/>
+            <a:endParaRPr lang="en-US" sz="2400"/>
+          </a:p>
+        </p:txBody>
+      </p:sp>
+      <p:sp>
+        <p:nvSpPr>
+          <p:cNvPr id="246" name="Right Brace 245"/>
+          <p:cNvSpPr/>
+          <p:nvPr/>
+        </p:nvSpPr>
+        <p:spPr>
+          <a:xfrm rot="16200000">
+            <a:off x="7107137" y="-1007852"/>
+            <a:ext cx="267280" cy="4176485"/>
+          </a:xfrm>
+          <a:prstGeom prst="rightBrace">
+            <a:avLst/>
+          </a:prstGeom>
+          <a:ln>
+            <a:solidFill>
+              <a:schemeClr val="bg1">
+                <a:lumMod val="50000"/>
+              </a:schemeClr>
+            </a:solidFill>
+          </a:ln>
+        </p:spPr>
+        <p:style>
+          <a:lnRef idx="2">
+            <a:schemeClr val="accent1"/>
+          </a:lnRef>
+          <a:fillRef idx="0">
+            <a:schemeClr val="accent1"/>
+          </a:fillRef>
+          <a:effectRef idx="1">
+            <a:schemeClr val="accent1"/>
+          </a:effectRef>
+          <a:fontRef idx="minor">
+            <a:schemeClr val="tx1"/>
+          </a:fontRef>
+        </p:style>
+        <p:txBody>
+          <a:bodyPr rtlCol="0" anchor="ctr"/>
+          <a:lstStyle/>
+          <a:p>
+            <a:pPr algn="ctr"/>
+            <a:endParaRPr lang="en-US" sz="2400"/>
+          </a:p>
+        </p:txBody>
+      </p:sp>
+      <p:sp>
+        <p:nvSpPr>
+          <p:cNvPr id="247" name="TextBox 246"/>
+          <p:cNvSpPr txBox="1"/>
+          <p:nvPr/>
+        </p:nvSpPr>
+        <p:spPr>
+          <a:xfrm>
+            <a:off x="2935571" y="148307"/>
+            <a:ext cx="4432817" cy="420564"/>
+          </a:xfrm>
+          <a:prstGeom prst="rect">
+            <a:avLst/>
+          </a:prstGeom>
+          <a:noFill/>
+        </p:spPr>
+        <p:txBody>
+          <a:bodyPr wrap="none" rtlCol="0">
+            <a:spAutoFit/>
+          </a:bodyPr>
+          <a:lstStyle/>
+          <a:p>
+            <a:r>
+              <a:rPr lang="en-US" sz="2133" dirty="0">
+                <a:solidFill>
+                  <a:schemeClr val="bg1">
+                    <a:lumMod val="50000"/>
+                  </a:schemeClr>
+                </a:solidFill>
+                <a:latin typeface="Calibri" charset="0"/>
+                <a:ea typeface="Calibri" charset="0"/>
+                <a:cs typeface="Calibri" charset="0"/>
+              </a:rPr>
+              <a:t>Transmission Time Interval (TTI) = 1ms</a:t>
+            </a:r>
+            <a:endParaRPr lang="en-US" sz="2133" dirty="0">
+              <a:solidFill>
+                <a:schemeClr val="bg1">
+                  <a:lumMod val="50000"/>
+                </a:schemeClr>
+              </a:solidFill>
+              <a:latin typeface="Calibri" charset="0"/>
+              <a:ea typeface="Calibri" charset="0"/>
+              <a:cs typeface="Calibri" charset="0"/>
+            </a:endParaRPr>
+          </a:p>
+        </p:txBody>
+      </p:sp>
+      <p:sp>
+        <p:nvSpPr>
+          <p:cNvPr id="248" name="TextBox 247"/>
+          <p:cNvSpPr txBox="1"/>
+          <p:nvPr/>
+        </p:nvSpPr>
+        <p:spPr>
+          <a:xfrm>
+            <a:off x="6937795" y="599925"/>
+            <a:ext cx="567784" cy="379656"/>
+          </a:xfrm>
+          <a:prstGeom prst="rect">
+            <a:avLst/>
+          </a:prstGeom>
+          <a:noFill/>
+        </p:spPr>
+        <p:txBody>
+          <a:bodyPr wrap="none" rtlCol="0">
+            <a:spAutoFit/>
+          </a:bodyPr>
+          <a:lstStyle/>
+          <a:p>
+            <a:r>
+              <a:rPr lang="en-US" sz="1867" dirty="0">
+                <a:solidFill>
+                  <a:schemeClr val="bg1">
+                    <a:lumMod val="50000"/>
+                  </a:schemeClr>
+                </a:solidFill>
+                <a:latin typeface="Calibri" charset="0"/>
+                <a:ea typeface="Calibri" charset="0"/>
+                <a:cs typeface="Calibri" charset="0"/>
+              </a:rPr>
+              <a:t>PRB</a:t>
+            </a:r>
+            <a:endParaRPr lang="en-US" sz="1867" dirty="0">
+              <a:solidFill>
+                <a:schemeClr val="bg1">
+                  <a:lumMod val="50000"/>
+                </a:schemeClr>
+              </a:solidFill>
+              <a:latin typeface="Calibri" charset="0"/>
+              <a:ea typeface="Calibri" charset="0"/>
+              <a:cs typeface="Calibri" charset="0"/>
+            </a:endParaRPr>
+          </a:p>
+        </p:txBody>
+      </p:sp>
+    </p:spTree>
+    <p:extLst>
+      <p:ext uri="{BB962C8B-B14F-4D97-AF65-F5344CB8AC3E}">
+        <p14:creationId xmlns:p14="http://schemas.microsoft.com/office/powerpoint/2010/main" val="971945398"/>
+      </p:ext>
+    </p:extLst>
+  </p:cSld>
+  <p:clrMapOvr>
+    <a:masterClrMapping/>
+  </p:clrMapOvr>
+  <p:timing>
+    <p:tnLst>
+      <p:par>
+        <p:cTn id="1" dur="indefinite" restart="never" nodeType="tmRoot"/>
+      </p:par>
+    </p:tnLst>
+  </p:timing>
 </p:sld>
 </file>
 
@@ -7099,4 +16596,265 @@
     </a:ext>
   </a:extLst>
 </a:theme>
+</file>
+
+<file path=ppt/theme/theme2.xml><?xml version="1.0" encoding="utf-8"?>
+<a:theme xmlns:a="http://schemas.openxmlformats.org/drawingml/2006/main" name="Office Theme">
+  <a:themeElements>
+    <a:clrScheme name="Office">
+      <a:dk1>
+        <a:sysClr val="windowText" lastClr="000000"/>
+      </a:dk1>
+      <a:lt1>
+        <a:sysClr val="window" lastClr="FFFFFF"/>
+      </a:lt1>
+      <a:dk2>
+        <a:srgbClr val="44546A"/>
+      </a:dk2>
+      <a:lt2>
+        <a:srgbClr val="E7E6E6"/>
+      </a:lt2>
+      <a:accent1>
+        <a:srgbClr val="5B9BD5"/>
+      </a:accent1>
+      <a:accent2>
+        <a:srgbClr val="ED7D31"/>
+      </a:accent2>
+      <a:accent3>
+        <a:srgbClr val="A5A5A5"/>
+      </a:accent3>
+      <a:accent4>
+        <a:srgbClr val="FFC000"/>
+      </a:accent4>
+      <a:accent5>
+        <a:srgbClr val="4472C4"/>
+      </a:accent5>
+      <a:accent6>
+        <a:srgbClr val="70AD47"/>
+      </a:accent6>
+      <a:hlink>
+        <a:srgbClr val="0563C1"/>
+      </a:hlink>
+      <a:folHlink>
+        <a:srgbClr val="954F72"/>
+      </a:folHlink>
+    </a:clrScheme>
+    <a:fontScheme name="Office">
+      <a:majorFont>
+        <a:latin typeface="Calibri Light" panose="020F0302020204030204"/>
+        <a:ea typeface=""/>
+        <a:cs typeface=""/>
+        <a:font script="Jpan" typeface="ＭＳ Ｐゴシック"/>
+        <a:font script="Hang" typeface="맑은 고딕"/>
+        <a:font script="Hans" typeface="宋体"/>
+        <a:font script="Hant" typeface="新細明體"/>
+        <a:font script="Arab" typeface="Times New Roman"/>
+        <a:font script="Hebr" typeface="Times New Roman"/>
+        <a:font script="Thai" typeface="Angsana New"/>
+        <a:font script="Ethi" typeface="Nyala"/>
+        <a:font script="Beng" typeface="Vrinda"/>
+        <a:font script="Gujr" typeface="Shruti"/>
+        <a:font script="Khmr" typeface="MoolBoran"/>
+        <a:font script="Knda" typeface="Tunga"/>
+        <a:font script="Guru" typeface="Raavi"/>
+        <a:font script="Cans" typeface="Euphemia"/>
+        <a:font script="Cher" typeface="Plantagenet Cherokee"/>
+        <a:font script="Yiii" typeface="Microsoft Yi Baiti"/>
+        <a:font script="Tibt" typeface="Microsoft Himalaya"/>
+        <a:font script="Thaa" typeface="MV Boli"/>
+        <a:font script="Deva" typeface="Mangal"/>
+        <a:font script="Telu" typeface="Gautami"/>
+        <a:font script="Taml" typeface="Latha"/>
+        <a:font script="Syrc" typeface="Estrangelo Edessa"/>
+        <a:font script="Orya" typeface="Kalinga"/>
+        <a:font script="Mlym" typeface="Kartika"/>
+        <a:font script="Laoo" typeface="DokChampa"/>
+        <a:font script="Sinh" typeface="Iskoola Pota"/>
+        <a:font script="Mong" typeface="Mongolian Baiti"/>
+        <a:font script="Viet" typeface="Times New Roman"/>
+        <a:font script="Uigh" typeface="Microsoft Uighur"/>
+        <a:font script="Geor" typeface="Sylfaen"/>
+      </a:majorFont>
+      <a:minorFont>
+        <a:latin typeface="Calibri" panose="020F0502020204030204"/>
+        <a:ea typeface=""/>
+        <a:cs typeface=""/>
+        <a:font script="Jpan" typeface="ＭＳ Ｐゴシック"/>
+        <a:font script="Hang" typeface="맑은 고딕"/>
+        <a:font script="Hans" typeface="宋体"/>
+        <a:font script="Hant" typeface="新細明體"/>
+        <a:font script="Arab" typeface="Arial"/>
+        <a:font script="Hebr" typeface="Arial"/>
+        <a:font script="Thai" typeface="Cordia New"/>
+        <a:font script="Ethi" typeface="Nyala"/>
+        <a:font script="Beng" typeface="Vrinda"/>
+        <a:font script="Gujr" typeface="Shruti"/>
+        <a:font script="Khmr" typeface="DaunPenh"/>
+        <a:font script="Knda" typeface="Tunga"/>
+        <a:font script="Guru" typeface="Raavi"/>
+        <a:font script="Cans" typeface="Euphemia"/>
+        <a:font script="Cher" typeface="Plantagenet Cherokee"/>
+        <a:font script="Yiii" typeface="Microsoft Yi Baiti"/>
+        <a:font script="Tibt" typeface="Microsoft Himalaya"/>
+        <a:font script="Thaa" typeface="MV Boli"/>
+        <a:font script="Deva" typeface="Mangal"/>
+        <a:font script="Telu" typeface="Gautami"/>
+        <a:font script="Taml" typeface="Latha"/>
+        <a:font script="Syrc" typeface="Estrangelo Edessa"/>
+        <a:font script="Orya" typeface="Kalinga"/>
+        <a:font script="Mlym" typeface="Kartika"/>
+        <a:font script="Laoo" typeface="DokChampa"/>
+        <a:font script="Sinh" typeface="Iskoola Pota"/>
+        <a:font script="Mong" typeface="Mongolian Baiti"/>
+        <a:font script="Viet" typeface="Arial"/>
+        <a:font script="Uigh" typeface="Microsoft Uighur"/>
+        <a:font script="Geor" typeface="Sylfaen"/>
+      </a:minorFont>
+    </a:fontScheme>
+    <a:fmtScheme name="Office">
+      <a:fillStyleLst>
+        <a:solidFill>
+          <a:schemeClr val="phClr"/>
+        </a:solidFill>
+        <a:gradFill rotWithShape="1">
+          <a:gsLst>
+            <a:gs pos="0">
+              <a:schemeClr val="phClr">
+                <a:lumMod val="110000"/>
+                <a:satMod val="105000"/>
+                <a:tint val="67000"/>
+              </a:schemeClr>
+            </a:gs>
+            <a:gs pos="50000">
+              <a:schemeClr val="phClr">
+                <a:lumMod val="105000"/>
+                <a:satMod val="103000"/>
+                <a:tint val="73000"/>
+              </a:schemeClr>
+            </a:gs>
+            <a:gs pos="100000">
+              <a:schemeClr val="phClr">
+                <a:lumMod val="105000"/>
+                <a:satMod val="109000"/>
+                <a:tint val="81000"/>
+              </a:schemeClr>
+            </a:gs>
+          </a:gsLst>
+          <a:lin ang="5400000" scaled="0"/>
+        </a:gradFill>
+        <a:gradFill rotWithShape="1">
+          <a:gsLst>
+            <a:gs pos="0">
+              <a:schemeClr val="phClr">
+                <a:satMod val="103000"/>
+                <a:lumMod val="102000"/>
+                <a:tint val="94000"/>
+              </a:schemeClr>
+            </a:gs>
+            <a:gs pos="50000">
+              <a:schemeClr val="phClr">
+                <a:satMod val="110000"/>
+                <a:lumMod val="100000"/>
+                <a:shade val="100000"/>
+              </a:schemeClr>
+            </a:gs>
+            <a:gs pos="100000">
+              <a:schemeClr val="phClr">
+                <a:lumMod val="99000"/>
+                <a:satMod val="120000"/>
+                <a:shade val="78000"/>
+              </a:schemeClr>
+            </a:gs>
+          </a:gsLst>
+          <a:lin ang="5400000" scaled="0"/>
+        </a:gradFill>
+      </a:fillStyleLst>
+      <a:lnStyleLst>
+        <a:ln w="6350" cap="flat" cmpd="sng" algn="ctr">
+          <a:solidFill>
+            <a:schemeClr val="phClr"/>
+          </a:solidFill>
+          <a:prstDash val="solid"/>
+          <a:miter lim="800000"/>
+        </a:ln>
+        <a:ln w="12700" cap="flat" cmpd="sng" algn="ctr">
+          <a:solidFill>
+            <a:schemeClr val="phClr"/>
+          </a:solidFill>
+          <a:prstDash val="solid"/>
+          <a:miter lim="800000"/>
+        </a:ln>
+        <a:ln w="19050" cap="flat" cmpd="sng" algn="ctr">
+          <a:solidFill>
+            <a:schemeClr val="phClr"/>
+          </a:solidFill>
+          <a:prstDash val="solid"/>
+          <a:miter lim="800000"/>
+        </a:ln>
+      </a:lnStyleLst>
+      <a:effectStyleLst>
+        <a:effectStyle>
+          <a:effectLst/>
+        </a:effectStyle>
+        <a:effectStyle>
+          <a:effectLst/>
+        </a:effectStyle>
+        <a:effectStyle>
+          <a:effectLst>
+            <a:outerShdw blurRad="57150" dist="19050" dir="5400000" algn="ctr" rotWithShape="0">
+              <a:srgbClr val="000000">
+                <a:alpha val="63000"/>
+              </a:srgbClr>
+            </a:outerShdw>
+          </a:effectLst>
+        </a:effectStyle>
+      </a:effectStyleLst>
+      <a:bgFillStyleLst>
+        <a:solidFill>
+          <a:schemeClr val="phClr"/>
+        </a:solidFill>
+        <a:solidFill>
+          <a:schemeClr val="phClr">
+            <a:tint val="95000"/>
+            <a:satMod val="170000"/>
+          </a:schemeClr>
+        </a:solidFill>
+        <a:gradFill rotWithShape="1">
+          <a:gsLst>
+            <a:gs pos="0">
+              <a:schemeClr val="phClr">
+                <a:tint val="93000"/>
+                <a:satMod val="150000"/>
+                <a:shade val="98000"/>
+                <a:lumMod val="102000"/>
+              </a:schemeClr>
+            </a:gs>
+            <a:gs pos="50000">
+              <a:schemeClr val="phClr">
+                <a:tint val="98000"/>
+                <a:satMod val="130000"/>
+                <a:shade val="90000"/>
+                <a:lumMod val="103000"/>
+              </a:schemeClr>
+            </a:gs>
+            <a:gs pos="100000">
+              <a:schemeClr val="phClr">
+                <a:shade val="63000"/>
+                <a:satMod val="120000"/>
+              </a:schemeClr>
+            </a:gs>
+          </a:gsLst>
+          <a:lin ang="5400000" scaled="0"/>
+        </a:gradFill>
+      </a:bgFillStyleLst>
+    </a:fmtScheme>
+  </a:themeElements>
+  <a:objectDefaults/>
+  <a:extraClrSchemeLst/>
+  <a:extLst>
+    <a:ext uri="{05A4C25C-085E-4340-85A3-A5531E510DB2}">
+      <thm15:themeFamily xmlns:thm15="http://schemas.microsoft.com/office/thememl/2012/main" name="Office Theme" id="{62F939B6-93AF-4DB8-9C6B-D6C7DFDC589F}" vid="{4A3C46E8-61CC-4603-A589-7422A47A8E4A}"/>
+    </a:ext>
+  </a:extLst>
+</a:theme>
 </file>